--- a/escape.pptx
+++ b/escape.pptx
@@ -222,7 +222,7 @@
           <a:p>
             <a:fld id="{E8764360-6B9F-4CCE-85EA-4B0FA1018547}" type="datetimeFigureOut">
               <a:rPr lang="zh-HK" altLang="en-US" smtClean="0"/>
-              <a:t>07/07/17</a:t>
+              <a:t>19/7/2017</a:t>
             </a:fld>
             <a:endParaRPr lang="zh-HK" altLang="en-US"/>
           </a:p>
@@ -903,7 +903,7 @@
           <a:p>
             <a:fld id="{DEE1AA81-8F49-42D7-92A9-FEC432C0CCCC}" type="datetimeFigureOut">
               <a:rPr lang="zh-HK" altLang="en-US" smtClean="0"/>
-              <a:t>07/07/17</a:t>
+              <a:t>19/7/2017</a:t>
             </a:fld>
             <a:endParaRPr lang="zh-HK" altLang="en-US"/>
           </a:p>
@@ -1220,7 +1220,7 @@
           <a:p>
             <a:fld id="{DEE1AA81-8F49-42D7-92A9-FEC432C0CCCC}" type="datetimeFigureOut">
               <a:rPr lang="zh-HK" altLang="en-US" smtClean="0"/>
-              <a:t>07/07/17</a:t>
+              <a:t>19/7/2017</a:t>
             </a:fld>
             <a:endParaRPr lang="zh-HK" altLang="en-US"/>
           </a:p>
@@ -1506,7 +1506,7 @@
           <a:p>
             <a:fld id="{DEE1AA81-8F49-42D7-92A9-FEC432C0CCCC}" type="datetimeFigureOut">
               <a:rPr lang="zh-HK" altLang="en-US" smtClean="0"/>
-              <a:t>07/07/17</a:t>
+              <a:t>19/7/2017</a:t>
             </a:fld>
             <a:endParaRPr lang="zh-HK" altLang="en-US"/>
           </a:p>
@@ -1716,7 +1716,7 @@
           <a:p>
             <a:fld id="{DEE1AA81-8F49-42D7-92A9-FEC432C0CCCC}" type="datetimeFigureOut">
               <a:rPr lang="zh-HK" altLang="en-US" smtClean="0"/>
-              <a:t>07/07/17</a:t>
+              <a:t>19/7/2017</a:t>
             </a:fld>
             <a:endParaRPr lang="zh-HK" altLang="en-US"/>
           </a:p>
@@ -1926,7 +1926,7 @@
           <a:p>
             <a:fld id="{DEE1AA81-8F49-42D7-92A9-FEC432C0CCCC}" type="datetimeFigureOut">
               <a:rPr lang="zh-HK" altLang="en-US" smtClean="0"/>
-              <a:t>07/07/17</a:t>
+              <a:t>19/7/2017</a:t>
             </a:fld>
             <a:endParaRPr lang="zh-HK" altLang="en-US"/>
           </a:p>
@@ -2680,7 +2680,7 @@
         <p:spPr>
           <a:xfrm>
             <a:off x="438378" y="4147250"/>
-            <a:ext cx="1530351" cy="523220"/>
+            <a:ext cx="1530351" cy="738664"/>
           </a:xfrm>
           <a:prstGeom prst="rect">
             <a:avLst/>
@@ -2693,6 +2693,16 @@
           <a:lstStyle/>
           <a:p>
             <a:pPr algn="just"/>
+            <a:r>
+              <a:rPr lang="zh-CN" altLang="en-US" sz="1400" dirty="0">
+                <a:solidFill>
+                  <a:schemeClr val="bg2">
+                    <a:lumMod val="25000"/>
+                  </a:schemeClr>
+                </a:solidFill>
+              </a:rPr>
+              <a:t>高</a:t>
+            </a:r>
             <a:r>
               <a:rPr lang="zh-CN" altLang="en-US" sz="1400" dirty="0" smtClean="0">
                 <a:solidFill>
@@ -2701,7 +2711,7 @@
                   </a:schemeClr>
                 </a:solidFill>
               </a:rPr>
-              <a:t>心比天高，仇恨屌丝。</a:t>
+              <a:t>傲、瞧不起屌丝、内心渴望真爱</a:t>
             </a:r>
             <a:endParaRPr lang="zh-HK" altLang="en-US" sz="1400" dirty="0">
               <a:solidFill>
@@ -2858,6 +2868,18 @@
           <a:p>
             <a:pPr algn="ctr"/>
             <a:r>
+              <a:rPr lang="zh-CN" altLang="en-US" sz="1600" spc="300" dirty="0">
+                <a:solidFill>
+                  <a:schemeClr val="bg2">
+                    <a:lumMod val="25000"/>
+                  </a:schemeClr>
+                </a:solidFill>
+                <a:latin typeface="华文细黑" panose="02010600040101010101" pitchFamily="2" charset="-122"/>
+                <a:ea typeface="华文细黑" panose="02010600040101010101" pitchFamily="2" charset="-122"/>
+              </a:rPr>
+              <a:t>相</a:t>
+            </a:r>
+            <a:r>
               <a:rPr lang="zh-CN" altLang="en-US" sz="1600" spc="300" dirty="0" smtClean="0">
                 <a:solidFill>
                   <a:schemeClr val="bg2">
@@ -2867,7 +2889,19 @@
                 <a:latin typeface="华文细黑" panose="02010600040101010101" pitchFamily="2" charset="-122"/>
                 <a:ea typeface="华文细黑" panose="02010600040101010101" pitchFamily="2" charset="-122"/>
               </a:rPr>
-              <a:t>作用及关系</a:t>
+              <a:t>关</a:t>
+            </a:r>
+            <a:r>
+              <a:rPr lang="en-US" altLang="zh-CN" sz="1600" spc="300" dirty="0" smtClean="0">
+                <a:solidFill>
+                  <a:schemeClr val="bg2">
+                    <a:lumMod val="25000"/>
+                  </a:schemeClr>
+                </a:solidFill>
+                <a:latin typeface="华文细黑" panose="02010600040101010101" pitchFamily="2" charset="-122"/>
+                <a:ea typeface="华文细黑" panose="02010600040101010101" pitchFamily="2" charset="-122"/>
+              </a:rPr>
+              <a:t>NPC</a:t>
             </a:r>
             <a:endParaRPr lang="zh-HK" altLang="en-US" sz="1600" spc="300" dirty="0">
               <a:solidFill>
@@ -3714,7 +3748,7 @@
         <p:spPr>
           <a:xfrm>
             <a:off x="2382912" y="4149004"/>
-            <a:ext cx="1530351" cy="2400657"/>
+            <a:ext cx="1530351" cy="553998"/>
           </a:xfrm>
           <a:prstGeom prst="rect">
             <a:avLst/>
@@ -3732,20 +3766,8 @@
               </a:lnSpc>
             </a:pPr>
             <a:r>
-              <a:rPr lang="zh-CN" altLang="en-US" sz="1400" dirty="0"/>
-              <a:t>与其好感度提升后，可使用电脑（限制使用场景，但可与程序员</a:t>
-            </a:r>
-            <a:r>
-              <a:rPr lang="en-US" altLang="zh-CN" sz="1400" dirty="0"/>
-              <a:t>NPC</a:t>
-            </a:r>
-            <a:r>
-              <a:rPr lang="zh-CN" altLang="en-US" sz="1400" dirty="0"/>
-              <a:t>相关联，完成程序员分配的任务</a:t>
-            </a:r>
-            <a:r>
               <a:rPr lang="zh-CN" altLang="en-US" sz="1400" dirty="0" smtClean="0"/>
-              <a:t>。</a:t>
+              <a:t>一胖：真爱</a:t>
             </a:r>
             <a:endParaRPr lang="en-US" altLang="zh-CN" sz="1400" dirty="0" smtClean="0"/>
           </a:p>
@@ -3755,17 +3777,9 @@
                 <a:spcPts val="1780"/>
               </a:lnSpc>
             </a:pPr>
-            <a:endParaRPr lang="en-US" altLang="zh-HK" sz="1400" dirty="0"/>
-          </a:p>
-          <a:p>
-            <a:pPr algn="just">
-              <a:lnSpc>
-                <a:spcPts val="1780"/>
-              </a:lnSpc>
-            </a:pPr>
             <a:r>
               <a:rPr lang="zh-CN" altLang="en-US" sz="1400" dirty="0" smtClean="0"/>
-              <a:t>与讲师傅永浩情人关系。</a:t>
+              <a:t>啊辉：备胎</a:t>
             </a:r>
             <a:endParaRPr lang="en-US" altLang="zh-HK" sz="1400" dirty="0" smtClean="0"/>
           </a:p>
@@ -3780,7 +3794,7 @@
         <p:spPr>
           <a:xfrm>
             <a:off x="4295840" y="4146265"/>
-            <a:ext cx="1530351" cy="523220"/>
+            <a:ext cx="1530351" cy="307777"/>
           </a:xfrm>
           <a:prstGeom prst="rect">
             <a:avLst/>
@@ -3792,7 +3806,6 @@
           </a:bodyPr>
           <a:lstStyle/>
           <a:p>
-            <a:pPr algn="ctr"/>
             <a:r>
               <a:rPr lang="zh-CN" altLang="en-US" sz="1400" dirty="0" smtClean="0">
                 <a:solidFill>
@@ -3801,18 +3814,9 @@
                   </a:schemeClr>
                 </a:solidFill>
               </a:rPr>
-              <a:t>东莞失业女工</a:t>
+              <a:t>某平台主播</a:t>
             </a:r>
             <a:endParaRPr lang="en-US" altLang="zh-CN" sz="1400" dirty="0" smtClean="0">
-              <a:solidFill>
-                <a:schemeClr val="bg2">
-                  <a:lumMod val="25000"/>
-                </a:schemeClr>
-              </a:solidFill>
-            </a:endParaRPr>
-          </a:p>
-          <a:p>
-            <a:endParaRPr lang="en-US" altLang="zh-HK" sz="1400" dirty="0">
               <a:solidFill>
                 <a:schemeClr val="bg2">
                   <a:lumMod val="25000"/>
@@ -3830,7 +3834,7 @@
         </p:nvSpPr>
         <p:spPr>
           <a:xfrm>
-            <a:off x="6319952" y="4070303"/>
+            <a:off x="6374874" y="4118226"/>
             <a:ext cx="1530351" cy="307777"/>
           </a:xfrm>
           <a:prstGeom prst="rect">
@@ -3846,7 +3850,11 @@
             <a:pPr algn="ctr"/>
             <a:r>
               <a:rPr lang="zh-CN" altLang="en-US" sz="1400" dirty="0"/>
-              <a:t>应聘主播</a:t>
+              <a:t>应聘主</a:t>
+            </a:r>
+            <a:r>
+              <a:rPr lang="zh-CN" altLang="en-US" sz="1400" dirty="0" smtClean="0"/>
+              <a:t>播被骗</a:t>
             </a:r>
             <a:endParaRPr lang="zh-HK" altLang="en-US" sz="1400" dirty="0">
               <a:solidFill>
@@ -3866,8 +3874,8 @@
         </p:nvSpPr>
         <p:spPr>
           <a:xfrm>
-            <a:off x="8349303" y="3991052"/>
-            <a:ext cx="1530351" cy="523220"/>
+            <a:off x="8349303" y="4118226"/>
+            <a:ext cx="1530351" cy="307777"/>
           </a:xfrm>
           <a:prstGeom prst="rect">
             <a:avLst/>
@@ -3882,15 +3890,7 @@
             <a:pPr algn="just"/>
             <a:r>
               <a:rPr lang="zh-CN" altLang="en-US" sz="1400" dirty="0" smtClean="0"/>
-              <a:t>妄想有朝一日</a:t>
-            </a:r>
-            <a:r>
-              <a:rPr lang="zh-CN" altLang="en-US" sz="1400" dirty="0"/>
-              <a:t>傍上</a:t>
-            </a:r>
-            <a:r>
-              <a:rPr lang="zh-CN" altLang="en-US" sz="1400" dirty="0" smtClean="0"/>
-              <a:t>大款。</a:t>
+              <a:t>找到真爱</a:t>
             </a:r>
             <a:endParaRPr lang="zh-HK" altLang="en-US" sz="1400" dirty="0"/>
           </a:p>
@@ -3905,7 +3905,7 @@
         <p:spPr>
           <a:xfrm>
             <a:off x="10392542" y="3970176"/>
-            <a:ext cx="1530351" cy="2617704"/>
+            <a:ext cx="1530351" cy="2169825"/>
           </a:xfrm>
           <a:prstGeom prst="rect">
             <a:avLst/>
@@ -3923,16 +3923,68 @@
               </a:lnSpc>
             </a:pPr>
             <a:r>
-              <a:rPr lang="zh-CN" altLang="en-US" sz="1400" dirty="0"/>
-              <a:t>由于不可抗力，</a:t>
-            </a:r>
-            <a:r>
-              <a:rPr lang="zh-CN" altLang="en-US" sz="1400" dirty="0"/>
-              <a:t>薇儿失去了工作，打算投身于如火如荼的直播行业，在网上寻</a:t>
-            </a:r>
-            <a:r>
-              <a:rPr lang="zh-CN" altLang="en-US" sz="1400" dirty="0"/>
-              <a:t>得一工作室，不料被骗陷入传销窝点。其被成功洗脑后，在窝点直播卖骚，诱骗平台粉丝入坑。</a:t>
+              <a:rPr lang="zh-CN" altLang="en-US" sz="1400" dirty="0" smtClean="0"/>
+              <a:t>从小父亲去世，比较孤僻，想要博得别人关注，直到接触到直播。</a:t>
+            </a:r>
+            <a:endParaRPr lang="en-US" altLang="zh-CN" sz="1400" dirty="0" smtClean="0"/>
+          </a:p>
+          <a:p>
+            <a:pPr algn="just">
+              <a:lnSpc>
+                <a:spcPts val="1780"/>
+              </a:lnSpc>
+            </a:pPr>
+            <a:endParaRPr lang="en-US" altLang="zh-CN" sz="1400" dirty="0"/>
+          </a:p>
+          <a:p>
+            <a:pPr algn="just">
+              <a:lnSpc>
+                <a:spcPts val="1780"/>
+              </a:lnSpc>
+            </a:pPr>
+            <a:endParaRPr lang="en-US" altLang="zh-CN" sz="1400" dirty="0" smtClean="0">
+              <a:solidFill>
+                <a:schemeClr val="bg2">
+                  <a:lumMod val="25000"/>
+                </a:schemeClr>
+              </a:solidFill>
+            </a:endParaRPr>
+          </a:p>
+          <a:p>
+            <a:pPr algn="just">
+              <a:lnSpc>
+                <a:spcPts val="1780"/>
+              </a:lnSpc>
+            </a:pPr>
+            <a:r>
+              <a:rPr lang="zh-CN" altLang="en-US" sz="1400" dirty="0" smtClean="0">
+                <a:solidFill>
+                  <a:schemeClr val="bg2">
+                    <a:lumMod val="25000"/>
+                  </a:schemeClr>
+                </a:solidFill>
+              </a:rPr>
+              <a:t>遇到一胖（真爱），与其他</a:t>
+            </a:r>
+            <a:r>
+              <a:rPr lang="en-US" altLang="zh-CN" sz="1400" dirty="0" smtClean="0">
+                <a:solidFill>
+                  <a:schemeClr val="bg2">
+                    <a:lumMod val="25000"/>
+                  </a:schemeClr>
+                </a:solidFill>
+              </a:rPr>
+              <a:t>NPC</a:t>
+            </a:r>
+            <a:r>
+              <a:rPr lang="zh-CN" altLang="en-US" sz="1400" dirty="0" smtClean="0">
+                <a:solidFill>
+                  <a:schemeClr val="bg2">
+                    <a:lumMod val="25000"/>
+                  </a:schemeClr>
+                </a:solidFill>
+              </a:rPr>
+              <a:t>暧昧、周旋</a:t>
             </a:r>
             <a:endParaRPr lang="zh-HK" altLang="en-US" sz="1400" dirty="0">
               <a:solidFill>
@@ -4355,6 +4407,47 @@
               </a:effectLst>
               <a:latin typeface="华文细黑" panose="02010600040101010101" pitchFamily="2" charset="-122"/>
               <a:ea typeface="华文细黑" panose="02010600040101010101" pitchFamily="2" charset="-122"/>
+            </a:endParaRPr>
+          </a:p>
+        </p:txBody>
+      </p:sp>
+      <p:sp>
+        <p:nvSpPr>
+          <p:cNvPr id="33" name="矩形 33"/>
+          <p:cNvSpPr/>
+          <p:nvPr/>
+        </p:nvSpPr>
+        <p:spPr>
+          <a:xfrm>
+            <a:off x="4295840" y="4707356"/>
+            <a:ext cx="1530351" cy="307777"/>
+          </a:xfrm>
+          <a:prstGeom prst="rect">
+            <a:avLst/>
+          </a:prstGeom>
+        </p:spPr>
+        <p:txBody>
+          <a:bodyPr wrap="square">
+            <a:spAutoFit/>
+          </a:bodyPr>
+          <a:lstStyle/>
+          <a:p>
+            <a:r>
+              <a:rPr lang="zh-CN" altLang="en-US" sz="1400" dirty="0" smtClean="0">
+                <a:solidFill>
+                  <a:schemeClr val="bg2">
+                    <a:lumMod val="25000"/>
+                  </a:schemeClr>
+                </a:solidFill>
+              </a:rPr>
+              <a:t>技能待定</a:t>
+            </a:r>
+            <a:endParaRPr lang="en-US" altLang="zh-CN" sz="1400" dirty="0" smtClean="0">
+              <a:solidFill>
+                <a:schemeClr val="bg2">
+                  <a:lumMod val="25000"/>
+                </a:schemeClr>
+              </a:solidFill>
             </a:endParaRPr>
           </a:p>
         </p:txBody>
@@ -5575,11 +5668,7 @@
           <a:p>
             <a:r>
               <a:rPr kumimoji="1" lang="zh-CN" altLang="en-US" sz="2800" b="1" dirty="0" smtClean="0"/>
-              <a:t>被害</a:t>
-            </a:r>
-            <a:r>
-              <a:rPr kumimoji="1" lang="zh-CN" altLang="en-US" sz="2800" b="1" dirty="0" smtClean="0"/>
-              <a:t>人员</a:t>
+              <a:t>被害人员</a:t>
             </a:r>
             <a:endParaRPr kumimoji="1" lang="zh-CN" altLang="en-US" sz="2800" b="1" dirty="0"/>
           </a:p>
@@ -6743,6 +6832,16 @@
           <a:p>
             <a:pPr algn="just"/>
             <a:r>
+              <a:rPr lang="zh-CN" altLang="en-US" sz="1400" dirty="0">
+                <a:solidFill>
+                  <a:schemeClr val="bg2">
+                    <a:lumMod val="25000"/>
+                  </a:schemeClr>
+                </a:solidFill>
+              </a:rPr>
+              <a:t>猥琐</a:t>
+            </a:r>
+            <a:r>
               <a:rPr lang="zh-CN" altLang="en-US" sz="1400" dirty="0" smtClean="0">
                 <a:solidFill>
                   <a:schemeClr val="bg2">
@@ -6750,7 +6849,7 @@
                   </a:schemeClr>
                 </a:solidFill>
               </a:rPr>
-              <a:t>胆小猥琐，嫌富忌贫。</a:t>
+              <a:t>、自卑、爱编程。</a:t>
             </a:r>
             <a:endParaRPr lang="zh-HK" altLang="en-US" sz="1400" dirty="0">
               <a:solidFill>
@@ -6916,7 +7015,19 @@
                 <a:latin typeface="华文细黑" panose="02010600040101010101" pitchFamily="2" charset="-122"/>
                 <a:ea typeface="华文细黑" panose="02010600040101010101" pitchFamily="2" charset="-122"/>
               </a:rPr>
-              <a:t>作用及关系</a:t>
+              <a:t>相关</a:t>
+            </a:r>
+            <a:r>
+              <a:rPr lang="en-US" altLang="zh-CN" sz="1600" spc="300" dirty="0" smtClean="0">
+                <a:solidFill>
+                  <a:schemeClr val="bg2">
+                    <a:lumMod val="25000"/>
+                  </a:schemeClr>
+                </a:solidFill>
+                <a:latin typeface="华文细黑" panose="02010600040101010101" pitchFamily="2" charset="-122"/>
+                <a:ea typeface="华文细黑" panose="02010600040101010101" pitchFamily="2" charset="-122"/>
+              </a:rPr>
+              <a:t>NPC</a:t>
             </a:r>
             <a:endParaRPr lang="zh-HK" altLang="en-US" sz="1600" spc="300" dirty="0">
               <a:solidFill>
@@ -7588,11 +7699,7 @@
           <a:p>
             <a:r>
               <a:rPr kumimoji="1" lang="zh-CN" altLang="en-US" sz="2800" b="1" dirty="0" smtClean="0"/>
-              <a:t>被害</a:t>
-            </a:r>
-            <a:r>
-              <a:rPr kumimoji="1" lang="zh-CN" altLang="en-US" sz="2800" b="1" dirty="0" smtClean="0"/>
-              <a:t>人员</a:t>
+              <a:t>被害人员</a:t>
             </a:r>
             <a:endParaRPr kumimoji="1" lang="zh-CN" altLang="en-US" sz="2800" b="1" dirty="0"/>
           </a:p>
@@ -7767,7 +7874,7 @@
         <p:spPr>
           <a:xfrm>
             <a:off x="4295840" y="4146265"/>
-            <a:ext cx="1530351" cy="738664"/>
+            <a:ext cx="1530351" cy="954107"/>
           </a:xfrm>
           <a:prstGeom prst="rect">
             <a:avLst/>
@@ -7809,6 +7916,36 @@
             </a:endParaRPr>
           </a:p>
           <a:p>
+            <a:pPr algn="ctr"/>
+            <a:r>
+              <a:rPr lang="zh-CN" altLang="en-US" sz="1400" dirty="0">
+                <a:solidFill>
+                  <a:schemeClr val="bg2">
+                    <a:lumMod val="25000"/>
+                  </a:schemeClr>
+                </a:solidFill>
+              </a:rPr>
+              <a:t>使</a:t>
+            </a:r>
+            <a:r>
+              <a:rPr lang="zh-CN" altLang="en-US" sz="1400" dirty="0" smtClean="0">
+                <a:solidFill>
+                  <a:schemeClr val="bg2">
+                    <a:lumMod val="25000"/>
+                  </a:schemeClr>
+                </a:solidFill>
+              </a:rPr>
+              <a:t>用电脑</a:t>
+            </a:r>
+            <a:endParaRPr lang="en-US" altLang="zh-CN" sz="1400" dirty="0" smtClean="0">
+              <a:solidFill>
+                <a:schemeClr val="bg2">
+                  <a:lumMod val="25000"/>
+                </a:schemeClr>
+              </a:solidFill>
+            </a:endParaRPr>
+          </a:p>
+          <a:p>
             <a:endParaRPr lang="en-US" altLang="zh-HK" sz="1400" dirty="0">
               <a:solidFill>
                 <a:schemeClr val="bg2">
@@ -7827,7 +7964,7 @@
         </p:nvSpPr>
         <p:spPr>
           <a:xfrm>
-            <a:off x="6319952" y="4070303"/>
+            <a:off x="6336883" y="4146265"/>
             <a:ext cx="1530351" cy="523220"/>
           </a:xfrm>
           <a:prstGeom prst="rect">
@@ -7842,32 +7979,14 @@
           <a:p>
             <a:pPr algn="just"/>
             <a:r>
-              <a:rPr lang="zh-CN" altLang="en-US" sz="1400" dirty="0" smtClean="0"/>
-              <a:t>为</a:t>
-            </a:r>
-            <a:r>
-              <a:rPr lang="en-US" altLang="zh-CN" sz="1400" dirty="0" smtClean="0"/>
-              <a:t>B</a:t>
-            </a:r>
-            <a:r>
-              <a:rPr lang="zh-CN" altLang="en-US" sz="1400" dirty="0" smtClean="0"/>
-              <a:t>生，为</a:t>
-            </a:r>
-            <a:r>
-              <a:rPr lang="en-US" altLang="zh-CN" sz="1400" dirty="0" smtClean="0"/>
-              <a:t>B</a:t>
-            </a:r>
-            <a:r>
-              <a:rPr lang="zh-CN" altLang="en-US" sz="1400" dirty="0" smtClean="0"/>
-              <a:t>亡，为</a:t>
-            </a:r>
-            <a:r>
-              <a:rPr lang="en-US" altLang="zh-CN" sz="1400" dirty="0" smtClean="0"/>
-              <a:t>B</a:t>
-            </a:r>
-            <a:r>
-              <a:rPr lang="zh-CN" altLang="en-US" sz="1400" dirty="0" smtClean="0"/>
-              <a:t>甘当传销郎</a:t>
+              <a:rPr lang="zh-CN" altLang="en-US" sz="1400" dirty="0" smtClean="0">
+                <a:solidFill>
+                  <a:schemeClr val="bg2">
+                    <a:lumMod val="25000"/>
+                  </a:schemeClr>
+                </a:solidFill>
+              </a:rPr>
+              <a:t>被主播薇儿骗入坑</a:t>
             </a:r>
             <a:endParaRPr lang="zh-HK" altLang="en-US" sz="1400" dirty="0">
               <a:solidFill>
@@ -8302,8 +8421,8 @@
         </p:nvSpPr>
         <p:spPr>
           <a:xfrm>
-            <a:off x="10331557" y="3991052"/>
-            <a:ext cx="1530351" cy="2617704"/>
+            <a:off x="10451402" y="5434364"/>
+            <a:ext cx="1530351" cy="1015663"/>
           </a:xfrm>
           <a:prstGeom prst="rect">
             <a:avLst/>
@@ -8322,9 +8441,126 @@
             </a:pPr>
             <a:r>
               <a:rPr lang="zh-CN" altLang="en-US" sz="1400" dirty="0" smtClean="0"/>
-              <a:t>白天撸代码，深夜撸丝袜是程序员阿辉的日常，直到他遇到了薇儿，某直播平台女主播。他挥金如土只为博得佳人一笑。不久薇儿提出了见面，噩运之门从此为他打开。</a:t>
+              <a:t>被主播薇儿骗入坑，一心追求薇儿，不惜挥金如土。</a:t>
             </a:r>
             <a:endParaRPr lang="zh-HK" altLang="en-US" sz="1400" dirty="0"/>
+          </a:p>
+        </p:txBody>
+      </p:sp>
+      <p:sp>
+        <p:nvSpPr>
+          <p:cNvPr id="3" name="TextBox 2"/>
+          <p:cNvSpPr txBox="1"/>
+          <p:nvPr/>
+        </p:nvSpPr>
+        <p:spPr>
+          <a:xfrm>
+            <a:off x="2287595" y="4124402"/>
+            <a:ext cx="1514860" cy="1754326"/>
+          </a:xfrm>
+          <a:prstGeom prst="rect">
+            <a:avLst/>
+          </a:prstGeom>
+          <a:noFill/>
+        </p:spPr>
+        <p:txBody>
+          <a:bodyPr wrap="square" rtlCol="0">
+            <a:spAutoFit/>
+          </a:bodyPr>
+          <a:lstStyle/>
+          <a:p>
+            <a:r>
+              <a:rPr lang="zh-CN" altLang="en-US" dirty="0" smtClean="0"/>
+              <a:t>薇儿</a:t>
+            </a:r>
+            <a:endParaRPr lang="en-US" altLang="zh-CN" dirty="0" smtClean="0"/>
+          </a:p>
+          <a:p>
+            <a:endParaRPr lang="en-US" altLang="zh-CN" dirty="0"/>
+          </a:p>
+          <a:p>
+            <a:r>
+              <a:rPr lang="zh-CN" altLang="en-US" dirty="0" smtClean="0"/>
+              <a:t>一胖（情敌）</a:t>
+            </a:r>
+            <a:endParaRPr lang="en-US" altLang="zh-CN" dirty="0" smtClean="0"/>
+          </a:p>
+          <a:p>
+            <a:endParaRPr lang="en-US" altLang="zh-CN" dirty="0"/>
+          </a:p>
+          <a:p>
+            <a:endParaRPr lang="en-US" altLang="zh-CN" dirty="0" smtClean="0"/>
+          </a:p>
+          <a:p>
+            <a:endParaRPr lang="zh-CN" altLang="en-US" dirty="0"/>
+          </a:p>
+        </p:txBody>
+      </p:sp>
+      <p:sp>
+        <p:nvSpPr>
+          <p:cNvPr id="4" name="TextBox 3"/>
+          <p:cNvSpPr txBox="1"/>
+          <p:nvPr/>
+        </p:nvSpPr>
+        <p:spPr>
+          <a:xfrm>
+            <a:off x="10456551" y="4124402"/>
+            <a:ext cx="1339912" cy="1169551"/>
+          </a:xfrm>
+          <a:prstGeom prst="rect">
+            <a:avLst/>
+          </a:prstGeom>
+          <a:noFill/>
+        </p:spPr>
+        <p:txBody>
+          <a:bodyPr wrap="square" rtlCol="0">
+            <a:spAutoFit/>
+          </a:bodyPr>
+          <a:lstStyle/>
+          <a:p>
+            <a:r>
+              <a:rPr lang="zh-CN" altLang="en-US" sz="1400" dirty="0" smtClean="0"/>
+              <a:t>小时候很穷，没见过世面，比较自卑。以为当程序员就是比尔盖茨。</a:t>
+            </a:r>
+            <a:endParaRPr lang="zh-CN" altLang="en-US" sz="1400" dirty="0"/>
+          </a:p>
+        </p:txBody>
+      </p:sp>
+      <p:sp>
+        <p:nvSpPr>
+          <p:cNvPr id="5" name="TextBox 4"/>
+          <p:cNvSpPr txBox="1"/>
+          <p:nvPr/>
+        </p:nvSpPr>
+        <p:spPr>
+          <a:xfrm>
+            <a:off x="8397434" y="4131858"/>
+            <a:ext cx="1597386" cy="923330"/>
+          </a:xfrm>
+          <a:prstGeom prst="rect">
+            <a:avLst/>
+          </a:prstGeom>
+          <a:noFill/>
+        </p:spPr>
+        <p:txBody>
+          <a:bodyPr wrap="square" rtlCol="0">
+            <a:spAutoFit/>
+          </a:bodyPr>
+          <a:lstStyle/>
+          <a:p>
+            <a:r>
+              <a:rPr lang="zh-CN" altLang="en-US" dirty="0" smtClean="0"/>
+              <a:t>升职加薪，迎</a:t>
+            </a:r>
+            <a:r>
+              <a:rPr lang="zh-CN" altLang="en-US" dirty="0"/>
+              <a:t>娶白富</a:t>
+            </a:r>
+            <a:r>
+              <a:rPr lang="zh-CN" altLang="en-US" dirty="0" smtClean="0"/>
+              <a:t>美，走上人生巅峰</a:t>
+            </a:r>
+            <a:endParaRPr lang="zh-CN" altLang="en-US" dirty="0"/>
           </a:p>
         </p:txBody>
       </p:sp>
@@ -8707,17 +8943,7 @@
                   </a:schemeClr>
                 </a:solidFill>
               </a:rPr>
-              <a:t>好吃懒做</a:t>
-            </a:r>
-            <a:r>
-              <a:rPr lang="zh-CN" altLang="en-US" sz="1400" dirty="0" smtClean="0">
-                <a:solidFill>
-                  <a:schemeClr val="bg2">
-                    <a:lumMod val="25000"/>
-                  </a:schemeClr>
-                </a:solidFill>
-              </a:rPr>
-              <a:t>，唯利是图。</a:t>
+              <a:t>好吃懒做，唯利是图。</a:t>
             </a:r>
             <a:endParaRPr lang="zh-HK" altLang="en-US" sz="1400" dirty="0">
               <a:solidFill>
@@ -8852,53 +9078,6 @@
       </p:sp>
       <p:sp>
         <p:nvSpPr>
-          <p:cNvPr id="80" name="文本框 79"/>
-          <p:cNvSpPr txBox="1"/>
-          <p:nvPr/>
-        </p:nvSpPr>
-        <p:spPr>
-          <a:xfrm>
-            <a:off x="2181078" y="3600844"/>
-            <a:ext cx="1774832" cy="338554"/>
-          </a:xfrm>
-          <a:prstGeom prst="rect">
-            <a:avLst/>
-          </a:prstGeom>
-          <a:noFill/>
-        </p:spPr>
-        <p:txBody>
-          <a:bodyPr wrap="square" rtlCol="0">
-            <a:spAutoFit/>
-          </a:bodyPr>
-          <a:lstStyle/>
-          <a:p>
-            <a:pPr algn="ctr"/>
-            <a:r>
-              <a:rPr lang="zh-CN" altLang="en-US" sz="1600" spc="300" dirty="0" smtClean="0">
-                <a:solidFill>
-                  <a:schemeClr val="bg2">
-                    <a:lumMod val="25000"/>
-                  </a:schemeClr>
-                </a:solidFill>
-                <a:latin typeface="华文细黑" panose="02010600040101010101" pitchFamily="2" charset="-122"/>
-                <a:ea typeface="华文细黑" panose="02010600040101010101" pitchFamily="2" charset="-122"/>
-              </a:rPr>
-              <a:t>作用及关系</a:t>
-            </a:r>
-            <a:endParaRPr lang="zh-HK" altLang="en-US" sz="1600" spc="300" dirty="0">
-              <a:solidFill>
-                <a:schemeClr val="bg2">
-                  <a:lumMod val="25000"/>
-                </a:schemeClr>
-              </a:solidFill>
-              <a:latin typeface="华文细黑" panose="02010600040101010101" pitchFamily="2" charset="-122"/>
-              <a:ea typeface="华文细黑" panose="02010600040101010101" pitchFamily="2" charset="-122"/>
-            </a:endParaRPr>
-          </a:p>
-        </p:txBody>
-      </p:sp>
-      <p:sp>
-        <p:nvSpPr>
           <p:cNvPr id="83" name="任意多边形 82"/>
           <p:cNvSpPr/>
           <p:nvPr/>
@@ -9433,7 +9612,19 @@
                 <a:latin typeface="华文细黑" panose="02010600040101010101" pitchFamily="2" charset="-122"/>
                 <a:ea typeface="华文细黑" panose="02010600040101010101" pitchFamily="2" charset="-122"/>
               </a:rPr>
-              <a:t> 大利</a:t>
+              <a:t> </a:t>
+            </a:r>
+            <a:r>
+              <a:rPr lang="zh-CN" altLang="en-US" sz="3200" b="1" dirty="0" smtClean="0">
+                <a:solidFill>
+                  <a:schemeClr val="bg2">
+                    <a:lumMod val="25000"/>
+                  </a:schemeClr>
+                </a:solidFill>
+                <a:latin typeface="华文细黑" panose="02010600040101010101" pitchFamily="2" charset="-122"/>
+                <a:ea typeface="华文细黑" panose="02010600040101010101" pitchFamily="2" charset="-122"/>
+              </a:rPr>
+              <a:t>坤哥</a:t>
             </a:r>
             <a:endParaRPr lang="zh-HK" altLang="en-US" sz="3200" b="1" dirty="0">
               <a:solidFill>
@@ -9538,7 +9729,7 @@
         </p:nvSpPr>
         <p:spPr>
           <a:xfrm>
-            <a:off x="2015446" y="1127994"/>
+            <a:off x="1885905" y="1125065"/>
             <a:ext cx="1618196" cy="523220"/>
           </a:xfrm>
           <a:prstGeom prst="rect">
@@ -9722,56 +9913,14 @@
       </p:sp>
       <p:sp>
         <p:nvSpPr>
-          <p:cNvPr id="32" name="矩形 31"/>
-          <p:cNvSpPr/>
-          <p:nvPr/>
-        </p:nvSpPr>
-        <p:spPr>
-          <a:xfrm>
-            <a:off x="2325470" y="4144440"/>
-            <a:ext cx="1530351" cy="784830"/>
-          </a:xfrm>
-          <a:prstGeom prst="rect">
-            <a:avLst/>
-          </a:prstGeom>
-        </p:spPr>
-        <p:txBody>
-          <a:bodyPr wrap="square">
-            <a:spAutoFit/>
-          </a:bodyPr>
-          <a:lstStyle/>
-          <a:p>
-            <a:pPr algn="just">
-              <a:lnSpc>
-                <a:spcPts val="1780"/>
-              </a:lnSpc>
-            </a:pPr>
-            <a:r>
-              <a:rPr lang="zh-CN" altLang="en-US" sz="1400" dirty="0" smtClean="0"/>
-              <a:t>自由出入传销组织，私下贩卖物品给</a:t>
-            </a:r>
-            <a:r>
-              <a:rPr lang="en-US" altLang="zh-CN" sz="1400" dirty="0" smtClean="0"/>
-              <a:t>NPC</a:t>
-            </a:r>
-            <a:r>
-              <a:rPr lang="zh-CN" altLang="en-US" sz="1400" dirty="0" smtClean="0"/>
-              <a:t>。</a:t>
-            </a:r>
-            <a:endParaRPr lang="en-US" altLang="zh-HK" sz="1400" dirty="0" smtClean="0"/>
-          </a:p>
-        </p:txBody>
-      </p:sp>
-      <p:sp>
-        <p:nvSpPr>
           <p:cNvPr id="34" name="矩形 33"/>
           <p:cNvSpPr/>
           <p:nvPr/>
         </p:nvSpPr>
         <p:spPr>
           <a:xfrm>
-            <a:off x="4295840" y="4146265"/>
-            <a:ext cx="1530351" cy="738664"/>
+            <a:off x="4295840" y="4224191"/>
+            <a:ext cx="1530351" cy="954107"/>
           </a:xfrm>
           <a:prstGeom prst="rect">
             <a:avLst/>
@@ -9792,7 +9941,27 @@
                   </a:schemeClr>
                 </a:solidFill>
               </a:rPr>
-              <a:t>包租公</a:t>
+              <a:t>超市</a:t>
+            </a:r>
+            <a:r>
+              <a:rPr lang="en-US" altLang="zh-CN" sz="1400" dirty="0" smtClean="0">
+                <a:solidFill>
+                  <a:schemeClr val="bg2">
+                    <a:lumMod val="25000"/>
+                  </a:schemeClr>
+                </a:solidFill>
+              </a:rPr>
+              <a:t>&amp;</a:t>
+            </a:r>
+            <a:r>
+              <a:rPr lang="zh-CN" altLang="en-US" sz="1400" dirty="0" smtClean="0">
+                <a:solidFill>
+                  <a:schemeClr val="bg2">
+                    <a:lumMod val="25000"/>
+                  </a:schemeClr>
+                </a:solidFill>
+              </a:rPr>
+              <a:t>食堂老板</a:t>
             </a:r>
             <a:endParaRPr lang="en-US" altLang="zh-CN" sz="1400" dirty="0" smtClean="0">
               <a:solidFill>
@@ -9804,6 +9973,26 @@
           </a:p>
           <a:p>
             <a:pPr algn="ctr"/>
+            <a:endParaRPr lang="en-US" altLang="zh-CN" sz="1400" dirty="0">
+              <a:solidFill>
+                <a:schemeClr val="bg2">
+                  <a:lumMod val="25000"/>
+                </a:schemeClr>
+              </a:solidFill>
+            </a:endParaRPr>
+          </a:p>
+          <a:p>
+            <a:pPr algn="ctr"/>
+            <a:r>
+              <a:rPr lang="zh-CN" altLang="en-US" sz="1400" dirty="0" smtClean="0">
+                <a:solidFill>
+                  <a:schemeClr val="bg2">
+                    <a:lumMod val="25000"/>
+                  </a:schemeClr>
+                </a:solidFill>
+              </a:rPr>
+              <a:t>买卖物品</a:t>
+            </a:r>
             <a:endParaRPr lang="en-US" altLang="zh-CN" sz="1400" dirty="0" smtClean="0">
               <a:solidFill>
                 <a:schemeClr val="bg2">
@@ -9831,7 +10020,7 @@
         </p:nvSpPr>
         <p:spPr>
           <a:xfrm>
-            <a:off x="6319952" y="4070303"/>
+            <a:off x="6374874" y="4101080"/>
             <a:ext cx="1530351" cy="307777"/>
           </a:xfrm>
           <a:prstGeom prst="rect">
@@ -9846,8 +10035,14 @@
           <a:p>
             <a:pPr algn="just"/>
             <a:r>
-              <a:rPr lang="zh-CN" altLang="en-US" sz="1400" dirty="0" smtClean="0"/>
-              <a:t>为</a:t>
+              <a:rPr lang="zh-CN" altLang="en-US" sz="1400" dirty="0" smtClean="0">
+                <a:solidFill>
+                  <a:schemeClr val="bg2">
+                    <a:lumMod val="25000"/>
+                  </a:schemeClr>
+                </a:solidFill>
+              </a:rPr>
+              <a:t>认为传销赚大钱</a:t>
             </a:r>
             <a:endParaRPr lang="zh-HK" altLang="en-US" sz="1400" dirty="0">
               <a:solidFill>
@@ -10282,8 +10477,8 @@
         </p:nvSpPr>
         <p:spPr>
           <a:xfrm>
-            <a:off x="10331557" y="3991052"/>
-            <a:ext cx="1530351" cy="1938992"/>
+            <a:off x="10429491" y="5248955"/>
+            <a:ext cx="1530351" cy="784830"/>
           </a:xfrm>
           <a:prstGeom prst="rect">
             <a:avLst/>
@@ -10302,9 +10497,132 @@
             </a:pPr>
             <a:r>
               <a:rPr lang="zh-CN" altLang="en-US" sz="1400" dirty="0" smtClean="0"/>
-              <a:t>大利是标准的无业游民，靠拆迁得来的两套房混吃等死，为了高额的租金与传销组织沆瀣一气，时常替传销团伙打掩护。</a:t>
+              <a:t>认识一胖后，一拍即合，干起传销勾当</a:t>
             </a:r>
             <a:endParaRPr lang="zh-HK" altLang="en-US" sz="1400" dirty="0"/>
+          </a:p>
+        </p:txBody>
+      </p:sp>
+      <p:sp>
+        <p:nvSpPr>
+          <p:cNvPr id="3" name="TextBox 2"/>
+          <p:cNvSpPr txBox="1"/>
+          <p:nvPr/>
+        </p:nvSpPr>
+        <p:spPr>
+          <a:xfrm>
+            <a:off x="10384367" y="4147250"/>
+            <a:ext cx="1484280" cy="954107"/>
+          </a:xfrm>
+          <a:prstGeom prst="rect">
+            <a:avLst/>
+          </a:prstGeom>
+          <a:noFill/>
+        </p:spPr>
+        <p:txBody>
+          <a:bodyPr wrap="square" rtlCol="0">
+            <a:spAutoFit/>
+          </a:bodyPr>
+          <a:lstStyle/>
+          <a:p>
+            <a:r>
+              <a:rPr lang="zh-CN" altLang="en-US" sz="1400" dirty="0"/>
+              <a:t>家</a:t>
+            </a:r>
+            <a:r>
+              <a:rPr lang="zh-CN" altLang="en-US" sz="1400" dirty="0" smtClean="0"/>
+              <a:t>里是暴发户，不懂得努力。后来家产败光，开了超市</a:t>
+            </a:r>
+            <a:endParaRPr lang="zh-CN" altLang="en-US" sz="1400" dirty="0"/>
+          </a:p>
+        </p:txBody>
+      </p:sp>
+      <p:sp>
+        <p:nvSpPr>
+          <p:cNvPr id="4" name="TextBox 3"/>
+          <p:cNvSpPr txBox="1"/>
+          <p:nvPr/>
+        </p:nvSpPr>
+        <p:spPr>
+          <a:xfrm>
+            <a:off x="8464990" y="4070303"/>
+            <a:ext cx="1348966" cy="369332"/>
+          </a:xfrm>
+          <a:prstGeom prst="rect">
+            <a:avLst/>
+          </a:prstGeom>
+          <a:noFill/>
+        </p:spPr>
+        <p:txBody>
+          <a:bodyPr wrap="square" rtlCol="0">
+            <a:spAutoFit/>
+          </a:bodyPr>
+          <a:lstStyle/>
+          <a:p>
+            <a:r>
+              <a:rPr lang="zh-CN" altLang="en-US" dirty="0" smtClean="0"/>
+              <a:t>躺着来钱</a:t>
+            </a:r>
+            <a:endParaRPr lang="zh-CN" altLang="en-US" dirty="0"/>
+          </a:p>
+        </p:txBody>
+      </p:sp>
+      <p:sp>
+        <p:nvSpPr>
+          <p:cNvPr id="33" name="文本框 79"/>
+          <p:cNvSpPr txBox="1"/>
+          <p:nvPr/>
+        </p:nvSpPr>
+        <p:spPr>
+          <a:xfrm>
+            <a:off x="2196151" y="3574167"/>
+            <a:ext cx="1774832" cy="338554"/>
+          </a:xfrm>
+          <a:prstGeom prst="rect">
+            <a:avLst/>
+          </a:prstGeom>
+          <a:noFill/>
+        </p:spPr>
+        <p:txBody>
+          <a:bodyPr wrap="square" rtlCol="0">
+            <a:spAutoFit/>
+          </a:bodyPr>
+          <a:lstStyle/>
+          <a:p>
+            <a:pPr algn="ctr"/>
+            <a:r>
+              <a:rPr lang="zh-CN" altLang="en-US" sz="1600" spc="300" dirty="0" smtClean="0">
+                <a:solidFill>
+                  <a:schemeClr val="bg2">
+                    <a:lumMod val="25000"/>
+                  </a:schemeClr>
+                </a:solidFill>
+                <a:latin typeface="华文细黑" panose="02010600040101010101" pitchFamily="2" charset="-122"/>
+                <a:ea typeface="华文细黑" panose="02010600040101010101" pitchFamily="2" charset="-122"/>
+              </a:rPr>
+              <a:t>相关</a:t>
+            </a:r>
+            <a:r>
+              <a:rPr lang="en-US" altLang="zh-CN" sz="1600" spc="300" dirty="0" smtClean="0">
+                <a:solidFill>
+                  <a:schemeClr val="bg2">
+                    <a:lumMod val="25000"/>
+                  </a:schemeClr>
+                </a:solidFill>
+                <a:latin typeface="华文细黑" panose="02010600040101010101" pitchFamily="2" charset="-122"/>
+                <a:ea typeface="华文细黑" panose="02010600040101010101" pitchFamily="2" charset="-122"/>
+              </a:rPr>
+              <a:t>NPC</a:t>
+            </a:r>
+            <a:endParaRPr lang="zh-HK" altLang="en-US" sz="1600" spc="300" dirty="0">
+              <a:solidFill>
+                <a:schemeClr val="bg2">
+                  <a:lumMod val="25000"/>
+                </a:schemeClr>
+              </a:solidFill>
+              <a:latin typeface="华文细黑" panose="02010600040101010101" pitchFamily="2" charset="-122"/>
+              <a:ea typeface="华文细黑" panose="02010600040101010101" pitchFamily="2" charset="-122"/>
+            </a:endParaRPr>
           </a:p>
         </p:txBody>
       </p:sp>
@@ -10687,7 +11005,7 @@
                   </a:schemeClr>
                 </a:solidFill>
               </a:rPr>
-              <a:t>富有热情，争强好胜</a:t>
+              <a:t>好大喜功、投机取巧、喜欢吹牛</a:t>
             </a:r>
             <a:endParaRPr lang="zh-HK" altLang="en-US" sz="1400" dirty="0">
               <a:solidFill>
@@ -10844,6 +11162,18 @@
           <a:p>
             <a:pPr algn="ctr"/>
             <a:r>
+              <a:rPr lang="en-US" altLang="zh-CN" sz="1600" spc="300" dirty="0" smtClean="0">
+                <a:solidFill>
+                  <a:schemeClr val="bg2">
+                    <a:lumMod val="25000"/>
+                  </a:schemeClr>
+                </a:solidFill>
+                <a:latin typeface="华文细黑" panose="02010600040101010101" pitchFamily="2" charset="-122"/>
+                <a:ea typeface="华文细黑" panose="02010600040101010101" pitchFamily="2" charset="-122"/>
+              </a:rPr>
+              <a:t>NPC</a:t>
+            </a:r>
+            <a:r>
               <a:rPr lang="zh-CN" altLang="en-US" sz="1600" spc="300" dirty="0" smtClean="0">
                 <a:solidFill>
                   <a:schemeClr val="bg2">
@@ -10853,7 +11183,19 @@
                 <a:latin typeface="华文细黑" panose="02010600040101010101" pitchFamily="2" charset="-122"/>
                 <a:ea typeface="华文细黑" panose="02010600040101010101" pitchFamily="2" charset="-122"/>
               </a:rPr>
-              <a:t>作用及关系</a:t>
+              <a:t>关</a:t>
+            </a:r>
+            <a:r>
+              <a:rPr lang="zh-CN" altLang="en-US" sz="1600" spc="300" dirty="0" smtClean="0">
+                <a:solidFill>
+                  <a:schemeClr val="bg2">
+                    <a:lumMod val="25000"/>
+                  </a:schemeClr>
+                </a:solidFill>
+                <a:latin typeface="华文细黑" panose="02010600040101010101" pitchFamily="2" charset="-122"/>
+                <a:ea typeface="华文细黑" panose="02010600040101010101" pitchFamily="2" charset="-122"/>
+              </a:rPr>
+              <a:t>系</a:t>
             </a:r>
             <a:endParaRPr lang="zh-HK" altLang="en-US" sz="1600" spc="300" dirty="0">
               <a:solidFill>
@@ -11403,7 +11745,19 @@
                 <a:latin typeface="华文细黑" panose="02010600040101010101" pitchFamily="2" charset="-122"/>
                 <a:ea typeface="华文细黑" panose="02010600040101010101" pitchFamily="2" charset="-122"/>
               </a:rPr>
-              <a:t> 钢蛋</a:t>
+              <a:t> </a:t>
+            </a:r>
+            <a:r>
+              <a:rPr lang="zh-CN" altLang="en-US" sz="3200" b="1" dirty="0" smtClean="0">
+                <a:solidFill>
+                  <a:schemeClr val="bg2">
+                    <a:lumMod val="25000"/>
+                  </a:schemeClr>
+                </a:solidFill>
+                <a:latin typeface="华文细黑" panose="02010600040101010101" pitchFamily="2" charset="-122"/>
+                <a:ea typeface="华文细黑" panose="02010600040101010101" pitchFamily="2" charset="-122"/>
+              </a:rPr>
+              <a:t>魏祥</a:t>
             </a:r>
             <a:endParaRPr lang="zh-HK" altLang="en-US" sz="3200" b="1" dirty="0">
               <a:solidFill>
@@ -11508,7 +11862,7 @@
         </p:nvSpPr>
         <p:spPr>
           <a:xfrm>
-            <a:off x="1967971" y="1152378"/>
+            <a:off x="1966680" y="979830"/>
             <a:ext cx="1618196" cy="523220"/>
           </a:xfrm>
           <a:prstGeom prst="rect">
@@ -11692,14 +12046,14 @@
       </p:sp>
       <p:sp>
         <p:nvSpPr>
-          <p:cNvPr id="32" name="矩形 31"/>
+          <p:cNvPr id="34" name="矩形 33"/>
           <p:cNvSpPr/>
           <p:nvPr/>
         </p:nvSpPr>
         <p:spPr>
           <a:xfrm>
-            <a:off x="2325470" y="4144440"/>
-            <a:ext cx="1530351" cy="553998"/>
+            <a:off x="4295840" y="4146265"/>
+            <a:ext cx="1530351" cy="738664"/>
           </a:xfrm>
           <a:prstGeom prst="rect">
             <a:avLst/>
@@ -11711,29 +12065,46 @@
           </a:bodyPr>
           <a:lstStyle/>
           <a:p>
-            <a:pPr algn="just">
-              <a:lnSpc>
-                <a:spcPts val="1780"/>
-              </a:lnSpc>
-            </a:pPr>
-            <a:r>
-              <a:rPr lang="zh-CN" altLang="en-US" sz="1400" dirty="0" smtClean="0"/>
-              <a:t>动手能力强，在游戏中合成道具</a:t>
-            </a:r>
-            <a:endParaRPr lang="en-US" altLang="zh-HK" sz="1400" dirty="0" smtClean="0"/>
-          </a:p>
-        </p:txBody>
-      </p:sp>
-      <p:sp>
-        <p:nvSpPr>
-          <p:cNvPr id="34" name="矩形 33"/>
+            <a:pPr algn="ctr"/>
+            <a:endParaRPr lang="en-US" altLang="zh-CN" sz="1400" dirty="0" smtClean="0">
+              <a:solidFill>
+                <a:schemeClr val="bg2">
+                  <a:lumMod val="25000"/>
+                </a:schemeClr>
+              </a:solidFill>
+            </a:endParaRPr>
+          </a:p>
+          <a:p>
+            <a:pPr algn="ctr"/>
+            <a:endParaRPr lang="en-US" altLang="zh-CN" sz="1400" dirty="0" smtClean="0">
+              <a:solidFill>
+                <a:schemeClr val="bg2">
+                  <a:lumMod val="25000"/>
+                </a:schemeClr>
+              </a:solidFill>
+            </a:endParaRPr>
+          </a:p>
+          <a:p>
+            <a:endParaRPr lang="en-US" altLang="zh-HK" sz="1400" dirty="0">
+              <a:solidFill>
+                <a:schemeClr val="bg2">
+                  <a:lumMod val="25000"/>
+                </a:schemeClr>
+              </a:solidFill>
+            </a:endParaRPr>
+          </a:p>
+        </p:txBody>
+      </p:sp>
+      <p:sp>
+        <p:nvSpPr>
+          <p:cNvPr id="35" name="矩形 34"/>
           <p:cNvSpPr/>
           <p:nvPr/>
         </p:nvSpPr>
         <p:spPr>
           <a:xfrm>
-            <a:off x="4295840" y="4146265"/>
-            <a:ext cx="1530351" cy="738664"/>
+            <a:off x="6373287" y="4216696"/>
+            <a:ext cx="1530351" cy="307777"/>
           </a:xfrm>
           <a:prstGeom prst="rect">
             <a:avLst/>
@@ -11746,60 +12117,13 @@
           <a:lstStyle/>
           <a:p>
             <a:pPr algn="ctr"/>
-            <a:endParaRPr lang="en-US" altLang="zh-CN" sz="1400" dirty="0" smtClean="0">
-              <a:solidFill>
-                <a:schemeClr val="bg2">
-                  <a:lumMod val="25000"/>
-                </a:schemeClr>
-              </a:solidFill>
-            </a:endParaRPr>
-          </a:p>
-          <a:p>
-            <a:pPr algn="ctr"/>
-            <a:endParaRPr lang="en-US" altLang="zh-CN" sz="1400" dirty="0" smtClean="0">
-              <a:solidFill>
-                <a:schemeClr val="bg2">
-                  <a:lumMod val="25000"/>
-                </a:schemeClr>
-              </a:solidFill>
-            </a:endParaRPr>
-          </a:p>
-          <a:p>
-            <a:endParaRPr lang="en-US" altLang="zh-HK" sz="1400" dirty="0">
-              <a:solidFill>
-                <a:schemeClr val="bg2">
-                  <a:lumMod val="25000"/>
-                </a:schemeClr>
-              </a:solidFill>
-            </a:endParaRPr>
-          </a:p>
-        </p:txBody>
-      </p:sp>
-      <p:sp>
-        <p:nvSpPr>
-          <p:cNvPr id="35" name="矩形 34"/>
-          <p:cNvSpPr/>
-          <p:nvPr/>
-        </p:nvSpPr>
-        <p:spPr>
-          <a:xfrm>
-            <a:off x="6319952" y="4070303"/>
-            <a:ext cx="1530351" cy="307777"/>
-          </a:xfrm>
-          <a:prstGeom prst="rect">
-            <a:avLst/>
-          </a:prstGeom>
-        </p:spPr>
-        <p:txBody>
-          <a:bodyPr wrap="square">
-            <a:spAutoFit/>
-          </a:bodyPr>
-          <a:lstStyle/>
-          <a:p>
-            <a:pPr algn="ctr"/>
             <a:r>
               <a:rPr lang="zh-CN" altLang="en-US" sz="1400" dirty="0" smtClean="0"/>
-              <a:t>寻求投资</a:t>
+              <a:t>寻求投</a:t>
+            </a:r>
+            <a:r>
+              <a:rPr lang="zh-CN" altLang="en-US" sz="1400" dirty="0" smtClean="0"/>
+              <a:t>资被骗</a:t>
             </a:r>
             <a:endParaRPr lang="zh-HK" altLang="en-US" sz="1400" dirty="0">
               <a:solidFill>
@@ -12234,8 +12558,8 @@
         </p:nvSpPr>
         <p:spPr>
           <a:xfrm>
-            <a:off x="10331557" y="3991052"/>
-            <a:ext cx="1530351" cy="1938992"/>
+            <a:off x="10339243" y="4919008"/>
+            <a:ext cx="1530351" cy="784830"/>
           </a:xfrm>
           <a:prstGeom prst="rect">
             <a:avLst/>
@@ -12254,9 +12578,201 @@
             </a:pPr>
             <a:r>
               <a:rPr lang="zh-CN" altLang="en-US" sz="1400" dirty="0" smtClean="0"/>
-              <a:t>钢蛋是富土康流水线的一名手机质检员，不甘于平凡的他梦想着创立自己的手机品牌，不料在寻求投资的路上陷入传销泥潭。</a:t>
+              <a:t>对传销深信不疑，坚信自己能干一番大事业。</a:t>
             </a:r>
             <a:endParaRPr lang="zh-HK" altLang="en-US" sz="1400" dirty="0"/>
+          </a:p>
+        </p:txBody>
+      </p:sp>
+      <p:sp>
+        <p:nvSpPr>
+          <p:cNvPr id="3" name="TextBox 2"/>
+          <p:cNvSpPr txBox="1"/>
+          <p:nvPr/>
+        </p:nvSpPr>
+        <p:spPr>
+          <a:xfrm>
+            <a:off x="10339243" y="4052107"/>
+            <a:ext cx="1686939" cy="738664"/>
+          </a:xfrm>
+          <a:prstGeom prst="rect">
+            <a:avLst/>
+          </a:prstGeom>
+          <a:noFill/>
+        </p:spPr>
+        <p:txBody>
+          <a:bodyPr wrap="square" rtlCol="0">
+            <a:spAutoFit/>
+          </a:bodyPr>
+          <a:lstStyle/>
+          <a:p>
+            <a:r>
+              <a:rPr lang="zh-CN" altLang="en-US" sz="1400" dirty="0" smtClean="0"/>
+              <a:t>父亲认为他无用，想要向父亲证明自己。</a:t>
+            </a:r>
+            <a:endParaRPr lang="zh-CN" altLang="en-US" sz="1400" dirty="0"/>
+          </a:p>
+        </p:txBody>
+      </p:sp>
+      <p:sp>
+        <p:nvSpPr>
+          <p:cNvPr id="33" name="矩形 34"/>
+          <p:cNvSpPr/>
+          <p:nvPr/>
+        </p:nvSpPr>
+        <p:spPr>
+          <a:xfrm>
+            <a:off x="8411045" y="4070303"/>
+            <a:ext cx="1530351" cy="523220"/>
+          </a:xfrm>
+          <a:prstGeom prst="rect">
+            <a:avLst/>
+          </a:prstGeom>
+        </p:spPr>
+        <p:txBody>
+          <a:bodyPr wrap="square">
+            <a:spAutoFit/>
+          </a:bodyPr>
+          <a:lstStyle/>
+          <a:p>
+            <a:pPr algn="ctr"/>
+            <a:r>
+              <a:rPr lang="zh-CN" altLang="en-US" sz="1400" dirty="0" smtClean="0">
+                <a:solidFill>
+                  <a:schemeClr val="bg2">
+                    <a:lumMod val="25000"/>
+                  </a:schemeClr>
+                </a:solidFill>
+              </a:rPr>
+              <a:t>想要做一番大事业</a:t>
+            </a:r>
+            <a:endParaRPr lang="zh-HK" altLang="en-US" sz="1400" dirty="0">
+              <a:solidFill>
+                <a:schemeClr val="bg2">
+                  <a:lumMod val="25000"/>
+                </a:schemeClr>
+              </a:solidFill>
+            </a:endParaRPr>
+          </a:p>
+        </p:txBody>
+      </p:sp>
+      <p:sp>
+        <p:nvSpPr>
+          <p:cNvPr id="4" name="TextBox 3"/>
+          <p:cNvSpPr txBox="1"/>
+          <p:nvPr/>
+        </p:nvSpPr>
+        <p:spPr>
+          <a:xfrm>
+            <a:off x="2290239" y="4146265"/>
+            <a:ext cx="1605760" cy="369332"/>
+          </a:xfrm>
+          <a:prstGeom prst="rect">
+            <a:avLst/>
+          </a:prstGeom>
+          <a:noFill/>
+        </p:spPr>
+        <p:txBody>
+          <a:bodyPr wrap="square" rtlCol="0">
+            <a:spAutoFit/>
+          </a:bodyPr>
+          <a:lstStyle/>
+          <a:p>
+            <a:r>
+              <a:rPr lang="zh-CN" altLang="en-US" dirty="0" smtClean="0"/>
+              <a:t>一胖（崇拜）</a:t>
+            </a:r>
+            <a:endParaRPr lang="zh-CN" altLang="en-US" dirty="0"/>
+          </a:p>
+        </p:txBody>
+      </p:sp>
+      <p:sp>
+        <p:nvSpPr>
+          <p:cNvPr id="36" name="TextBox 35"/>
+          <p:cNvSpPr txBox="1"/>
+          <p:nvPr/>
+        </p:nvSpPr>
+        <p:spPr>
+          <a:xfrm>
+            <a:off x="2290239" y="4670470"/>
+            <a:ext cx="1605760" cy="369332"/>
+          </a:xfrm>
+          <a:prstGeom prst="rect">
+            <a:avLst/>
+          </a:prstGeom>
+          <a:noFill/>
+        </p:spPr>
+        <p:txBody>
+          <a:bodyPr wrap="square" rtlCol="0">
+            <a:spAutoFit/>
+          </a:bodyPr>
+          <a:lstStyle/>
+          <a:p>
+            <a:r>
+              <a:rPr lang="zh-CN" altLang="en-US" dirty="0" smtClean="0"/>
+              <a:t>阿辉（拉拢）</a:t>
+            </a:r>
+            <a:endParaRPr lang="zh-CN" altLang="en-US" dirty="0"/>
+          </a:p>
+        </p:txBody>
+      </p:sp>
+      <p:sp>
+        <p:nvSpPr>
+          <p:cNvPr id="5" name="TextBox 4"/>
+          <p:cNvSpPr txBox="1"/>
+          <p:nvPr/>
+        </p:nvSpPr>
+        <p:spPr>
+          <a:xfrm>
+            <a:off x="4295840" y="4172474"/>
+            <a:ext cx="1709337" cy="369332"/>
+          </a:xfrm>
+          <a:prstGeom prst="rect">
+            <a:avLst/>
+          </a:prstGeom>
+          <a:noFill/>
+        </p:spPr>
+        <p:txBody>
+          <a:bodyPr wrap="square" rtlCol="0">
+            <a:spAutoFit/>
+          </a:bodyPr>
+          <a:lstStyle/>
+          <a:p>
+            <a:r>
+              <a:rPr lang="zh-CN" altLang="en-US" dirty="0" smtClean="0"/>
+              <a:t>保险推销员</a:t>
+            </a:r>
+            <a:endParaRPr lang="zh-CN" altLang="en-US" dirty="0"/>
+          </a:p>
+        </p:txBody>
+      </p:sp>
+      <p:sp>
+        <p:nvSpPr>
+          <p:cNvPr id="6" name="TextBox 5"/>
+          <p:cNvSpPr txBox="1"/>
+          <p:nvPr/>
+        </p:nvSpPr>
+        <p:spPr>
+          <a:xfrm>
+            <a:off x="4333303" y="4755082"/>
+            <a:ext cx="1276539" cy="369332"/>
+          </a:xfrm>
+          <a:prstGeom prst="rect">
+            <a:avLst/>
+          </a:prstGeom>
+          <a:noFill/>
+        </p:spPr>
+        <p:txBody>
+          <a:bodyPr wrap="square" rtlCol="0">
+            <a:spAutoFit/>
+          </a:bodyPr>
+          <a:lstStyle/>
+          <a:p>
+            <a:r>
+              <a:rPr lang="zh-CN" altLang="en-US" dirty="0" smtClean="0"/>
+              <a:t>文笔好</a:t>
+            </a:r>
+            <a:endParaRPr lang="zh-CN" altLang="en-US" dirty="0"/>
           </a:p>
         </p:txBody>
       </p:sp>
@@ -12618,7 +13134,7 @@
         <p:spPr>
           <a:xfrm>
             <a:off x="438378" y="4147250"/>
-            <a:ext cx="1530351" cy="307777"/>
+            <a:ext cx="1530351" cy="523220"/>
           </a:xfrm>
           <a:prstGeom prst="rect">
             <a:avLst/>
@@ -12639,7 +13155,17 @@
                   </a:schemeClr>
                 </a:solidFill>
               </a:rPr>
-              <a:t>心狠手辣</a:t>
+              <a:t>心狠手</a:t>
+            </a:r>
+            <a:r>
+              <a:rPr lang="zh-CN" altLang="en-US" sz="1400" dirty="0" smtClean="0">
+                <a:solidFill>
+                  <a:schemeClr val="bg2">
+                    <a:lumMod val="25000"/>
+                  </a:schemeClr>
+                </a:solidFill>
+              </a:rPr>
+              <a:t>辣、说话倍儿冲</a:t>
             </a:r>
             <a:endParaRPr lang="zh-HK" altLang="en-US" sz="1400" dirty="0">
               <a:solidFill>
@@ -12796,6 +13322,18 @@
           <a:p>
             <a:pPr algn="ctr"/>
             <a:r>
+              <a:rPr lang="en-US" altLang="zh-CN" sz="1600" spc="300" dirty="0" smtClean="0">
+                <a:solidFill>
+                  <a:schemeClr val="bg2">
+                    <a:lumMod val="25000"/>
+                  </a:schemeClr>
+                </a:solidFill>
+                <a:latin typeface="华文细黑" panose="02010600040101010101" pitchFamily="2" charset="-122"/>
+                <a:ea typeface="华文细黑" panose="02010600040101010101" pitchFamily="2" charset="-122"/>
+              </a:rPr>
+              <a:t>NPC</a:t>
+            </a:r>
+            <a:r>
               <a:rPr lang="zh-CN" altLang="en-US" sz="1600" spc="300" dirty="0" smtClean="0">
                 <a:solidFill>
                   <a:schemeClr val="bg2">
@@ -12805,7 +13343,19 @@
                 <a:latin typeface="华文细黑" panose="02010600040101010101" pitchFamily="2" charset="-122"/>
                 <a:ea typeface="华文细黑" panose="02010600040101010101" pitchFamily="2" charset="-122"/>
               </a:rPr>
-              <a:t>作用及关系</a:t>
+              <a:t>关</a:t>
+            </a:r>
+            <a:r>
+              <a:rPr lang="zh-CN" altLang="en-US" sz="1600" spc="300" dirty="0" smtClean="0">
+                <a:solidFill>
+                  <a:schemeClr val="bg2">
+                    <a:lumMod val="25000"/>
+                  </a:schemeClr>
+                </a:solidFill>
+                <a:latin typeface="华文细黑" panose="02010600040101010101" pitchFamily="2" charset="-122"/>
+                <a:ea typeface="华文细黑" panose="02010600040101010101" pitchFamily="2" charset="-122"/>
+              </a:rPr>
+              <a:t>系</a:t>
             </a:r>
             <a:endParaRPr lang="zh-HK" altLang="en-US" sz="1600" spc="300" dirty="0">
               <a:solidFill>
@@ -13331,7 +13881,7 @@
         </p:nvSpPr>
         <p:spPr>
           <a:xfrm>
-            <a:off x="1877583" y="360756"/>
+            <a:off x="1962537" y="388498"/>
             <a:ext cx="1527932" cy="584775"/>
           </a:xfrm>
           <a:prstGeom prst="rect">
@@ -13355,7 +13905,19 @@
                 <a:latin typeface="华文细黑" panose="02010600040101010101" pitchFamily="2" charset="-122"/>
                 <a:ea typeface="华文细黑" panose="02010600040101010101" pitchFamily="2" charset="-122"/>
               </a:rPr>
-              <a:t> 强子</a:t>
+              <a:t> </a:t>
+            </a:r>
+            <a:r>
+              <a:rPr lang="zh-CN" altLang="en-US" sz="3200" b="1" dirty="0">
+                <a:solidFill>
+                  <a:schemeClr val="bg2">
+                    <a:lumMod val="25000"/>
+                  </a:schemeClr>
+                </a:solidFill>
+                <a:latin typeface="华文细黑" panose="02010600040101010101" pitchFamily="2" charset="-122"/>
+                <a:ea typeface="华文细黑" panose="02010600040101010101" pitchFamily="2" charset="-122"/>
+              </a:rPr>
+              <a:t>柯皓燃</a:t>
             </a:r>
             <a:endParaRPr lang="zh-HK" altLang="en-US" sz="3200" b="1" dirty="0">
               <a:solidFill>
@@ -13651,7 +14213,7 @@
         <p:spPr>
           <a:xfrm>
             <a:off x="2325470" y="4144440"/>
-            <a:ext cx="1530351" cy="312843"/>
+            <a:ext cx="1530351" cy="323165"/>
           </a:xfrm>
           <a:prstGeom prst="rect">
             <a:avLst/>
@@ -13670,7 +14232,7 @@
             </a:pPr>
             <a:r>
               <a:rPr lang="zh-CN" altLang="en-US" sz="1400" dirty="0" smtClean="0"/>
-              <a:t>磊子表哥</a:t>
+              <a:t>王伟（恩人）</a:t>
             </a:r>
             <a:endParaRPr lang="en-US" altLang="zh-HK" sz="1400" dirty="0" smtClean="0"/>
           </a:p>
@@ -13684,7 +14246,7 @@
         </p:nvSpPr>
         <p:spPr>
           <a:xfrm>
-            <a:off x="4295840" y="4146265"/>
+            <a:off x="4237715" y="4700022"/>
             <a:ext cx="1530351" cy="738664"/>
           </a:xfrm>
           <a:prstGeom prst="rect">
@@ -14160,8 +14722,8 @@
         </p:nvSpPr>
         <p:spPr>
           <a:xfrm>
-            <a:off x="10331557" y="3991052"/>
-            <a:ext cx="1530351" cy="1477328"/>
+            <a:off x="10331556" y="5131033"/>
+            <a:ext cx="1530351" cy="1015663"/>
           </a:xfrm>
           <a:prstGeom prst="rect">
             <a:avLst/>
@@ -14180,9 +14742,132 @@
             </a:pPr>
             <a:r>
               <a:rPr lang="zh-CN" altLang="en-US" sz="1400" dirty="0" smtClean="0"/>
-              <a:t>强子是当地的一个小混混，与大利经常厮混在一起，经大利介绍进入传销组织当打手。</a:t>
+              <a:t>对当年帮助过自己的恩人（王伟），替王伟做事情。</a:t>
             </a:r>
             <a:endParaRPr lang="zh-HK" altLang="en-US" sz="1400" dirty="0"/>
+          </a:p>
+        </p:txBody>
+      </p:sp>
+      <p:sp>
+        <p:nvSpPr>
+          <p:cNvPr id="33" name="矩形 38"/>
+          <p:cNvSpPr/>
+          <p:nvPr/>
+        </p:nvSpPr>
+        <p:spPr>
+          <a:xfrm>
+            <a:off x="10331557" y="4083497"/>
+            <a:ext cx="1530351" cy="784830"/>
+          </a:xfrm>
+          <a:prstGeom prst="rect">
+            <a:avLst/>
+          </a:prstGeom>
+        </p:spPr>
+        <p:txBody>
+          <a:bodyPr wrap="square">
+            <a:spAutoFit/>
+          </a:bodyPr>
+          <a:lstStyle/>
+          <a:p>
+            <a:pPr algn="just">
+              <a:lnSpc>
+                <a:spcPts val="1780"/>
+              </a:lnSpc>
+            </a:pPr>
+            <a:r>
+              <a:rPr lang="zh-CN" altLang="en-US" sz="1400" dirty="0" smtClean="0"/>
+              <a:t>儿时受古惑仔影响，争强好胜，放学就去打架。</a:t>
+            </a:r>
+            <a:endParaRPr lang="zh-HK" altLang="en-US" sz="1400" dirty="0"/>
+          </a:p>
+        </p:txBody>
+      </p:sp>
+      <p:sp>
+        <p:nvSpPr>
+          <p:cNvPr id="3" name="TextBox 2"/>
+          <p:cNvSpPr txBox="1"/>
+          <p:nvPr/>
+        </p:nvSpPr>
+        <p:spPr>
+          <a:xfrm>
+            <a:off x="8528364" y="4172474"/>
+            <a:ext cx="1258432" cy="646331"/>
+          </a:xfrm>
+          <a:prstGeom prst="rect">
+            <a:avLst/>
+          </a:prstGeom>
+          <a:noFill/>
+        </p:spPr>
+        <p:txBody>
+          <a:bodyPr wrap="square" rtlCol="0">
+            <a:spAutoFit/>
+          </a:bodyPr>
+          <a:lstStyle/>
+          <a:p>
+            <a:r>
+              <a:rPr lang="zh-CN" altLang="en-US" dirty="0" smtClean="0"/>
+              <a:t>行走江湖、称霸一方</a:t>
+            </a:r>
+            <a:endParaRPr lang="zh-CN" altLang="en-US" dirty="0"/>
+          </a:p>
+        </p:txBody>
+      </p:sp>
+      <p:sp>
+        <p:nvSpPr>
+          <p:cNvPr id="4" name="TextBox 3"/>
+          <p:cNvSpPr txBox="1"/>
+          <p:nvPr/>
+        </p:nvSpPr>
+        <p:spPr>
+          <a:xfrm>
+            <a:off x="6409853" y="4172474"/>
+            <a:ext cx="1231272" cy="646331"/>
+          </a:xfrm>
+          <a:prstGeom prst="rect">
+            <a:avLst/>
+          </a:prstGeom>
+          <a:noFill/>
+        </p:spPr>
+        <p:txBody>
+          <a:bodyPr wrap="square" rtlCol="0">
+            <a:spAutoFit/>
+          </a:bodyPr>
+          <a:lstStyle/>
+          <a:p>
+            <a:r>
+              <a:rPr lang="zh-CN" altLang="en-US" dirty="0" smtClean="0"/>
+              <a:t>为了报王伟的恩</a:t>
+            </a:r>
+            <a:endParaRPr lang="zh-CN" altLang="en-US" dirty="0"/>
+          </a:p>
+        </p:txBody>
+      </p:sp>
+      <p:sp>
+        <p:nvSpPr>
+          <p:cNvPr id="5" name="TextBox 4"/>
+          <p:cNvSpPr txBox="1"/>
+          <p:nvPr/>
+        </p:nvSpPr>
+        <p:spPr>
+          <a:xfrm>
+            <a:off x="4675225" y="4256385"/>
+            <a:ext cx="1369803" cy="369332"/>
+          </a:xfrm>
+          <a:prstGeom prst="rect">
+            <a:avLst/>
+          </a:prstGeom>
+          <a:noFill/>
+        </p:spPr>
+        <p:txBody>
+          <a:bodyPr wrap="square" rtlCol="0">
+            <a:spAutoFit/>
+          </a:bodyPr>
+          <a:lstStyle/>
+          <a:p>
+            <a:r>
+              <a:rPr lang="zh-CN" altLang="en-US" dirty="0"/>
+              <a:t>混混</a:t>
+            </a:r>
           </a:p>
         </p:txBody>
       </p:sp>
@@ -14544,7 +15229,7 @@
         <p:spPr>
           <a:xfrm>
             <a:off x="438378" y="4147250"/>
-            <a:ext cx="1530351" cy="307777"/>
+            <a:ext cx="1530351" cy="523220"/>
           </a:xfrm>
           <a:prstGeom prst="rect">
             <a:avLst/>
@@ -14565,7 +15250,7 @@
                   </a:schemeClr>
                 </a:solidFill>
               </a:rPr>
-              <a:t>色厉内荏</a:t>
+              <a:t>软弱、胆小、偏善良</a:t>
             </a:r>
             <a:endParaRPr lang="zh-HK" altLang="en-US" sz="1400" dirty="0">
               <a:solidFill>
@@ -15281,7 +15966,31 @@
                 <a:latin typeface="华文细黑" panose="02010600040101010101" pitchFamily="2" charset="-122"/>
                 <a:ea typeface="华文细黑" panose="02010600040101010101" pitchFamily="2" charset="-122"/>
               </a:rPr>
-              <a:t> 磊子</a:t>
+              <a:t> </a:t>
+            </a:r>
+            <a:r>
+              <a:rPr lang="zh-CN" altLang="en-US" sz="3200" b="1" dirty="0" smtClean="0">
+                <a:solidFill>
+                  <a:schemeClr val="bg2">
+                    <a:lumMod val="25000"/>
+                  </a:schemeClr>
+                </a:solidFill>
+                <a:latin typeface="华文细黑" panose="02010600040101010101" pitchFamily="2" charset="-122"/>
+                <a:ea typeface="华文细黑" panose="02010600040101010101" pitchFamily="2" charset="-122"/>
+              </a:rPr>
+              <a:t>小磊</a:t>
+            </a:r>
+            <a:r>
+              <a:rPr lang="zh-CN" altLang="en-US" sz="3200" b="1" dirty="0" smtClean="0">
+                <a:solidFill>
+                  <a:schemeClr val="bg2">
+                    <a:lumMod val="25000"/>
+                  </a:schemeClr>
+                </a:solidFill>
+                <a:latin typeface="华文细黑" panose="02010600040101010101" pitchFamily="2" charset="-122"/>
+                <a:ea typeface="华文细黑" panose="02010600040101010101" pitchFamily="2" charset="-122"/>
+              </a:rPr>
+              <a:t>子</a:t>
             </a:r>
             <a:endParaRPr lang="zh-HK" altLang="en-US" sz="3200" b="1" dirty="0">
               <a:solidFill>
@@ -15386,7 +16095,7 @@
         </p:nvSpPr>
         <p:spPr>
           <a:xfrm>
-            <a:off x="2015446" y="1127994"/>
+            <a:off x="1961464" y="1047068"/>
             <a:ext cx="1618196" cy="523220"/>
           </a:xfrm>
           <a:prstGeom prst="rect">
@@ -15576,8 +16285,8 @@
         </p:nvSpPr>
         <p:spPr>
           <a:xfrm>
-            <a:off x="2410504" y="4146265"/>
-            <a:ext cx="1530351" cy="312843"/>
+            <a:off x="2384307" y="4172474"/>
+            <a:ext cx="1530351" cy="323165"/>
           </a:xfrm>
           <a:prstGeom prst="rect">
             <a:avLst/>
@@ -15595,8 +16304,12 @@
               </a:lnSpc>
             </a:pPr>
             <a:r>
+              <a:rPr lang="zh-CN" altLang="en-US" sz="1400" dirty="0"/>
+              <a:t>柯皓</a:t>
+            </a:r>
+            <a:r>
               <a:rPr lang="zh-CN" altLang="en-US" sz="1400" dirty="0" smtClean="0"/>
-              <a:t>强子表弟</a:t>
+              <a:t>燃表弟</a:t>
             </a:r>
             <a:endParaRPr lang="en-US" altLang="zh-HK" sz="1400" dirty="0" smtClean="0"/>
           </a:p>
@@ -15671,7 +16384,7 @@
         </p:nvSpPr>
         <p:spPr>
           <a:xfrm>
-            <a:off x="6319952" y="4070303"/>
+            <a:off x="6385116" y="4096345"/>
             <a:ext cx="1530351" cy="523220"/>
           </a:xfrm>
           <a:prstGeom prst="rect">
@@ -15685,6 +16398,16 @@
           <a:lstStyle/>
           <a:p>
             <a:pPr algn="just"/>
+            <a:r>
+              <a:rPr lang="zh-CN" altLang="en-US" sz="1400" dirty="0">
+                <a:solidFill>
+                  <a:schemeClr val="bg2">
+                    <a:lumMod val="25000"/>
+                  </a:schemeClr>
+                </a:solidFill>
+              </a:rPr>
+              <a:t>柯皓燃</a:t>
+            </a:r>
             <a:r>
               <a:rPr lang="zh-CN" altLang="en-US" sz="1400" dirty="0" smtClean="0">
                 <a:solidFill>
@@ -15693,7 +16416,27 @@
                   </a:schemeClr>
                 </a:solidFill>
               </a:rPr>
-              <a:t>表哥想锻炼一下磊子的胆量</a:t>
+              <a:t>想</a:t>
+            </a:r>
+            <a:r>
+              <a:rPr lang="zh-CN" altLang="en-US" sz="1400" dirty="0" smtClean="0">
+                <a:solidFill>
+                  <a:schemeClr val="bg2">
+                    <a:lumMod val="25000"/>
+                  </a:schemeClr>
+                </a:solidFill>
+              </a:rPr>
+              <a:t>锻炼一</a:t>
+            </a:r>
+            <a:r>
+              <a:rPr lang="zh-CN" altLang="en-US" sz="1400" dirty="0" smtClean="0">
+                <a:solidFill>
+                  <a:schemeClr val="bg2">
+                    <a:lumMod val="25000"/>
+                  </a:schemeClr>
+                </a:solidFill>
+              </a:rPr>
+              <a:t>下小磊子</a:t>
             </a:r>
             <a:endParaRPr lang="zh-HK" altLang="en-US" sz="1400" dirty="0">
               <a:solidFill>
@@ -16122,14 +16865,104 @@
       </p:sp>
       <p:sp>
         <p:nvSpPr>
-          <p:cNvPr id="39" name="矩形 38"/>
+          <p:cNvPr id="3" name="TextBox 2"/>
+          <p:cNvSpPr txBox="1"/>
+          <p:nvPr/>
+        </p:nvSpPr>
+        <p:spPr>
+          <a:xfrm>
+            <a:off x="10438646" y="4070303"/>
+            <a:ext cx="1573234" cy="738664"/>
+          </a:xfrm>
+          <a:prstGeom prst="rect">
+            <a:avLst/>
+          </a:prstGeom>
+          <a:noFill/>
+        </p:spPr>
+        <p:txBody>
+          <a:bodyPr wrap="square" rtlCol="0">
+            <a:spAutoFit/>
+          </a:bodyPr>
+          <a:lstStyle/>
+          <a:p>
+            <a:r>
+              <a:rPr lang="zh-CN" altLang="en-US" sz="1400" dirty="0" smtClean="0"/>
+              <a:t>离异家庭，从小被欺负，想摆脱这种状态</a:t>
+            </a:r>
+            <a:endParaRPr lang="zh-CN" altLang="en-US" sz="1400" dirty="0"/>
+          </a:p>
+        </p:txBody>
+      </p:sp>
+      <p:sp>
+        <p:nvSpPr>
+          <p:cNvPr id="4" name="TextBox 3"/>
+          <p:cNvSpPr txBox="1"/>
+          <p:nvPr/>
+        </p:nvSpPr>
+        <p:spPr>
+          <a:xfrm>
+            <a:off x="10438646" y="5248707"/>
+            <a:ext cx="1403287" cy="1169551"/>
+          </a:xfrm>
+          <a:prstGeom prst="rect">
+            <a:avLst/>
+          </a:prstGeom>
+          <a:noFill/>
+        </p:spPr>
+        <p:txBody>
+          <a:bodyPr wrap="square" rtlCol="0">
+            <a:spAutoFit/>
+          </a:bodyPr>
+          <a:lstStyle/>
+          <a:p>
+            <a:r>
+              <a:rPr lang="zh-CN" altLang="en-US" sz="1400" dirty="0" smtClean="0"/>
+              <a:t>觉得成为了以前不喜欢的人，想离开但是却发现爱上了薇儿</a:t>
+            </a:r>
+            <a:endParaRPr lang="zh-CN" altLang="en-US" sz="1400" dirty="0"/>
+          </a:p>
+        </p:txBody>
+      </p:sp>
+      <p:sp>
+        <p:nvSpPr>
+          <p:cNvPr id="5" name="TextBox 4"/>
+          <p:cNvSpPr txBox="1"/>
+          <p:nvPr/>
+        </p:nvSpPr>
+        <p:spPr>
+          <a:xfrm>
+            <a:off x="8572395" y="4085694"/>
+            <a:ext cx="1367074" cy="646331"/>
+          </a:xfrm>
+          <a:prstGeom prst="rect">
+            <a:avLst/>
+          </a:prstGeom>
+          <a:noFill/>
+        </p:spPr>
+        <p:txBody>
+          <a:bodyPr wrap="square" rtlCol="0">
+            <a:spAutoFit/>
+          </a:bodyPr>
+          <a:lstStyle/>
+          <a:p>
+            <a:r>
+              <a:rPr lang="zh-CN" altLang="en-US" dirty="0" smtClean="0"/>
+              <a:t>想要别人怕自己</a:t>
+            </a:r>
+            <a:endParaRPr lang="zh-CN" altLang="en-US" dirty="0"/>
+          </a:p>
+        </p:txBody>
+      </p:sp>
+      <p:sp>
+        <p:nvSpPr>
+          <p:cNvPr id="33" name="矩形 31"/>
           <p:cNvSpPr/>
           <p:nvPr/>
         </p:nvSpPr>
         <p:spPr>
           <a:xfrm>
-            <a:off x="10331557" y="3991052"/>
-            <a:ext cx="1530351" cy="2169825"/>
+            <a:off x="2384307" y="4485802"/>
+            <a:ext cx="1530351" cy="309380"/>
           </a:xfrm>
           <a:prstGeom prst="rect">
             <a:avLst/>
@@ -16141,16 +16974,16 @@
           </a:bodyPr>
           <a:lstStyle/>
           <a:p>
-            <a:pPr algn="just">
+            <a:pPr algn="ctr">
               <a:lnSpc>
                 <a:spcPts val="1780"/>
               </a:lnSpc>
             </a:pPr>
             <a:r>
-              <a:rPr lang="zh-CN" altLang="en-US" sz="1400" dirty="0" smtClean="0"/>
-              <a:t>虽然身材魁梧，但磊子却是个内心怯懦的人，在表哥的怂恿下，他加入了传销组织，跟个表哥狐假虎威，乐此不疲，仿佛打开了新世界的大门。</a:t>
-            </a:r>
-            <a:endParaRPr lang="zh-HK" altLang="en-US" sz="1400" dirty="0"/>
+              <a:rPr lang="zh-CN" altLang="en-US" sz="1400" dirty="0"/>
+              <a:t>薇儿</a:t>
+            </a:r>
+            <a:endParaRPr lang="en-US" altLang="zh-HK" sz="1400" dirty="0" smtClean="0"/>
           </a:p>
         </p:txBody>
       </p:sp>
@@ -16512,7 +17345,7 @@
         <p:spPr>
           <a:xfrm>
             <a:off x="438378" y="4147250"/>
-            <a:ext cx="1530351" cy="523220"/>
+            <a:ext cx="1530351" cy="738664"/>
           </a:xfrm>
           <a:prstGeom prst="rect">
             <a:avLst/>
@@ -16533,7 +17366,17 @@
                   </a:schemeClr>
                 </a:solidFill>
               </a:rPr>
-              <a:t>为人刻薄，锋芒毕露。</a:t>
+              <a:t>为人刻薄</a:t>
+            </a:r>
+            <a:r>
+              <a:rPr lang="zh-CN" altLang="en-US" sz="1400" dirty="0" smtClean="0">
+                <a:solidFill>
+                  <a:schemeClr val="bg2">
+                    <a:lumMod val="25000"/>
+                  </a:schemeClr>
+                </a:solidFill>
+              </a:rPr>
+              <a:t>，喜欢喷人，特别崇敬教师职业</a:t>
             </a:r>
             <a:endParaRPr lang="zh-HK" altLang="en-US" sz="1400" dirty="0">
               <a:solidFill>
@@ -17240,7 +18083,7 @@
           <a:lstStyle/>
           <a:p>
             <a:r>
-              <a:rPr lang="zh-CN" altLang="en-US" sz="3200" b="1" smtClean="0">
+              <a:rPr lang="zh-CN" altLang="en-US" sz="3200" b="1" dirty="0" smtClean="0">
                 <a:solidFill>
                   <a:schemeClr val="bg2">
                     <a:lumMod val="25000"/>
@@ -17249,7 +18092,19 @@
                 <a:latin typeface="华文细黑" panose="02010600040101010101" pitchFamily="2" charset="-122"/>
                 <a:ea typeface="华文细黑" panose="02010600040101010101" pitchFamily="2" charset="-122"/>
               </a:rPr>
-              <a:t> 傅胖</a:t>
+              <a:t> </a:t>
+            </a:r>
+            <a:r>
+              <a:rPr lang="zh-CN" altLang="en-US" sz="3200" b="1" dirty="0" smtClean="0">
+                <a:solidFill>
+                  <a:schemeClr val="bg2">
+                    <a:lumMod val="25000"/>
+                  </a:schemeClr>
+                </a:solidFill>
+                <a:latin typeface="华文细黑" panose="02010600040101010101" pitchFamily="2" charset="-122"/>
+                <a:ea typeface="华文细黑" panose="02010600040101010101" pitchFamily="2" charset="-122"/>
+              </a:rPr>
+              <a:t>一胖</a:t>
             </a:r>
             <a:endParaRPr lang="zh-HK" altLang="en-US" sz="3200" b="1" dirty="0">
               <a:solidFill>
@@ -17579,7 +18434,7 @@
         <p:spPr>
           <a:xfrm>
             <a:off x="4295840" y="4146265"/>
-            <a:ext cx="1530351" cy="738664"/>
+            <a:ext cx="1530351" cy="954107"/>
           </a:xfrm>
           <a:prstGeom prst="rect">
             <a:avLst/>
@@ -17600,7 +18455,17 @@
                   </a:schemeClr>
                 </a:solidFill>
               </a:rPr>
-              <a:t>传销讲师</a:t>
+              <a:t>传销讲</a:t>
+            </a:r>
+            <a:r>
+              <a:rPr lang="zh-CN" altLang="en-US" sz="1400" dirty="0" smtClean="0">
+                <a:solidFill>
+                  <a:schemeClr val="bg2">
+                    <a:lumMod val="25000"/>
+                  </a:schemeClr>
+                </a:solidFill>
+              </a:rPr>
+              <a:t>师</a:t>
             </a:r>
             <a:endParaRPr lang="en-US" altLang="zh-CN" sz="1400" dirty="0" smtClean="0">
               <a:solidFill>
@@ -17612,6 +18477,26 @@
           </a:p>
           <a:p>
             <a:pPr algn="ctr"/>
+            <a:endParaRPr lang="en-US" altLang="zh-CN" sz="1400" dirty="0" smtClean="0">
+              <a:solidFill>
+                <a:schemeClr val="bg2">
+                  <a:lumMod val="25000"/>
+                </a:schemeClr>
+              </a:solidFill>
+            </a:endParaRPr>
+          </a:p>
+          <a:p>
+            <a:pPr algn="ctr"/>
+            <a:r>
+              <a:rPr lang="zh-CN" altLang="en-US" sz="1400" dirty="0" smtClean="0">
+                <a:solidFill>
+                  <a:schemeClr val="bg2">
+                    <a:lumMod val="25000"/>
+                  </a:schemeClr>
+                </a:solidFill>
+              </a:rPr>
+              <a:t>洗脑</a:t>
+            </a:r>
             <a:endParaRPr lang="en-US" altLang="zh-CN" sz="1400" dirty="0" smtClean="0">
               <a:solidFill>
                 <a:schemeClr val="bg2">
@@ -18054,8 +18939,8 @@
         </p:nvSpPr>
         <p:spPr>
           <a:xfrm>
-            <a:off x="10331557" y="3991052"/>
-            <a:ext cx="1530351" cy="2862322"/>
+            <a:off x="10325395" y="5184183"/>
+            <a:ext cx="1530351" cy="1246495"/>
           </a:xfrm>
           <a:prstGeom prst="rect">
             <a:avLst/>
@@ -18074,7 +18959,7 @@
             </a:pPr>
             <a:r>
               <a:rPr lang="zh-CN" altLang="en-US" sz="1400" dirty="0" smtClean="0"/>
-              <a:t>股市崩盘让傅胖的生活一夜之间发生了翻天覆地的变化，负债累累妻离子散让他心灰意冷。传销成了他对这不公世界的宣泄对象，为了给他人洗脑，他无所不用其极，打压别人是他惯用的手段。</a:t>
+              <a:t>喜欢上课，讲大道理，不准别人反驳，特别看好小磊子，感觉能成大事。</a:t>
             </a:r>
             <a:endParaRPr lang="zh-HK" altLang="en-US" sz="1400" dirty="0"/>
           </a:p>
@@ -18108,7 +18993,79 @@
             </a:pPr>
             <a:r>
               <a:rPr lang="zh-CN" altLang="en-US" sz="1400" dirty="0" smtClean="0"/>
-              <a:t>报复社会，赚回自己应得的</a:t>
+              <a:t>只有在传销中当教师</a:t>
+            </a:r>
+            <a:endParaRPr lang="en-US" altLang="zh-HK" sz="1400" dirty="0" smtClean="0"/>
+          </a:p>
+        </p:txBody>
+      </p:sp>
+      <p:sp>
+        <p:nvSpPr>
+          <p:cNvPr id="35" name="矩形 38"/>
+          <p:cNvSpPr/>
+          <p:nvPr/>
+        </p:nvSpPr>
+        <p:spPr>
+          <a:xfrm>
+            <a:off x="10331557" y="4100099"/>
+            <a:ext cx="1530351" cy="784830"/>
+          </a:xfrm>
+          <a:prstGeom prst="rect">
+            <a:avLst/>
+          </a:prstGeom>
+        </p:spPr>
+        <p:txBody>
+          <a:bodyPr wrap="square">
+            <a:spAutoFit/>
+          </a:bodyPr>
+          <a:lstStyle/>
+          <a:p>
+            <a:pPr algn="just">
+              <a:lnSpc>
+                <a:spcPts val="1780"/>
+              </a:lnSpc>
+            </a:pPr>
+            <a:r>
+              <a:rPr lang="zh-CN" altLang="en-US" sz="1400" dirty="0" smtClean="0"/>
+              <a:t>从小不学无术，后收到老师关爱，特别崇敬老师。</a:t>
+            </a:r>
+            <a:endParaRPr lang="zh-HK" altLang="en-US" sz="1400" dirty="0"/>
+          </a:p>
+        </p:txBody>
+      </p:sp>
+      <p:sp>
+        <p:nvSpPr>
+          <p:cNvPr id="36" name="矩形 32"/>
+          <p:cNvSpPr/>
+          <p:nvPr/>
+        </p:nvSpPr>
+        <p:spPr>
+          <a:xfrm>
+            <a:off x="8490756" y="4144440"/>
+            <a:ext cx="1530351" cy="553998"/>
+          </a:xfrm>
+          <a:prstGeom prst="rect">
+            <a:avLst/>
+          </a:prstGeom>
+        </p:spPr>
+        <p:txBody>
+          <a:bodyPr wrap="square">
+            <a:spAutoFit/>
+          </a:bodyPr>
+          <a:lstStyle/>
+          <a:p>
+            <a:pPr algn="just">
+              <a:lnSpc>
+                <a:spcPts val="1780"/>
+              </a:lnSpc>
+            </a:pPr>
+            <a:r>
+              <a:rPr lang="zh-CN" altLang="en-US" sz="1400" dirty="0"/>
+              <a:t>成</a:t>
+            </a:r>
+            <a:r>
+              <a:rPr lang="zh-CN" altLang="en-US" sz="1400" dirty="0" smtClean="0"/>
+              <a:t>为一名 伟大的老师</a:t>
             </a:r>
             <a:endParaRPr lang="en-US" altLang="zh-HK" sz="1400" dirty="0" smtClean="0"/>
           </a:p>
@@ -21382,11 +22339,7 @@
           <a:p>
             <a:r>
               <a:rPr kumimoji="1" lang="zh-CN" altLang="en-US" sz="2800" b="1" dirty="0" smtClean="0"/>
-              <a:t>被害</a:t>
-            </a:r>
-            <a:r>
-              <a:rPr kumimoji="1" lang="zh-CN" altLang="en-US" sz="2800" b="1" dirty="0" smtClean="0"/>
-              <a:t>人员</a:t>
+              <a:t>被害人员</a:t>
             </a:r>
             <a:endParaRPr kumimoji="1" lang="zh-CN" altLang="en-US" sz="2800" b="1" dirty="0"/>
           </a:p>

--- a/escape.pptx
+++ b/escape.pptx
@@ -222,7 +222,7 @@
           <a:p>
             <a:fld id="{E8764360-6B9F-4CCE-85EA-4B0FA1018547}" type="datetimeFigureOut">
               <a:rPr lang="zh-HK" altLang="en-US" smtClean="0"/>
-              <a:t>19/7/2017</a:t>
+              <a:t>23/07/17</a:t>
             </a:fld>
             <a:endParaRPr lang="zh-HK" altLang="en-US"/>
           </a:p>
@@ -903,7 +903,7 @@
           <a:p>
             <a:fld id="{DEE1AA81-8F49-42D7-92A9-FEC432C0CCCC}" type="datetimeFigureOut">
               <a:rPr lang="zh-HK" altLang="en-US" smtClean="0"/>
-              <a:t>19/7/2017</a:t>
+              <a:t>23/07/17</a:t>
             </a:fld>
             <a:endParaRPr lang="zh-HK" altLang="en-US"/>
           </a:p>
@@ -1220,7 +1220,7 @@
           <a:p>
             <a:fld id="{DEE1AA81-8F49-42D7-92A9-FEC432C0CCCC}" type="datetimeFigureOut">
               <a:rPr lang="zh-HK" altLang="en-US" smtClean="0"/>
-              <a:t>19/7/2017</a:t>
+              <a:t>23/07/17</a:t>
             </a:fld>
             <a:endParaRPr lang="zh-HK" altLang="en-US"/>
           </a:p>
@@ -1506,7 +1506,7 @@
           <a:p>
             <a:fld id="{DEE1AA81-8F49-42D7-92A9-FEC432C0CCCC}" type="datetimeFigureOut">
               <a:rPr lang="zh-HK" altLang="en-US" smtClean="0"/>
-              <a:t>19/7/2017</a:t>
+              <a:t>23/07/17</a:t>
             </a:fld>
             <a:endParaRPr lang="zh-HK" altLang="en-US"/>
           </a:p>
@@ -1716,7 +1716,7 @@
           <a:p>
             <a:fld id="{DEE1AA81-8F49-42D7-92A9-FEC432C0CCCC}" type="datetimeFigureOut">
               <a:rPr lang="zh-HK" altLang="en-US" smtClean="0"/>
-              <a:t>19/7/2017</a:t>
+              <a:t>23/07/17</a:t>
             </a:fld>
             <a:endParaRPr lang="zh-HK" altLang="en-US"/>
           </a:p>
@@ -1926,7 +1926,7 @@
           <a:p>
             <a:fld id="{DEE1AA81-8F49-42D7-92A9-FEC432C0CCCC}" type="datetimeFigureOut">
               <a:rPr lang="zh-HK" altLang="en-US" smtClean="0"/>
-              <a:t>19/7/2017</a:t>
+              <a:t>23/07/17</a:t>
             </a:fld>
             <a:endParaRPr lang="zh-HK" altLang="en-US"/>
           </a:p>
@@ -6650,7 +6650,7 @@
         <p:spPr>
           <a:xfrm>
             <a:off x="299667" y="2706626"/>
-            <a:ext cx="1668304" cy="4151374"/>
+            <a:ext cx="1296113" cy="4151374"/>
           </a:xfrm>
           <a:custGeom>
             <a:avLst/>
@@ -6770,7 +6770,7 @@
         </p:nvSpPr>
         <p:spPr>
           <a:xfrm>
-            <a:off x="292868" y="3543389"/>
+            <a:off x="46389" y="3504195"/>
             <a:ext cx="1770743" cy="369332"/>
           </a:xfrm>
           <a:prstGeom prst="rect">
@@ -6818,7 +6818,7 @@
         <p:spPr>
           <a:xfrm>
             <a:off x="438378" y="4147250"/>
-            <a:ext cx="1530351" cy="523220"/>
+            <a:ext cx="964537" cy="738664"/>
           </a:xfrm>
           <a:prstGeom prst="rect">
             <a:avLst/>
@@ -6869,8 +6869,8 @@
         </p:nvSpPr>
         <p:spPr>
           <a:xfrm>
-            <a:off x="2161715" y="2706627"/>
-            <a:ext cx="1779140" cy="4151372"/>
+            <a:off x="1712893" y="2700199"/>
+            <a:ext cx="1602786" cy="4151372"/>
           </a:xfrm>
           <a:custGeom>
             <a:avLst/>
@@ -6990,7 +6990,7 @@
         </p:nvSpPr>
         <p:spPr>
           <a:xfrm>
-            <a:off x="2181078" y="3600844"/>
+            <a:off x="1818567" y="3445382"/>
             <a:ext cx="1774832" cy="338554"/>
           </a:xfrm>
           <a:prstGeom prst="rect">
@@ -7049,7 +7049,7 @@
         </p:nvSpPr>
         <p:spPr>
           <a:xfrm>
-            <a:off x="4129594" y="2706627"/>
+            <a:off x="3503518" y="2756900"/>
             <a:ext cx="1875583" cy="4151372"/>
           </a:xfrm>
           <a:custGeom>
@@ -7170,7 +7170,7 @@
         </p:nvSpPr>
         <p:spPr>
           <a:xfrm>
-            <a:off x="4180539" y="3614659"/>
+            <a:off x="3554463" y="3664932"/>
             <a:ext cx="1770743" cy="338554"/>
           </a:xfrm>
           <a:prstGeom prst="rect">
@@ -7217,7 +7217,7 @@
         </p:nvSpPr>
         <p:spPr>
           <a:xfrm>
-            <a:off x="6238772" y="2706627"/>
+            <a:off x="5553969" y="2756900"/>
             <a:ext cx="1823041" cy="4151372"/>
           </a:xfrm>
           <a:custGeom>
@@ -7338,7 +7338,7 @@
         </p:nvSpPr>
         <p:spPr>
           <a:xfrm>
-            <a:off x="6216688" y="3619919"/>
+            <a:off x="5531885" y="3670192"/>
             <a:ext cx="1770743" cy="369332"/>
           </a:xfrm>
           <a:prstGeom prst="rect">
@@ -7385,8 +7385,8 @@
         </p:nvSpPr>
         <p:spPr>
           <a:xfrm>
-            <a:off x="8274921" y="2706626"/>
-            <a:ext cx="1802600" cy="4151374"/>
+            <a:off x="7525637" y="2785980"/>
+            <a:ext cx="1719899" cy="4151374"/>
           </a:xfrm>
           <a:custGeom>
             <a:avLst/>
@@ -7506,7 +7506,7 @@
         </p:nvSpPr>
         <p:spPr>
           <a:xfrm>
-            <a:off x="8370561" y="3600844"/>
+            <a:off x="7451229" y="3664932"/>
             <a:ext cx="1770743" cy="369332"/>
           </a:xfrm>
           <a:prstGeom prst="rect">
@@ -7600,7 +7600,7 @@
         </p:nvSpPr>
         <p:spPr>
           <a:xfrm>
-            <a:off x="4746148" y="2028891"/>
+            <a:off x="4120072" y="2079164"/>
             <a:ext cx="629737" cy="627462"/>
           </a:xfrm>
           <a:prstGeom prst="ellipse">
@@ -7713,8 +7713,8 @@
         </p:nvSpPr>
         <p:spPr>
           <a:xfrm>
-            <a:off x="10271265" y="2706626"/>
-            <a:ext cx="1710488" cy="4151373"/>
+            <a:off x="9449164" y="720022"/>
+            <a:ext cx="2532589" cy="6131549"/>
           </a:xfrm>
           <a:custGeom>
             <a:avLst/>
@@ -7834,7 +7834,7 @@
         </p:nvSpPr>
         <p:spPr>
           <a:xfrm>
-            <a:off x="10241137" y="3614659"/>
+            <a:off x="9820147" y="1466548"/>
             <a:ext cx="1770743" cy="369332"/>
           </a:xfrm>
           <a:prstGeom prst="rect">
@@ -7873,7 +7873,7 @@
         </p:nvSpPr>
         <p:spPr>
           <a:xfrm>
-            <a:off x="4295840" y="4146265"/>
+            <a:off x="3669764" y="4196538"/>
             <a:ext cx="1530351" cy="954107"/>
           </a:xfrm>
           <a:prstGeom prst="rect">
@@ -7964,7 +7964,7 @@
         </p:nvSpPr>
         <p:spPr>
           <a:xfrm>
-            <a:off x="6336883" y="4146265"/>
+            <a:off x="5652080" y="4196538"/>
             <a:ext cx="1530351" cy="523220"/>
           </a:xfrm>
           <a:prstGeom prst="rect">
@@ -8006,7 +8006,7 @@
         </p:nvSpPr>
         <p:spPr>
           <a:xfrm>
-            <a:off x="862179" y="2060570"/>
+            <a:off x="598065" y="2019559"/>
             <a:ext cx="629737" cy="627462"/>
           </a:xfrm>
           <a:prstGeom prst="ellipse">
@@ -8089,7 +8089,7 @@
         </p:nvSpPr>
         <p:spPr>
           <a:xfrm>
-            <a:off x="8881259" y="2028891"/>
+            <a:off x="8131975" y="2108245"/>
             <a:ext cx="629737" cy="627462"/>
           </a:xfrm>
           <a:prstGeom prst="ellipse">
@@ -8172,7 +8172,7 @@
         </p:nvSpPr>
         <p:spPr>
           <a:xfrm>
-            <a:off x="2775778" y="2060570"/>
+            <a:off x="2287595" y="2040670"/>
             <a:ext cx="629737" cy="627462"/>
           </a:xfrm>
           <a:prstGeom prst="ellipse">
@@ -8255,7 +8255,7 @@
         </p:nvSpPr>
         <p:spPr>
           <a:xfrm>
-            <a:off x="6789717" y="2028891"/>
+            <a:off x="6104914" y="2079164"/>
             <a:ext cx="629737" cy="627462"/>
           </a:xfrm>
           <a:prstGeom prst="ellipse">
@@ -8332,97 +8332,14 @@
       </p:sp>
       <p:sp>
         <p:nvSpPr>
-          <p:cNvPr id="45" name="椭圆 44"/>
-          <p:cNvSpPr/>
-          <p:nvPr/>
-        </p:nvSpPr>
-        <p:spPr>
-          <a:xfrm>
-            <a:off x="10811639" y="2079164"/>
-            <a:ext cx="629737" cy="627462"/>
-          </a:xfrm>
-          <a:prstGeom prst="ellipse">
-            <a:avLst/>
-          </a:prstGeom>
-          <a:solidFill>
-            <a:schemeClr val="bg2">
-              <a:lumMod val="25000"/>
-              <a:alpha val="61000"/>
-            </a:schemeClr>
-          </a:solidFill>
-          <a:ln>
-            <a:noFill/>
-          </a:ln>
-        </p:spPr>
-        <p:style>
-          <a:lnRef idx="2">
-            <a:schemeClr val="accent1">
-              <a:shade val="50000"/>
-            </a:schemeClr>
-          </a:lnRef>
-          <a:fillRef idx="1">
-            <a:schemeClr val="accent1"/>
-          </a:fillRef>
-          <a:effectRef idx="0">
-            <a:schemeClr val="accent1"/>
-          </a:effectRef>
-          <a:fontRef idx="minor">
-            <a:schemeClr val="lt1"/>
-          </a:fontRef>
-        </p:style>
-        <p:txBody>
-          <a:bodyPr rtlCol="0" anchor="ctr"/>
-          <a:lstStyle/>
-          <a:p>
-            <a:pPr algn="ctr"/>
-            <a:r>
-              <a:rPr lang="en-US" altLang="zh-HK" sz="4400" b="1" dirty="0">
-                <a:solidFill>
-                  <a:schemeClr val="bg2">
-                    <a:lumMod val="25000"/>
-                  </a:schemeClr>
-                </a:solidFill>
-                <a:effectLst>
-                  <a:outerShdw blurRad="38100" dist="38100" dir="2700000" algn="tl">
-                    <a:srgbClr val="000000">
-                      <a:alpha val="43137"/>
-                    </a:srgbClr>
-                  </a:outerShdw>
-                </a:effectLst>
-                <a:latin typeface="华文细黑" panose="02010600040101010101" pitchFamily="2" charset="-122"/>
-                <a:ea typeface="华文细黑" panose="02010600040101010101" pitchFamily="2" charset="-122"/>
-              </a:rPr>
-              <a:t>E</a:t>
-            </a:r>
-            <a:endParaRPr lang="zh-HK" altLang="en-US" sz="4400" b="1" dirty="0">
-              <a:solidFill>
-                <a:schemeClr val="bg2">
-                  <a:lumMod val="25000"/>
-                </a:schemeClr>
-              </a:solidFill>
-              <a:effectLst>
-                <a:outerShdw blurRad="38100" dist="38100" dir="2700000" algn="tl">
-                  <a:srgbClr val="000000">
-                    <a:alpha val="43137"/>
-                  </a:srgbClr>
-                </a:outerShdw>
-              </a:effectLst>
-              <a:latin typeface="华文细黑" panose="02010600040101010101" pitchFamily="2" charset="-122"/>
-              <a:ea typeface="华文细黑" panose="02010600040101010101" pitchFamily="2" charset="-122"/>
-            </a:endParaRPr>
-          </a:p>
-        </p:txBody>
-      </p:sp>
-      <p:sp>
-        <p:nvSpPr>
           <p:cNvPr id="39" name="矩形 38"/>
           <p:cNvSpPr/>
           <p:nvPr/>
         </p:nvSpPr>
         <p:spPr>
           <a:xfrm>
-            <a:off x="10451402" y="5434364"/>
-            <a:ext cx="1530351" cy="1015663"/>
+            <a:off x="9449164" y="3108504"/>
+            <a:ext cx="2510885" cy="2862322"/>
           </a:xfrm>
           <a:prstGeom prst="rect">
             <a:avLst/>
@@ -8441,9 +8358,81 @@
             </a:pPr>
             <a:r>
               <a:rPr lang="zh-CN" altLang="en-US" sz="1400" dirty="0" smtClean="0"/>
-              <a:t>被主播薇儿骗入坑，一心追求薇儿，不惜挥金如土。</a:t>
-            </a:r>
-            <a:endParaRPr lang="zh-HK" altLang="en-US" sz="1400" dirty="0"/>
+              <a:t>被主播薇儿骗入坑，一心追求薇儿，不惜挥金如土</a:t>
+            </a:r>
+            <a:r>
+              <a:rPr lang="zh-CN" altLang="en-US" sz="1400" dirty="0" smtClean="0"/>
+              <a:t>。</a:t>
+            </a:r>
+            <a:endParaRPr lang="en-US" altLang="zh-HK" sz="1400" dirty="0"/>
+          </a:p>
+          <a:p>
+            <a:pPr algn="just">
+              <a:lnSpc>
+                <a:spcPts val="1780"/>
+              </a:lnSpc>
+            </a:pPr>
+            <a:r>
+              <a:rPr lang="zh-CN" altLang="en-US" sz="1400" dirty="0" smtClean="0"/>
+              <a:t>对薇儿的感情分为三个阶段</a:t>
+            </a:r>
+            <a:endParaRPr lang="en-US" altLang="zh-CN" sz="1400" dirty="0" smtClean="0"/>
+          </a:p>
+          <a:p>
+            <a:pPr algn="just">
+              <a:lnSpc>
+                <a:spcPts val="1780"/>
+              </a:lnSpc>
+            </a:pPr>
+            <a:r>
+              <a:rPr lang="zh-CN" altLang="en-US" sz="1400" dirty="0" smtClean="0"/>
+              <a:t>疯狂追求：让主播送给薇儿情书</a:t>
+            </a:r>
+            <a:endParaRPr lang="en-US" altLang="zh-CN" sz="1400" dirty="0" smtClean="0"/>
+          </a:p>
+          <a:p>
+            <a:pPr algn="just">
+              <a:lnSpc>
+                <a:spcPts val="1780"/>
+              </a:lnSpc>
+            </a:pPr>
+            <a:endParaRPr lang="en-US" altLang="zh-HK" sz="1400" dirty="0" smtClean="0"/>
+          </a:p>
+          <a:p>
+            <a:pPr algn="just">
+              <a:lnSpc>
+                <a:spcPts val="1780"/>
+              </a:lnSpc>
+            </a:pPr>
+            <a:r>
+              <a:rPr lang="zh-CN" altLang="en-US" sz="1400" dirty="0" smtClean="0"/>
+              <a:t>怀疑阶段：让主角潜入傅胖办公室，寻找两人通奸证据，如寻找到内裤</a:t>
+            </a:r>
+            <a:endParaRPr lang="en-US" altLang="zh-CN" sz="1400" dirty="0" smtClean="0"/>
+          </a:p>
+          <a:p>
+            <a:pPr algn="just">
+              <a:lnSpc>
+                <a:spcPts val="1780"/>
+              </a:lnSpc>
+            </a:pPr>
+            <a:endParaRPr lang="en-US" altLang="zh-HK" sz="1400" dirty="0"/>
+          </a:p>
+          <a:p>
+            <a:pPr algn="just">
+              <a:lnSpc>
+                <a:spcPts val="1780"/>
+              </a:lnSpc>
+            </a:pPr>
+            <a:r>
+              <a:rPr lang="zh-CN" altLang="en-US" sz="1400" dirty="0" smtClean="0"/>
+              <a:t>由爱生恨：为主角提供线索，捣毁传销组织，</a:t>
+            </a:r>
+            <a:r>
+              <a:rPr lang="zh-CN" altLang="en-US" sz="1400" smtClean="0"/>
+              <a:t>报复傅胖</a:t>
+            </a:r>
+            <a:endParaRPr lang="en-US" altLang="zh-HK" sz="1400" dirty="0" smtClean="0"/>
           </a:p>
         </p:txBody>
       </p:sp>
@@ -8455,8 +8444,8 @@
         </p:nvSpPr>
         <p:spPr>
           <a:xfrm>
-            <a:off x="2287595" y="4124402"/>
-            <a:ext cx="1514860" cy="1754326"/>
+            <a:off x="1868077" y="3804585"/>
+            <a:ext cx="1159097" cy="2031325"/>
           </a:xfrm>
           <a:prstGeom prst="rect">
             <a:avLst/>
@@ -8504,8 +8493,8 @@
         </p:nvSpPr>
         <p:spPr>
           <a:xfrm>
-            <a:off x="10456551" y="4124402"/>
-            <a:ext cx="1339912" cy="1169551"/>
+            <a:off x="9847511" y="2079164"/>
+            <a:ext cx="1782533" cy="954107"/>
           </a:xfrm>
           <a:prstGeom prst="rect">
             <a:avLst/>
@@ -8534,7 +8523,7 @@
         </p:nvSpPr>
         <p:spPr>
           <a:xfrm>
-            <a:off x="8397434" y="4131858"/>
+            <a:off x="7648150" y="4211212"/>
             <a:ext cx="1597386" cy="923330"/>
           </a:xfrm>
           <a:prstGeom prst="rect">
@@ -9612,19 +9601,7 @@
                 <a:latin typeface="华文细黑" panose="02010600040101010101" pitchFamily="2" charset="-122"/>
                 <a:ea typeface="华文细黑" panose="02010600040101010101" pitchFamily="2" charset="-122"/>
               </a:rPr>
-              <a:t> </a:t>
-            </a:r>
-            <a:r>
-              <a:rPr lang="zh-CN" altLang="en-US" sz="3200" b="1" dirty="0" smtClean="0">
-                <a:solidFill>
-                  <a:schemeClr val="bg2">
-                    <a:lumMod val="25000"/>
-                  </a:schemeClr>
-                </a:solidFill>
-                <a:latin typeface="华文细黑" panose="02010600040101010101" pitchFamily="2" charset="-122"/>
-                <a:ea typeface="华文细黑" panose="02010600040101010101" pitchFamily="2" charset="-122"/>
-              </a:rPr>
-              <a:t>坤哥</a:t>
+              <a:t> 坤哥</a:t>
             </a:r>
             <a:endParaRPr lang="zh-HK" altLang="en-US" sz="3200" b="1" dirty="0">
               <a:solidFill>
@@ -11183,19 +11160,7 @@
                 <a:latin typeface="华文细黑" panose="02010600040101010101" pitchFamily="2" charset="-122"/>
                 <a:ea typeface="华文细黑" panose="02010600040101010101" pitchFamily="2" charset="-122"/>
               </a:rPr>
-              <a:t>关</a:t>
-            </a:r>
-            <a:r>
-              <a:rPr lang="zh-CN" altLang="en-US" sz="1600" spc="300" dirty="0" smtClean="0">
-                <a:solidFill>
-                  <a:schemeClr val="bg2">
-                    <a:lumMod val="25000"/>
-                  </a:schemeClr>
-                </a:solidFill>
-                <a:latin typeface="华文细黑" panose="02010600040101010101" pitchFamily="2" charset="-122"/>
-                <a:ea typeface="华文细黑" panose="02010600040101010101" pitchFamily="2" charset="-122"/>
-              </a:rPr>
-              <a:t>系</a:t>
+              <a:t>关系</a:t>
             </a:r>
             <a:endParaRPr lang="zh-HK" altLang="en-US" sz="1600" spc="300" dirty="0">
               <a:solidFill>
@@ -11745,19 +11710,7 @@
                 <a:latin typeface="华文细黑" panose="02010600040101010101" pitchFamily="2" charset="-122"/>
                 <a:ea typeface="华文细黑" panose="02010600040101010101" pitchFamily="2" charset="-122"/>
               </a:rPr>
-              <a:t> </a:t>
-            </a:r>
-            <a:r>
-              <a:rPr lang="zh-CN" altLang="en-US" sz="3200" b="1" dirty="0" smtClean="0">
-                <a:solidFill>
-                  <a:schemeClr val="bg2">
-                    <a:lumMod val="25000"/>
-                  </a:schemeClr>
-                </a:solidFill>
-                <a:latin typeface="华文细黑" panose="02010600040101010101" pitchFamily="2" charset="-122"/>
-                <a:ea typeface="华文细黑" panose="02010600040101010101" pitchFamily="2" charset="-122"/>
-              </a:rPr>
-              <a:t>魏祥</a:t>
+              <a:t> 魏祥</a:t>
             </a:r>
             <a:endParaRPr lang="zh-HK" altLang="en-US" sz="3200" b="1" dirty="0">
               <a:solidFill>
@@ -12119,11 +12072,7 @@
             <a:pPr algn="ctr"/>
             <a:r>
               <a:rPr lang="zh-CN" altLang="en-US" sz="1400" dirty="0" smtClean="0"/>
-              <a:t>寻求投</a:t>
-            </a:r>
-            <a:r>
-              <a:rPr lang="zh-CN" altLang="en-US" sz="1400" dirty="0" smtClean="0"/>
-              <a:t>资被骗</a:t>
+              <a:t>寻求投资被骗</a:t>
             </a:r>
             <a:endParaRPr lang="zh-HK" altLang="en-US" sz="1400" dirty="0">
               <a:solidFill>
@@ -13155,17 +13104,7 @@
                   </a:schemeClr>
                 </a:solidFill>
               </a:rPr>
-              <a:t>心狠手</a:t>
-            </a:r>
-            <a:r>
-              <a:rPr lang="zh-CN" altLang="en-US" sz="1400" dirty="0" smtClean="0">
-                <a:solidFill>
-                  <a:schemeClr val="bg2">
-                    <a:lumMod val="25000"/>
-                  </a:schemeClr>
-                </a:solidFill>
-              </a:rPr>
-              <a:t>辣、说话倍儿冲</a:t>
+              <a:t>心狠手辣、说话倍儿冲</a:t>
             </a:r>
             <a:endParaRPr lang="zh-HK" altLang="en-US" sz="1400" dirty="0">
               <a:solidFill>
@@ -13343,19 +13282,7 @@
                 <a:latin typeface="华文细黑" panose="02010600040101010101" pitchFamily="2" charset="-122"/>
                 <a:ea typeface="华文细黑" panose="02010600040101010101" pitchFamily="2" charset="-122"/>
               </a:rPr>
-              <a:t>关</a:t>
-            </a:r>
-            <a:r>
-              <a:rPr lang="zh-CN" altLang="en-US" sz="1600" spc="300" dirty="0" smtClean="0">
-                <a:solidFill>
-                  <a:schemeClr val="bg2">
-                    <a:lumMod val="25000"/>
-                  </a:schemeClr>
-                </a:solidFill>
-                <a:latin typeface="华文细黑" panose="02010600040101010101" pitchFamily="2" charset="-122"/>
-                <a:ea typeface="华文细黑" panose="02010600040101010101" pitchFamily="2" charset="-122"/>
-              </a:rPr>
-              <a:t>系</a:t>
+              <a:t>关系</a:t>
             </a:r>
             <a:endParaRPr lang="zh-HK" altLang="en-US" sz="1600" spc="300" dirty="0">
               <a:solidFill>
@@ -15966,31 +15893,7 @@
                 <a:latin typeface="华文细黑" panose="02010600040101010101" pitchFamily="2" charset="-122"/>
                 <a:ea typeface="华文细黑" panose="02010600040101010101" pitchFamily="2" charset="-122"/>
               </a:rPr>
-              <a:t> </a:t>
-            </a:r>
-            <a:r>
-              <a:rPr lang="zh-CN" altLang="en-US" sz="3200" b="1" dirty="0" smtClean="0">
-                <a:solidFill>
-                  <a:schemeClr val="bg2">
-                    <a:lumMod val="25000"/>
-                  </a:schemeClr>
-                </a:solidFill>
-                <a:latin typeface="华文细黑" panose="02010600040101010101" pitchFamily="2" charset="-122"/>
-                <a:ea typeface="华文细黑" panose="02010600040101010101" pitchFamily="2" charset="-122"/>
-              </a:rPr>
-              <a:t>小磊</a:t>
-            </a:r>
-            <a:r>
-              <a:rPr lang="zh-CN" altLang="en-US" sz="3200" b="1" dirty="0" smtClean="0">
-                <a:solidFill>
-                  <a:schemeClr val="bg2">
-                    <a:lumMod val="25000"/>
-                  </a:schemeClr>
-                </a:solidFill>
-                <a:latin typeface="华文细黑" panose="02010600040101010101" pitchFamily="2" charset="-122"/>
-                <a:ea typeface="华文细黑" panose="02010600040101010101" pitchFamily="2" charset="-122"/>
-              </a:rPr>
-              <a:t>子</a:t>
+              <a:t> 小磊子</a:t>
             </a:r>
             <a:endParaRPr lang="zh-HK" altLang="en-US" sz="3200" b="1" dirty="0">
               <a:solidFill>
@@ -16416,27 +16319,7 @@
                   </a:schemeClr>
                 </a:solidFill>
               </a:rPr>
-              <a:t>想</a:t>
-            </a:r>
-            <a:r>
-              <a:rPr lang="zh-CN" altLang="en-US" sz="1400" dirty="0" smtClean="0">
-                <a:solidFill>
-                  <a:schemeClr val="bg2">
-                    <a:lumMod val="25000"/>
-                  </a:schemeClr>
-                </a:solidFill>
-              </a:rPr>
-              <a:t>锻炼一</a:t>
-            </a:r>
-            <a:r>
-              <a:rPr lang="zh-CN" altLang="en-US" sz="1400" dirty="0" smtClean="0">
-                <a:solidFill>
-                  <a:schemeClr val="bg2">
-                    <a:lumMod val="25000"/>
-                  </a:schemeClr>
-                </a:solidFill>
-              </a:rPr>
-              <a:t>下小磊子</a:t>
+              <a:t>想锻炼一下小磊子</a:t>
             </a:r>
             <a:endParaRPr lang="zh-HK" altLang="en-US" sz="1400" dirty="0">
               <a:solidFill>
@@ -17366,17 +17249,7 @@
                   </a:schemeClr>
                 </a:solidFill>
               </a:rPr>
-              <a:t>为人刻薄</a:t>
-            </a:r>
-            <a:r>
-              <a:rPr lang="zh-CN" altLang="en-US" sz="1400" dirty="0" smtClean="0">
-                <a:solidFill>
-                  <a:schemeClr val="bg2">
-                    <a:lumMod val="25000"/>
-                  </a:schemeClr>
-                </a:solidFill>
-              </a:rPr>
-              <a:t>，喜欢喷人，特别崇敬教师职业</a:t>
+              <a:t>为人刻薄，喜欢喷人，特别崇敬教师职业</a:t>
             </a:r>
             <a:endParaRPr lang="zh-HK" altLang="en-US" sz="1400" dirty="0">
               <a:solidFill>
@@ -18092,19 +17965,7 @@
                 <a:latin typeface="华文细黑" panose="02010600040101010101" pitchFamily="2" charset="-122"/>
                 <a:ea typeface="华文细黑" panose="02010600040101010101" pitchFamily="2" charset="-122"/>
               </a:rPr>
-              <a:t> </a:t>
-            </a:r>
-            <a:r>
-              <a:rPr lang="zh-CN" altLang="en-US" sz="3200" b="1" dirty="0" smtClean="0">
-                <a:solidFill>
-                  <a:schemeClr val="bg2">
-                    <a:lumMod val="25000"/>
-                  </a:schemeClr>
-                </a:solidFill>
-                <a:latin typeface="华文细黑" panose="02010600040101010101" pitchFamily="2" charset="-122"/>
-                <a:ea typeface="华文细黑" panose="02010600040101010101" pitchFamily="2" charset="-122"/>
-              </a:rPr>
-              <a:t>一胖</a:t>
+              <a:t> 一胖</a:t>
             </a:r>
             <a:endParaRPr lang="zh-HK" altLang="en-US" sz="3200" b="1" dirty="0">
               <a:solidFill>
@@ -18455,17 +18316,7 @@
                   </a:schemeClr>
                 </a:solidFill>
               </a:rPr>
-              <a:t>传销讲</a:t>
-            </a:r>
-            <a:r>
-              <a:rPr lang="zh-CN" altLang="en-US" sz="1400" dirty="0" smtClean="0">
-                <a:solidFill>
-                  <a:schemeClr val="bg2">
-                    <a:lumMod val="25000"/>
-                  </a:schemeClr>
-                </a:solidFill>
-              </a:rPr>
-              <a:t>师</a:t>
+              <a:t>传销讲师</a:t>
             </a:r>
             <a:endParaRPr lang="en-US" altLang="zh-CN" sz="1400" dirty="0" smtClean="0">
               <a:solidFill>

--- a/escape.pptx
+++ b/escape.pptx
@@ -3587,8 +3587,8 @@
         </p:nvSpPr>
         <p:spPr>
           <a:xfrm>
-            <a:off x="10271265" y="2706626"/>
-            <a:ext cx="1710488" cy="4151373"/>
+            <a:off x="10194428" y="-85344"/>
+            <a:ext cx="1939744" cy="6858000"/>
           </a:xfrm>
           <a:custGeom>
             <a:avLst/>
@@ -3708,7 +3708,7 @@
         </p:nvSpPr>
         <p:spPr>
           <a:xfrm>
-            <a:off x="10241137" y="3614659"/>
+            <a:off x="10194428" y="1047068"/>
             <a:ext cx="1770743" cy="369332"/>
           </a:xfrm>
           <a:prstGeom prst="rect">
@@ -3904,8 +3904,8 @@
         </p:nvSpPr>
         <p:spPr>
           <a:xfrm>
-            <a:off x="10392542" y="3970176"/>
-            <a:ext cx="1530351" cy="2169825"/>
+            <a:off x="10386489" y="1651214"/>
+            <a:ext cx="1530351" cy="2862322"/>
           </a:xfrm>
           <a:prstGeom prst="rect">
             <a:avLst/>
@@ -3984,7 +3984,55 @@
                   </a:schemeClr>
                 </a:solidFill>
               </a:rPr>
-              <a:t>暧昧、周旋</a:t>
+              <a:t>暧昧、</a:t>
+            </a:r>
+            <a:r>
+              <a:rPr lang="zh-CN" altLang="en-US" sz="1400" dirty="0" smtClean="0">
+                <a:solidFill>
+                  <a:schemeClr val="bg2">
+                    <a:lumMod val="25000"/>
+                  </a:schemeClr>
+                </a:solidFill>
+              </a:rPr>
+              <a:t>周旋</a:t>
+            </a:r>
+            <a:endParaRPr lang="en-US" altLang="zh-CN" sz="1400" dirty="0" smtClean="0">
+              <a:solidFill>
+                <a:schemeClr val="bg2">
+                  <a:lumMod val="25000"/>
+                </a:schemeClr>
+              </a:solidFill>
+            </a:endParaRPr>
+          </a:p>
+          <a:p>
+            <a:pPr algn="just">
+              <a:lnSpc>
+                <a:spcPts val="1780"/>
+              </a:lnSpc>
+            </a:pPr>
+            <a:endParaRPr lang="en-US" altLang="zh-HK" sz="1400" dirty="0">
+              <a:solidFill>
+                <a:schemeClr val="bg2">
+                  <a:lumMod val="25000"/>
+                </a:schemeClr>
+              </a:solidFill>
+            </a:endParaRPr>
+          </a:p>
+          <a:p>
+            <a:pPr algn="just">
+              <a:lnSpc>
+                <a:spcPts val="1780"/>
+              </a:lnSpc>
+            </a:pPr>
+            <a:r>
+              <a:rPr lang="zh-CN" altLang="en-US" sz="1400" dirty="0" smtClean="0">
+                <a:solidFill>
+                  <a:schemeClr val="bg2">
+                    <a:lumMod val="25000"/>
+                  </a:schemeClr>
+                </a:solidFill>
+              </a:rPr>
+              <a:t>情书事件后，拜托主角捉弄阿辉</a:t>
             </a:r>
             <a:endParaRPr lang="zh-HK" altLang="en-US" sz="1400" dirty="0">
               <a:solidFill>
@@ -4081,89 +4129,6 @@
       </p:sp>
       <p:sp>
         <p:nvSpPr>
-          <p:cNvPr id="42" name="椭圆 41"/>
-          <p:cNvSpPr/>
-          <p:nvPr/>
-        </p:nvSpPr>
-        <p:spPr>
-          <a:xfrm>
-            <a:off x="8881259" y="2028891"/>
-            <a:ext cx="629737" cy="627462"/>
-          </a:xfrm>
-          <a:prstGeom prst="ellipse">
-            <a:avLst/>
-          </a:prstGeom>
-          <a:solidFill>
-            <a:schemeClr val="bg2">
-              <a:lumMod val="25000"/>
-              <a:alpha val="61000"/>
-            </a:schemeClr>
-          </a:solidFill>
-          <a:ln>
-            <a:noFill/>
-          </a:ln>
-        </p:spPr>
-        <p:style>
-          <a:lnRef idx="2">
-            <a:schemeClr val="accent1">
-              <a:shade val="50000"/>
-            </a:schemeClr>
-          </a:lnRef>
-          <a:fillRef idx="1">
-            <a:schemeClr val="accent1"/>
-          </a:fillRef>
-          <a:effectRef idx="0">
-            <a:schemeClr val="accent1"/>
-          </a:effectRef>
-          <a:fontRef idx="minor">
-            <a:schemeClr val="lt1"/>
-          </a:fontRef>
-        </p:style>
-        <p:txBody>
-          <a:bodyPr rtlCol="0" anchor="ctr"/>
-          <a:lstStyle/>
-          <a:p>
-            <a:pPr algn="ctr"/>
-            <a:r>
-              <a:rPr lang="en-US" altLang="zh-CN" sz="4400" b="1" dirty="0">
-                <a:solidFill>
-                  <a:schemeClr val="bg2">
-                    <a:lumMod val="25000"/>
-                  </a:schemeClr>
-                </a:solidFill>
-                <a:effectLst>
-                  <a:outerShdw blurRad="38100" dist="38100" dir="2700000" algn="tl">
-                    <a:srgbClr val="000000">
-                      <a:alpha val="43137"/>
-                    </a:srgbClr>
-                  </a:outerShdw>
-                </a:effectLst>
-                <a:latin typeface="华文细黑" panose="02010600040101010101" pitchFamily="2" charset="-122"/>
-                <a:ea typeface="华文细黑" panose="02010600040101010101" pitchFamily="2" charset="-122"/>
-              </a:rPr>
-              <a:t>P</a:t>
-            </a:r>
-            <a:endParaRPr lang="zh-HK" altLang="en-US" sz="4400" b="1" dirty="0">
-              <a:solidFill>
-                <a:schemeClr val="bg2">
-                  <a:lumMod val="25000"/>
-                </a:schemeClr>
-              </a:solidFill>
-              <a:effectLst>
-                <a:outerShdw blurRad="38100" dist="38100" dir="2700000" algn="tl">
-                  <a:srgbClr val="000000">
-                    <a:alpha val="43137"/>
-                  </a:srgbClr>
-                </a:outerShdw>
-              </a:effectLst>
-              <a:latin typeface="华文细黑" panose="02010600040101010101" pitchFamily="2" charset="-122"/>
-              <a:ea typeface="华文细黑" panose="02010600040101010101" pitchFamily="2" charset="-122"/>
-            </a:endParaRPr>
-          </a:p>
-        </p:txBody>
-      </p:sp>
-      <p:sp>
-        <p:nvSpPr>
           <p:cNvPr id="43" name="椭圆 42"/>
           <p:cNvSpPr/>
           <p:nvPr/>
@@ -4308,89 +4273,6 @@
                 <a:ea typeface="华文细黑" panose="02010600040101010101" pitchFamily="2" charset="-122"/>
               </a:rPr>
               <a:t>A</a:t>
-            </a:r>
-            <a:endParaRPr lang="zh-HK" altLang="en-US" sz="4400" b="1" dirty="0">
-              <a:solidFill>
-                <a:schemeClr val="bg2">
-                  <a:lumMod val="25000"/>
-                </a:schemeClr>
-              </a:solidFill>
-              <a:effectLst>
-                <a:outerShdw blurRad="38100" dist="38100" dir="2700000" algn="tl">
-                  <a:srgbClr val="000000">
-                    <a:alpha val="43137"/>
-                  </a:srgbClr>
-                </a:outerShdw>
-              </a:effectLst>
-              <a:latin typeface="华文细黑" panose="02010600040101010101" pitchFamily="2" charset="-122"/>
-              <a:ea typeface="华文细黑" panose="02010600040101010101" pitchFamily="2" charset="-122"/>
-            </a:endParaRPr>
-          </a:p>
-        </p:txBody>
-      </p:sp>
-      <p:sp>
-        <p:nvSpPr>
-          <p:cNvPr id="45" name="椭圆 44"/>
-          <p:cNvSpPr/>
-          <p:nvPr/>
-        </p:nvSpPr>
-        <p:spPr>
-          <a:xfrm>
-            <a:off x="10811639" y="2079164"/>
-            <a:ext cx="629737" cy="627462"/>
-          </a:xfrm>
-          <a:prstGeom prst="ellipse">
-            <a:avLst/>
-          </a:prstGeom>
-          <a:solidFill>
-            <a:schemeClr val="bg2">
-              <a:lumMod val="25000"/>
-              <a:alpha val="61000"/>
-            </a:schemeClr>
-          </a:solidFill>
-          <a:ln>
-            <a:noFill/>
-          </a:ln>
-        </p:spPr>
-        <p:style>
-          <a:lnRef idx="2">
-            <a:schemeClr val="accent1">
-              <a:shade val="50000"/>
-            </a:schemeClr>
-          </a:lnRef>
-          <a:fillRef idx="1">
-            <a:schemeClr val="accent1"/>
-          </a:fillRef>
-          <a:effectRef idx="0">
-            <a:schemeClr val="accent1"/>
-          </a:effectRef>
-          <a:fontRef idx="minor">
-            <a:schemeClr val="lt1"/>
-          </a:fontRef>
-        </p:style>
-        <p:txBody>
-          <a:bodyPr rtlCol="0" anchor="ctr"/>
-          <a:lstStyle/>
-          <a:p>
-            <a:pPr algn="ctr"/>
-            <a:r>
-              <a:rPr lang="en-US" altLang="zh-HK" sz="4400" b="1" dirty="0">
-                <a:solidFill>
-                  <a:schemeClr val="bg2">
-                    <a:lumMod val="25000"/>
-                  </a:schemeClr>
-                </a:solidFill>
-                <a:effectLst>
-                  <a:outerShdw blurRad="38100" dist="38100" dir="2700000" algn="tl">
-                    <a:srgbClr val="000000">
-                      <a:alpha val="43137"/>
-                    </a:srgbClr>
-                  </a:outerShdw>
-                </a:effectLst>
-                <a:latin typeface="华文细黑" panose="02010600040101010101" pitchFamily="2" charset="-122"/>
-                <a:ea typeface="华文细黑" panose="02010600040101010101" pitchFamily="2" charset="-122"/>
-              </a:rPr>
-              <a:t>E</a:t>
             </a:r>
             <a:endParaRPr lang="zh-HK" altLang="en-US" sz="4400" b="1" dirty="0">
               <a:solidFill>
@@ -8426,11 +8308,7 @@
             </a:pPr>
             <a:r>
               <a:rPr lang="zh-CN" altLang="en-US" sz="1400" dirty="0" smtClean="0"/>
-              <a:t>由爱生恨：为主角提供线索，捣毁传销组织，</a:t>
-            </a:r>
-            <a:r>
-              <a:rPr lang="zh-CN" altLang="en-US" sz="1400" smtClean="0"/>
-              <a:t>报复傅胖</a:t>
+              <a:t>由爱生恨：为主角提供线索，捣毁传销组织，报复傅胖</a:t>
             </a:r>
             <a:endParaRPr lang="en-US" altLang="zh-HK" sz="1400" dirty="0" smtClean="0"/>
           </a:p>

--- a/escape.pptx
+++ b/escape.pptx
@@ -5,7 +5,7 @@
     <p:sldMasterId id="2147483648" r:id="rId1"/>
   </p:sldMasterIdLst>
   <p:notesMasterIdLst>
-    <p:notesMasterId r:id="rId12"/>
+    <p:notesMasterId r:id="rId14"/>
   </p:notesMasterIdLst>
   <p:sldIdLst>
     <p:sldId id="258" r:id="rId2"/>
@@ -18,6 +18,8 @@
     <p:sldId id="279" r:id="rId9"/>
     <p:sldId id="280" r:id="rId10"/>
     <p:sldId id="281" r:id="rId11"/>
+    <p:sldId id="282" r:id="rId12"/>
+    <p:sldId id="283" r:id="rId13"/>
   </p:sldIdLst>
   <p:sldSz cx="12192000" cy="6858000"/>
   <p:notesSz cx="6858000" cy="9144000"/>
@@ -222,7 +224,7 @@
           <a:p>
             <a:fld id="{E8764360-6B9F-4CCE-85EA-4B0FA1018547}" type="datetimeFigureOut">
               <a:rPr lang="zh-HK" altLang="en-US" smtClean="0"/>
-              <a:t>23/07/17</a:t>
+              <a:t>23/7/2017</a:t>
             </a:fld>
             <a:endParaRPr lang="zh-HK" altLang="en-US"/>
           </a:p>
@@ -903,7 +905,7 @@
           <a:p>
             <a:fld id="{DEE1AA81-8F49-42D7-92A9-FEC432C0CCCC}" type="datetimeFigureOut">
               <a:rPr lang="zh-HK" altLang="en-US" smtClean="0"/>
-              <a:t>23/07/17</a:t>
+              <a:t>23/7/2017</a:t>
             </a:fld>
             <a:endParaRPr lang="zh-HK" altLang="en-US"/>
           </a:p>
@@ -1220,7 +1222,7 @@
           <a:p>
             <a:fld id="{DEE1AA81-8F49-42D7-92A9-FEC432C0CCCC}" type="datetimeFigureOut">
               <a:rPr lang="zh-HK" altLang="en-US" smtClean="0"/>
-              <a:t>23/07/17</a:t>
+              <a:t>23/7/2017</a:t>
             </a:fld>
             <a:endParaRPr lang="zh-HK" altLang="en-US"/>
           </a:p>
@@ -1506,7 +1508,7 @@
           <a:p>
             <a:fld id="{DEE1AA81-8F49-42D7-92A9-FEC432C0CCCC}" type="datetimeFigureOut">
               <a:rPr lang="zh-HK" altLang="en-US" smtClean="0"/>
-              <a:t>23/07/17</a:t>
+              <a:t>23/7/2017</a:t>
             </a:fld>
             <a:endParaRPr lang="zh-HK" altLang="en-US"/>
           </a:p>
@@ -1716,7 +1718,7 @@
           <a:p>
             <a:fld id="{DEE1AA81-8F49-42D7-92A9-FEC432C0CCCC}" type="datetimeFigureOut">
               <a:rPr lang="zh-HK" altLang="en-US" smtClean="0"/>
-              <a:t>23/07/17</a:t>
+              <a:t>23/7/2017</a:t>
             </a:fld>
             <a:endParaRPr lang="zh-HK" altLang="en-US"/>
           </a:p>
@@ -1926,7 +1928,7 @@
           <a:p>
             <a:fld id="{DEE1AA81-8F49-42D7-92A9-FEC432C0CCCC}" type="datetimeFigureOut">
               <a:rPr lang="zh-HK" altLang="en-US" smtClean="0"/>
-              <a:t>23/07/17</a:t>
+              <a:t>23/7/2017</a:t>
             </a:fld>
             <a:endParaRPr lang="zh-HK" altLang="en-US"/>
           </a:p>
@@ -3984,17 +3986,7 @@
                   </a:schemeClr>
                 </a:solidFill>
               </a:rPr>
-              <a:t>暧昧、</a:t>
-            </a:r>
-            <a:r>
-              <a:rPr lang="zh-CN" altLang="en-US" sz="1400" dirty="0" smtClean="0">
-                <a:solidFill>
-                  <a:schemeClr val="bg2">
-                    <a:lumMod val="25000"/>
-                  </a:schemeClr>
-                </a:solidFill>
-              </a:rPr>
-              <a:t>周旋</a:t>
+              <a:t>暧昧、周旋</a:t>
             </a:r>
             <a:endParaRPr lang="en-US" altLang="zh-CN" sz="1400" dirty="0" smtClean="0">
               <a:solidFill>
@@ -4713,7 +4705,17 @@
                   </a:schemeClr>
                 </a:solidFill>
               </a:rPr>
-              <a:t>憨厚老实，外柔内刚。</a:t>
+              <a:t>憨厚老实</a:t>
+            </a:r>
+            <a:r>
+              <a:rPr lang="zh-CN" altLang="en-US" sz="1400" dirty="0" smtClean="0">
+                <a:solidFill>
+                  <a:schemeClr val="bg2">
+                    <a:lumMod val="25000"/>
+                  </a:schemeClr>
+                </a:solidFill>
+              </a:rPr>
+              <a:t>，没见过 世面</a:t>
             </a:r>
             <a:endParaRPr lang="zh-HK" altLang="en-US" sz="1400" dirty="0">
               <a:solidFill>
@@ -4870,6 +4872,18 @@
           <a:p>
             <a:pPr algn="ctr"/>
             <a:r>
+              <a:rPr lang="en-US" altLang="zh-CN" sz="1600" spc="300" dirty="0" smtClean="0">
+                <a:solidFill>
+                  <a:schemeClr val="bg2">
+                    <a:lumMod val="25000"/>
+                  </a:schemeClr>
+                </a:solidFill>
+                <a:latin typeface="华文细黑" panose="02010600040101010101" pitchFamily="2" charset="-122"/>
+                <a:ea typeface="华文细黑" panose="02010600040101010101" pitchFamily="2" charset="-122"/>
+              </a:rPr>
+              <a:t>NPC</a:t>
+            </a:r>
+            <a:r>
               <a:rPr lang="zh-CN" altLang="en-US" sz="1600" spc="300" dirty="0" smtClean="0">
                 <a:solidFill>
                   <a:schemeClr val="bg2">
@@ -4879,7 +4893,19 @@
                 <a:latin typeface="华文细黑" panose="02010600040101010101" pitchFamily="2" charset="-122"/>
                 <a:ea typeface="华文细黑" panose="02010600040101010101" pitchFamily="2" charset="-122"/>
               </a:rPr>
-              <a:t>作用及关系</a:t>
+              <a:t>关</a:t>
+            </a:r>
+            <a:r>
+              <a:rPr lang="zh-CN" altLang="en-US" sz="1600" spc="300" dirty="0" smtClean="0">
+                <a:solidFill>
+                  <a:schemeClr val="bg2">
+                    <a:lumMod val="25000"/>
+                  </a:schemeClr>
+                </a:solidFill>
+                <a:latin typeface="华文细黑" panose="02010600040101010101" pitchFamily="2" charset="-122"/>
+                <a:ea typeface="华文细黑" panose="02010600040101010101" pitchFamily="2" charset="-122"/>
+              </a:rPr>
+              <a:t>系</a:t>
             </a:r>
             <a:endParaRPr lang="zh-HK" altLang="en-US" sz="1600" spc="300" dirty="0">
               <a:solidFill>
@@ -5534,7 +5560,7 @@
         </p:nvSpPr>
         <p:spPr>
           <a:xfrm>
-            <a:off x="2015446" y="1127994"/>
+            <a:off x="1966680" y="1078961"/>
             <a:ext cx="1618196" cy="523220"/>
           </a:xfrm>
           <a:prstGeom prst="rect">
@@ -5724,8 +5750,8 @@
         </p:nvSpPr>
         <p:spPr>
           <a:xfrm>
-            <a:off x="2325470" y="4144440"/>
-            <a:ext cx="1530351" cy="312843"/>
+            <a:off x="2316417" y="4146265"/>
+            <a:ext cx="1530351" cy="323165"/>
           </a:xfrm>
           <a:prstGeom prst="rect">
             <a:avLst/>
@@ -5743,8 +5769,16 @@
               </a:lnSpc>
             </a:pPr>
             <a:r>
+              <a:rPr lang="zh-CN" altLang="en-US" sz="1400" dirty="0"/>
+              <a:t>姗姗</a:t>
+            </a:r>
+            <a:r>
               <a:rPr lang="zh-CN" altLang="en-US" sz="1400" dirty="0" smtClean="0"/>
-              <a:t>琪琪父亲</a:t>
+              <a:t>父</a:t>
+            </a:r>
+            <a:r>
+              <a:rPr lang="zh-CN" altLang="en-US" sz="1400" dirty="0" smtClean="0"/>
+              <a:t>亲</a:t>
             </a:r>
             <a:endParaRPr lang="en-US" altLang="zh-HK" sz="1400" dirty="0" smtClean="0"/>
           </a:p>
@@ -5759,7 +5793,7 @@
         <p:spPr>
           <a:xfrm>
             <a:off x="4295840" y="4146265"/>
-            <a:ext cx="1530351" cy="738664"/>
+            <a:ext cx="1530351" cy="954107"/>
           </a:xfrm>
           <a:prstGeom prst="rect">
             <a:avLst/>
@@ -5780,7 +5814,37 @@
                   </a:schemeClr>
                 </a:solidFill>
               </a:rPr>
-              <a:t>农民</a:t>
+              <a:t>农</a:t>
+            </a:r>
+            <a:r>
+              <a:rPr lang="zh-CN" altLang="en-US" sz="1400" dirty="0" smtClean="0">
+                <a:solidFill>
+                  <a:schemeClr val="bg2">
+                    <a:lumMod val="25000"/>
+                  </a:schemeClr>
+                </a:solidFill>
+              </a:rPr>
+              <a:t>民</a:t>
+            </a:r>
+            <a:endParaRPr lang="en-US" altLang="zh-CN" sz="1400" dirty="0" smtClean="0">
+              <a:solidFill>
+                <a:schemeClr val="bg2">
+                  <a:lumMod val="25000"/>
+                </a:schemeClr>
+              </a:solidFill>
+            </a:endParaRPr>
+          </a:p>
+          <a:p>
+            <a:pPr algn="ctr"/>
+            <a:r>
+              <a:rPr lang="zh-CN" altLang="en-US" sz="1400" dirty="0">
+                <a:solidFill>
+                  <a:schemeClr val="bg2">
+                    <a:lumMod val="25000"/>
+                  </a:schemeClr>
+                </a:solidFill>
+              </a:rPr>
+              <a:t>会种地</a:t>
             </a:r>
             <a:endParaRPr lang="en-US" altLang="zh-CN" sz="1400" dirty="0" smtClean="0">
               <a:solidFill>
@@ -5819,7 +5883,7 @@
         </p:nvSpPr>
         <p:spPr>
           <a:xfrm>
-            <a:off x="6319952" y="4070303"/>
+            <a:off x="6336883" y="4160575"/>
             <a:ext cx="1530351" cy="307777"/>
           </a:xfrm>
           <a:prstGeom prst="rect">
@@ -5834,8 +5898,14 @@
           <a:p>
             <a:pPr algn="ctr"/>
             <a:r>
-              <a:rPr lang="zh-CN" altLang="en-US" sz="1400" dirty="0" smtClean="0"/>
-              <a:t>解救女儿</a:t>
+              <a:rPr lang="zh-CN" altLang="en-US" sz="1400" dirty="0" smtClean="0">
+                <a:solidFill>
+                  <a:schemeClr val="bg2">
+                    <a:lumMod val="25000"/>
+                  </a:schemeClr>
+                </a:solidFill>
+              </a:rPr>
+              <a:t>被姗姗骗来传销</a:t>
             </a:r>
             <a:endParaRPr lang="zh-HK" altLang="en-US" sz="1400" dirty="0">
               <a:solidFill>
@@ -6270,8 +6340,8 @@
         </p:nvSpPr>
         <p:spPr>
           <a:xfrm>
-            <a:off x="10331557" y="3991052"/>
-            <a:ext cx="1530351" cy="1708160"/>
+            <a:off x="10339243" y="4129797"/>
+            <a:ext cx="1530351" cy="553998"/>
           </a:xfrm>
           <a:prstGeom prst="rect">
             <a:avLst/>
@@ -6290,7 +6360,7 @@
             </a:pPr>
             <a:r>
               <a:rPr lang="zh-CN" altLang="en-US" sz="1400" dirty="0" smtClean="0"/>
-              <a:t>一个星期来一次电话的女儿最近杳无音讯，爱女心切的老王通过层层线索找到了女儿，救人不成自己也身陷囹圄。</a:t>
+              <a:t>为了给姗姗买名牌，努力种地。</a:t>
             </a:r>
             <a:endParaRPr lang="zh-HK" altLang="en-US" sz="1400" dirty="0"/>
           </a:p>
@@ -6328,7 +6398,19 @@
                 <a:latin typeface="华文细黑" panose="02010600040101010101" pitchFamily="2" charset="-122"/>
                 <a:ea typeface="华文细黑" panose="02010600040101010101" pitchFamily="2" charset="-122"/>
               </a:rPr>
-              <a:t> 老王</a:t>
+              <a:t> </a:t>
+            </a:r>
+            <a:r>
+              <a:rPr lang="zh-CN" altLang="en-US" sz="3200" b="1" dirty="0" smtClean="0">
+                <a:solidFill>
+                  <a:schemeClr val="bg2">
+                    <a:lumMod val="25000"/>
+                  </a:schemeClr>
+                </a:solidFill>
+                <a:latin typeface="华文细黑" panose="02010600040101010101" pitchFamily="2" charset="-122"/>
+                <a:ea typeface="华文细黑" panose="02010600040101010101" pitchFamily="2" charset="-122"/>
+              </a:rPr>
+              <a:t>老汪</a:t>
             </a:r>
             <a:endParaRPr lang="zh-HK" altLang="en-US" sz="3200" b="1" dirty="0">
               <a:solidFill>
@@ -6339,6 +6421,138 @@
               <a:latin typeface="华文细黑" panose="02010600040101010101" pitchFamily="2" charset="-122"/>
               <a:ea typeface="华文细黑" panose="02010600040101010101" pitchFamily="2" charset="-122"/>
             </a:endParaRPr>
+          </a:p>
+        </p:txBody>
+      </p:sp>
+      <p:sp>
+        <p:nvSpPr>
+          <p:cNvPr id="36" name="矩形 31"/>
+          <p:cNvSpPr/>
+          <p:nvPr/>
+        </p:nvSpPr>
+        <p:spPr>
+          <a:xfrm>
+            <a:off x="2316417" y="4508887"/>
+            <a:ext cx="1530351" cy="309380"/>
+          </a:xfrm>
+          <a:prstGeom prst="rect">
+            <a:avLst/>
+          </a:prstGeom>
+        </p:spPr>
+        <p:txBody>
+          <a:bodyPr wrap="square">
+            <a:spAutoFit/>
+          </a:bodyPr>
+          <a:lstStyle/>
+          <a:p>
+            <a:pPr algn="just">
+              <a:lnSpc>
+                <a:spcPts val="1780"/>
+              </a:lnSpc>
+            </a:pPr>
+            <a:r>
+              <a:rPr lang="zh-CN" altLang="en-US" sz="1400" dirty="0" smtClean="0"/>
+              <a:t>柯皓燃</a:t>
+            </a:r>
+            <a:endParaRPr lang="en-US" altLang="zh-HK" sz="1400" dirty="0" smtClean="0"/>
+          </a:p>
+        </p:txBody>
+      </p:sp>
+      <p:sp>
+        <p:nvSpPr>
+          <p:cNvPr id="40" name="矩形 31"/>
+          <p:cNvSpPr/>
+          <p:nvPr/>
+        </p:nvSpPr>
+        <p:spPr>
+          <a:xfrm>
+            <a:off x="2316417" y="4859252"/>
+            <a:ext cx="1530351" cy="323165"/>
+          </a:xfrm>
+          <a:prstGeom prst="rect">
+            <a:avLst/>
+          </a:prstGeom>
+        </p:spPr>
+        <p:txBody>
+          <a:bodyPr wrap="square">
+            <a:spAutoFit/>
+          </a:bodyPr>
+          <a:lstStyle/>
+          <a:p>
+            <a:pPr algn="just">
+              <a:lnSpc>
+                <a:spcPts val="1780"/>
+              </a:lnSpc>
+            </a:pPr>
+            <a:r>
+              <a:rPr lang="zh-CN" altLang="en-US" sz="1400" dirty="0" smtClean="0"/>
+              <a:t>王伟（痛恨）</a:t>
+            </a:r>
+            <a:endParaRPr lang="en-US" altLang="zh-HK" sz="1400" dirty="0" smtClean="0"/>
+          </a:p>
+        </p:txBody>
+      </p:sp>
+      <p:sp>
+        <p:nvSpPr>
+          <p:cNvPr id="3" name="TextBox 2"/>
+          <p:cNvSpPr txBox="1"/>
+          <p:nvPr/>
+        </p:nvSpPr>
+        <p:spPr>
+          <a:xfrm>
+            <a:off x="8658403" y="4160575"/>
+            <a:ext cx="1195057" cy="523220"/>
+          </a:xfrm>
+          <a:prstGeom prst="rect">
+            <a:avLst/>
+          </a:prstGeom>
+          <a:noFill/>
+        </p:spPr>
+        <p:txBody>
+          <a:bodyPr wrap="square" rtlCol="0">
+            <a:spAutoFit/>
+          </a:bodyPr>
+          <a:lstStyle/>
+          <a:p>
+            <a:r>
+              <a:rPr lang="zh-CN" altLang="en-US" sz="1400" dirty="0" smtClean="0"/>
+              <a:t>希望女儿过上好日子</a:t>
+            </a:r>
+            <a:endParaRPr lang="zh-CN" altLang="en-US" sz="1400" dirty="0"/>
+          </a:p>
+        </p:txBody>
+      </p:sp>
+      <p:sp>
+        <p:nvSpPr>
+          <p:cNvPr id="4" name="TextBox 3"/>
+          <p:cNvSpPr txBox="1"/>
+          <p:nvPr/>
+        </p:nvSpPr>
+        <p:spPr>
+          <a:xfrm>
+            <a:off x="10339243" y="4961299"/>
+            <a:ext cx="1530351" cy="738664"/>
+          </a:xfrm>
+          <a:prstGeom prst="rect">
+            <a:avLst/>
+          </a:prstGeom>
+          <a:noFill/>
+        </p:spPr>
+        <p:txBody>
+          <a:bodyPr wrap="square" rtlCol="0">
+            <a:spAutoFit/>
+          </a:bodyPr>
+          <a:lstStyle/>
+          <a:p>
+            <a:r>
+              <a:rPr lang="zh-CN" altLang="en-US" sz="1400" dirty="0"/>
+              <a:t>打</a:t>
+            </a:r>
+            <a:r>
+              <a:rPr lang="zh-CN" altLang="en-US" sz="1400" dirty="0" smtClean="0"/>
+              <a:t>理耕地，种了很多不为之知的东西</a:t>
+            </a:r>
+            <a:endParaRPr lang="zh-CN" altLang="en-US" sz="1400" dirty="0"/>
           </a:p>
         </p:txBody>
       </p:sp>
@@ -6346,6 +6560,4330 @@
     <p:extLst>
       <p:ext uri="{BB962C8B-B14F-4D97-AF65-F5344CB8AC3E}">
         <p14:creationId xmlns:p14="http://schemas.microsoft.com/office/powerpoint/2010/main" val="670158635"/>
+      </p:ext>
+    </p:extLst>
+  </p:cSld>
+  <p:clrMapOvr>
+    <a:masterClrMapping/>
+  </p:clrMapOvr>
+  <p:timing>
+    <p:tnLst>
+      <p:par>
+        <p:cTn id="1" dur="indefinite" restart="never" nodeType="tmRoot"/>
+      </p:par>
+    </p:tnLst>
+  </p:timing>
+</p:sld>
+</file>
+
+<file path=ppt/slides/slide11.xml><?xml version="1.0" encoding="utf-8"?>
+<p:sld xmlns:a="http://schemas.openxmlformats.org/drawingml/2006/main" xmlns:r="http://schemas.openxmlformats.org/officeDocument/2006/relationships" xmlns:p="http://schemas.openxmlformats.org/presentationml/2006/main">
+  <p:cSld>
+    <p:spTree>
+      <p:nvGrpSpPr>
+        <p:cNvPr id="1" name=""/>
+        <p:cNvGrpSpPr/>
+        <p:nvPr/>
+      </p:nvGrpSpPr>
+      <p:grpSpPr>
+        <a:xfrm>
+          <a:off x="0" y="0"/>
+          <a:ext cx="0" cy="0"/>
+          <a:chOff x="0" y="0"/>
+          <a:chExt cx="0" cy="0"/>
+        </a:xfrm>
+      </p:grpSpPr>
+      <p:sp>
+        <p:nvSpPr>
+          <p:cNvPr id="12" name="椭圆 11"/>
+          <p:cNvSpPr/>
+          <p:nvPr/>
+        </p:nvSpPr>
+        <p:spPr>
+          <a:xfrm>
+            <a:off x="0" y="304290"/>
+            <a:ext cx="1491916" cy="1485557"/>
+          </a:xfrm>
+          <a:prstGeom prst="ellipse">
+            <a:avLst/>
+          </a:prstGeom>
+          <a:noFill/>
+          <a:ln>
+            <a:solidFill>
+              <a:schemeClr val="bg2">
+                <a:lumMod val="25000"/>
+              </a:schemeClr>
+            </a:solidFill>
+          </a:ln>
+        </p:spPr>
+        <p:style>
+          <a:lnRef idx="2">
+            <a:schemeClr val="accent1">
+              <a:shade val="50000"/>
+            </a:schemeClr>
+          </a:lnRef>
+          <a:fillRef idx="1">
+            <a:schemeClr val="accent1"/>
+          </a:fillRef>
+          <a:effectRef idx="0">
+            <a:schemeClr val="accent1"/>
+          </a:effectRef>
+          <a:fontRef idx="minor">
+            <a:schemeClr val="lt1"/>
+          </a:fontRef>
+        </p:style>
+        <p:txBody>
+          <a:bodyPr rtlCol="0" anchor="ctr"/>
+          <a:lstStyle/>
+          <a:p>
+            <a:pPr algn="ctr"/>
+            <a:r>
+              <a:rPr lang="en-US" altLang="zh-CN" sz="6000" dirty="0" smtClean="0">
+                <a:solidFill>
+                  <a:schemeClr val="bg2">
+                    <a:lumMod val="25000"/>
+                  </a:schemeClr>
+                </a:solidFill>
+                <a:latin typeface="华文细黑" panose="02010600040101010101" pitchFamily="2" charset="-122"/>
+                <a:ea typeface="华文细黑" panose="02010600040101010101" pitchFamily="2" charset="-122"/>
+              </a:rPr>
+              <a:t>11</a:t>
+            </a:r>
+            <a:endParaRPr lang="zh-HK" altLang="en-US" sz="6000" dirty="0">
+              <a:solidFill>
+                <a:schemeClr val="bg2">
+                  <a:lumMod val="25000"/>
+                </a:schemeClr>
+              </a:solidFill>
+              <a:latin typeface="华文细黑" panose="02010600040101010101" pitchFamily="2" charset="-122"/>
+              <a:ea typeface="华文细黑" panose="02010600040101010101" pitchFamily="2" charset="-122"/>
+            </a:endParaRPr>
+          </a:p>
+        </p:txBody>
+      </p:sp>
+      <p:cxnSp>
+        <p:nvCxnSpPr>
+          <p:cNvPr id="16" name="直接连接符 15"/>
+          <p:cNvCxnSpPr>
+            <a:stCxn id="12" idx="3"/>
+          </p:cNvCxnSpPr>
+          <p:nvPr/>
+        </p:nvCxnSpPr>
+        <p:spPr>
+          <a:xfrm flipH="1">
+            <a:off x="197990" y="1572292"/>
+            <a:ext cx="20496" cy="5200364"/>
+          </a:xfrm>
+          <a:prstGeom prst="line">
+            <a:avLst/>
+          </a:prstGeom>
+          <a:ln>
+            <a:solidFill>
+              <a:schemeClr val="bg2">
+                <a:lumMod val="25000"/>
+              </a:schemeClr>
+            </a:solidFill>
+          </a:ln>
+        </p:spPr>
+        <p:style>
+          <a:lnRef idx="1">
+            <a:schemeClr val="accent1"/>
+          </a:lnRef>
+          <a:fillRef idx="0">
+            <a:schemeClr val="accent1"/>
+          </a:fillRef>
+          <a:effectRef idx="0">
+            <a:schemeClr val="accent1"/>
+          </a:effectRef>
+          <a:fontRef idx="minor">
+            <a:schemeClr val="tx1"/>
+          </a:fontRef>
+        </p:style>
+      </p:cxnSp>
+      <p:cxnSp>
+        <p:nvCxnSpPr>
+          <p:cNvPr id="18" name="直接连接符 17"/>
+          <p:cNvCxnSpPr/>
+          <p:nvPr/>
+        </p:nvCxnSpPr>
+        <p:spPr>
+          <a:xfrm flipH="1">
+            <a:off x="789934" y="33567"/>
+            <a:ext cx="387711" cy="270723"/>
+          </a:xfrm>
+          <a:prstGeom prst="line">
+            <a:avLst/>
+          </a:prstGeom>
+          <a:ln>
+            <a:solidFill>
+              <a:schemeClr val="bg2">
+                <a:lumMod val="25000"/>
+              </a:schemeClr>
+            </a:solidFill>
+          </a:ln>
+        </p:spPr>
+        <p:style>
+          <a:lnRef idx="1">
+            <a:schemeClr val="accent1"/>
+          </a:lnRef>
+          <a:fillRef idx="0">
+            <a:schemeClr val="accent1"/>
+          </a:fillRef>
+          <a:effectRef idx="0">
+            <a:schemeClr val="accent1"/>
+          </a:effectRef>
+          <a:fontRef idx="minor">
+            <a:schemeClr val="tx1"/>
+          </a:fontRef>
+        </p:style>
+      </p:cxnSp>
+      <p:sp>
+        <p:nvSpPr>
+          <p:cNvPr id="29" name="任意多边形 28"/>
+          <p:cNvSpPr/>
+          <p:nvPr/>
+        </p:nvSpPr>
+        <p:spPr>
+          <a:xfrm>
+            <a:off x="299667" y="2706626"/>
+            <a:ext cx="1668304" cy="4151374"/>
+          </a:xfrm>
+          <a:custGeom>
+            <a:avLst/>
+            <a:gdLst>
+              <a:gd name="connsiteX0" fmla="*/ 921658 w 1843316"/>
+              <a:gd name="connsiteY0" fmla="*/ 0 h 3236686"/>
+              <a:gd name="connsiteX1" fmla="*/ 1843316 w 1843316"/>
+              <a:gd name="connsiteY1" fmla="*/ 1117600 h 3236686"/>
+              <a:gd name="connsiteX2" fmla="*/ 1843315 w 1843316"/>
+              <a:gd name="connsiteY2" fmla="*/ 1117600 h 3236686"/>
+              <a:gd name="connsiteX3" fmla="*/ 1843315 w 1843316"/>
+              <a:gd name="connsiteY3" fmla="*/ 3236686 h 3236686"/>
+              <a:gd name="connsiteX4" fmla="*/ 0 w 1843316"/>
+              <a:gd name="connsiteY4" fmla="*/ 3236686 h 3236686"/>
+              <a:gd name="connsiteX5" fmla="*/ 0 w 1843316"/>
+              <a:gd name="connsiteY5" fmla="*/ 1117600 h 3236686"/>
+            </a:gdLst>
+            <a:ahLst/>
+            <a:cxnLst>
+              <a:cxn ang="0">
+                <a:pos x="connsiteX0" y="connsiteY0"/>
+              </a:cxn>
+              <a:cxn ang="0">
+                <a:pos x="connsiteX1" y="connsiteY1"/>
+              </a:cxn>
+              <a:cxn ang="0">
+                <a:pos x="connsiteX2" y="connsiteY2"/>
+              </a:cxn>
+              <a:cxn ang="0">
+                <a:pos x="connsiteX3" y="connsiteY3"/>
+              </a:cxn>
+              <a:cxn ang="0">
+                <a:pos x="connsiteX4" y="connsiteY4"/>
+              </a:cxn>
+              <a:cxn ang="0">
+                <a:pos x="connsiteX5" y="connsiteY5"/>
+              </a:cxn>
+            </a:cxnLst>
+            <a:rect l="l" t="t" r="r" b="b"/>
+            <a:pathLst>
+              <a:path w="1843316" h="3236686">
+                <a:moveTo>
+                  <a:pt x="921658" y="0"/>
+                </a:moveTo>
+                <a:lnTo>
+                  <a:pt x="1843316" y="1117600"/>
+                </a:lnTo>
+                <a:lnTo>
+                  <a:pt x="1843315" y="1117600"/>
+                </a:lnTo>
+                <a:lnTo>
+                  <a:pt x="1843315" y="3236686"/>
+                </a:lnTo>
+                <a:lnTo>
+                  <a:pt x="0" y="3236686"/>
+                </a:lnTo>
+                <a:lnTo>
+                  <a:pt x="0" y="1117600"/>
+                </a:lnTo>
+                <a:close/>
+              </a:path>
+            </a:pathLst>
+          </a:custGeom>
+          <a:noFill/>
+          <a:ln>
+            <a:solidFill>
+              <a:schemeClr val="bg2">
+                <a:lumMod val="25000"/>
+              </a:schemeClr>
+            </a:solidFill>
+            <a:prstDash val="dash"/>
+          </a:ln>
+          <a:effectLst>
+            <a:outerShdw blurRad="50800" dist="38100" dir="2700000" algn="tl" rotWithShape="0">
+              <a:prstClr val="black">
+                <a:alpha val="40000"/>
+              </a:prstClr>
+            </a:outerShdw>
+          </a:effectLst>
+        </p:spPr>
+        <p:style>
+          <a:lnRef idx="2">
+            <a:schemeClr val="accent1">
+              <a:shade val="50000"/>
+            </a:schemeClr>
+          </a:lnRef>
+          <a:fillRef idx="1">
+            <a:schemeClr val="accent1"/>
+          </a:fillRef>
+          <a:effectRef idx="0">
+            <a:schemeClr val="accent1"/>
+          </a:effectRef>
+          <a:fontRef idx="minor">
+            <a:schemeClr val="lt1"/>
+          </a:fontRef>
+        </p:style>
+        <p:txBody>
+          <a:bodyPr rtlCol="0" anchor="ctr"/>
+          <a:lstStyle/>
+          <a:p>
+            <a:pPr algn="ctr"/>
+            <a:endParaRPr lang="zh-HK" altLang="en-US">
+              <a:solidFill>
+                <a:schemeClr val="bg2">
+                  <a:lumMod val="25000"/>
+                </a:schemeClr>
+              </a:solidFill>
+            </a:endParaRPr>
+          </a:p>
+        </p:txBody>
+      </p:sp>
+      <p:sp>
+        <p:nvSpPr>
+          <p:cNvPr id="30" name="文本框 29"/>
+          <p:cNvSpPr txBox="1"/>
+          <p:nvPr/>
+        </p:nvSpPr>
+        <p:spPr>
+          <a:xfrm>
+            <a:off x="292868" y="3543389"/>
+            <a:ext cx="1770743" cy="369332"/>
+          </a:xfrm>
+          <a:prstGeom prst="rect">
+            <a:avLst/>
+          </a:prstGeom>
+          <a:noFill/>
+        </p:spPr>
+        <p:txBody>
+          <a:bodyPr wrap="square" rtlCol="0">
+            <a:spAutoFit/>
+          </a:bodyPr>
+          <a:lstStyle/>
+          <a:p>
+            <a:pPr algn="ctr"/>
+            <a:r>
+              <a:rPr lang="zh-CN" altLang="en-US" spc="300" dirty="0" smtClean="0">
+                <a:solidFill>
+                  <a:schemeClr val="bg2">
+                    <a:lumMod val="25000"/>
+                  </a:schemeClr>
+                </a:solidFill>
+                <a:latin typeface="华文细黑" panose="02010600040101010101" pitchFamily="2" charset="-122"/>
+                <a:ea typeface="华文细黑" panose="02010600040101010101" pitchFamily="2" charset="-122"/>
+              </a:rPr>
+              <a:t>性格</a:t>
+            </a:r>
+            <a:endParaRPr lang="zh-HK" altLang="en-US" spc="300" dirty="0">
+              <a:solidFill>
+                <a:schemeClr val="bg2">
+                  <a:lumMod val="25000"/>
+                </a:schemeClr>
+              </a:solidFill>
+              <a:latin typeface="华文细黑" panose="02010600040101010101" pitchFamily="2" charset="-122"/>
+              <a:ea typeface="华文细黑" panose="02010600040101010101" pitchFamily="2" charset="-122"/>
+            </a:endParaRPr>
+          </a:p>
+        </p:txBody>
+      </p:sp>
+      <p:sp>
+        <p:nvSpPr>
+          <p:cNvPr id="31" name="矩形 30"/>
+          <p:cNvSpPr/>
+          <p:nvPr/>
+        </p:nvSpPr>
+        <p:spPr>
+          <a:xfrm>
+            <a:off x="438378" y="4147250"/>
+            <a:ext cx="1530351" cy="307777"/>
+          </a:xfrm>
+          <a:prstGeom prst="rect">
+            <a:avLst/>
+          </a:prstGeom>
+        </p:spPr>
+        <p:txBody>
+          <a:bodyPr wrap="square">
+            <a:spAutoFit/>
+          </a:bodyPr>
+          <a:lstStyle/>
+          <a:p>
+            <a:pPr algn="just"/>
+            <a:r>
+              <a:rPr lang="zh-CN" altLang="en-US" sz="1400" dirty="0" smtClean="0">
+                <a:solidFill>
+                  <a:schemeClr val="bg2">
+                    <a:lumMod val="25000"/>
+                  </a:schemeClr>
+                </a:solidFill>
+              </a:rPr>
+              <a:t>豪爽，身体强健</a:t>
+            </a:r>
+            <a:endParaRPr lang="zh-HK" altLang="en-US" sz="1400" dirty="0">
+              <a:solidFill>
+                <a:schemeClr val="bg2">
+                  <a:lumMod val="25000"/>
+                </a:schemeClr>
+              </a:solidFill>
+            </a:endParaRPr>
+          </a:p>
+        </p:txBody>
+      </p:sp>
+      <p:sp>
+        <p:nvSpPr>
+          <p:cNvPr id="79" name="任意多边形 78"/>
+          <p:cNvSpPr/>
+          <p:nvPr/>
+        </p:nvSpPr>
+        <p:spPr>
+          <a:xfrm>
+            <a:off x="2161715" y="2706627"/>
+            <a:ext cx="1779140" cy="4151372"/>
+          </a:xfrm>
+          <a:custGeom>
+            <a:avLst/>
+            <a:gdLst>
+              <a:gd name="connsiteX0" fmla="*/ 921658 w 1843316"/>
+              <a:gd name="connsiteY0" fmla="*/ 0 h 3236686"/>
+              <a:gd name="connsiteX1" fmla="*/ 1843316 w 1843316"/>
+              <a:gd name="connsiteY1" fmla="*/ 1117600 h 3236686"/>
+              <a:gd name="connsiteX2" fmla="*/ 1843315 w 1843316"/>
+              <a:gd name="connsiteY2" fmla="*/ 1117600 h 3236686"/>
+              <a:gd name="connsiteX3" fmla="*/ 1843315 w 1843316"/>
+              <a:gd name="connsiteY3" fmla="*/ 3236686 h 3236686"/>
+              <a:gd name="connsiteX4" fmla="*/ 0 w 1843316"/>
+              <a:gd name="connsiteY4" fmla="*/ 3236686 h 3236686"/>
+              <a:gd name="connsiteX5" fmla="*/ 0 w 1843316"/>
+              <a:gd name="connsiteY5" fmla="*/ 1117600 h 3236686"/>
+            </a:gdLst>
+            <a:ahLst/>
+            <a:cxnLst>
+              <a:cxn ang="0">
+                <a:pos x="connsiteX0" y="connsiteY0"/>
+              </a:cxn>
+              <a:cxn ang="0">
+                <a:pos x="connsiteX1" y="connsiteY1"/>
+              </a:cxn>
+              <a:cxn ang="0">
+                <a:pos x="connsiteX2" y="connsiteY2"/>
+              </a:cxn>
+              <a:cxn ang="0">
+                <a:pos x="connsiteX3" y="connsiteY3"/>
+              </a:cxn>
+              <a:cxn ang="0">
+                <a:pos x="connsiteX4" y="connsiteY4"/>
+              </a:cxn>
+              <a:cxn ang="0">
+                <a:pos x="connsiteX5" y="connsiteY5"/>
+              </a:cxn>
+            </a:cxnLst>
+            <a:rect l="l" t="t" r="r" b="b"/>
+            <a:pathLst>
+              <a:path w="1843316" h="3236686">
+                <a:moveTo>
+                  <a:pt x="921658" y="0"/>
+                </a:moveTo>
+                <a:lnTo>
+                  <a:pt x="1843316" y="1117600"/>
+                </a:lnTo>
+                <a:lnTo>
+                  <a:pt x="1843315" y="1117600"/>
+                </a:lnTo>
+                <a:lnTo>
+                  <a:pt x="1843315" y="3236686"/>
+                </a:lnTo>
+                <a:lnTo>
+                  <a:pt x="0" y="3236686"/>
+                </a:lnTo>
+                <a:lnTo>
+                  <a:pt x="0" y="1117600"/>
+                </a:lnTo>
+                <a:close/>
+              </a:path>
+            </a:pathLst>
+          </a:custGeom>
+          <a:noFill/>
+          <a:ln>
+            <a:solidFill>
+              <a:schemeClr val="bg2">
+                <a:lumMod val="25000"/>
+              </a:schemeClr>
+            </a:solidFill>
+            <a:prstDash val="dash"/>
+          </a:ln>
+          <a:effectLst>
+            <a:outerShdw blurRad="50800" dist="38100" dir="2700000" algn="tl" rotWithShape="0">
+              <a:prstClr val="black">
+                <a:alpha val="40000"/>
+              </a:prstClr>
+            </a:outerShdw>
+          </a:effectLst>
+        </p:spPr>
+        <p:style>
+          <a:lnRef idx="2">
+            <a:schemeClr val="accent1">
+              <a:shade val="50000"/>
+            </a:schemeClr>
+          </a:lnRef>
+          <a:fillRef idx="1">
+            <a:schemeClr val="accent1"/>
+          </a:fillRef>
+          <a:effectRef idx="0">
+            <a:schemeClr val="accent1"/>
+          </a:effectRef>
+          <a:fontRef idx="minor">
+            <a:schemeClr val="lt1"/>
+          </a:fontRef>
+        </p:style>
+        <p:txBody>
+          <a:bodyPr rtlCol="0" anchor="ctr"/>
+          <a:lstStyle/>
+          <a:p>
+            <a:pPr algn="ctr"/>
+            <a:endParaRPr lang="zh-HK" altLang="en-US" strike="sngStrike" dirty="0">
+              <a:solidFill>
+                <a:schemeClr val="bg2">
+                  <a:lumMod val="25000"/>
+                </a:schemeClr>
+              </a:solidFill>
+            </a:endParaRPr>
+          </a:p>
+        </p:txBody>
+      </p:sp>
+      <p:sp>
+        <p:nvSpPr>
+          <p:cNvPr id="80" name="文本框 79"/>
+          <p:cNvSpPr txBox="1"/>
+          <p:nvPr/>
+        </p:nvSpPr>
+        <p:spPr>
+          <a:xfrm>
+            <a:off x="2181078" y="3600844"/>
+            <a:ext cx="1774832" cy="338554"/>
+          </a:xfrm>
+          <a:prstGeom prst="rect">
+            <a:avLst/>
+          </a:prstGeom>
+          <a:noFill/>
+        </p:spPr>
+        <p:txBody>
+          <a:bodyPr wrap="square" rtlCol="0">
+            <a:spAutoFit/>
+          </a:bodyPr>
+          <a:lstStyle/>
+          <a:p>
+            <a:pPr algn="ctr"/>
+            <a:r>
+              <a:rPr lang="en-US" altLang="zh-CN" sz="1600" spc="300" dirty="0" smtClean="0">
+                <a:solidFill>
+                  <a:schemeClr val="bg2">
+                    <a:lumMod val="25000"/>
+                  </a:schemeClr>
+                </a:solidFill>
+                <a:latin typeface="华文细黑" panose="02010600040101010101" pitchFamily="2" charset="-122"/>
+                <a:ea typeface="华文细黑" panose="02010600040101010101" pitchFamily="2" charset="-122"/>
+              </a:rPr>
+              <a:t>NPC</a:t>
+            </a:r>
+            <a:r>
+              <a:rPr lang="zh-CN" altLang="en-US" sz="1600" spc="300" dirty="0" smtClean="0">
+                <a:solidFill>
+                  <a:schemeClr val="bg2">
+                    <a:lumMod val="25000"/>
+                  </a:schemeClr>
+                </a:solidFill>
+                <a:latin typeface="华文细黑" panose="02010600040101010101" pitchFamily="2" charset="-122"/>
+                <a:ea typeface="华文细黑" panose="02010600040101010101" pitchFamily="2" charset="-122"/>
+              </a:rPr>
+              <a:t>关</a:t>
+            </a:r>
+            <a:r>
+              <a:rPr lang="zh-CN" altLang="en-US" sz="1600" spc="300" dirty="0" smtClean="0">
+                <a:solidFill>
+                  <a:schemeClr val="bg2">
+                    <a:lumMod val="25000"/>
+                  </a:schemeClr>
+                </a:solidFill>
+                <a:latin typeface="华文细黑" panose="02010600040101010101" pitchFamily="2" charset="-122"/>
+                <a:ea typeface="华文细黑" panose="02010600040101010101" pitchFamily="2" charset="-122"/>
+              </a:rPr>
+              <a:t>系</a:t>
+            </a:r>
+            <a:endParaRPr lang="zh-HK" altLang="en-US" sz="1600" spc="300" dirty="0">
+              <a:solidFill>
+                <a:schemeClr val="bg2">
+                  <a:lumMod val="25000"/>
+                </a:schemeClr>
+              </a:solidFill>
+              <a:latin typeface="华文细黑" panose="02010600040101010101" pitchFamily="2" charset="-122"/>
+              <a:ea typeface="华文细黑" panose="02010600040101010101" pitchFamily="2" charset="-122"/>
+            </a:endParaRPr>
+          </a:p>
+        </p:txBody>
+      </p:sp>
+      <p:sp>
+        <p:nvSpPr>
+          <p:cNvPr id="83" name="任意多边形 82"/>
+          <p:cNvSpPr/>
+          <p:nvPr/>
+        </p:nvSpPr>
+        <p:spPr>
+          <a:xfrm>
+            <a:off x="4129594" y="2706627"/>
+            <a:ext cx="1875583" cy="4151372"/>
+          </a:xfrm>
+          <a:custGeom>
+            <a:avLst/>
+            <a:gdLst>
+              <a:gd name="connsiteX0" fmla="*/ 921658 w 1843316"/>
+              <a:gd name="connsiteY0" fmla="*/ 0 h 3236686"/>
+              <a:gd name="connsiteX1" fmla="*/ 1843316 w 1843316"/>
+              <a:gd name="connsiteY1" fmla="*/ 1117600 h 3236686"/>
+              <a:gd name="connsiteX2" fmla="*/ 1843315 w 1843316"/>
+              <a:gd name="connsiteY2" fmla="*/ 1117600 h 3236686"/>
+              <a:gd name="connsiteX3" fmla="*/ 1843315 w 1843316"/>
+              <a:gd name="connsiteY3" fmla="*/ 3236686 h 3236686"/>
+              <a:gd name="connsiteX4" fmla="*/ 0 w 1843316"/>
+              <a:gd name="connsiteY4" fmla="*/ 3236686 h 3236686"/>
+              <a:gd name="connsiteX5" fmla="*/ 0 w 1843316"/>
+              <a:gd name="connsiteY5" fmla="*/ 1117600 h 3236686"/>
+            </a:gdLst>
+            <a:ahLst/>
+            <a:cxnLst>
+              <a:cxn ang="0">
+                <a:pos x="connsiteX0" y="connsiteY0"/>
+              </a:cxn>
+              <a:cxn ang="0">
+                <a:pos x="connsiteX1" y="connsiteY1"/>
+              </a:cxn>
+              <a:cxn ang="0">
+                <a:pos x="connsiteX2" y="connsiteY2"/>
+              </a:cxn>
+              <a:cxn ang="0">
+                <a:pos x="connsiteX3" y="connsiteY3"/>
+              </a:cxn>
+              <a:cxn ang="0">
+                <a:pos x="connsiteX4" y="connsiteY4"/>
+              </a:cxn>
+              <a:cxn ang="0">
+                <a:pos x="connsiteX5" y="connsiteY5"/>
+              </a:cxn>
+            </a:cxnLst>
+            <a:rect l="l" t="t" r="r" b="b"/>
+            <a:pathLst>
+              <a:path w="1843316" h="3236686">
+                <a:moveTo>
+                  <a:pt x="921658" y="0"/>
+                </a:moveTo>
+                <a:lnTo>
+                  <a:pt x="1843316" y="1117600"/>
+                </a:lnTo>
+                <a:lnTo>
+                  <a:pt x="1843315" y="1117600"/>
+                </a:lnTo>
+                <a:lnTo>
+                  <a:pt x="1843315" y="3236686"/>
+                </a:lnTo>
+                <a:lnTo>
+                  <a:pt x="0" y="3236686"/>
+                </a:lnTo>
+                <a:lnTo>
+                  <a:pt x="0" y="1117600"/>
+                </a:lnTo>
+                <a:close/>
+              </a:path>
+            </a:pathLst>
+          </a:custGeom>
+          <a:noFill/>
+          <a:ln>
+            <a:solidFill>
+              <a:schemeClr val="bg2">
+                <a:lumMod val="25000"/>
+              </a:schemeClr>
+            </a:solidFill>
+            <a:prstDash val="dash"/>
+          </a:ln>
+          <a:effectLst>
+            <a:outerShdw blurRad="50800" dist="38100" dir="2700000" algn="tl" rotWithShape="0">
+              <a:prstClr val="black">
+                <a:alpha val="40000"/>
+              </a:prstClr>
+            </a:outerShdw>
+          </a:effectLst>
+        </p:spPr>
+        <p:style>
+          <a:lnRef idx="2">
+            <a:schemeClr val="accent1">
+              <a:shade val="50000"/>
+            </a:schemeClr>
+          </a:lnRef>
+          <a:fillRef idx="1">
+            <a:schemeClr val="accent1"/>
+          </a:fillRef>
+          <a:effectRef idx="0">
+            <a:schemeClr val="accent1"/>
+          </a:effectRef>
+          <a:fontRef idx="minor">
+            <a:schemeClr val="lt1"/>
+          </a:fontRef>
+        </p:style>
+        <p:txBody>
+          <a:bodyPr rtlCol="0" anchor="ctr"/>
+          <a:lstStyle/>
+          <a:p>
+            <a:pPr algn="ctr"/>
+            <a:endParaRPr lang="zh-HK" altLang="en-US">
+              <a:solidFill>
+                <a:schemeClr val="bg2">
+                  <a:lumMod val="25000"/>
+                </a:schemeClr>
+              </a:solidFill>
+            </a:endParaRPr>
+          </a:p>
+        </p:txBody>
+      </p:sp>
+      <p:sp>
+        <p:nvSpPr>
+          <p:cNvPr id="84" name="文本框 83"/>
+          <p:cNvSpPr txBox="1"/>
+          <p:nvPr/>
+        </p:nvSpPr>
+        <p:spPr>
+          <a:xfrm>
+            <a:off x="4180539" y="3614659"/>
+            <a:ext cx="1770743" cy="338554"/>
+          </a:xfrm>
+          <a:prstGeom prst="rect">
+            <a:avLst/>
+          </a:prstGeom>
+          <a:noFill/>
+        </p:spPr>
+        <p:txBody>
+          <a:bodyPr wrap="square" rtlCol="0">
+            <a:spAutoFit/>
+          </a:bodyPr>
+          <a:lstStyle/>
+          <a:p>
+            <a:pPr algn="ctr"/>
+            <a:r>
+              <a:rPr lang="zh-CN" altLang="en-US" sz="1600" spc="300" dirty="0" smtClean="0">
+                <a:solidFill>
+                  <a:schemeClr val="bg2">
+                    <a:lumMod val="25000"/>
+                  </a:schemeClr>
+                </a:solidFill>
+                <a:latin typeface="华文细黑" panose="02010600040101010101" pitchFamily="2" charset="-122"/>
+                <a:ea typeface="华文细黑" panose="02010600040101010101" pitchFamily="2" charset="-122"/>
+              </a:rPr>
+              <a:t>职业及技能</a:t>
+            </a:r>
+            <a:endParaRPr lang="zh-HK" altLang="en-US" sz="1600" spc="300" dirty="0">
+              <a:solidFill>
+                <a:schemeClr val="bg2">
+                  <a:lumMod val="25000"/>
+                </a:schemeClr>
+              </a:solidFill>
+              <a:latin typeface="华文细黑" panose="02010600040101010101" pitchFamily="2" charset="-122"/>
+              <a:ea typeface="华文细黑" panose="02010600040101010101" pitchFamily="2" charset="-122"/>
+            </a:endParaRPr>
+          </a:p>
+        </p:txBody>
+      </p:sp>
+      <p:sp>
+        <p:nvSpPr>
+          <p:cNvPr id="87" name="任意多边形 86"/>
+          <p:cNvSpPr/>
+          <p:nvPr/>
+        </p:nvSpPr>
+        <p:spPr>
+          <a:xfrm>
+            <a:off x="6238772" y="2706627"/>
+            <a:ext cx="1823041" cy="4151372"/>
+          </a:xfrm>
+          <a:custGeom>
+            <a:avLst/>
+            <a:gdLst>
+              <a:gd name="connsiteX0" fmla="*/ 921658 w 1843316"/>
+              <a:gd name="connsiteY0" fmla="*/ 0 h 3236686"/>
+              <a:gd name="connsiteX1" fmla="*/ 1843316 w 1843316"/>
+              <a:gd name="connsiteY1" fmla="*/ 1117600 h 3236686"/>
+              <a:gd name="connsiteX2" fmla="*/ 1843315 w 1843316"/>
+              <a:gd name="connsiteY2" fmla="*/ 1117600 h 3236686"/>
+              <a:gd name="connsiteX3" fmla="*/ 1843315 w 1843316"/>
+              <a:gd name="connsiteY3" fmla="*/ 3236686 h 3236686"/>
+              <a:gd name="connsiteX4" fmla="*/ 0 w 1843316"/>
+              <a:gd name="connsiteY4" fmla="*/ 3236686 h 3236686"/>
+              <a:gd name="connsiteX5" fmla="*/ 0 w 1843316"/>
+              <a:gd name="connsiteY5" fmla="*/ 1117600 h 3236686"/>
+            </a:gdLst>
+            <a:ahLst/>
+            <a:cxnLst>
+              <a:cxn ang="0">
+                <a:pos x="connsiteX0" y="connsiteY0"/>
+              </a:cxn>
+              <a:cxn ang="0">
+                <a:pos x="connsiteX1" y="connsiteY1"/>
+              </a:cxn>
+              <a:cxn ang="0">
+                <a:pos x="connsiteX2" y="connsiteY2"/>
+              </a:cxn>
+              <a:cxn ang="0">
+                <a:pos x="connsiteX3" y="connsiteY3"/>
+              </a:cxn>
+              <a:cxn ang="0">
+                <a:pos x="connsiteX4" y="connsiteY4"/>
+              </a:cxn>
+              <a:cxn ang="0">
+                <a:pos x="connsiteX5" y="connsiteY5"/>
+              </a:cxn>
+            </a:cxnLst>
+            <a:rect l="l" t="t" r="r" b="b"/>
+            <a:pathLst>
+              <a:path w="1843316" h="3236686">
+                <a:moveTo>
+                  <a:pt x="921658" y="0"/>
+                </a:moveTo>
+                <a:lnTo>
+                  <a:pt x="1843316" y="1117600"/>
+                </a:lnTo>
+                <a:lnTo>
+                  <a:pt x="1843315" y="1117600"/>
+                </a:lnTo>
+                <a:lnTo>
+                  <a:pt x="1843315" y="3236686"/>
+                </a:lnTo>
+                <a:lnTo>
+                  <a:pt x="0" y="3236686"/>
+                </a:lnTo>
+                <a:lnTo>
+                  <a:pt x="0" y="1117600"/>
+                </a:lnTo>
+                <a:close/>
+              </a:path>
+            </a:pathLst>
+          </a:custGeom>
+          <a:noFill/>
+          <a:ln>
+            <a:solidFill>
+              <a:schemeClr val="bg2">
+                <a:lumMod val="25000"/>
+              </a:schemeClr>
+            </a:solidFill>
+            <a:prstDash val="dash"/>
+          </a:ln>
+          <a:effectLst>
+            <a:outerShdw blurRad="50800" dist="38100" dir="2700000" algn="tl" rotWithShape="0">
+              <a:prstClr val="black">
+                <a:alpha val="40000"/>
+              </a:prstClr>
+            </a:outerShdw>
+          </a:effectLst>
+        </p:spPr>
+        <p:style>
+          <a:lnRef idx="2">
+            <a:schemeClr val="accent1">
+              <a:shade val="50000"/>
+            </a:schemeClr>
+          </a:lnRef>
+          <a:fillRef idx="1">
+            <a:schemeClr val="accent1"/>
+          </a:fillRef>
+          <a:effectRef idx="0">
+            <a:schemeClr val="accent1"/>
+          </a:effectRef>
+          <a:fontRef idx="minor">
+            <a:schemeClr val="lt1"/>
+          </a:fontRef>
+        </p:style>
+        <p:txBody>
+          <a:bodyPr rtlCol="0" anchor="ctr"/>
+          <a:lstStyle/>
+          <a:p>
+            <a:pPr algn="ctr"/>
+            <a:endParaRPr lang="zh-HK" altLang="en-US">
+              <a:solidFill>
+                <a:schemeClr val="bg2">
+                  <a:lumMod val="25000"/>
+                </a:schemeClr>
+              </a:solidFill>
+            </a:endParaRPr>
+          </a:p>
+        </p:txBody>
+      </p:sp>
+      <p:sp>
+        <p:nvSpPr>
+          <p:cNvPr id="88" name="文本框 87"/>
+          <p:cNvSpPr txBox="1"/>
+          <p:nvPr/>
+        </p:nvSpPr>
+        <p:spPr>
+          <a:xfrm>
+            <a:off x="6216688" y="3619919"/>
+            <a:ext cx="1770743" cy="369332"/>
+          </a:xfrm>
+          <a:prstGeom prst="rect">
+            <a:avLst/>
+          </a:prstGeom>
+          <a:noFill/>
+        </p:spPr>
+        <p:txBody>
+          <a:bodyPr wrap="square" rtlCol="0">
+            <a:spAutoFit/>
+          </a:bodyPr>
+          <a:lstStyle/>
+          <a:p>
+            <a:pPr algn="ctr"/>
+            <a:r>
+              <a:rPr lang="zh-CN" altLang="en-US" spc="300" dirty="0" smtClean="0">
+                <a:solidFill>
+                  <a:schemeClr val="bg2">
+                    <a:lumMod val="25000"/>
+                  </a:schemeClr>
+                </a:solidFill>
+                <a:latin typeface="华文细黑" panose="02010600040101010101" pitchFamily="2" charset="-122"/>
+                <a:ea typeface="华文细黑" panose="02010600040101010101" pitchFamily="2" charset="-122"/>
+              </a:rPr>
+              <a:t>入坑原因</a:t>
+            </a:r>
+            <a:endParaRPr lang="zh-HK" altLang="en-US" spc="300" dirty="0">
+              <a:solidFill>
+                <a:schemeClr val="bg2">
+                  <a:lumMod val="25000"/>
+                </a:schemeClr>
+              </a:solidFill>
+              <a:latin typeface="华文细黑" panose="02010600040101010101" pitchFamily="2" charset="-122"/>
+              <a:ea typeface="华文细黑" panose="02010600040101010101" pitchFamily="2" charset="-122"/>
+            </a:endParaRPr>
+          </a:p>
+        </p:txBody>
+      </p:sp>
+      <p:sp>
+        <p:nvSpPr>
+          <p:cNvPr id="91" name="任意多边形 90"/>
+          <p:cNvSpPr/>
+          <p:nvPr/>
+        </p:nvSpPr>
+        <p:spPr>
+          <a:xfrm>
+            <a:off x="8274921" y="2706626"/>
+            <a:ext cx="1802600" cy="4151374"/>
+          </a:xfrm>
+          <a:custGeom>
+            <a:avLst/>
+            <a:gdLst>
+              <a:gd name="connsiteX0" fmla="*/ 921658 w 1843316"/>
+              <a:gd name="connsiteY0" fmla="*/ 0 h 3236686"/>
+              <a:gd name="connsiteX1" fmla="*/ 1843316 w 1843316"/>
+              <a:gd name="connsiteY1" fmla="*/ 1117600 h 3236686"/>
+              <a:gd name="connsiteX2" fmla="*/ 1843315 w 1843316"/>
+              <a:gd name="connsiteY2" fmla="*/ 1117600 h 3236686"/>
+              <a:gd name="connsiteX3" fmla="*/ 1843315 w 1843316"/>
+              <a:gd name="connsiteY3" fmla="*/ 3236686 h 3236686"/>
+              <a:gd name="connsiteX4" fmla="*/ 0 w 1843316"/>
+              <a:gd name="connsiteY4" fmla="*/ 3236686 h 3236686"/>
+              <a:gd name="connsiteX5" fmla="*/ 0 w 1843316"/>
+              <a:gd name="connsiteY5" fmla="*/ 1117600 h 3236686"/>
+            </a:gdLst>
+            <a:ahLst/>
+            <a:cxnLst>
+              <a:cxn ang="0">
+                <a:pos x="connsiteX0" y="connsiteY0"/>
+              </a:cxn>
+              <a:cxn ang="0">
+                <a:pos x="connsiteX1" y="connsiteY1"/>
+              </a:cxn>
+              <a:cxn ang="0">
+                <a:pos x="connsiteX2" y="connsiteY2"/>
+              </a:cxn>
+              <a:cxn ang="0">
+                <a:pos x="connsiteX3" y="connsiteY3"/>
+              </a:cxn>
+              <a:cxn ang="0">
+                <a:pos x="connsiteX4" y="connsiteY4"/>
+              </a:cxn>
+              <a:cxn ang="0">
+                <a:pos x="connsiteX5" y="connsiteY5"/>
+              </a:cxn>
+            </a:cxnLst>
+            <a:rect l="l" t="t" r="r" b="b"/>
+            <a:pathLst>
+              <a:path w="1843316" h="3236686">
+                <a:moveTo>
+                  <a:pt x="921658" y="0"/>
+                </a:moveTo>
+                <a:lnTo>
+                  <a:pt x="1843316" y="1117600"/>
+                </a:lnTo>
+                <a:lnTo>
+                  <a:pt x="1843315" y="1117600"/>
+                </a:lnTo>
+                <a:lnTo>
+                  <a:pt x="1843315" y="3236686"/>
+                </a:lnTo>
+                <a:lnTo>
+                  <a:pt x="0" y="3236686"/>
+                </a:lnTo>
+                <a:lnTo>
+                  <a:pt x="0" y="1117600"/>
+                </a:lnTo>
+                <a:close/>
+              </a:path>
+            </a:pathLst>
+          </a:custGeom>
+          <a:noFill/>
+          <a:ln>
+            <a:solidFill>
+              <a:schemeClr val="bg2">
+                <a:lumMod val="25000"/>
+              </a:schemeClr>
+            </a:solidFill>
+            <a:prstDash val="dash"/>
+          </a:ln>
+          <a:effectLst>
+            <a:outerShdw blurRad="50800" dist="38100" dir="2700000" algn="tl" rotWithShape="0">
+              <a:prstClr val="black">
+                <a:alpha val="40000"/>
+              </a:prstClr>
+            </a:outerShdw>
+          </a:effectLst>
+        </p:spPr>
+        <p:style>
+          <a:lnRef idx="2">
+            <a:schemeClr val="accent1">
+              <a:shade val="50000"/>
+            </a:schemeClr>
+          </a:lnRef>
+          <a:fillRef idx="1">
+            <a:schemeClr val="accent1"/>
+          </a:fillRef>
+          <a:effectRef idx="0">
+            <a:schemeClr val="accent1"/>
+          </a:effectRef>
+          <a:fontRef idx="minor">
+            <a:schemeClr val="lt1"/>
+          </a:fontRef>
+        </p:style>
+        <p:txBody>
+          <a:bodyPr rtlCol="0" anchor="ctr"/>
+          <a:lstStyle/>
+          <a:p>
+            <a:pPr algn="ctr"/>
+            <a:endParaRPr lang="zh-HK" altLang="en-US">
+              <a:solidFill>
+                <a:schemeClr val="bg2">
+                  <a:lumMod val="25000"/>
+                </a:schemeClr>
+              </a:solidFill>
+            </a:endParaRPr>
+          </a:p>
+        </p:txBody>
+      </p:sp>
+      <p:sp>
+        <p:nvSpPr>
+          <p:cNvPr id="92" name="文本框 91"/>
+          <p:cNvSpPr txBox="1"/>
+          <p:nvPr/>
+        </p:nvSpPr>
+        <p:spPr>
+          <a:xfrm>
+            <a:off x="8370561" y="3600844"/>
+            <a:ext cx="1770743" cy="369332"/>
+          </a:xfrm>
+          <a:prstGeom prst="rect">
+            <a:avLst/>
+          </a:prstGeom>
+          <a:noFill/>
+        </p:spPr>
+        <p:txBody>
+          <a:bodyPr wrap="square" rtlCol="0">
+            <a:spAutoFit/>
+          </a:bodyPr>
+          <a:lstStyle/>
+          <a:p>
+            <a:pPr algn="ctr"/>
+            <a:r>
+              <a:rPr lang="zh-CN" altLang="en-US" spc="300" dirty="0" smtClean="0">
+                <a:solidFill>
+                  <a:schemeClr val="bg2">
+                    <a:lumMod val="25000"/>
+                  </a:schemeClr>
+                </a:solidFill>
+                <a:latin typeface="华文细黑" panose="02010600040101010101" pitchFamily="2" charset="-122"/>
+                <a:ea typeface="华文细黑" panose="02010600040101010101" pitchFamily="2" charset="-122"/>
+              </a:rPr>
+              <a:t>理想</a:t>
+            </a:r>
+            <a:endParaRPr lang="zh-HK" altLang="en-US" spc="300" dirty="0">
+              <a:solidFill>
+                <a:schemeClr val="bg2">
+                  <a:lumMod val="25000"/>
+                </a:schemeClr>
+              </a:solidFill>
+              <a:latin typeface="华文细黑" panose="02010600040101010101" pitchFamily="2" charset="-122"/>
+              <a:ea typeface="华文细黑" panose="02010600040101010101" pitchFamily="2" charset="-122"/>
+            </a:endParaRPr>
+          </a:p>
+        </p:txBody>
+      </p:sp>
+      <p:sp>
+        <p:nvSpPr>
+          <p:cNvPr id="96" name="文本框 95"/>
+          <p:cNvSpPr txBox="1"/>
+          <p:nvPr/>
+        </p:nvSpPr>
+        <p:spPr>
+          <a:xfrm>
+            <a:off x="1877583" y="304290"/>
+            <a:ext cx="1527932" cy="584775"/>
+          </a:xfrm>
+          <a:prstGeom prst="rect">
+            <a:avLst/>
+          </a:prstGeom>
+          <a:noFill/>
+        </p:spPr>
+        <p:txBody>
+          <a:bodyPr wrap="square" rtlCol="0">
+            <a:spAutoFit/>
+          </a:bodyPr>
+          <a:lstStyle/>
+          <a:p>
+            <a:r>
+              <a:rPr lang="zh-CN" altLang="en-US" sz="3200" b="1" dirty="0" smtClean="0">
+                <a:solidFill>
+                  <a:schemeClr val="bg2">
+                    <a:lumMod val="25000"/>
+                  </a:schemeClr>
+                </a:solidFill>
+                <a:latin typeface="华文细黑" panose="02010600040101010101" pitchFamily="2" charset="-122"/>
+                <a:ea typeface="华文细黑" panose="02010600040101010101" pitchFamily="2" charset="-122"/>
+              </a:rPr>
+              <a:t> </a:t>
+            </a:r>
+            <a:endParaRPr lang="zh-HK" altLang="en-US" sz="3200" b="1" dirty="0">
+              <a:solidFill>
+                <a:schemeClr val="bg2">
+                  <a:lumMod val="25000"/>
+                </a:schemeClr>
+              </a:solidFill>
+              <a:latin typeface="华文细黑" panose="02010600040101010101" pitchFamily="2" charset="-122"/>
+              <a:ea typeface="华文细黑" panose="02010600040101010101" pitchFamily="2" charset="-122"/>
+            </a:endParaRPr>
+          </a:p>
+        </p:txBody>
+      </p:sp>
+      <p:sp>
+        <p:nvSpPr>
+          <p:cNvPr id="28" name="椭圆 27"/>
+          <p:cNvSpPr/>
+          <p:nvPr/>
+        </p:nvSpPr>
+        <p:spPr>
+          <a:xfrm>
+            <a:off x="4746148" y="2028891"/>
+            <a:ext cx="629737" cy="627462"/>
+          </a:xfrm>
+          <a:prstGeom prst="ellipse">
+            <a:avLst/>
+          </a:prstGeom>
+          <a:solidFill>
+            <a:schemeClr val="bg2">
+              <a:lumMod val="25000"/>
+              <a:alpha val="61000"/>
+            </a:schemeClr>
+          </a:solidFill>
+          <a:ln>
+            <a:noFill/>
+          </a:ln>
+        </p:spPr>
+        <p:style>
+          <a:lnRef idx="2">
+            <a:schemeClr val="accent1">
+              <a:shade val="50000"/>
+            </a:schemeClr>
+          </a:lnRef>
+          <a:fillRef idx="1">
+            <a:schemeClr val="accent1"/>
+          </a:fillRef>
+          <a:effectRef idx="0">
+            <a:schemeClr val="accent1"/>
+          </a:effectRef>
+          <a:fontRef idx="minor">
+            <a:schemeClr val="lt1"/>
+          </a:fontRef>
+        </p:style>
+        <p:txBody>
+          <a:bodyPr rtlCol="0" anchor="ctr"/>
+          <a:lstStyle/>
+          <a:p>
+            <a:pPr algn="ctr"/>
+            <a:r>
+              <a:rPr lang="en-US" altLang="zh-CN" sz="4400" b="1" dirty="0">
+                <a:solidFill>
+                  <a:schemeClr val="bg2">
+                    <a:lumMod val="25000"/>
+                  </a:schemeClr>
+                </a:solidFill>
+                <a:effectLst>
+                  <a:outerShdw blurRad="38100" dist="38100" dir="2700000" algn="tl">
+                    <a:srgbClr val="000000">
+                      <a:alpha val="43137"/>
+                    </a:srgbClr>
+                  </a:outerShdw>
+                </a:effectLst>
+                <a:latin typeface="华文细黑" panose="02010600040101010101" pitchFamily="2" charset="-122"/>
+                <a:ea typeface="华文细黑" panose="02010600040101010101" pitchFamily="2" charset="-122"/>
+              </a:rPr>
+              <a:t>C</a:t>
+            </a:r>
+            <a:endParaRPr lang="zh-HK" altLang="en-US" sz="4400" b="1" dirty="0">
+              <a:solidFill>
+                <a:schemeClr val="bg2">
+                  <a:lumMod val="25000"/>
+                </a:schemeClr>
+              </a:solidFill>
+              <a:effectLst>
+                <a:outerShdw blurRad="38100" dist="38100" dir="2700000" algn="tl">
+                  <a:srgbClr val="000000">
+                    <a:alpha val="43137"/>
+                  </a:srgbClr>
+                </a:outerShdw>
+              </a:effectLst>
+              <a:latin typeface="华文细黑" panose="02010600040101010101" pitchFamily="2" charset="-122"/>
+              <a:ea typeface="华文细黑" panose="02010600040101010101" pitchFamily="2" charset="-122"/>
+            </a:endParaRPr>
+          </a:p>
+        </p:txBody>
+      </p:sp>
+      <p:sp>
+        <p:nvSpPr>
+          <p:cNvPr id="2" name="文本框 1"/>
+          <p:cNvSpPr txBox="1"/>
+          <p:nvPr/>
+        </p:nvSpPr>
+        <p:spPr>
+          <a:xfrm>
+            <a:off x="1961464" y="1041248"/>
+            <a:ext cx="1618196" cy="523220"/>
+          </a:xfrm>
+          <a:prstGeom prst="rect">
+            <a:avLst/>
+          </a:prstGeom>
+          <a:noFill/>
+        </p:spPr>
+        <p:txBody>
+          <a:bodyPr wrap="square" rtlCol="0">
+            <a:spAutoFit/>
+          </a:bodyPr>
+          <a:lstStyle/>
+          <a:p>
+            <a:r>
+              <a:rPr kumimoji="1" lang="zh-CN" altLang="en-US" sz="2800" b="1" dirty="0" smtClean="0"/>
+              <a:t>被害人员</a:t>
+            </a:r>
+            <a:endParaRPr kumimoji="1" lang="zh-CN" altLang="en-US" sz="2800" b="1" dirty="0"/>
+          </a:p>
+        </p:txBody>
+      </p:sp>
+      <p:sp>
+        <p:nvSpPr>
+          <p:cNvPr id="37" name="任意多边形 90"/>
+          <p:cNvSpPr/>
+          <p:nvPr/>
+        </p:nvSpPr>
+        <p:spPr>
+          <a:xfrm>
+            <a:off x="10271265" y="2706626"/>
+            <a:ext cx="1710488" cy="4151373"/>
+          </a:xfrm>
+          <a:custGeom>
+            <a:avLst/>
+            <a:gdLst>
+              <a:gd name="connsiteX0" fmla="*/ 921658 w 1843316"/>
+              <a:gd name="connsiteY0" fmla="*/ 0 h 3236686"/>
+              <a:gd name="connsiteX1" fmla="*/ 1843316 w 1843316"/>
+              <a:gd name="connsiteY1" fmla="*/ 1117600 h 3236686"/>
+              <a:gd name="connsiteX2" fmla="*/ 1843315 w 1843316"/>
+              <a:gd name="connsiteY2" fmla="*/ 1117600 h 3236686"/>
+              <a:gd name="connsiteX3" fmla="*/ 1843315 w 1843316"/>
+              <a:gd name="connsiteY3" fmla="*/ 3236686 h 3236686"/>
+              <a:gd name="connsiteX4" fmla="*/ 0 w 1843316"/>
+              <a:gd name="connsiteY4" fmla="*/ 3236686 h 3236686"/>
+              <a:gd name="connsiteX5" fmla="*/ 0 w 1843316"/>
+              <a:gd name="connsiteY5" fmla="*/ 1117600 h 3236686"/>
+            </a:gdLst>
+            <a:ahLst/>
+            <a:cxnLst>
+              <a:cxn ang="0">
+                <a:pos x="connsiteX0" y="connsiteY0"/>
+              </a:cxn>
+              <a:cxn ang="0">
+                <a:pos x="connsiteX1" y="connsiteY1"/>
+              </a:cxn>
+              <a:cxn ang="0">
+                <a:pos x="connsiteX2" y="connsiteY2"/>
+              </a:cxn>
+              <a:cxn ang="0">
+                <a:pos x="connsiteX3" y="connsiteY3"/>
+              </a:cxn>
+              <a:cxn ang="0">
+                <a:pos x="connsiteX4" y="connsiteY4"/>
+              </a:cxn>
+              <a:cxn ang="0">
+                <a:pos x="connsiteX5" y="connsiteY5"/>
+              </a:cxn>
+            </a:cxnLst>
+            <a:rect l="l" t="t" r="r" b="b"/>
+            <a:pathLst>
+              <a:path w="1843316" h="3236686">
+                <a:moveTo>
+                  <a:pt x="921658" y="0"/>
+                </a:moveTo>
+                <a:lnTo>
+                  <a:pt x="1843316" y="1117600"/>
+                </a:lnTo>
+                <a:lnTo>
+                  <a:pt x="1843315" y="1117600"/>
+                </a:lnTo>
+                <a:lnTo>
+                  <a:pt x="1843315" y="3236686"/>
+                </a:lnTo>
+                <a:lnTo>
+                  <a:pt x="0" y="3236686"/>
+                </a:lnTo>
+                <a:lnTo>
+                  <a:pt x="0" y="1117600"/>
+                </a:lnTo>
+                <a:close/>
+              </a:path>
+            </a:pathLst>
+          </a:custGeom>
+          <a:noFill/>
+          <a:ln>
+            <a:solidFill>
+              <a:schemeClr val="bg2">
+                <a:lumMod val="25000"/>
+              </a:schemeClr>
+            </a:solidFill>
+            <a:prstDash val="dash"/>
+          </a:ln>
+          <a:effectLst>
+            <a:outerShdw blurRad="50800" dist="38100" dir="2700000" algn="tl" rotWithShape="0">
+              <a:prstClr val="black">
+                <a:alpha val="40000"/>
+              </a:prstClr>
+            </a:outerShdw>
+          </a:effectLst>
+        </p:spPr>
+        <p:style>
+          <a:lnRef idx="2">
+            <a:schemeClr val="accent1">
+              <a:shade val="50000"/>
+            </a:schemeClr>
+          </a:lnRef>
+          <a:fillRef idx="1">
+            <a:schemeClr val="accent1"/>
+          </a:fillRef>
+          <a:effectRef idx="0">
+            <a:schemeClr val="accent1"/>
+          </a:effectRef>
+          <a:fontRef idx="minor">
+            <a:schemeClr val="lt1"/>
+          </a:fontRef>
+        </p:style>
+        <p:txBody>
+          <a:bodyPr rtlCol="0" anchor="ctr"/>
+          <a:lstStyle/>
+          <a:p>
+            <a:pPr algn="ctr"/>
+            <a:endParaRPr lang="zh-HK" altLang="en-US">
+              <a:solidFill>
+                <a:schemeClr val="bg2">
+                  <a:lumMod val="25000"/>
+                </a:schemeClr>
+              </a:solidFill>
+            </a:endParaRPr>
+          </a:p>
+        </p:txBody>
+      </p:sp>
+      <p:sp>
+        <p:nvSpPr>
+          <p:cNvPr id="38" name="文本框 37"/>
+          <p:cNvSpPr txBox="1"/>
+          <p:nvPr/>
+        </p:nvSpPr>
+        <p:spPr>
+          <a:xfrm>
+            <a:off x="10241137" y="3614659"/>
+            <a:ext cx="1770743" cy="369332"/>
+          </a:xfrm>
+          <a:prstGeom prst="rect">
+            <a:avLst/>
+          </a:prstGeom>
+          <a:noFill/>
+        </p:spPr>
+        <p:txBody>
+          <a:bodyPr wrap="square" rtlCol="0">
+            <a:spAutoFit/>
+          </a:bodyPr>
+          <a:lstStyle/>
+          <a:p>
+            <a:pPr algn="ctr"/>
+            <a:r>
+              <a:rPr lang="zh-CN" altLang="en-US" dirty="0"/>
+              <a:t>背景故事</a:t>
+            </a:r>
+            <a:endParaRPr lang="zh-HK" altLang="en-US" b="1" spc="300" dirty="0">
+              <a:solidFill>
+                <a:schemeClr val="bg2">
+                  <a:lumMod val="25000"/>
+                </a:schemeClr>
+              </a:solidFill>
+              <a:latin typeface="华文细黑" panose="02010600040101010101" pitchFamily="2" charset="-122"/>
+              <a:ea typeface="华文细黑" panose="02010600040101010101" pitchFamily="2" charset="-122"/>
+            </a:endParaRPr>
+          </a:p>
+        </p:txBody>
+      </p:sp>
+      <p:sp>
+        <p:nvSpPr>
+          <p:cNvPr id="32" name="矩形 31"/>
+          <p:cNvSpPr/>
+          <p:nvPr/>
+        </p:nvSpPr>
+        <p:spPr>
+          <a:xfrm>
+            <a:off x="2316417" y="4146265"/>
+            <a:ext cx="1530351" cy="323165"/>
+          </a:xfrm>
+          <a:prstGeom prst="rect">
+            <a:avLst/>
+          </a:prstGeom>
+        </p:spPr>
+        <p:txBody>
+          <a:bodyPr wrap="square">
+            <a:spAutoFit/>
+          </a:bodyPr>
+          <a:lstStyle/>
+          <a:p>
+            <a:pPr algn="just">
+              <a:lnSpc>
+                <a:spcPts val="1780"/>
+              </a:lnSpc>
+            </a:pPr>
+            <a:r>
+              <a:rPr lang="en-US" altLang="zh-CN" sz="1400" dirty="0" smtClean="0"/>
+              <a:t>BOSS</a:t>
+            </a:r>
+            <a:endParaRPr lang="en-US" altLang="zh-HK" sz="1400" dirty="0" smtClean="0"/>
+          </a:p>
+        </p:txBody>
+      </p:sp>
+      <p:sp>
+        <p:nvSpPr>
+          <p:cNvPr id="34" name="矩形 33"/>
+          <p:cNvSpPr/>
+          <p:nvPr/>
+        </p:nvSpPr>
+        <p:spPr>
+          <a:xfrm>
+            <a:off x="4295840" y="4146265"/>
+            <a:ext cx="1530351" cy="954107"/>
+          </a:xfrm>
+          <a:prstGeom prst="rect">
+            <a:avLst/>
+          </a:prstGeom>
+        </p:spPr>
+        <p:txBody>
+          <a:bodyPr wrap="square">
+            <a:spAutoFit/>
+          </a:bodyPr>
+          <a:lstStyle/>
+          <a:p>
+            <a:pPr algn="ctr"/>
+            <a:r>
+              <a:rPr lang="zh-CN" altLang="en-US" sz="1400" dirty="0" smtClean="0">
+                <a:solidFill>
+                  <a:schemeClr val="bg2">
+                    <a:lumMod val="25000"/>
+                  </a:schemeClr>
+                </a:solidFill>
+              </a:rPr>
+              <a:t>警察</a:t>
+            </a:r>
+            <a:endParaRPr lang="en-US" altLang="zh-CN" sz="1400" dirty="0" smtClean="0">
+              <a:solidFill>
+                <a:schemeClr val="bg2">
+                  <a:lumMod val="25000"/>
+                </a:schemeClr>
+              </a:solidFill>
+            </a:endParaRPr>
+          </a:p>
+          <a:p>
+            <a:pPr algn="ctr"/>
+            <a:r>
+              <a:rPr lang="zh-CN" altLang="en-US" sz="1400" dirty="0" smtClean="0">
+                <a:solidFill>
+                  <a:schemeClr val="bg2">
+                    <a:lumMod val="25000"/>
+                  </a:schemeClr>
+                </a:solidFill>
+              </a:rPr>
+              <a:t>制作和使用各种道具</a:t>
+            </a:r>
+            <a:endParaRPr lang="en-US" altLang="zh-CN" sz="1400" dirty="0" smtClean="0">
+              <a:solidFill>
+                <a:schemeClr val="bg2">
+                  <a:lumMod val="25000"/>
+                </a:schemeClr>
+              </a:solidFill>
+            </a:endParaRPr>
+          </a:p>
+          <a:p>
+            <a:endParaRPr lang="en-US" altLang="zh-HK" sz="1400" dirty="0">
+              <a:solidFill>
+                <a:schemeClr val="bg2">
+                  <a:lumMod val="25000"/>
+                </a:schemeClr>
+              </a:solidFill>
+            </a:endParaRPr>
+          </a:p>
+        </p:txBody>
+      </p:sp>
+      <p:sp>
+        <p:nvSpPr>
+          <p:cNvPr id="35" name="矩形 34"/>
+          <p:cNvSpPr/>
+          <p:nvPr/>
+        </p:nvSpPr>
+        <p:spPr>
+          <a:xfrm>
+            <a:off x="6336883" y="4160575"/>
+            <a:ext cx="1530351" cy="523220"/>
+          </a:xfrm>
+          <a:prstGeom prst="rect">
+            <a:avLst/>
+          </a:prstGeom>
+        </p:spPr>
+        <p:txBody>
+          <a:bodyPr wrap="square">
+            <a:spAutoFit/>
+          </a:bodyPr>
+          <a:lstStyle/>
+          <a:p>
+            <a:pPr algn="ctr"/>
+            <a:r>
+              <a:rPr lang="zh-CN" altLang="en-US" sz="1400" dirty="0">
+                <a:solidFill>
+                  <a:schemeClr val="bg2">
+                    <a:lumMod val="25000"/>
+                  </a:schemeClr>
+                </a:solidFill>
+              </a:rPr>
+              <a:t>侦破此</a:t>
+            </a:r>
+            <a:r>
+              <a:rPr lang="zh-CN" altLang="en-US" sz="1400" dirty="0" smtClean="0">
+                <a:solidFill>
+                  <a:schemeClr val="bg2">
+                    <a:lumMod val="25000"/>
+                  </a:schemeClr>
+                </a:solidFill>
+              </a:rPr>
+              <a:t>案</a:t>
+            </a:r>
+            <a:endParaRPr lang="en-US" altLang="zh-CN" sz="1400" dirty="0" smtClean="0">
+              <a:solidFill>
+                <a:schemeClr val="bg2">
+                  <a:lumMod val="25000"/>
+                </a:schemeClr>
+              </a:solidFill>
+            </a:endParaRPr>
+          </a:p>
+          <a:p>
+            <a:pPr algn="ctr"/>
+            <a:r>
+              <a:rPr lang="zh-CN" altLang="en-US" sz="1400" dirty="0" smtClean="0">
+                <a:solidFill>
+                  <a:schemeClr val="bg2">
+                    <a:lumMod val="25000"/>
+                  </a:schemeClr>
+                </a:solidFill>
+              </a:rPr>
+              <a:t>但却深陷其中</a:t>
+            </a:r>
+            <a:endParaRPr lang="zh-HK" altLang="en-US" sz="1400" dirty="0">
+              <a:solidFill>
+                <a:schemeClr val="bg2">
+                  <a:lumMod val="25000"/>
+                </a:schemeClr>
+              </a:solidFill>
+            </a:endParaRPr>
+          </a:p>
+        </p:txBody>
+      </p:sp>
+      <p:sp>
+        <p:nvSpPr>
+          <p:cNvPr id="41" name="椭圆 40"/>
+          <p:cNvSpPr/>
+          <p:nvPr/>
+        </p:nvSpPr>
+        <p:spPr>
+          <a:xfrm>
+            <a:off x="862179" y="2060570"/>
+            <a:ext cx="629737" cy="627462"/>
+          </a:xfrm>
+          <a:prstGeom prst="ellipse">
+            <a:avLst/>
+          </a:prstGeom>
+          <a:solidFill>
+            <a:schemeClr val="bg2">
+              <a:lumMod val="25000"/>
+              <a:alpha val="61000"/>
+            </a:schemeClr>
+          </a:solidFill>
+          <a:ln>
+            <a:noFill/>
+          </a:ln>
+        </p:spPr>
+        <p:style>
+          <a:lnRef idx="2">
+            <a:schemeClr val="accent1">
+              <a:shade val="50000"/>
+            </a:schemeClr>
+          </a:lnRef>
+          <a:fillRef idx="1">
+            <a:schemeClr val="accent1"/>
+          </a:fillRef>
+          <a:effectRef idx="0">
+            <a:schemeClr val="accent1"/>
+          </a:effectRef>
+          <a:fontRef idx="minor">
+            <a:schemeClr val="lt1"/>
+          </a:fontRef>
+        </p:style>
+        <p:txBody>
+          <a:bodyPr rtlCol="0" anchor="ctr"/>
+          <a:lstStyle/>
+          <a:p>
+            <a:pPr algn="ctr"/>
+            <a:r>
+              <a:rPr lang="en-US" altLang="zh-HK" sz="4400" b="1" dirty="0">
+                <a:solidFill>
+                  <a:schemeClr val="bg2">
+                    <a:lumMod val="25000"/>
+                  </a:schemeClr>
+                </a:solidFill>
+                <a:effectLst>
+                  <a:outerShdw blurRad="38100" dist="38100" dir="2700000" algn="tl">
+                    <a:srgbClr val="000000">
+                      <a:alpha val="43137"/>
+                    </a:srgbClr>
+                  </a:outerShdw>
+                </a:effectLst>
+                <a:latin typeface="华文细黑" panose="02010600040101010101" pitchFamily="2" charset="-122"/>
+                <a:ea typeface="华文细黑" panose="02010600040101010101" pitchFamily="2" charset="-122"/>
+              </a:rPr>
+              <a:t>E</a:t>
+            </a:r>
+            <a:endParaRPr lang="zh-HK" altLang="en-US" sz="4400" b="1" dirty="0">
+              <a:solidFill>
+                <a:schemeClr val="bg2">
+                  <a:lumMod val="25000"/>
+                </a:schemeClr>
+              </a:solidFill>
+              <a:effectLst>
+                <a:outerShdw blurRad="38100" dist="38100" dir="2700000" algn="tl">
+                  <a:srgbClr val="000000">
+                    <a:alpha val="43137"/>
+                  </a:srgbClr>
+                </a:outerShdw>
+              </a:effectLst>
+              <a:latin typeface="华文细黑" panose="02010600040101010101" pitchFamily="2" charset="-122"/>
+              <a:ea typeface="华文细黑" panose="02010600040101010101" pitchFamily="2" charset="-122"/>
+            </a:endParaRPr>
+          </a:p>
+        </p:txBody>
+      </p:sp>
+      <p:sp>
+        <p:nvSpPr>
+          <p:cNvPr id="42" name="椭圆 41"/>
+          <p:cNvSpPr/>
+          <p:nvPr/>
+        </p:nvSpPr>
+        <p:spPr>
+          <a:xfrm>
+            <a:off x="8881259" y="2028891"/>
+            <a:ext cx="629737" cy="627462"/>
+          </a:xfrm>
+          <a:prstGeom prst="ellipse">
+            <a:avLst/>
+          </a:prstGeom>
+          <a:solidFill>
+            <a:schemeClr val="bg2">
+              <a:lumMod val="25000"/>
+              <a:alpha val="61000"/>
+            </a:schemeClr>
+          </a:solidFill>
+          <a:ln>
+            <a:noFill/>
+          </a:ln>
+        </p:spPr>
+        <p:style>
+          <a:lnRef idx="2">
+            <a:schemeClr val="accent1">
+              <a:shade val="50000"/>
+            </a:schemeClr>
+          </a:lnRef>
+          <a:fillRef idx="1">
+            <a:schemeClr val="accent1"/>
+          </a:fillRef>
+          <a:effectRef idx="0">
+            <a:schemeClr val="accent1"/>
+          </a:effectRef>
+          <a:fontRef idx="minor">
+            <a:schemeClr val="lt1"/>
+          </a:fontRef>
+        </p:style>
+        <p:txBody>
+          <a:bodyPr rtlCol="0" anchor="ctr"/>
+          <a:lstStyle/>
+          <a:p>
+            <a:pPr algn="ctr"/>
+            <a:r>
+              <a:rPr lang="en-US" altLang="zh-CN" sz="4400" b="1" dirty="0">
+                <a:solidFill>
+                  <a:schemeClr val="bg2">
+                    <a:lumMod val="25000"/>
+                  </a:schemeClr>
+                </a:solidFill>
+                <a:effectLst>
+                  <a:outerShdw blurRad="38100" dist="38100" dir="2700000" algn="tl">
+                    <a:srgbClr val="000000">
+                      <a:alpha val="43137"/>
+                    </a:srgbClr>
+                  </a:outerShdw>
+                </a:effectLst>
+                <a:latin typeface="华文细黑" panose="02010600040101010101" pitchFamily="2" charset="-122"/>
+                <a:ea typeface="华文细黑" panose="02010600040101010101" pitchFamily="2" charset="-122"/>
+              </a:rPr>
+              <a:t>P</a:t>
+            </a:r>
+            <a:endParaRPr lang="zh-HK" altLang="en-US" sz="4400" b="1" dirty="0">
+              <a:solidFill>
+                <a:schemeClr val="bg2">
+                  <a:lumMod val="25000"/>
+                </a:schemeClr>
+              </a:solidFill>
+              <a:effectLst>
+                <a:outerShdw blurRad="38100" dist="38100" dir="2700000" algn="tl">
+                  <a:srgbClr val="000000">
+                    <a:alpha val="43137"/>
+                  </a:srgbClr>
+                </a:outerShdw>
+              </a:effectLst>
+              <a:latin typeface="华文细黑" panose="02010600040101010101" pitchFamily="2" charset="-122"/>
+              <a:ea typeface="华文细黑" panose="02010600040101010101" pitchFamily="2" charset="-122"/>
+            </a:endParaRPr>
+          </a:p>
+        </p:txBody>
+      </p:sp>
+      <p:sp>
+        <p:nvSpPr>
+          <p:cNvPr id="43" name="椭圆 42"/>
+          <p:cNvSpPr/>
+          <p:nvPr/>
+        </p:nvSpPr>
+        <p:spPr>
+          <a:xfrm>
+            <a:off x="2775778" y="2060570"/>
+            <a:ext cx="629737" cy="627462"/>
+          </a:xfrm>
+          <a:prstGeom prst="ellipse">
+            <a:avLst/>
+          </a:prstGeom>
+          <a:solidFill>
+            <a:schemeClr val="bg2">
+              <a:lumMod val="25000"/>
+              <a:alpha val="61000"/>
+            </a:schemeClr>
+          </a:solidFill>
+          <a:ln>
+            <a:noFill/>
+          </a:ln>
+        </p:spPr>
+        <p:style>
+          <a:lnRef idx="2">
+            <a:schemeClr val="accent1">
+              <a:shade val="50000"/>
+            </a:schemeClr>
+          </a:lnRef>
+          <a:fillRef idx="1">
+            <a:schemeClr val="accent1"/>
+          </a:fillRef>
+          <a:effectRef idx="0">
+            <a:schemeClr val="accent1"/>
+          </a:effectRef>
+          <a:fontRef idx="minor">
+            <a:schemeClr val="lt1"/>
+          </a:fontRef>
+        </p:style>
+        <p:txBody>
+          <a:bodyPr rtlCol="0" anchor="ctr"/>
+          <a:lstStyle/>
+          <a:p>
+            <a:pPr algn="ctr"/>
+            <a:r>
+              <a:rPr lang="en-US" altLang="zh-CN" sz="4400" b="1" dirty="0">
+                <a:solidFill>
+                  <a:schemeClr val="bg2">
+                    <a:lumMod val="25000"/>
+                  </a:schemeClr>
+                </a:solidFill>
+                <a:effectLst>
+                  <a:outerShdw blurRad="38100" dist="38100" dir="2700000" algn="tl">
+                    <a:srgbClr val="000000">
+                      <a:alpha val="43137"/>
+                    </a:srgbClr>
+                  </a:outerShdw>
+                </a:effectLst>
+                <a:latin typeface="华文细黑" panose="02010600040101010101" pitchFamily="2" charset="-122"/>
+                <a:ea typeface="华文细黑" panose="02010600040101010101" pitchFamily="2" charset="-122"/>
+              </a:rPr>
+              <a:t>S</a:t>
+            </a:r>
+            <a:endParaRPr lang="zh-HK" altLang="en-US" sz="4400" b="1" dirty="0">
+              <a:solidFill>
+                <a:schemeClr val="bg2">
+                  <a:lumMod val="25000"/>
+                </a:schemeClr>
+              </a:solidFill>
+              <a:effectLst>
+                <a:outerShdw blurRad="38100" dist="38100" dir="2700000" algn="tl">
+                  <a:srgbClr val="000000">
+                    <a:alpha val="43137"/>
+                  </a:srgbClr>
+                </a:outerShdw>
+              </a:effectLst>
+              <a:latin typeface="华文细黑" panose="02010600040101010101" pitchFamily="2" charset="-122"/>
+              <a:ea typeface="华文细黑" panose="02010600040101010101" pitchFamily="2" charset="-122"/>
+            </a:endParaRPr>
+          </a:p>
+        </p:txBody>
+      </p:sp>
+      <p:sp>
+        <p:nvSpPr>
+          <p:cNvPr id="44" name="椭圆 43"/>
+          <p:cNvSpPr/>
+          <p:nvPr/>
+        </p:nvSpPr>
+        <p:spPr>
+          <a:xfrm>
+            <a:off x="6789717" y="2028891"/>
+            <a:ext cx="629737" cy="627462"/>
+          </a:xfrm>
+          <a:prstGeom prst="ellipse">
+            <a:avLst/>
+          </a:prstGeom>
+          <a:solidFill>
+            <a:schemeClr val="bg2">
+              <a:lumMod val="25000"/>
+              <a:alpha val="61000"/>
+            </a:schemeClr>
+          </a:solidFill>
+          <a:ln>
+            <a:noFill/>
+          </a:ln>
+        </p:spPr>
+        <p:style>
+          <a:lnRef idx="2">
+            <a:schemeClr val="accent1">
+              <a:shade val="50000"/>
+            </a:schemeClr>
+          </a:lnRef>
+          <a:fillRef idx="1">
+            <a:schemeClr val="accent1"/>
+          </a:fillRef>
+          <a:effectRef idx="0">
+            <a:schemeClr val="accent1"/>
+          </a:effectRef>
+          <a:fontRef idx="minor">
+            <a:schemeClr val="lt1"/>
+          </a:fontRef>
+        </p:style>
+        <p:txBody>
+          <a:bodyPr rtlCol="0" anchor="ctr"/>
+          <a:lstStyle/>
+          <a:p>
+            <a:pPr algn="ctr"/>
+            <a:r>
+              <a:rPr lang="en-US" altLang="zh-CN" sz="4400" b="1" dirty="0">
+                <a:solidFill>
+                  <a:schemeClr val="bg2">
+                    <a:lumMod val="25000"/>
+                  </a:schemeClr>
+                </a:solidFill>
+                <a:effectLst>
+                  <a:outerShdw blurRad="38100" dist="38100" dir="2700000" algn="tl">
+                    <a:srgbClr val="000000">
+                      <a:alpha val="43137"/>
+                    </a:srgbClr>
+                  </a:outerShdw>
+                </a:effectLst>
+                <a:latin typeface="华文细黑" panose="02010600040101010101" pitchFamily="2" charset="-122"/>
+                <a:ea typeface="华文细黑" panose="02010600040101010101" pitchFamily="2" charset="-122"/>
+              </a:rPr>
+              <a:t>A</a:t>
+            </a:r>
+            <a:endParaRPr lang="zh-HK" altLang="en-US" sz="4400" b="1" dirty="0">
+              <a:solidFill>
+                <a:schemeClr val="bg2">
+                  <a:lumMod val="25000"/>
+                </a:schemeClr>
+              </a:solidFill>
+              <a:effectLst>
+                <a:outerShdw blurRad="38100" dist="38100" dir="2700000" algn="tl">
+                  <a:srgbClr val="000000">
+                    <a:alpha val="43137"/>
+                  </a:srgbClr>
+                </a:outerShdw>
+              </a:effectLst>
+              <a:latin typeface="华文细黑" panose="02010600040101010101" pitchFamily="2" charset="-122"/>
+              <a:ea typeface="华文细黑" panose="02010600040101010101" pitchFamily="2" charset="-122"/>
+            </a:endParaRPr>
+          </a:p>
+        </p:txBody>
+      </p:sp>
+      <p:sp>
+        <p:nvSpPr>
+          <p:cNvPr id="45" name="椭圆 44"/>
+          <p:cNvSpPr/>
+          <p:nvPr/>
+        </p:nvSpPr>
+        <p:spPr>
+          <a:xfrm>
+            <a:off x="10811639" y="2079164"/>
+            <a:ext cx="629737" cy="627462"/>
+          </a:xfrm>
+          <a:prstGeom prst="ellipse">
+            <a:avLst/>
+          </a:prstGeom>
+          <a:solidFill>
+            <a:schemeClr val="bg2">
+              <a:lumMod val="25000"/>
+              <a:alpha val="61000"/>
+            </a:schemeClr>
+          </a:solidFill>
+          <a:ln>
+            <a:noFill/>
+          </a:ln>
+        </p:spPr>
+        <p:style>
+          <a:lnRef idx="2">
+            <a:schemeClr val="accent1">
+              <a:shade val="50000"/>
+            </a:schemeClr>
+          </a:lnRef>
+          <a:fillRef idx="1">
+            <a:schemeClr val="accent1"/>
+          </a:fillRef>
+          <a:effectRef idx="0">
+            <a:schemeClr val="accent1"/>
+          </a:effectRef>
+          <a:fontRef idx="minor">
+            <a:schemeClr val="lt1"/>
+          </a:fontRef>
+        </p:style>
+        <p:txBody>
+          <a:bodyPr rtlCol="0" anchor="ctr"/>
+          <a:lstStyle/>
+          <a:p>
+            <a:pPr algn="ctr"/>
+            <a:r>
+              <a:rPr lang="en-US" altLang="zh-HK" sz="4400" b="1" dirty="0">
+                <a:solidFill>
+                  <a:schemeClr val="bg2">
+                    <a:lumMod val="25000"/>
+                  </a:schemeClr>
+                </a:solidFill>
+                <a:effectLst>
+                  <a:outerShdw blurRad="38100" dist="38100" dir="2700000" algn="tl">
+                    <a:srgbClr val="000000">
+                      <a:alpha val="43137"/>
+                    </a:srgbClr>
+                  </a:outerShdw>
+                </a:effectLst>
+                <a:latin typeface="华文细黑" panose="02010600040101010101" pitchFamily="2" charset="-122"/>
+                <a:ea typeface="华文细黑" panose="02010600040101010101" pitchFamily="2" charset="-122"/>
+              </a:rPr>
+              <a:t>E</a:t>
+            </a:r>
+            <a:endParaRPr lang="zh-HK" altLang="en-US" sz="4400" b="1" dirty="0">
+              <a:solidFill>
+                <a:schemeClr val="bg2">
+                  <a:lumMod val="25000"/>
+                </a:schemeClr>
+              </a:solidFill>
+              <a:effectLst>
+                <a:outerShdw blurRad="38100" dist="38100" dir="2700000" algn="tl">
+                  <a:srgbClr val="000000">
+                    <a:alpha val="43137"/>
+                  </a:srgbClr>
+                </a:outerShdw>
+              </a:effectLst>
+              <a:latin typeface="华文细黑" panose="02010600040101010101" pitchFamily="2" charset="-122"/>
+              <a:ea typeface="华文细黑" panose="02010600040101010101" pitchFamily="2" charset="-122"/>
+            </a:endParaRPr>
+          </a:p>
+        </p:txBody>
+      </p:sp>
+      <p:sp>
+        <p:nvSpPr>
+          <p:cNvPr id="39" name="矩形 38"/>
+          <p:cNvSpPr/>
+          <p:nvPr/>
+        </p:nvSpPr>
+        <p:spPr>
+          <a:xfrm>
+            <a:off x="10339243" y="4129797"/>
+            <a:ext cx="1530351" cy="553998"/>
+          </a:xfrm>
+          <a:prstGeom prst="rect">
+            <a:avLst/>
+          </a:prstGeom>
+        </p:spPr>
+        <p:txBody>
+          <a:bodyPr wrap="square">
+            <a:spAutoFit/>
+          </a:bodyPr>
+          <a:lstStyle/>
+          <a:p>
+            <a:pPr algn="just">
+              <a:lnSpc>
+                <a:spcPts val="1780"/>
+              </a:lnSpc>
+            </a:pPr>
+            <a:r>
+              <a:rPr lang="zh-CN" altLang="en-US" sz="1400" dirty="0"/>
+              <a:t>想</a:t>
+            </a:r>
+            <a:r>
+              <a:rPr lang="zh-CN" altLang="en-US" sz="1400" dirty="0" smtClean="0"/>
+              <a:t>要升职，主动申请调查此案</a:t>
+            </a:r>
+            <a:endParaRPr lang="zh-HK" altLang="en-US" sz="1400" dirty="0"/>
+          </a:p>
+        </p:txBody>
+      </p:sp>
+      <p:sp>
+        <p:nvSpPr>
+          <p:cNvPr id="33" name="文本框 32"/>
+          <p:cNvSpPr txBox="1"/>
+          <p:nvPr/>
+        </p:nvSpPr>
+        <p:spPr>
+          <a:xfrm>
+            <a:off x="1877583" y="360756"/>
+            <a:ext cx="1527932" cy="584775"/>
+          </a:xfrm>
+          <a:prstGeom prst="rect">
+            <a:avLst/>
+          </a:prstGeom>
+          <a:noFill/>
+        </p:spPr>
+        <p:txBody>
+          <a:bodyPr wrap="square" rtlCol="0">
+            <a:spAutoFit/>
+          </a:bodyPr>
+          <a:lstStyle/>
+          <a:p>
+            <a:r>
+              <a:rPr lang="zh-CN" altLang="en-US" sz="3200" b="1" dirty="0" smtClean="0">
+                <a:solidFill>
+                  <a:schemeClr val="bg2">
+                    <a:lumMod val="25000"/>
+                  </a:schemeClr>
+                </a:solidFill>
+                <a:latin typeface="华文细黑" panose="02010600040101010101" pitchFamily="2" charset="-122"/>
+                <a:ea typeface="华文细黑" panose="02010600040101010101" pitchFamily="2" charset="-122"/>
+              </a:rPr>
+              <a:t> </a:t>
+            </a:r>
+            <a:r>
+              <a:rPr lang="zh-CN" altLang="en-US" sz="3200" b="1" dirty="0" smtClean="0">
+                <a:solidFill>
+                  <a:schemeClr val="bg2">
+                    <a:lumMod val="25000"/>
+                  </a:schemeClr>
+                </a:solidFill>
+                <a:latin typeface="华文细黑" panose="02010600040101010101" pitchFamily="2" charset="-122"/>
+                <a:ea typeface="华文细黑" panose="02010600040101010101" pitchFamily="2" charset="-122"/>
+              </a:rPr>
+              <a:t>陶巢</a:t>
+            </a:r>
+            <a:endParaRPr lang="zh-HK" altLang="en-US" sz="3200" b="1" dirty="0">
+              <a:solidFill>
+                <a:schemeClr val="bg2">
+                  <a:lumMod val="25000"/>
+                </a:schemeClr>
+              </a:solidFill>
+              <a:latin typeface="华文细黑" panose="02010600040101010101" pitchFamily="2" charset="-122"/>
+              <a:ea typeface="华文细黑" panose="02010600040101010101" pitchFamily="2" charset="-122"/>
+            </a:endParaRPr>
+          </a:p>
+        </p:txBody>
+      </p:sp>
+      <p:sp>
+        <p:nvSpPr>
+          <p:cNvPr id="3" name="TextBox 2"/>
+          <p:cNvSpPr txBox="1"/>
+          <p:nvPr/>
+        </p:nvSpPr>
+        <p:spPr>
+          <a:xfrm>
+            <a:off x="8658403" y="4160575"/>
+            <a:ext cx="1195057" cy="523220"/>
+          </a:xfrm>
+          <a:prstGeom prst="rect">
+            <a:avLst/>
+          </a:prstGeom>
+          <a:noFill/>
+        </p:spPr>
+        <p:txBody>
+          <a:bodyPr wrap="square" rtlCol="0">
+            <a:spAutoFit/>
+          </a:bodyPr>
+          <a:lstStyle/>
+          <a:p>
+            <a:r>
+              <a:rPr lang="zh-CN" altLang="en-US" sz="1400" dirty="0" smtClean="0"/>
+              <a:t>一心想当公务员</a:t>
+            </a:r>
+            <a:endParaRPr lang="zh-CN" altLang="en-US" sz="1400" dirty="0"/>
+          </a:p>
+        </p:txBody>
+      </p:sp>
+      <p:sp>
+        <p:nvSpPr>
+          <p:cNvPr id="4" name="TextBox 3"/>
+          <p:cNvSpPr txBox="1"/>
+          <p:nvPr/>
+        </p:nvSpPr>
+        <p:spPr>
+          <a:xfrm>
+            <a:off x="10339243" y="4961299"/>
+            <a:ext cx="1530351" cy="738664"/>
+          </a:xfrm>
+          <a:prstGeom prst="rect">
+            <a:avLst/>
+          </a:prstGeom>
+          <a:noFill/>
+        </p:spPr>
+        <p:txBody>
+          <a:bodyPr wrap="square" rtlCol="0">
+            <a:spAutoFit/>
+          </a:bodyPr>
+          <a:lstStyle/>
+          <a:p>
+            <a:r>
+              <a:rPr lang="zh-CN" altLang="en-US" sz="1400" dirty="0" smtClean="0"/>
+              <a:t>进行了一番深入调查，有很多线索</a:t>
+            </a:r>
+            <a:endParaRPr lang="zh-CN" altLang="en-US" sz="1400" dirty="0"/>
+          </a:p>
+        </p:txBody>
+      </p:sp>
+    </p:spTree>
+    <p:extLst>
+      <p:ext uri="{BB962C8B-B14F-4D97-AF65-F5344CB8AC3E}">
+        <p14:creationId xmlns:p14="http://schemas.microsoft.com/office/powerpoint/2010/main" val="2565770250"/>
+      </p:ext>
+    </p:extLst>
+  </p:cSld>
+  <p:clrMapOvr>
+    <a:masterClrMapping/>
+  </p:clrMapOvr>
+  <p:timing>
+    <p:tnLst>
+      <p:par>
+        <p:cTn id="1" dur="indefinite" restart="never" nodeType="tmRoot"/>
+      </p:par>
+    </p:tnLst>
+  </p:timing>
+</p:sld>
+</file>
+
+<file path=ppt/slides/slide12.xml><?xml version="1.0" encoding="utf-8"?>
+<p:sld xmlns:a="http://schemas.openxmlformats.org/drawingml/2006/main" xmlns:r="http://schemas.openxmlformats.org/officeDocument/2006/relationships" xmlns:p="http://schemas.openxmlformats.org/presentationml/2006/main">
+  <p:cSld>
+    <p:spTree>
+      <p:nvGrpSpPr>
+        <p:cNvPr id="1" name=""/>
+        <p:cNvGrpSpPr/>
+        <p:nvPr/>
+      </p:nvGrpSpPr>
+      <p:grpSpPr>
+        <a:xfrm>
+          <a:off x="0" y="0"/>
+          <a:ext cx="0" cy="0"/>
+          <a:chOff x="0" y="0"/>
+          <a:chExt cx="0" cy="0"/>
+        </a:xfrm>
+      </p:grpSpPr>
+      <p:sp>
+        <p:nvSpPr>
+          <p:cNvPr id="12" name="椭圆 11"/>
+          <p:cNvSpPr/>
+          <p:nvPr/>
+        </p:nvSpPr>
+        <p:spPr>
+          <a:xfrm>
+            <a:off x="0" y="304290"/>
+            <a:ext cx="1491916" cy="1485557"/>
+          </a:xfrm>
+          <a:prstGeom prst="ellipse">
+            <a:avLst/>
+          </a:prstGeom>
+          <a:noFill/>
+          <a:ln>
+            <a:solidFill>
+              <a:schemeClr val="bg2">
+                <a:lumMod val="25000"/>
+              </a:schemeClr>
+            </a:solidFill>
+          </a:ln>
+        </p:spPr>
+        <p:style>
+          <a:lnRef idx="2">
+            <a:schemeClr val="accent1">
+              <a:shade val="50000"/>
+            </a:schemeClr>
+          </a:lnRef>
+          <a:fillRef idx="1">
+            <a:schemeClr val="accent1"/>
+          </a:fillRef>
+          <a:effectRef idx="0">
+            <a:schemeClr val="accent1"/>
+          </a:effectRef>
+          <a:fontRef idx="minor">
+            <a:schemeClr val="lt1"/>
+          </a:fontRef>
+        </p:style>
+        <p:txBody>
+          <a:bodyPr rtlCol="0" anchor="ctr"/>
+          <a:lstStyle/>
+          <a:p>
+            <a:pPr algn="ctr"/>
+            <a:r>
+              <a:rPr lang="en-US" altLang="zh-CN" sz="6000" dirty="0" smtClean="0">
+                <a:solidFill>
+                  <a:schemeClr val="bg2">
+                    <a:lumMod val="25000"/>
+                  </a:schemeClr>
+                </a:solidFill>
+                <a:latin typeface="华文细黑" panose="02010600040101010101" pitchFamily="2" charset="-122"/>
+                <a:ea typeface="华文细黑" panose="02010600040101010101" pitchFamily="2" charset="-122"/>
+              </a:rPr>
+              <a:t>11</a:t>
+            </a:r>
+            <a:endParaRPr lang="zh-HK" altLang="en-US" sz="6000" dirty="0">
+              <a:solidFill>
+                <a:schemeClr val="bg2">
+                  <a:lumMod val="25000"/>
+                </a:schemeClr>
+              </a:solidFill>
+              <a:latin typeface="华文细黑" panose="02010600040101010101" pitchFamily="2" charset="-122"/>
+              <a:ea typeface="华文细黑" panose="02010600040101010101" pitchFamily="2" charset="-122"/>
+            </a:endParaRPr>
+          </a:p>
+        </p:txBody>
+      </p:sp>
+      <p:cxnSp>
+        <p:nvCxnSpPr>
+          <p:cNvPr id="16" name="直接连接符 15"/>
+          <p:cNvCxnSpPr>
+            <a:stCxn id="12" idx="3"/>
+          </p:cNvCxnSpPr>
+          <p:nvPr/>
+        </p:nvCxnSpPr>
+        <p:spPr>
+          <a:xfrm flipH="1">
+            <a:off x="197990" y="1572292"/>
+            <a:ext cx="20496" cy="5200364"/>
+          </a:xfrm>
+          <a:prstGeom prst="line">
+            <a:avLst/>
+          </a:prstGeom>
+          <a:ln>
+            <a:solidFill>
+              <a:schemeClr val="bg2">
+                <a:lumMod val="25000"/>
+              </a:schemeClr>
+            </a:solidFill>
+          </a:ln>
+        </p:spPr>
+        <p:style>
+          <a:lnRef idx="1">
+            <a:schemeClr val="accent1"/>
+          </a:lnRef>
+          <a:fillRef idx="0">
+            <a:schemeClr val="accent1"/>
+          </a:fillRef>
+          <a:effectRef idx="0">
+            <a:schemeClr val="accent1"/>
+          </a:effectRef>
+          <a:fontRef idx="minor">
+            <a:schemeClr val="tx1"/>
+          </a:fontRef>
+        </p:style>
+      </p:cxnSp>
+      <p:cxnSp>
+        <p:nvCxnSpPr>
+          <p:cNvPr id="18" name="直接连接符 17"/>
+          <p:cNvCxnSpPr/>
+          <p:nvPr/>
+        </p:nvCxnSpPr>
+        <p:spPr>
+          <a:xfrm flipH="1">
+            <a:off x="789934" y="33567"/>
+            <a:ext cx="387711" cy="270723"/>
+          </a:xfrm>
+          <a:prstGeom prst="line">
+            <a:avLst/>
+          </a:prstGeom>
+          <a:ln>
+            <a:solidFill>
+              <a:schemeClr val="bg2">
+                <a:lumMod val="25000"/>
+              </a:schemeClr>
+            </a:solidFill>
+          </a:ln>
+        </p:spPr>
+        <p:style>
+          <a:lnRef idx="1">
+            <a:schemeClr val="accent1"/>
+          </a:lnRef>
+          <a:fillRef idx="0">
+            <a:schemeClr val="accent1"/>
+          </a:fillRef>
+          <a:effectRef idx="0">
+            <a:schemeClr val="accent1"/>
+          </a:effectRef>
+          <a:fontRef idx="minor">
+            <a:schemeClr val="tx1"/>
+          </a:fontRef>
+        </p:style>
+      </p:cxnSp>
+      <p:sp>
+        <p:nvSpPr>
+          <p:cNvPr id="29" name="任意多边形 28"/>
+          <p:cNvSpPr/>
+          <p:nvPr/>
+        </p:nvSpPr>
+        <p:spPr>
+          <a:xfrm>
+            <a:off x="299667" y="2706626"/>
+            <a:ext cx="1668304" cy="4151374"/>
+          </a:xfrm>
+          <a:custGeom>
+            <a:avLst/>
+            <a:gdLst>
+              <a:gd name="connsiteX0" fmla="*/ 921658 w 1843316"/>
+              <a:gd name="connsiteY0" fmla="*/ 0 h 3236686"/>
+              <a:gd name="connsiteX1" fmla="*/ 1843316 w 1843316"/>
+              <a:gd name="connsiteY1" fmla="*/ 1117600 h 3236686"/>
+              <a:gd name="connsiteX2" fmla="*/ 1843315 w 1843316"/>
+              <a:gd name="connsiteY2" fmla="*/ 1117600 h 3236686"/>
+              <a:gd name="connsiteX3" fmla="*/ 1843315 w 1843316"/>
+              <a:gd name="connsiteY3" fmla="*/ 3236686 h 3236686"/>
+              <a:gd name="connsiteX4" fmla="*/ 0 w 1843316"/>
+              <a:gd name="connsiteY4" fmla="*/ 3236686 h 3236686"/>
+              <a:gd name="connsiteX5" fmla="*/ 0 w 1843316"/>
+              <a:gd name="connsiteY5" fmla="*/ 1117600 h 3236686"/>
+            </a:gdLst>
+            <a:ahLst/>
+            <a:cxnLst>
+              <a:cxn ang="0">
+                <a:pos x="connsiteX0" y="connsiteY0"/>
+              </a:cxn>
+              <a:cxn ang="0">
+                <a:pos x="connsiteX1" y="connsiteY1"/>
+              </a:cxn>
+              <a:cxn ang="0">
+                <a:pos x="connsiteX2" y="connsiteY2"/>
+              </a:cxn>
+              <a:cxn ang="0">
+                <a:pos x="connsiteX3" y="connsiteY3"/>
+              </a:cxn>
+              <a:cxn ang="0">
+                <a:pos x="connsiteX4" y="connsiteY4"/>
+              </a:cxn>
+              <a:cxn ang="0">
+                <a:pos x="connsiteX5" y="connsiteY5"/>
+              </a:cxn>
+            </a:cxnLst>
+            <a:rect l="l" t="t" r="r" b="b"/>
+            <a:pathLst>
+              <a:path w="1843316" h="3236686">
+                <a:moveTo>
+                  <a:pt x="921658" y="0"/>
+                </a:moveTo>
+                <a:lnTo>
+                  <a:pt x="1843316" y="1117600"/>
+                </a:lnTo>
+                <a:lnTo>
+                  <a:pt x="1843315" y="1117600"/>
+                </a:lnTo>
+                <a:lnTo>
+                  <a:pt x="1843315" y="3236686"/>
+                </a:lnTo>
+                <a:lnTo>
+                  <a:pt x="0" y="3236686"/>
+                </a:lnTo>
+                <a:lnTo>
+                  <a:pt x="0" y="1117600"/>
+                </a:lnTo>
+                <a:close/>
+              </a:path>
+            </a:pathLst>
+          </a:custGeom>
+          <a:noFill/>
+          <a:ln>
+            <a:solidFill>
+              <a:schemeClr val="bg2">
+                <a:lumMod val="25000"/>
+              </a:schemeClr>
+            </a:solidFill>
+            <a:prstDash val="dash"/>
+          </a:ln>
+          <a:effectLst>
+            <a:outerShdw blurRad="50800" dist="38100" dir="2700000" algn="tl" rotWithShape="0">
+              <a:prstClr val="black">
+                <a:alpha val="40000"/>
+              </a:prstClr>
+            </a:outerShdw>
+          </a:effectLst>
+        </p:spPr>
+        <p:style>
+          <a:lnRef idx="2">
+            <a:schemeClr val="accent1">
+              <a:shade val="50000"/>
+            </a:schemeClr>
+          </a:lnRef>
+          <a:fillRef idx="1">
+            <a:schemeClr val="accent1"/>
+          </a:fillRef>
+          <a:effectRef idx="0">
+            <a:schemeClr val="accent1"/>
+          </a:effectRef>
+          <a:fontRef idx="minor">
+            <a:schemeClr val="lt1"/>
+          </a:fontRef>
+        </p:style>
+        <p:txBody>
+          <a:bodyPr rtlCol="0" anchor="ctr"/>
+          <a:lstStyle/>
+          <a:p>
+            <a:pPr algn="ctr"/>
+            <a:endParaRPr lang="zh-HK" altLang="en-US">
+              <a:solidFill>
+                <a:schemeClr val="bg2">
+                  <a:lumMod val="25000"/>
+                </a:schemeClr>
+              </a:solidFill>
+            </a:endParaRPr>
+          </a:p>
+        </p:txBody>
+      </p:sp>
+      <p:sp>
+        <p:nvSpPr>
+          <p:cNvPr id="30" name="文本框 29"/>
+          <p:cNvSpPr txBox="1"/>
+          <p:nvPr/>
+        </p:nvSpPr>
+        <p:spPr>
+          <a:xfrm>
+            <a:off x="292868" y="3543389"/>
+            <a:ext cx="1770743" cy="369332"/>
+          </a:xfrm>
+          <a:prstGeom prst="rect">
+            <a:avLst/>
+          </a:prstGeom>
+          <a:noFill/>
+        </p:spPr>
+        <p:txBody>
+          <a:bodyPr wrap="square" rtlCol="0">
+            <a:spAutoFit/>
+          </a:bodyPr>
+          <a:lstStyle/>
+          <a:p>
+            <a:pPr algn="ctr"/>
+            <a:r>
+              <a:rPr lang="zh-CN" altLang="en-US" spc="300" dirty="0" smtClean="0">
+                <a:solidFill>
+                  <a:schemeClr val="bg2">
+                    <a:lumMod val="25000"/>
+                  </a:schemeClr>
+                </a:solidFill>
+                <a:latin typeface="华文细黑" panose="02010600040101010101" pitchFamily="2" charset="-122"/>
+                <a:ea typeface="华文细黑" panose="02010600040101010101" pitchFamily="2" charset="-122"/>
+              </a:rPr>
+              <a:t>性格</a:t>
+            </a:r>
+            <a:endParaRPr lang="zh-HK" altLang="en-US" spc="300" dirty="0">
+              <a:solidFill>
+                <a:schemeClr val="bg2">
+                  <a:lumMod val="25000"/>
+                </a:schemeClr>
+              </a:solidFill>
+              <a:latin typeface="华文细黑" panose="02010600040101010101" pitchFamily="2" charset="-122"/>
+              <a:ea typeface="华文细黑" panose="02010600040101010101" pitchFamily="2" charset="-122"/>
+            </a:endParaRPr>
+          </a:p>
+        </p:txBody>
+      </p:sp>
+      <p:sp>
+        <p:nvSpPr>
+          <p:cNvPr id="31" name="矩形 30"/>
+          <p:cNvSpPr/>
+          <p:nvPr/>
+        </p:nvSpPr>
+        <p:spPr>
+          <a:xfrm>
+            <a:off x="438378" y="4147250"/>
+            <a:ext cx="1530351" cy="523220"/>
+          </a:xfrm>
+          <a:prstGeom prst="rect">
+            <a:avLst/>
+          </a:prstGeom>
+        </p:spPr>
+        <p:txBody>
+          <a:bodyPr wrap="square">
+            <a:spAutoFit/>
+          </a:bodyPr>
+          <a:lstStyle/>
+          <a:p>
+            <a:pPr algn="just"/>
+            <a:r>
+              <a:rPr lang="zh-CN" altLang="en-US" sz="1400" dirty="0" smtClean="0">
+                <a:solidFill>
+                  <a:schemeClr val="bg2">
+                    <a:lumMod val="25000"/>
+                  </a:schemeClr>
+                </a:solidFill>
+              </a:rPr>
+              <a:t>见钱眼开，处女座</a:t>
+            </a:r>
+            <a:endParaRPr lang="zh-HK" altLang="en-US" sz="1400" dirty="0">
+              <a:solidFill>
+                <a:schemeClr val="bg2">
+                  <a:lumMod val="25000"/>
+                </a:schemeClr>
+              </a:solidFill>
+            </a:endParaRPr>
+          </a:p>
+        </p:txBody>
+      </p:sp>
+      <p:sp>
+        <p:nvSpPr>
+          <p:cNvPr id="79" name="任意多边形 78"/>
+          <p:cNvSpPr/>
+          <p:nvPr/>
+        </p:nvSpPr>
+        <p:spPr>
+          <a:xfrm>
+            <a:off x="2161715" y="2706627"/>
+            <a:ext cx="1779140" cy="4151372"/>
+          </a:xfrm>
+          <a:custGeom>
+            <a:avLst/>
+            <a:gdLst>
+              <a:gd name="connsiteX0" fmla="*/ 921658 w 1843316"/>
+              <a:gd name="connsiteY0" fmla="*/ 0 h 3236686"/>
+              <a:gd name="connsiteX1" fmla="*/ 1843316 w 1843316"/>
+              <a:gd name="connsiteY1" fmla="*/ 1117600 h 3236686"/>
+              <a:gd name="connsiteX2" fmla="*/ 1843315 w 1843316"/>
+              <a:gd name="connsiteY2" fmla="*/ 1117600 h 3236686"/>
+              <a:gd name="connsiteX3" fmla="*/ 1843315 w 1843316"/>
+              <a:gd name="connsiteY3" fmla="*/ 3236686 h 3236686"/>
+              <a:gd name="connsiteX4" fmla="*/ 0 w 1843316"/>
+              <a:gd name="connsiteY4" fmla="*/ 3236686 h 3236686"/>
+              <a:gd name="connsiteX5" fmla="*/ 0 w 1843316"/>
+              <a:gd name="connsiteY5" fmla="*/ 1117600 h 3236686"/>
+            </a:gdLst>
+            <a:ahLst/>
+            <a:cxnLst>
+              <a:cxn ang="0">
+                <a:pos x="connsiteX0" y="connsiteY0"/>
+              </a:cxn>
+              <a:cxn ang="0">
+                <a:pos x="connsiteX1" y="connsiteY1"/>
+              </a:cxn>
+              <a:cxn ang="0">
+                <a:pos x="connsiteX2" y="connsiteY2"/>
+              </a:cxn>
+              <a:cxn ang="0">
+                <a:pos x="connsiteX3" y="connsiteY3"/>
+              </a:cxn>
+              <a:cxn ang="0">
+                <a:pos x="connsiteX4" y="connsiteY4"/>
+              </a:cxn>
+              <a:cxn ang="0">
+                <a:pos x="connsiteX5" y="connsiteY5"/>
+              </a:cxn>
+            </a:cxnLst>
+            <a:rect l="l" t="t" r="r" b="b"/>
+            <a:pathLst>
+              <a:path w="1843316" h="3236686">
+                <a:moveTo>
+                  <a:pt x="921658" y="0"/>
+                </a:moveTo>
+                <a:lnTo>
+                  <a:pt x="1843316" y="1117600"/>
+                </a:lnTo>
+                <a:lnTo>
+                  <a:pt x="1843315" y="1117600"/>
+                </a:lnTo>
+                <a:lnTo>
+                  <a:pt x="1843315" y="3236686"/>
+                </a:lnTo>
+                <a:lnTo>
+                  <a:pt x="0" y="3236686"/>
+                </a:lnTo>
+                <a:lnTo>
+                  <a:pt x="0" y="1117600"/>
+                </a:lnTo>
+                <a:close/>
+              </a:path>
+            </a:pathLst>
+          </a:custGeom>
+          <a:noFill/>
+          <a:ln>
+            <a:solidFill>
+              <a:schemeClr val="bg2">
+                <a:lumMod val="25000"/>
+              </a:schemeClr>
+            </a:solidFill>
+            <a:prstDash val="dash"/>
+          </a:ln>
+          <a:effectLst>
+            <a:outerShdw blurRad="50800" dist="38100" dir="2700000" algn="tl" rotWithShape="0">
+              <a:prstClr val="black">
+                <a:alpha val="40000"/>
+              </a:prstClr>
+            </a:outerShdw>
+          </a:effectLst>
+        </p:spPr>
+        <p:style>
+          <a:lnRef idx="2">
+            <a:schemeClr val="accent1">
+              <a:shade val="50000"/>
+            </a:schemeClr>
+          </a:lnRef>
+          <a:fillRef idx="1">
+            <a:schemeClr val="accent1"/>
+          </a:fillRef>
+          <a:effectRef idx="0">
+            <a:schemeClr val="accent1"/>
+          </a:effectRef>
+          <a:fontRef idx="minor">
+            <a:schemeClr val="lt1"/>
+          </a:fontRef>
+        </p:style>
+        <p:txBody>
+          <a:bodyPr rtlCol="0" anchor="ctr"/>
+          <a:lstStyle/>
+          <a:p>
+            <a:pPr algn="ctr"/>
+            <a:endParaRPr lang="zh-HK" altLang="en-US" strike="sngStrike" dirty="0">
+              <a:solidFill>
+                <a:schemeClr val="bg2">
+                  <a:lumMod val="25000"/>
+                </a:schemeClr>
+              </a:solidFill>
+            </a:endParaRPr>
+          </a:p>
+        </p:txBody>
+      </p:sp>
+      <p:sp>
+        <p:nvSpPr>
+          <p:cNvPr id="80" name="文本框 79"/>
+          <p:cNvSpPr txBox="1"/>
+          <p:nvPr/>
+        </p:nvSpPr>
+        <p:spPr>
+          <a:xfrm>
+            <a:off x="2181078" y="3600844"/>
+            <a:ext cx="1774832" cy="338554"/>
+          </a:xfrm>
+          <a:prstGeom prst="rect">
+            <a:avLst/>
+          </a:prstGeom>
+          <a:noFill/>
+        </p:spPr>
+        <p:txBody>
+          <a:bodyPr wrap="square" rtlCol="0">
+            <a:spAutoFit/>
+          </a:bodyPr>
+          <a:lstStyle/>
+          <a:p>
+            <a:pPr algn="ctr"/>
+            <a:r>
+              <a:rPr lang="en-US" altLang="zh-CN" sz="1600" spc="300" dirty="0" smtClean="0">
+                <a:solidFill>
+                  <a:schemeClr val="bg2">
+                    <a:lumMod val="25000"/>
+                  </a:schemeClr>
+                </a:solidFill>
+                <a:latin typeface="华文细黑" panose="02010600040101010101" pitchFamily="2" charset="-122"/>
+                <a:ea typeface="华文细黑" panose="02010600040101010101" pitchFamily="2" charset="-122"/>
+              </a:rPr>
+              <a:t>NPC</a:t>
+            </a:r>
+            <a:r>
+              <a:rPr lang="zh-CN" altLang="en-US" sz="1600" spc="300" dirty="0" smtClean="0">
+                <a:solidFill>
+                  <a:schemeClr val="bg2">
+                    <a:lumMod val="25000"/>
+                  </a:schemeClr>
+                </a:solidFill>
+                <a:latin typeface="华文细黑" panose="02010600040101010101" pitchFamily="2" charset="-122"/>
+                <a:ea typeface="华文细黑" panose="02010600040101010101" pitchFamily="2" charset="-122"/>
+              </a:rPr>
+              <a:t>关</a:t>
+            </a:r>
+            <a:r>
+              <a:rPr lang="zh-CN" altLang="en-US" sz="1600" spc="300" dirty="0" smtClean="0">
+                <a:solidFill>
+                  <a:schemeClr val="bg2">
+                    <a:lumMod val="25000"/>
+                  </a:schemeClr>
+                </a:solidFill>
+                <a:latin typeface="华文细黑" panose="02010600040101010101" pitchFamily="2" charset="-122"/>
+                <a:ea typeface="华文细黑" panose="02010600040101010101" pitchFamily="2" charset="-122"/>
+              </a:rPr>
+              <a:t>系</a:t>
+            </a:r>
+            <a:endParaRPr lang="zh-HK" altLang="en-US" sz="1600" spc="300" dirty="0">
+              <a:solidFill>
+                <a:schemeClr val="bg2">
+                  <a:lumMod val="25000"/>
+                </a:schemeClr>
+              </a:solidFill>
+              <a:latin typeface="华文细黑" panose="02010600040101010101" pitchFamily="2" charset="-122"/>
+              <a:ea typeface="华文细黑" panose="02010600040101010101" pitchFamily="2" charset="-122"/>
+            </a:endParaRPr>
+          </a:p>
+        </p:txBody>
+      </p:sp>
+      <p:sp>
+        <p:nvSpPr>
+          <p:cNvPr id="83" name="任意多边形 82"/>
+          <p:cNvSpPr/>
+          <p:nvPr/>
+        </p:nvSpPr>
+        <p:spPr>
+          <a:xfrm>
+            <a:off x="4129594" y="2706627"/>
+            <a:ext cx="1875583" cy="4151372"/>
+          </a:xfrm>
+          <a:custGeom>
+            <a:avLst/>
+            <a:gdLst>
+              <a:gd name="connsiteX0" fmla="*/ 921658 w 1843316"/>
+              <a:gd name="connsiteY0" fmla="*/ 0 h 3236686"/>
+              <a:gd name="connsiteX1" fmla="*/ 1843316 w 1843316"/>
+              <a:gd name="connsiteY1" fmla="*/ 1117600 h 3236686"/>
+              <a:gd name="connsiteX2" fmla="*/ 1843315 w 1843316"/>
+              <a:gd name="connsiteY2" fmla="*/ 1117600 h 3236686"/>
+              <a:gd name="connsiteX3" fmla="*/ 1843315 w 1843316"/>
+              <a:gd name="connsiteY3" fmla="*/ 3236686 h 3236686"/>
+              <a:gd name="connsiteX4" fmla="*/ 0 w 1843316"/>
+              <a:gd name="connsiteY4" fmla="*/ 3236686 h 3236686"/>
+              <a:gd name="connsiteX5" fmla="*/ 0 w 1843316"/>
+              <a:gd name="connsiteY5" fmla="*/ 1117600 h 3236686"/>
+            </a:gdLst>
+            <a:ahLst/>
+            <a:cxnLst>
+              <a:cxn ang="0">
+                <a:pos x="connsiteX0" y="connsiteY0"/>
+              </a:cxn>
+              <a:cxn ang="0">
+                <a:pos x="connsiteX1" y="connsiteY1"/>
+              </a:cxn>
+              <a:cxn ang="0">
+                <a:pos x="connsiteX2" y="connsiteY2"/>
+              </a:cxn>
+              <a:cxn ang="0">
+                <a:pos x="connsiteX3" y="connsiteY3"/>
+              </a:cxn>
+              <a:cxn ang="0">
+                <a:pos x="connsiteX4" y="connsiteY4"/>
+              </a:cxn>
+              <a:cxn ang="0">
+                <a:pos x="connsiteX5" y="connsiteY5"/>
+              </a:cxn>
+            </a:cxnLst>
+            <a:rect l="l" t="t" r="r" b="b"/>
+            <a:pathLst>
+              <a:path w="1843316" h="3236686">
+                <a:moveTo>
+                  <a:pt x="921658" y="0"/>
+                </a:moveTo>
+                <a:lnTo>
+                  <a:pt x="1843316" y="1117600"/>
+                </a:lnTo>
+                <a:lnTo>
+                  <a:pt x="1843315" y="1117600"/>
+                </a:lnTo>
+                <a:lnTo>
+                  <a:pt x="1843315" y="3236686"/>
+                </a:lnTo>
+                <a:lnTo>
+                  <a:pt x="0" y="3236686"/>
+                </a:lnTo>
+                <a:lnTo>
+                  <a:pt x="0" y="1117600"/>
+                </a:lnTo>
+                <a:close/>
+              </a:path>
+            </a:pathLst>
+          </a:custGeom>
+          <a:noFill/>
+          <a:ln>
+            <a:solidFill>
+              <a:schemeClr val="bg2">
+                <a:lumMod val="25000"/>
+              </a:schemeClr>
+            </a:solidFill>
+            <a:prstDash val="dash"/>
+          </a:ln>
+          <a:effectLst>
+            <a:outerShdw blurRad="50800" dist="38100" dir="2700000" algn="tl" rotWithShape="0">
+              <a:prstClr val="black">
+                <a:alpha val="40000"/>
+              </a:prstClr>
+            </a:outerShdw>
+          </a:effectLst>
+        </p:spPr>
+        <p:style>
+          <a:lnRef idx="2">
+            <a:schemeClr val="accent1">
+              <a:shade val="50000"/>
+            </a:schemeClr>
+          </a:lnRef>
+          <a:fillRef idx="1">
+            <a:schemeClr val="accent1"/>
+          </a:fillRef>
+          <a:effectRef idx="0">
+            <a:schemeClr val="accent1"/>
+          </a:effectRef>
+          <a:fontRef idx="minor">
+            <a:schemeClr val="lt1"/>
+          </a:fontRef>
+        </p:style>
+        <p:txBody>
+          <a:bodyPr rtlCol="0" anchor="ctr"/>
+          <a:lstStyle/>
+          <a:p>
+            <a:pPr algn="ctr"/>
+            <a:endParaRPr lang="zh-HK" altLang="en-US">
+              <a:solidFill>
+                <a:schemeClr val="bg2">
+                  <a:lumMod val="25000"/>
+                </a:schemeClr>
+              </a:solidFill>
+            </a:endParaRPr>
+          </a:p>
+        </p:txBody>
+      </p:sp>
+      <p:sp>
+        <p:nvSpPr>
+          <p:cNvPr id="84" name="文本框 83"/>
+          <p:cNvSpPr txBox="1"/>
+          <p:nvPr/>
+        </p:nvSpPr>
+        <p:spPr>
+          <a:xfrm>
+            <a:off x="4180539" y="3614659"/>
+            <a:ext cx="1770743" cy="338554"/>
+          </a:xfrm>
+          <a:prstGeom prst="rect">
+            <a:avLst/>
+          </a:prstGeom>
+          <a:noFill/>
+        </p:spPr>
+        <p:txBody>
+          <a:bodyPr wrap="square" rtlCol="0">
+            <a:spAutoFit/>
+          </a:bodyPr>
+          <a:lstStyle/>
+          <a:p>
+            <a:pPr algn="ctr"/>
+            <a:r>
+              <a:rPr lang="zh-CN" altLang="en-US" sz="1600" spc="300" dirty="0" smtClean="0">
+                <a:solidFill>
+                  <a:schemeClr val="bg2">
+                    <a:lumMod val="25000"/>
+                  </a:schemeClr>
+                </a:solidFill>
+                <a:latin typeface="华文细黑" panose="02010600040101010101" pitchFamily="2" charset="-122"/>
+                <a:ea typeface="华文细黑" panose="02010600040101010101" pitchFamily="2" charset="-122"/>
+              </a:rPr>
+              <a:t>职业及技能</a:t>
+            </a:r>
+            <a:endParaRPr lang="zh-HK" altLang="en-US" sz="1600" spc="300" dirty="0">
+              <a:solidFill>
+                <a:schemeClr val="bg2">
+                  <a:lumMod val="25000"/>
+                </a:schemeClr>
+              </a:solidFill>
+              <a:latin typeface="华文细黑" panose="02010600040101010101" pitchFamily="2" charset="-122"/>
+              <a:ea typeface="华文细黑" panose="02010600040101010101" pitchFamily="2" charset="-122"/>
+            </a:endParaRPr>
+          </a:p>
+        </p:txBody>
+      </p:sp>
+      <p:sp>
+        <p:nvSpPr>
+          <p:cNvPr id="87" name="任意多边形 86"/>
+          <p:cNvSpPr/>
+          <p:nvPr/>
+        </p:nvSpPr>
+        <p:spPr>
+          <a:xfrm>
+            <a:off x="6238772" y="2706627"/>
+            <a:ext cx="1823041" cy="4151372"/>
+          </a:xfrm>
+          <a:custGeom>
+            <a:avLst/>
+            <a:gdLst>
+              <a:gd name="connsiteX0" fmla="*/ 921658 w 1843316"/>
+              <a:gd name="connsiteY0" fmla="*/ 0 h 3236686"/>
+              <a:gd name="connsiteX1" fmla="*/ 1843316 w 1843316"/>
+              <a:gd name="connsiteY1" fmla="*/ 1117600 h 3236686"/>
+              <a:gd name="connsiteX2" fmla="*/ 1843315 w 1843316"/>
+              <a:gd name="connsiteY2" fmla="*/ 1117600 h 3236686"/>
+              <a:gd name="connsiteX3" fmla="*/ 1843315 w 1843316"/>
+              <a:gd name="connsiteY3" fmla="*/ 3236686 h 3236686"/>
+              <a:gd name="connsiteX4" fmla="*/ 0 w 1843316"/>
+              <a:gd name="connsiteY4" fmla="*/ 3236686 h 3236686"/>
+              <a:gd name="connsiteX5" fmla="*/ 0 w 1843316"/>
+              <a:gd name="connsiteY5" fmla="*/ 1117600 h 3236686"/>
+            </a:gdLst>
+            <a:ahLst/>
+            <a:cxnLst>
+              <a:cxn ang="0">
+                <a:pos x="connsiteX0" y="connsiteY0"/>
+              </a:cxn>
+              <a:cxn ang="0">
+                <a:pos x="connsiteX1" y="connsiteY1"/>
+              </a:cxn>
+              <a:cxn ang="0">
+                <a:pos x="connsiteX2" y="connsiteY2"/>
+              </a:cxn>
+              <a:cxn ang="0">
+                <a:pos x="connsiteX3" y="connsiteY3"/>
+              </a:cxn>
+              <a:cxn ang="0">
+                <a:pos x="connsiteX4" y="connsiteY4"/>
+              </a:cxn>
+              <a:cxn ang="0">
+                <a:pos x="connsiteX5" y="connsiteY5"/>
+              </a:cxn>
+            </a:cxnLst>
+            <a:rect l="l" t="t" r="r" b="b"/>
+            <a:pathLst>
+              <a:path w="1843316" h="3236686">
+                <a:moveTo>
+                  <a:pt x="921658" y="0"/>
+                </a:moveTo>
+                <a:lnTo>
+                  <a:pt x="1843316" y="1117600"/>
+                </a:lnTo>
+                <a:lnTo>
+                  <a:pt x="1843315" y="1117600"/>
+                </a:lnTo>
+                <a:lnTo>
+                  <a:pt x="1843315" y="3236686"/>
+                </a:lnTo>
+                <a:lnTo>
+                  <a:pt x="0" y="3236686"/>
+                </a:lnTo>
+                <a:lnTo>
+                  <a:pt x="0" y="1117600"/>
+                </a:lnTo>
+                <a:close/>
+              </a:path>
+            </a:pathLst>
+          </a:custGeom>
+          <a:noFill/>
+          <a:ln>
+            <a:solidFill>
+              <a:schemeClr val="bg2">
+                <a:lumMod val="25000"/>
+              </a:schemeClr>
+            </a:solidFill>
+            <a:prstDash val="dash"/>
+          </a:ln>
+          <a:effectLst>
+            <a:outerShdw blurRad="50800" dist="38100" dir="2700000" algn="tl" rotWithShape="0">
+              <a:prstClr val="black">
+                <a:alpha val="40000"/>
+              </a:prstClr>
+            </a:outerShdw>
+          </a:effectLst>
+        </p:spPr>
+        <p:style>
+          <a:lnRef idx="2">
+            <a:schemeClr val="accent1">
+              <a:shade val="50000"/>
+            </a:schemeClr>
+          </a:lnRef>
+          <a:fillRef idx="1">
+            <a:schemeClr val="accent1"/>
+          </a:fillRef>
+          <a:effectRef idx="0">
+            <a:schemeClr val="accent1"/>
+          </a:effectRef>
+          <a:fontRef idx="minor">
+            <a:schemeClr val="lt1"/>
+          </a:fontRef>
+        </p:style>
+        <p:txBody>
+          <a:bodyPr rtlCol="0" anchor="ctr"/>
+          <a:lstStyle/>
+          <a:p>
+            <a:pPr algn="ctr"/>
+            <a:endParaRPr lang="zh-HK" altLang="en-US">
+              <a:solidFill>
+                <a:schemeClr val="bg2">
+                  <a:lumMod val="25000"/>
+                </a:schemeClr>
+              </a:solidFill>
+            </a:endParaRPr>
+          </a:p>
+        </p:txBody>
+      </p:sp>
+      <p:sp>
+        <p:nvSpPr>
+          <p:cNvPr id="88" name="文本框 87"/>
+          <p:cNvSpPr txBox="1"/>
+          <p:nvPr/>
+        </p:nvSpPr>
+        <p:spPr>
+          <a:xfrm>
+            <a:off x="6216688" y="3619919"/>
+            <a:ext cx="1770743" cy="369332"/>
+          </a:xfrm>
+          <a:prstGeom prst="rect">
+            <a:avLst/>
+          </a:prstGeom>
+          <a:noFill/>
+        </p:spPr>
+        <p:txBody>
+          <a:bodyPr wrap="square" rtlCol="0">
+            <a:spAutoFit/>
+          </a:bodyPr>
+          <a:lstStyle/>
+          <a:p>
+            <a:pPr algn="ctr"/>
+            <a:r>
+              <a:rPr lang="zh-CN" altLang="en-US" spc="300" dirty="0" smtClean="0">
+                <a:solidFill>
+                  <a:schemeClr val="bg2">
+                    <a:lumMod val="25000"/>
+                  </a:schemeClr>
+                </a:solidFill>
+                <a:latin typeface="华文细黑" panose="02010600040101010101" pitchFamily="2" charset="-122"/>
+                <a:ea typeface="华文细黑" panose="02010600040101010101" pitchFamily="2" charset="-122"/>
+              </a:rPr>
+              <a:t>入坑原因</a:t>
+            </a:r>
+            <a:endParaRPr lang="zh-HK" altLang="en-US" spc="300" dirty="0">
+              <a:solidFill>
+                <a:schemeClr val="bg2">
+                  <a:lumMod val="25000"/>
+                </a:schemeClr>
+              </a:solidFill>
+              <a:latin typeface="华文细黑" panose="02010600040101010101" pitchFamily="2" charset="-122"/>
+              <a:ea typeface="华文细黑" panose="02010600040101010101" pitchFamily="2" charset="-122"/>
+            </a:endParaRPr>
+          </a:p>
+        </p:txBody>
+      </p:sp>
+      <p:sp>
+        <p:nvSpPr>
+          <p:cNvPr id="91" name="任意多边形 90"/>
+          <p:cNvSpPr/>
+          <p:nvPr/>
+        </p:nvSpPr>
+        <p:spPr>
+          <a:xfrm>
+            <a:off x="8274921" y="2706626"/>
+            <a:ext cx="1802600" cy="4151374"/>
+          </a:xfrm>
+          <a:custGeom>
+            <a:avLst/>
+            <a:gdLst>
+              <a:gd name="connsiteX0" fmla="*/ 921658 w 1843316"/>
+              <a:gd name="connsiteY0" fmla="*/ 0 h 3236686"/>
+              <a:gd name="connsiteX1" fmla="*/ 1843316 w 1843316"/>
+              <a:gd name="connsiteY1" fmla="*/ 1117600 h 3236686"/>
+              <a:gd name="connsiteX2" fmla="*/ 1843315 w 1843316"/>
+              <a:gd name="connsiteY2" fmla="*/ 1117600 h 3236686"/>
+              <a:gd name="connsiteX3" fmla="*/ 1843315 w 1843316"/>
+              <a:gd name="connsiteY3" fmla="*/ 3236686 h 3236686"/>
+              <a:gd name="connsiteX4" fmla="*/ 0 w 1843316"/>
+              <a:gd name="connsiteY4" fmla="*/ 3236686 h 3236686"/>
+              <a:gd name="connsiteX5" fmla="*/ 0 w 1843316"/>
+              <a:gd name="connsiteY5" fmla="*/ 1117600 h 3236686"/>
+            </a:gdLst>
+            <a:ahLst/>
+            <a:cxnLst>
+              <a:cxn ang="0">
+                <a:pos x="connsiteX0" y="connsiteY0"/>
+              </a:cxn>
+              <a:cxn ang="0">
+                <a:pos x="connsiteX1" y="connsiteY1"/>
+              </a:cxn>
+              <a:cxn ang="0">
+                <a:pos x="connsiteX2" y="connsiteY2"/>
+              </a:cxn>
+              <a:cxn ang="0">
+                <a:pos x="connsiteX3" y="connsiteY3"/>
+              </a:cxn>
+              <a:cxn ang="0">
+                <a:pos x="connsiteX4" y="connsiteY4"/>
+              </a:cxn>
+              <a:cxn ang="0">
+                <a:pos x="connsiteX5" y="connsiteY5"/>
+              </a:cxn>
+            </a:cxnLst>
+            <a:rect l="l" t="t" r="r" b="b"/>
+            <a:pathLst>
+              <a:path w="1843316" h="3236686">
+                <a:moveTo>
+                  <a:pt x="921658" y="0"/>
+                </a:moveTo>
+                <a:lnTo>
+                  <a:pt x="1843316" y="1117600"/>
+                </a:lnTo>
+                <a:lnTo>
+                  <a:pt x="1843315" y="1117600"/>
+                </a:lnTo>
+                <a:lnTo>
+                  <a:pt x="1843315" y="3236686"/>
+                </a:lnTo>
+                <a:lnTo>
+                  <a:pt x="0" y="3236686"/>
+                </a:lnTo>
+                <a:lnTo>
+                  <a:pt x="0" y="1117600"/>
+                </a:lnTo>
+                <a:close/>
+              </a:path>
+            </a:pathLst>
+          </a:custGeom>
+          <a:noFill/>
+          <a:ln>
+            <a:solidFill>
+              <a:schemeClr val="bg2">
+                <a:lumMod val="25000"/>
+              </a:schemeClr>
+            </a:solidFill>
+            <a:prstDash val="dash"/>
+          </a:ln>
+          <a:effectLst>
+            <a:outerShdw blurRad="50800" dist="38100" dir="2700000" algn="tl" rotWithShape="0">
+              <a:prstClr val="black">
+                <a:alpha val="40000"/>
+              </a:prstClr>
+            </a:outerShdw>
+          </a:effectLst>
+        </p:spPr>
+        <p:style>
+          <a:lnRef idx="2">
+            <a:schemeClr val="accent1">
+              <a:shade val="50000"/>
+            </a:schemeClr>
+          </a:lnRef>
+          <a:fillRef idx="1">
+            <a:schemeClr val="accent1"/>
+          </a:fillRef>
+          <a:effectRef idx="0">
+            <a:schemeClr val="accent1"/>
+          </a:effectRef>
+          <a:fontRef idx="minor">
+            <a:schemeClr val="lt1"/>
+          </a:fontRef>
+        </p:style>
+        <p:txBody>
+          <a:bodyPr rtlCol="0" anchor="ctr"/>
+          <a:lstStyle/>
+          <a:p>
+            <a:pPr algn="ctr"/>
+            <a:endParaRPr lang="zh-HK" altLang="en-US">
+              <a:solidFill>
+                <a:schemeClr val="bg2">
+                  <a:lumMod val="25000"/>
+                </a:schemeClr>
+              </a:solidFill>
+            </a:endParaRPr>
+          </a:p>
+        </p:txBody>
+      </p:sp>
+      <p:sp>
+        <p:nvSpPr>
+          <p:cNvPr id="92" name="文本框 91"/>
+          <p:cNvSpPr txBox="1"/>
+          <p:nvPr/>
+        </p:nvSpPr>
+        <p:spPr>
+          <a:xfrm>
+            <a:off x="8370561" y="3600844"/>
+            <a:ext cx="1770743" cy="369332"/>
+          </a:xfrm>
+          <a:prstGeom prst="rect">
+            <a:avLst/>
+          </a:prstGeom>
+          <a:noFill/>
+        </p:spPr>
+        <p:txBody>
+          <a:bodyPr wrap="square" rtlCol="0">
+            <a:spAutoFit/>
+          </a:bodyPr>
+          <a:lstStyle/>
+          <a:p>
+            <a:pPr algn="ctr"/>
+            <a:r>
+              <a:rPr lang="zh-CN" altLang="en-US" spc="300" dirty="0" smtClean="0">
+                <a:solidFill>
+                  <a:schemeClr val="bg2">
+                    <a:lumMod val="25000"/>
+                  </a:schemeClr>
+                </a:solidFill>
+                <a:latin typeface="华文细黑" panose="02010600040101010101" pitchFamily="2" charset="-122"/>
+                <a:ea typeface="华文细黑" panose="02010600040101010101" pitchFamily="2" charset="-122"/>
+              </a:rPr>
+              <a:t>理想</a:t>
+            </a:r>
+            <a:endParaRPr lang="zh-HK" altLang="en-US" spc="300" dirty="0">
+              <a:solidFill>
+                <a:schemeClr val="bg2">
+                  <a:lumMod val="25000"/>
+                </a:schemeClr>
+              </a:solidFill>
+              <a:latin typeface="华文细黑" panose="02010600040101010101" pitchFamily="2" charset="-122"/>
+              <a:ea typeface="华文细黑" panose="02010600040101010101" pitchFamily="2" charset="-122"/>
+            </a:endParaRPr>
+          </a:p>
+        </p:txBody>
+      </p:sp>
+      <p:sp>
+        <p:nvSpPr>
+          <p:cNvPr id="96" name="文本框 95"/>
+          <p:cNvSpPr txBox="1"/>
+          <p:nvPr/>
+        </p:nvSpPr>
+        <p:spPr>
+          <a:xfrm>
+            <a:off x="1698415" y="298708"/>
+            <a:ext cx="1527932" cy="584775"/>
+          </a:xfrm>
+          <a:prstGeom prst="rect">
+            <a:avLst/>
+          </a:prstGeom>
+          <a:noFill/>
+        </p:spPr>
+        <p:txBody>
+          <a:bodyPr wrap="square" rtlCol="0">
+            <a:spAutoFit/>
+          </a:bodyPr>
+          <a:lstStyle/>
+          <a:p>
+            <a:r>
+              <a:rPr lang="zh-CN" altLang="en-US" sz="3200" b="1" dirty="0" smtClean="0">
+                <a:solidFill>
+                  <a:schemeClr val="bg2">
+                    <a:lumMod val="25000"/>
+                  </a:schemeClr>
+                </a:solidFill>
+                <a:latin typeface="华文细黑" panose="02010600040101010101" pitchFamily="2" charset="-122"/>
+                <a:ea typeface="华文细黑" panose="02010600040101010101" pitchFamily="2" charset="-122"/>
+              </a:rPr>
+              <a:t> </a:t>
+            </a:r>
+            <a:endParaRPr lang="zh-HK" altLang="en-US" sz="3200" b="1" dirty="0">
+              <a:solidFill>
+                <a:schemeClr val="bg2">
+                  <a:lumMod val="25000"/>
+                </a:schemeClr>
+              </a:solidFill>
+              <a:latin typeface="华文细黑" panose="02010600040101010101" pitchFamily="2" charset="-122"/>
+              <a:ea typeface="华文细黑" panose="02010600040101010101" pitchFamily="2" charset="-122"/>
+            </a:endParaRPr>
+          </a:p>
+        </p:txBody>
+      </p:sp>
+      <p:sp>
+        <p:nvSpPr>
+          <p:cNvPr id="28" name="椭圆 27"/>
+          <p:cNvSpPr/>
+          <p:nvPr/>
+        </p:nvSpPr>
+        <p:spPr>
+          <a:xfrm>
+            <a:off x="4746148" y="2028891"/>
+            <a:ext cx="629737" cy="627462"/>
+          </a:xfrm>
+          <a:prstGeom prst="ellipse">
+            <a:avLst/>
+          </a:prstGeom>
+          <a:solidFill>
+            <a:schemeClr val="bg2">
+              <a:lumMod val="25000"/>
+              <a:alpha val="61000"/>
+            </a:schemeClr>
+          </a:solidFill>
+          <a:ln>
+            <a:noFill/>
+          </a:ln>
+        </p:spPr>
+        <p:style>
+          <a:lnRef idx="2">
+            <a:schemeClr val="accent1">
+              <a:shade val="50000"/>
+            </a:schemeClr>
+          </a:lnRef>
+          <a:fillRef idx="1">
+            <a:schemeClr val="accent1"/>
+          </a:fillRef>
+          <a:effectRef idx="0">
+            <a:schemeClr val="accent1"/>
+          </a:effectRef>
+          <a:fontRef idx="minor">
+            <a:schemeClr val="lt1"/>
+          </a:fontRef>
+        </p:style>
+        <p:txBody>
+          <a:bodyPr rtlCol="0" anchor="ctr"/>
+          <a:lstStyle/>
+          <a:p>
+            <a:pPr algn="ctr"/>
+            <a:r>
+              <a:rPr lang="en-US" altLang="zh-CN" sz="4400" b="1" dirty="0">
+                <a:solidFill>
+                  <a:schemeClr val="bg2">
+                    <a:lumMod val="25000"/>
+                  </a:schemeClr>
+                </a:solidFill>
+                <a:effectLst>
+                  <a:outerShdw blurRad="38100" dist="38100" dir="2700000" algn="tl">
+                    <a:srgbClr val="000000">
+                      <a:alpha val="43137"/>
+                    </a:srgbClr>
+                  </a:outerShdw>
+                </a:effectLst>
+                <a:latin typeface="华文细黑" panose="02010600040101010101" pitchFamily="2" charset="-122"/>
+                <a:ea typeface="华文细黑" panose="02010600040101010101" pitchFamily="2" charset="-122"/>
+              </a:rPr>
+              <a:t>C</a:t>
+            </a:r>
+            <a:endParaRPr lang="zh-HK" altLang="en-US" sz="4400" b="1" dirty="0">
+              <a:solidFill>
+                <a:schemeClr val="bg2">
+                  <a:lumMod val="25000"/>
+                </a:schemeClr>
+              </a:solidFill>
+              <a:effectLst>
+                <a:outerShdw blurRad="38100" dist="38100" dir="2700000" algn="tl">
+                  <a:srgbClr val="000000">
+                    <a:alpha val="43137"/>
+                  </a:srgbClr>
+                </a:outerShdw>
+              </a:effectLst>
+              <a:latin typeface="华文细黑" panose="02010600040101010101" pitchFamily="2" charset="-122"/>
+              <a:ea typeface="华文细黑" panose="02010600040101010101" pitchFamily="2" charset="-122"/>
+            </a:endParaRPr>
+          </a:p>
+        </p:txBody>
+      </p:sp>
+      <p:sp>
+        <p:nvSpPr>
+          <p:cNvPr id="2" name="文本框 1"/>
+          <p:cNvSpPr txBox="1"/>
+          <p:nvPr/>
+        </p:nvSpPr>
+        <p:spPr>
+          <a:xfrm>
+            <a:off x="1877583" y="1027954"/>
+            <a:ext cx="1618196" cy="523220"/>
+          </a:xfrm>
+          <a:prstGeom prst="rect">
+            <a:avLst/>
+          </a:prstGeom>
+          <a:noFill/>
+        </p:spPr>
+        <p:txBody>
+          <a:bodyPr wrap="square" rtlCol="0">
+            <a:spAutoFit/>
+          </a:bodyPr>
+          <a:lstStyle/>
+          <a:p>
+            <a:r>
+              <a:rPr kumimoji="1" lang="zh-CN" altLang="en-US" sz="2800" b="1" dirty="0" smtClean="0"/>
+              <a:t>中立</a:t>
+            </a:r>
+            <a:endParaRPr kumimoji="1" lang="zh-CN" altLang="en-US" sz="2800" b="1" dirty="0"/>
+          </a:p>
+        </p:txBody>
+      </p:sp>
+      <p:sp>
+        <p:nvSpPr>
+          <p:cNvPr id="37" name="任意多边形 90"/>
+          <p:cNvSpPr/>
+          <p:nvPr/>
+        </p:nvSpPr>
+        <p:spPr>
+          <a:xfrm>
+            <a:off x="10271265" y="2706626"/>
+            <a:ext cx="1710488" cy="4151373"/>
+          </a:xfrm>
+          <a:custGeom>
+            <a:avLst/>
+            <a:gdLst>
+              <a:gd name="connsiteX0" fmla="*/ 921658 w 1843316"/>
+              <a:gd name="connsiteY0" fmla="*/ 0 h 3236686"/>
+              <a:gd name="connsiteX1" fmla="*/ 1843316 w 1843316"/>
+              <a:gd name="connsiteY1" fmla="*/ 1117600 h 3236686"/>
+              <a:gd name="connsiteX2" fmla="*/ 1843315 w 1843316"/>
+              <a:gd name="connsiteY2" fmla="*/ 1117600 h 3236686"/>
+              <a:gd name="connsiteX3" fmla="*/ 1843315 w 1843316"/>
+              <a:gd name="connsiteY3" fmla="*/ 3236686 h 3236686"/>
+              <a:gd name="connsiteX4" fmla="*/ 0 w 1843316"/>
+              <a:gd name="connsiteY4" fmla="*/ 3236686 h 3236686"/>
+              <a:gd name="connsiteX5" fmla="*/ 0 w 1843316"/>
+              <a:gd name="connsiteY5" fmla="*/ 1117600 h 3236686"/>
+            </a:gdLst>
+            <a:ahLst/>
+            <a:cxnLst>
+              <a:cxn ang="0">
+                <a:pos x="connsiteX0" y="connsiteY0"/>
+              </a:cxn>
+              <a:cxn ang="0">
+                <a:pos x="connsiteX1" y="connsiteY1"/>
+              </a:cxn>
+              <a:cxn ang="0">
+                <a:pos x="connsiteX2" y="connsiteY2"/>
+              </a:cxn>
+              <a:cxn ang="0">
+                <a:pos x="connsiteX3" y="connsiteY3"/>
+              </a:cxn>
+              <a:cxn ang="0">
+                <a:pos x="connsiteX4" y="connsiteY4"/>
+              </a:cxn>
+              <a:cxn ang="0">
+                <a:pos x="connsiteX5" y="connsiteY5"/>
+              </a:cxn>
+            </a:cxnLst>
+            <a:rect l="l" t="t" r="r" b="b"/>
+            <a:pathLst>
+              <a:path w="1843316" h="3236686">
+                <a:moveTo>
+                  <a:pt x="921658" y="0"/>
+                </a:moveTo>
+                <a:lnTo>
+                  <a:pt x="1843316" y="1117600"/>
+                </a:lnTo>
+                <a:lnTo>
+                  <a:pt x="1843315" y="1117600"/>
+                </a:lnTo>
+                <a:lnTo>
+                  <a:pt x="1843315" y="3236686"/>
+                </a:lnTo>
+                <a:lnTo>
+                  <a:pt x="0" y="3236686"/>
+                </a:lnTo>
+                <a:lnTo>
+                  <a:pt x="0" y="1117600"/>
+                </a:lnTo>
+                <a:close/>
+              </a:path>
+            </a:pathLst>
+          </a:custGeom>
+          <a:noFill/>
+          <a:ln>
+            <a:solidFill>
+              <a:schemeClr val="bg2">
+                <a:lumMod val="25000"/>
+              </a:schemeClr>
+            </a:solidFill>
+            <a:prstDash val="dash"/>
+          </a:ln>
+          <a:effectLst>
+            <a:outerShdw blurRad="50800" dist="38100" dir="2700000" algn="tl" rotWithShape="0">
+              <a:prstClr val="black">
+                <a:alpha val="40000"/>
+              </a:prstClr>
+            </a:outerShdw>
+          </a:effectLst>
+        </p:spPr>
+        <p:style>
+          <a:lnRef idx="2">
+            <a:schemeClr val="accent1">
+              <a:shade val="50000"/>
+            </a:schemeClr>
+          </a:lnRef>
+          <a:fillRef idx="1">
+            <a:schemeClr val="accent1"/>
+          </a:fillRef>
+          <a:effectRef idx="0">
+            <a:schemeClr val="accent1"/>
+          </a:effectRef>
+          <a:fontRef idx="minor">
+            <a:schemeClr val="lt1"/>
+          </a:fontRef>
+        </p:style>
+        <p:txBody>
+          <a:bodyPr rtlCol="0" anchor="ctr"/>
+          <a:lstStyle/>
+          <a:p>
+            <a:pPr algn="ctr"/>
+            <a:endParaRPr lang="zh-HK" altLang="en-US">
+              <a:solidFill>
+                <a:schemeClr val="bg2">
+                  <a:lumMod val="25000"/>
+                </a:schemeClr>
+              </a:solidFill>
+            </a:endParaRPr>
+          </a:p>
+        </p:txBody>
+      </p:sp>
+      <p:sp>
+        <p:nvSpPr>
+          <p:cNvPr id="38" name="文本框 37"/>
+          <p:cNvSpPr txBox="1"/>
+          <p:nvPr/>
+        </p:nvSpPr>
+        <p:spPr>
+          <a:xfrm>
+            <a:off x="10241137" y="3614659"/>
+            <a:ext cx="1770743" cy="369332"/>
+          </a:xfrm>
+          <a:prstGeom prst="rect">
+            <a:avLst/>
+          </a:prstGeom>
+          <a:noFill/>
+        </p:spPr>
+        <p:txBody>
+          <a:bodyPr wrap="square" rtlCol="0">
+            <a:spAutoFit/>
+          </a:bodyPr>
+          <a:lstStyle/>
+          <a:p>
+            <a:pPr algn="ctr"/>
+            <a:r>
+              <a:rPr lang="zh-CN" altLang="en-US" dirty="0"/>
+              <a:t>背景故事</a:t>
+            </a:r>
+            <a:endParaRPr lang="zh-HK" altLang="en-US" b="1" spc="300" dirty="0">
+              <a:solidFill>
+                <a:schemeClr val="bg2">
+                  <a:lumMod val="25000"/>
+                </a:schemeClr>
+              </a:solidFill>
+              <a:latin typeface="华文细黑" panose="02010600040101010101" pitchFamily="2" charset="-122"/>
+              <a:ea typeface="华文细黑" panose="02010600040101010101" pitchFamily="2" charset="-122"/>
+            </a:endParaRPr>
+          </a:p>
+        </p:txBody>
+      </p:sp>
+      <p:sp>
+        <p:nvSpPr>
+          <p:cNvPr id="34" name="矩形 33"/>
+          <p:cNvSpPr/>
+          <p:nvPr/>
+        </p:nvSpPr>
+        <p:spPr>
+          <a:xfrm>
+            <a:off x="4295840" y="4146265"/>
+            <a:ext cx="1530351" cy="738664"/>
+          </a:xfrm>
+          <a:prstGeom prst="rect">
+            <a:avLst/>
+          </a:prstGeom>
+        </p:spPr>
+        <p:txBody>
+          <a:bodyPr wrap="square">
+            <a:spAutoFit/>
+          </a:bodyPr>
+          <a:lstStyle/>
+          <a:p>
+            <a:pPr algn="ctr"/>
+            <a:r>
+              <a:rPr lang="zh-CN" altLang="en-US" sz="1400" dirty="0" smtClean="0">
+                <a:solidFill>
+                  <a:schemeClr val="bg2">
+                    <a:lumMod val="25000"/>
+                  </a:schemeClr>
+                </a:solidFill>
+              </a:rPr>
+              <a:t>清洁工</a:t>
+            </a:r>
+            <a:endParaRPr lang="en-US" altLang="zh-CN" sz="1400" dirty="0" smtClean="0">
+              <a:solidFill>
+                <a:schemeClr val="bg2">
+                  <a:lumMod val="25000"/>
+                </a:schemeClr>
+              </a:solidFill>
+            </a:endParaRPr>
+          </a:p>
+          <a:p>
+            <a:r>
+              <a:rPr lang="zh-CN" altLang="en-US" sz="1400" dirty="0" smtClean="0">
+                <a:solidFill>
+                  <a:schemeClr val="bg2">
+                    <a:lumMod val="25000"/>
+                  </a:schemeClr>
+                </a:solidFill>
+              </a:rPr>
+              <a:t>可以无限制出入很多场景</a:t>
+            </a:r>
+            <a:endParaRPr lang="en-US" altLang="zh-HK" sz="1400" dirty="0">
+              <a:solidFill>
+                <a:schemeClr val="bg2">
+                  <a:lumMod val="25000"/>
+                </a:schemeClr>
+              </a:solidFill>
+            </a:endParaRPr>
+          </a:p>
+        </p:txBody>
+      </p:sp>
+      <p:sp>
+        <p:nvSpPr>
+          <p:cNvPr id="35" name="矩形 34"/>
+          <p:cNvSpPr/>
+          <p:nvPr/>
+        </p:nvSpPr>
+        <p:spPr>
+          <a:xfrm>
+            <a:off x="6336883" y="4160575"/>
+            <a:ext cx="1530351" cy="523220"/>
+          </a:xfrm>
+          <a:prstGeom prst="rect">
+            <a:avLst/>
+          </a:prstGeom>
+        </p:spPr>
+        <p:txBody>
+          <a:bodyPr wrap="square">
+            <a:spAutoFit/>
+          </a:bodyPr>
+          <a:lstStyle/>
+          <a:p>
+            <a:pPr algn="ctr"/>
+            <a:r>
+              <a:rPr lang="zh-CN" altLang="en-US" sz="1400" dirty="0" smtClean="0">
+                <a:solidFill>
+                  <a:schemeClr val="bg2">
+                    <a:lumMod val="25000"/>
+                  </a:schemeClr>
+                </a:solidFill>
+              </a:rPr>
+              <a:t>找到一份清洁工的工作很开心</a:t>
+            </a:r>
+            <a:endParaRPr lang="zh-HK" altLang="en-US" sz="1400" dirty="0">
+              <a:solidFill>
+                <a:schemeClr val="bg2">
+                  <a:lumMod val="25000"/>
+                </a:schemeClr>
+              </a:solidFill>
+            </a:endParaRPr>
+          </a:p>
+        </p:txBody>
+      </p:sp>
+      <p:sp>
+        <p:nvSpPr>
+          <p:cNvPr id="41" name="椭圆 40"/>
+          <p:cNvSpPr/>
+          <p:nvPr/>
+        </p:nvSpPr>
+        <p:spPr>
+          <a:xfrm>
+            <a:off x="862179" y="2060570"/>
+            <a:ext cx="629737" cy="627462"/>
+          </a:xfrm>
+          <a:prstGeom prst="ellipse">
+            <a:avLst/>
+          </a:prstGeom>
+          <a:solidFill>
+            <a:schemeClr val="bg2">
+              <a:lumMod val="25000"/>
+              <a:alpha val="61000"/>
+            </a:schemeClr>
+          </a:solidFill>
+          <a:ln>
+            <a:noFill/>
+          </a:ln>
+        </p:spPr>
+        <p:style>
+          <a:lnRef idx="2">
+            <a:schemeClr val="accent1">
+              <a:shade val="50000"/>
+            </a:schemeClr>
+          </a:lnRef>
+          <a:fillRef idx="1">
+            <a:schemeClr val="accent1"/>
+          </a:fillRef>
+          <a:effectRef idx="0">
+            <a:schemeClr val="accent1"/>
+          </a:effectRef>
+          <a:fontRef idx="minor">
+            <a:schemeClr val="lt1"/>
+          </a:fontRef>
+        </p:style>
+        <p:txBody>
+          <a:bodyPr rtlCol="0" anchor="ctr"/>
+          <a:lstStyle/>
+          <a:p>
+            <a:pPr algn="ctr"/>
+            <a:r>
+              <a:rPr lang="en-US" altLang="zh-HK" sz="4400" b="1" dirty="0">
+                <a:solidFill>
+                  <a:schemeClr val="bg2">
+                    <a:lumMod val="25000"/>
+                  </a:schemeClr>
+                </a:solidFill>
+                <a:effectLst>
+                  <a:outerShdw blurRad="38100" dist="38100" dir="2700000" algn="tl">
+                    <a:srgbClr val="000000">
+                      <a:alpha val="43137"/>
+                    </a:srgbClr>
+                  </a:outerShdw>
+                </a:effectLst>
+                <a:latin typeface="华文细黑" panose="02010600040101010101" pitchFamily="2" charset="-122"/>
+                <a:ea typeface="华文细黑" panose="02010600040101010101" pitchFamily="2" charset="-122"/>
+              </a:rPr>
+              <a:t>E</a:t>
+            </a:r>
+            <a:endParaRPr lang="zh-HK" altLang="en-US" sz="4400" b="1" dirty="0">
+              <a:solidFill>
+                <a:schemeClr val="bg2">
+                  <a:lumMod val="25000"/>
+                </a:schemeClr>
+              </a:solidFill>
+              <a:effectLst>
+                <a:outerShdw blurRad="38100" dist="38100" dir="2700000" algn="tl">
+                  <a:srgbClr val="000000">
+                    <a:alpha val="43137"/>
+                  </a:srgbClr>
+                </a:outerShdw>
+              </a:effectLst>
+              <a:latin typeface="华文细黑" panose="02010600040101010101" pitchFamily="2" charset="-122"/>
+              <a:ea typeface="华文细黑" panose="02010600040101010101" pitchFamily="2" charset="-122"/>
+            </a:endParaRPr>
+          </a:p>
+        </p:txBody>
+      </p:sp>
+      <p:sp>
+        <p:nvSpPr>
+          <p:cNvPr id="42" name="椭圆 41"/>
+          <p:cNvSpPr/>
+          <p:nvPr/>
+        </p:nvSpPr>
+        <p:spPr>
+          <a:xfrm>
+            <a:off x="8881259" y="2028891"/>
+            <a:ext cx="629737" cy="627462"/>
+          </a:xfrm>
+          <a:prstGeom prst="ellipse">
+            <a:avLst/>
+          </a:prstGeom>
+          <a:solidFill>
+            <a:schemeClr val="bg2">
+              <a:lumMod val="25000"/>
+              <a:alpha val="61000"/>
+            </a:schemeClr>
+          </a:solidFill>
+          <a:ln>
+            <a:noFill/>
+          </a:ln>
+        </p:spPr>
+        <p:style>
+          <a:lnRef idx="2">
+            <a:schemeClr val="accent1">
+              <a:shade val="50000"/>
+            </a:schemeClr>
+          </a:lnRef>
+          <a:fillRef idx="1">
+            <a:schemeClr val="accent1"/>
+          </a:fillRef>
+          <a:effectRef idx="0">
+            <a:schemeClr val="accent1"/>
+          </a:effectRef>
+          <a:fontRef idx="minor">
+            <a:schemeClr val="lt1"/>
+          </a:fontRef>
+        </p:style>
+        <p:txBody>
+          <a:bodyPr rtlCol="0" anchor="ctr"/>
+          <a:lstStyle/>
+          <a:p>
+            <a:pPr algn="ctr"/>
+            <a:r>
+              <a:rPr lang="en-US" altLang="zh-CN" sz="4400" b="1" dirty="0">
+                <a:solidFill>
+                  <a:schemeClr val="bg2">
+                    <a:lumMod val="25000"/>
+                  </a:schemeClr>
+                </a:solidFill>
+                <a:effectLst>
+                  <a:outerShdw blurRad="38100" dist="38100" dir="2700000" algn="tl">
+                    <a:srgbClr val="000000">
+                      <a:alpha val="43137"/>
+                    </a:srgbClr>
+                  </a:outerShdw>
+                </a:effectLst>
+                <a:latin typeface="华文细黑" panose="02010600040101010101" pitchFamily="2" charset="-122"/>
+                <a:ea typeface="华文细黑" panose="02010600040101010101" pitchFamily="2" charset="-122"/>
+              </a:rPr>
+              <a:t>P</a:t>
+            </a:r>
+            <a:endParaRPr lang="zh-HK" altLang="en-US" sz="4400" b="1" dirty="0">
+              <a:solidFill>
+                <a:schemeClr val="bg2">
+                  <a:lumMod val="25000"/>
+                </a:schemeClr>
+              </a:solidFill>
+              <a:effectLst>
+                <a:outerShdw blurRad="38100" dist="38100" dir="2700000" algn="tl">
+                  <a:srgbClr val="000000">
+                    <a:alpha val="43137"/>
+                  </a:srgbClr>
+                </a:outerShdw>
+              </a:effectLst>
+              <a:latin typeface="华文细黑" panose="02010600040101010101" pitchFamily="2" charset="-122"/>
+              <a:ea typeface="华文细黑" panose="02010600040101010101" pitchFamily="2" charset="-122"/>
+            </a:endParaRPr>
+          </a:p>
+        </p:txBody>
+      </p:sp>
+      <p:sp>
+        <p:nvSpPr>
+          <p:cNvPr id="43" name="椭圆 42"/>
+          <p:cNvSpPr/>
+          <p:nvPr/>
+        </p:nvSpPr>
+        <p:spPr>
+          <a:xfrm>
+            <a:off x="2775778" y="2060570"/>
+            <a:ext cx="629737" cy="627462"/>
+          </a:xfrm>
+          <a:prstGeom prst="ellipse">
+            <a:avLst/>
+          </a:prstGeom>
+          <a:solidFill>
+            <a:schemeClr val="bg2">
+              <a:lumMod val="25000"/>
+              <a:alpha val="61000"/>
+            </a:schemeClr>
+          </a:solidFill>
+          <a:ln>
+            <a:noFill/>
+          </a:ln>
+        </p:spPr>
+        <p:style>
+          <a:lnRef idx="2">
+            <a:schemeClr val="accent1">
+              <a:shade val="50000"/>
+            </a:schemeClr>
+          </a:lnRef>
+          <a:fillRef idx="1">
+            <a:schemeClr val="accent1"/>
+          </a:fillRef>
+          <a:effectRef idx="0">
+            <a:schemeClr val="accent1"/>
+          </a:effectRef>
+          <a:fontRef idx="minor">
+            <a:schemeClr val="lt1"/>
+          </a:fontRef>
+        </p:style>
+        <p:txBody>
+          <a:bodyPr rtlCol="0" anchor="ctr"/>
+          <a:lstStyle/>
+          <a:p>
+            <a:pPr algn="ctr"/>
+            <a:r>
+              <a:rPr lang="en-US" altLang="zh-CN" sz="4400" b="1" dirty="0">
+                <a:solidFill>
+                  <a:schemeClr val="bg2">
+                    <a:lumMod val="25000"/>
+                  </a:schemeClr>
+                </a:solidFill>
+                <a:effectLst>
+                  <a:outerShdw blurRad="38100" dist="38100" dir="2700000" algn="tl">
+                    <a:srgbClr val="000000">
+                      <a:alpha val="43137"/>
+                    </a:srgbClr>
+                  </a:outerShdw>
+                </a:effectLst>
+                <a:latin typeface="华文细黑" panose="02010600040101010101" pitchFamily="2" charset="-122"/>
+                <a:ea typeface="华文细黑" panose="02010600040101010101" pitchFamily="2" charset="-122"/>
+              </a:rPr>
+              <a:t>S</a:t>
+            </a:r>
+            <a:endParaRPr lang="zh-HK" altLang="en-US" sz="4400" b="1" dirty="0">
+              <a:solidFill>
+                <a:schemeClr val="bg2">
+                  <a:lumMod val="25000"/>
+                </a:schemeClr>
+              </a:solidFill>
+              <a:effectLst>
+                <a:outerShdw blurRad="38100" dist="38100" dir="2700000" algn="tl">
+                  <a:srgbClr val="000000">
+                    <a:alpha val="43137"/>
+                  </a:srgbClr>
+                </a:outerShdw>
+              </a:effectLst>
+              <a:latin typeface="华文细黑" panose="02010600040101010101" pitchFamily="2" charset="-122"/>
+              <a:ea typeface="华文细黑" panose="02010600040101010101" pitchFamily="2" charset="-122"/>
+            </a:endParaRPr>
+          </a:p>
+        </p:txBody>
+      </p:sp>
+      <p:sp>
+        <p:nvSpPr>
+          <p:cNvPr id="44" name="椭圆 43"/>
+          <p:cNvSpPr/>
+          <p:nvPr/>
+        </p:nvSpPr>
+        <p:spPr>
+          <a:xfrm>
+            <a:off x="6789717" y="2028891"/>
+            <a:ext cx="629737" cy="627462"/>
+          </a:xfrm>
+          <a:prstGeom prst="ellipse">
+            <a:avLst/>
+          </a:prstGeom>
+          <a:solidFill>
+            <a:schemeClr val="bg2">
+              <a:lumMod val="25000"/>
+              <a:alpha val="61000"/>
+            </a:schemeClr>
+          </a:solidFill>
+          <a:ln>
+            <a:noFill/>
+          </a:ln>
+        </p:spPr>
+        <p:style>
+          <a:lnRef idx="2">
+            <a:schemeClr val="accent1">
+              <a:shade val="50000"/>
+            </a:schemeClr>
+          </a:lnRef>
+          <a:fillRef idx="1">
+            <a:schemeClr val="accent1"/>
+          </a:fillRef>
+          <a:effectRef idx="0">
+            <a:schemeClr val="accent1"/>
+          </a:effectRef>
+          <a:fontRef idx="minor">
+            <a:schemeClr val="lt1"/>
+          </a:fontRef>
+        </p:style>
+        <p:txBody>
+          <a:bodyPr rtlCol="0" anchor="ctr"/>
+          <a:lstStyle/>
+          <a:p>
+            <a:pPr algn="ctr"/>
+            <a:r>
+              <a:rPr lang="en-US" altLang="zh-CN" sz="4400" b="1" dirty="0">
+                <a:solidFill>
+                  <a:schemeClr val="bg2">
+                    <a:lumMod val="25000"/>
+                  </a:schemeClr>
+                </a:solidFill>
+                <a:effectLst>
+                  <a:outerShdw blurRad="38100" dist="38100" dir="2700000" algn="tl">
+                    <a:srgbClr val="000000">
+                      <a:alpha val="43137"/>
+                    </a:srgbClr>
+                  </a:outerShdw>
+                </a:effectLst>
+                <a:latin typeface="华文细黑" panose="02010600040101010101" pitchFamily="2" charset="-122"/>
+                <a:ea typeface="华文细黑" panose="02010600040101010101" pitchFamily="2" charset="-122"/>
+              </a:rPr>
+              <a:t>A</a:t>
+            </a:r>
+            <a:endParaRPr lang="zh-HK" altLang="en-US" sz="4400" b="1" dirty="0">
+              <a:solidFill>
+                <a:schemeClr val="bg2">
+                  <a:lumMod val="25000"/>
+                </a:schemeClr>
+              </a:solidFill>
+              <a:effectLst>
+                <a:outerShdw blurRad="38100" dist="38100" dir="2700000" algn="tl">
+                  <a:srgbClr val="000000">
+                    <a:alpha val="43137"/>
+                  </a:srgbClr>
+                </a:outerShdw>
+              </a:effectLst>
+              <a:latin typeface="华文细黑" panose="02010600040101010101" pitchFamily="2" charset="-122"/>
+              <a:ea typeface="华文细黑" panose="02010600040101010101" pitchFamily="2" charset="-122"/>
+            </a:endParaRPr>
+          </a:p>
+        </p:txBody>
+      </p:sp>
+      <p:sp>
+        <p:nvSpPr>
+          <p:cNvPr id="45" name="椭圆 44"/>
+          <p:cNvSpPr/>
+          <p:nvPr/>
+        </p:nvSpPr>
+        <p:spPr>
+          <a:xfrm>
+            <a:off x="10811639" y="2079164"/>
+            <a:ext cx="629737" cy="627462"/>
+          </a:xfrm>
+          <a:prstGeom prst="ellipse">
+            <a:avLst/>
+          </a:prstGeom>
+          <a:solidFill>
+            <a:schemeClr val="bg2">
+              <a:lumMod val="25000"/>
+              <a:alpha val="61000"/>
+            </a:schemeClr>
+          </a:solidFill>
+          <a:ln>
+            <a:noFill/>
+          </a:ln>
+        </p:spPr>
+        <p:style>
+          <a:lnRef idx="2">
+            <a:schemeClr val="accent1">
+              <a:shade val="50000"/>
+            </a:schemeClr>
+          </a:lnRef>
+          <a:fillRef idx="1">
+            <a:schemeClr val="accent1"/>
+          </a:fillRef>
+          <a:effectRef idx="0">
+            <a:schemeClr val="accent1"/>
+          </a:effectRef>
+          <a:fontRef idx="minor">
+            <a:schemeClr val="lt1"/>
+          </a:fontRef>
+        </p:style>
+        <p:txBody>
+          <a:bodyPr rtlCol="0" anchor="ctr"/>
+          <a:lstStyle/>
+          <a:p>
+            <a:pPr algn="ctr"/>
+            <a:r>
+              <a:rPr lang="en-US" altLang="zh-HK" sz="4400" b="1" dirty="0">
+                <a:solidFill>
+                  <a:schemeClr val="bg2">
+                    <a:lumMod val="25000"/>
+                  </a:schemeClr>
+                </a:solidFill>
+                <a:effectLst>
+                  <a:outerShdw blurRad="38100" dist="38100" dir="2700000" algn="tl">
+                    <a:srgbClr val="000000">
+                      <a:alpha val="43137"/>
+                    </a:srgbClr>
+                  </a:outerShdw>
+                </a:effectLst>
+                <a:latin typeface="华文细黑" panose="02010600040101010101" pitchFamily="2" charset="-122"/>
+                <a:ea typeface="华文细黑" panose="02010600040101010101" pitchFamily="2" charset="-122"/>
+              </a:rPr>
+              <a:t>E</a:t>
+            </a:r>
+            <a:endParaRPr lang="zh-HK" altLang="en-US" sz="4400" b="1" dirty="0">
+              <a:solidFill>
+                <a:schemeClr val="bg2">
+                  <a:lumMod val="25000"/>
+                </a:schemeClr>
+              </a:solidFill>
+              <a:effectLst>
+                <a:outerShdw blurRad="38100" dist="38100" dir="2700000" algn="tl">
+                  <a:srgbClr val="000000">
+                    <a:alpha val="43137"/>
+                  </a:srgbClr>
+                </a:outerShdw>
+              </a:effectLst>
+              <a:latin typeface="华文细黑" panose="02010600040101010101" pitchFamily="2" charset="-122"/>
+              <a:ea typeface="华文细黑" panose="02010600040101010101" pitchFamily="2" charset="-122"/>
+            </a:endParaRPr>
+          </a:p>
+        </p:txBody>
+      </p:sp>
+      <p:sp>
+        <p:nvSpPr>
+          <p:cNvPr id="39" name="矩形 38"/>
+          <p:cNvSpPr/>
+          <p:nvPr/>
+        </p:nvSpPr>
+        <p:spPr>
+          <a:xfrm>
+            <a:off x="10339243" y="4129797"/>
+            <a:ext cx="1530351" cy="784830"/>
+          </a:xfrm>
+          <a:prstGeom prst="rect">
+            <a:avLst/>
+          </a:prstGeom>
+        </p:spPr>
+        <p:txBody>
+          <a:bodyPr wrap="square">
+            <a:spAutoFit/>
+          </a:bodyPr>
+          <a:lstStyle/>
+          <a:p>
+            <a:pPr algn="just">
+              <a:lnSpc>
+                <a:spcPts val="1780"/>
+              </a:lnSpc>
+            </a:pPr>
+            <a:r>
+              <a:rPr lang="zh-CN" altLang="en-US" sz="1400" dirty="0" smtClean="0"/>
+              <a:t>中年丧偶，日子过的很辛苦，还要供养儿子读书</a:t>
+            </a:r>
+            <a:endParaRPr lang="zh-HK" altLang="en-US" sz="1400" dirty="0"/>
+          </a:p>
+        </p:txBody>
+      </p:sp>
+      <p:sp>
+        <p:nvSpPr>
+          <p:cNvPr id="33" name="文本框 32"/>
+          <p:cNvSpPr txBox="1"/>
+          <p:nvPr/>
+        </p:nvSpPr>
+        <p:spPr>
+          <a:xfrm>
+            <a:off x="1877583" y="360756"/>
+            <a:ext cx="1527932" cy="584775"/>
+          </a:xfrm>
+          <a:prstGeom prst="rect">
+            <a:avLst/>
+          </a:prstGeom>
+          <a:noFill/>
+        </p:spPr>
+        <p:txBody>
+          <a:bodyPr wrap="square" rtlCol="0">
+            <a:spAutoFit/>
+          </a:bodyPr>
+          <a:lstStyle/>
+          <a:p>
+            <a:r>
+              <a:rPr lang="zh-CN" altLang="en-US" sz="3200" b="1" dirty="0" smtClean="0">
+                <a:solidFill>
+                  <a:schemeClr val="bg2">
+                    <a:lumMod val="25000"/>
+                  </a:schemeClr>
+                </a:solidFill>
+                <a:latin typeface="华文细黑" panose="02010600040101010101" pitchFamily="2" charset="-122"/>
+                <a:ea typeface="华文细黑" panose="02010600040101010101" pitchFamily="2" charset="-122"/>
+              </a:rPr>
+              <a:t>王燕</a:t>
+            </a:r>
+            <a:endParaRPr lang="zh-HK" altLang="en-US" sz="3200" b="1" dirty="0">
+              <a:solidFill>
+                <a:schemeClr val="bg2">
+                  <a:lumMod val="25000"/>
+                </a:schemeClr>
+              </a:solidFill>
+              <a:latin typeface="华文细黑" panose="02010600040101010101" pitchFamily="2" charset="-122"/>
+              <a:ea typeface="华文细黑" panose="02010600040101010101" pitchFamily="2" charset="-122"/>
+            </a:endParaRPr>
+          </a:p>
+        </p:txBody>
+      </p:sp>
+      <p:sp>
+        <p:nvSpPr>
+          <p:cNvPr id="3" name="TextBox 2"/>
+          <p:cNvSpPr txBox="1"/>
+          <p:nvPr/>
+        </p:nvSpPr>
+        <p:spPr>
+          <a:xfrm>
+            <a:off x="8658403" y="4160575"/>
+            <a:ext cx="1195057" cy="523220"/>
+          </a:xfrm>
+          <a:prstGeom prst="rect">
+            <a:avLst/>
+          </a:prstGeom>
+          <a:noFill/>
+        </p:spPr>
+        <p:txBody>
+          <a:bodyPr wrap="square" rtlCol="0">
+            <a:spAutoFit/>
+          </a:bodyPr>
+          <a:lstStyle/>
+          <a:p>
+            <a:r>
+              <a:rPr lang="zh-CN" altLang="en-US" sz="1400" dirty="0"/>
+              <a:t>早</a:t>
+            </a:r>
+            <a:r>
+              <a:rPr lang="zh-CN" altLang="en-US" sz="1400" dirty="0" smtClean="0"/>
+              <a:t>日有个儿媳妇</a:t>
+            </a:r>
+            <a:endParaRPr lang="zh-CN" altLang="en-US" sz="1400" dirty="0"/>
+          </a:p>
+        </p:txBody>
+      </p:sp>
+      <p:sp>
+        <p:nvSpPr>
+          <p:cNvPr id="4" name="TextBox 3"/>
+          <p:cNvSpPr txBox="1"/>
+          <p:nvPr/>
+        </p:nvSpPr>
+        <p:spPr>
+          <a:xfrm>
+            <a:off x="10339243" y="5060433"/>
+            <a:ext cx="1530351" cy="954107"/>
+          </a:xfrm>
+          <a:prstGeom prst="rect">
+            <a:avLst/>
+          </a:prstGeom>
+          <a:noFill/>
+        </p:spPr>
+        <p:txBody>
+          <a:bodyPr wrap="square" rtlCol="0">
+            <a:spAutoFit/>
+          </a:bodyPr>
+          <a:lstStyle/>
+          <a:p>
+            <a:r>
+              <a:rPr lang="zh-CN" altLang="en-US" sz="1400" dirty="0" smtClean="0"/>
+              <a:t>由于可以出入很多场景，知道 很多不为人知的事情。</a:t>
+            </a:r>
+            <a:endParaRPr lang="zh-CN" altLang="en-US" sz="1400" dirty="0"/>
+          </a:p>
+        </p:txBody>
+      </p:sp>
+      <p:sp>
+        <p:nvSpPr>
+          <p:cNvPr id="5" name="TextBox 4"/>
+          <p:cNvSpPr txBox="1"/>
+          <p:nvPr/>
+        </p:nvSpPr>
+        <p:spPr>
+          <a:xfrm>
+            <a:off x="3226347" y="1162174"/>
+            <a:ext cx="1828800" cy="369332"/>
+          </a:xfrm>
+          <a:prstGeom prst="rect">
+            <a:avLst/>
+          </a:prstGeom>
+          <a:noFill/>
+        </p:spPr>
+        <p:txBody>
+          <a:bodyPr wrap="square" rtlCol="0">
+            <a:spAutoFit/>
+          </a:bodyPr>
+          <a:lstStyle/>
+          <a:p>
+            <a:r>
+              <a:rPr lang="zh-CN" altLang="en-US" dirty="0" smtClean="0"/>
+              <a:t>无毅力值？</a:t>
+            </a:r>
+            <a:endParaRPr lang="zh-CN" altLang="en-US" dirty="0"/>
+          </a:p>
+        </p:txBody>
+      </p:sp>
+      <p:sp>
+        <p:nvSpPr>
+          <p:cNvPr id="6" name="TextBox 5"/>
+          <p:cNvSpPr txBox="1"/>
+          <p:nvPr/>
+        </p:nvSpPr>
+        <p:spPr>
+          <a:xfrm>
+            <a:off x="3226347" y="591095"/>
+            <a:ext cx="1399974" cy="369332"/>
+          </a:xfrm>
+          <a:prstGeom prst="rect">
+            <a:avLst/>
+          </a:prstGeom>
+          <a:noFill/>
+        </p:spPr>
+        <p:txBody>
+          <a:bodyPr wrap="square" rtlCol="0">
+            <a:spAutoFit/>
+          </a:bodyPr>
+          <a:lstStyle/>
+          <a:p>
+            <a:r>
+              <a:rPr lang="zh-CN" altLang="en-US" dirty="0" smtClean="0"/>
+              <a:t>大妈</a:t>
+            </a:r>
+            <a:endParaRPr lang="zh-CN" altLang="en-US" dirty="0"/>
+          </a:p>
+        </p:txBody>
+      </p:sp>
+      <p:sp>
+        <p:nvSpPr>
+          <p:cNvPr id="36" name="矩形 30"/>
+          <p:cNvSpPr/>
+          <p:nvPr/>
+        </p:nvSpPr>
+        <p:spPr>
+          <a:xfrm>
+            <a:off x="2351453" y="4147250"/>
+            <a:ext cx="1530351" cy="307777"/>
+          </a:xfrm>
+          <a:prstGeom prst="rect">
+            <a:avLst/>
+          </a:prstGeom>
+        </p:spPr>
+        <p:txBody>
+          <a:bodyPr wrap="square">
+            <a:spAutoFit/>
+          </a:bodyPr>
+          <a:lstStyle/>
+          <a:p>
+            <a:pPr algn="just"/>
+            <a:r>
+              <a:rPr lang="zh-CN" altLang="en-US" sz="1400" dirty="0" smtClean="0">
+                <a:solidFill>
+                  <a:schemeClr val="bg2">
+                    <a:lumMod val="25000"/>
+                  </a:schemeClr>
+                </a:solidFill>
+              </a:rPr>
+              <a:t>王伟</a:t>
+            </a:r>
+            <a:endParaRPr lang="zh-HK" altLang="en-US" sz="1400" dirty="0">
+              <a:solidFill>
+                <a:schemeClr val="bg2">
+                  <a:lumMod val="25000"/>
+                </a:schemeClr>
+              </a:solidFill>
+            </a:endParaRPr>
+          </a:p>
+        </p:txBody>
+      </p:sp>
+    </p:spTree>
+    <p:extLst>
+      <p:ext uri="{BB962C8B-B14F-4D97-AF65-F5344CB8AC3E}">
+        <p14:creationId xmlns:p14="http://schemas.microsoft.com/office/powerpoint/2010/main" val="3988751774"/>
       </p:ext>
     </p:extLst>
   </p:cSld>
@@ -7595,8 +12133,8 @@
         </p:nvSpPr>
         <p:spPr>
           <a:xfrm>
-            <a:off x="9449164" y="720022"/>
-            <a:ext cx="2532589" cy="6131549"/>
+            <a:off x="9449164" y="805758"/>
+            <a:ext cx="2532589" cy="6045813"/>
           </a:xfrm>
           <a:custGeom>
             <a:avLst/>
@@ -8221,7 +12759,7 @@
         <p:spPr>
           <a:xfrm>
             <a:off x="9449164" y="3108504"/>
-            <a:ext cx="2510885" cy="2862322"/>
+            <a:ext cx="2510885" cy="3093154"/>
           </a:xfrm>
           <a:prstGeom prst="rect">
             <a:avLst/>
@@ -8246,6 +12784,14 @@
               <a:rPr lang="zh-CN" altLang="en-US" sz="1400" dirty="0" smtClean="0"/>
               <a:t>。</a:t>
             </a:r>
+            <a:endParaRPr lang="en-US" altLang="zh-CN" sz="1400" dirty="0" smtClean="0"/>
+          </a:p>
+          <a:p>
+            <a:pPr algn="just">
+              <a:lnSpc>
+                <a:spcPts val="1780"/>
+              </a:lnSpc>
+            </a:pPr>
             <a:endParaRPr lang="en-US" altLang="zh-HK" sz="1400" dirty="0"/>
           </a:p>
           <a:p>
@@ -15212,6 +19758,18 @@
           <a:p>
             <a:pPr algn="ctr"/>
             <a:r>
+              <a:rPr lang="en-US" altLang="zh-CN" sz="1600" spc="300" dirty="0" smtClean="0">
+                <a:solidFill>
+                  <a:schemeClr val="bg2">
+                    <a:lumMod val="25000"/>
+                  </a:schemeClr>
+                </a:solidFill>
+                <a:latin typeface="华文细黑" panose="02010600040101010101" pitchFamily="2" charset="-122"/>
+                <a:ea typeface="华文细黑" panose="02010600040101010101" pitchFamily="2" charset="-122"/>
+              </a:rPr>
+              <a:t>NPC</a:t>
+            </a:r>
+            <a:r>
               <a:rPr lang="zh-CN" altLang="en-US" sz="1600" spc="300" dirty="0" smtClean="0">
                 <a:solidFill>
                   <a:schemeClr val="bg2">
@@ -15221,7 +19779,19 @@
                 <a:latin typeface="华文细黑" panose="02010600040101010101" pitchFamily="2" charset="-122"/>
                 <a:ea typeface="华文细黑" panose="02010600040101010101" pitchFamily="2" charset="-122"/>
               </a:rPr>
-              <a:t>作用及关系</a:t>
+              <a:t>关</a:t>
+            </a:r>
+            <a:r>
+              <a:rPr lang="zh-CN" altLang="en-US" sz="1600" spc="300" dirty="0" smtClean="0">
+                <a:solidFill>
+                  <a:schemeClr val="bg2">
+                    <a:lumMod val="25000"/>
+                  </a:schemeClr>
+                </a:solidFill>
+                <a:latin typeface="华文细黑" panose="02010600040101010101" pitchFamily="2" charset="-122"/>
+                <a:ea typeface="华文细黑" panose="02010600040101010101" pitchFamily="2" charset="-122"/>
+              </a:rPr>
+              <a:t>系</a:t>
             </a:r>
             <a:endParaRPr lang="zh-HK" altLang="en-US" sz="1600" spc="300" dirty="0">
               <a:solidFill>
@@ -17284,6 +21854,18 @@
           <a:p>
             <a:pPr algn="ctr"/>
             <a:r>
+              <a:rPr lang="en-US" altLang="zh-CN" sz="1600" spc="300" dirty="0" smtClean="0">
+                <a:solidFill>
+                  <a:schemeClr val="bg2">
+                    <a:lumMod val="25000"/>
+                  </a:schemeClr>
+                </a:solidFill>
+                <a:latin typeface="华文细黑" panose="02010600040101010101" pitchFamily="2" charset="-122"/>
+                <a:ea typeface="华文细黑" panose="02010600040101010101" pitchFamily="2" charset="-122"/>
+              </a:rPr>
+              <a:t>NPC</a:t>
+            </a:r>
+            <a:r>
               <a:rPr lang="zh-CN" altLang="en-US" sz="1600" spc="300" dirty="0" smtClean="0">
                 <a:solidFill>
                   <a:schemeClr val="bg2">
@@ -17293,7 +21875,19 @@
                 <a:latin typeface="华文细黑" panose="02010600040101010101" pitchFamily="2" charset="-122"/>
                 <a:ea typeface="华文细黑" panose="02010600040101010101" pitchFamily="2" charset="-122"/>
               </a:rPr>
-              <a:t>作用及关系</a:t>
+              <a:t>关</a:t>
+            </a:r>
+            <a:r>
+              <a:rPr lang="zh-CN" altLang="en-US" sz="1600" spc="300" dirty="0" smtClean="0">
+                <a:solidFill>
+                  <a:schemeClr val="bg2">
+                    <a:lumMod val="25000"/>
+                  </a:schemeClr>
+                </a:solidFill>
+                <a:latin typeface="华文细黑" panose="02010600040101010101" pitchFamily="2" charset="-122"/>
+                <a:ea typeface="华文细黑" panose="02010600040101010101" pitchFamily="2" charset="-122"/>
+              </a:rPr>
+              <a:t>系</a:t>
             </a:r>
             <a:endParaRPr lang="zh-HK" altLang="en-US" sz="1600" spc="300" dirty="0">
               <a:solidFill>
@@ -18138,8 +22732,8 @@
         </p:nvSpPr>
         <p:spPr>
           <a:xfrm>
-            <a:off x="2325470" y="4144440"/>
-            <a:ext cx="1530351" cy="784830"/>
+            <a:off x="2444546" y="4144440"/>
+            <a:ext cx="1080045" cy="784830"/>
           </a:xfrm>
           <a:prstGeom prst="rect">
             <a:avLst/>
@@ -18158,7 +22752,27 @@
             </a:pPr>
             <a:r>
               <a:rPr lang="zh-CN" altLang="en-US" sz="1400" dirty="0" smtClean="0"/>
-              <a:t>定期为传销成员洗脑培训，类似高三班主任</a:t>
+              <a:t>薇儿</a:t>
+            </a:r>
+            <a:endParaRPr lang="en-US" altLang="zh-CN" sz="1400" dirty="0" smtClean="0"/>
+          </a:p>
+          <a:p>
+            <a:pPr algn="just">
+              <a:lnSpc>
+                <a:spcPts val="1780"/>
+              </a:lnSpc>
+            </a:pPr>
+            <a:endParaRPr lang="en-US" altLang="zh-HK" sz="1400" dirty="0"/>
+          </a:p>
+          <a:p>
+            <a:pPr algn="just">
+              <a:lnSpc>
+                <a:spcPts val="1780"/>
+              </a:lnSpc>
+            </a:pPr>
+            <a:r>
+              <a:rPr lang="zh-CN" altLang="en-US" sz="1400" dirty="0" smtClean="0"/>
+              <a:t>小磊子</a:t>
             </a:r>
             <a:endParaRPr lang="en-US" altLang="zh-HK" sz="1400" dirty="0" smtClean="0"/>
           </a:p>
@@ -19158,7 +23772,7 @@
         <p:spPr>
           <a:xfrm>
             <a:off x="438378" y="4147250"/>
-            <a:ext cx="1530351" cy="523220"/>
+            <a:ext cx="1530351" cy="738664"/>
           </a:xfrm>
           <a:prstGeom prst="rect">
             <a:avLst/>
@@ -19179,7 +23793,17 @@
                   </a:schemeClr>
                 </a:solidFill>
               </a:rPr>
-              <a:t>不苟言笑，善于算计。</a:t>
+              <a:t>不苟言笑，善于算</a:t>
+            </a:r>
+            <a:r>
+              <a:rPr lang="zh-CN" altLang="en-US" sz="1400" dirty="0" smtClean="0">
+                <a:solidFill>
+                  <a:schemeClr val="bg2">
+                    <a:lumMod val="25000"/>
+                  </a:schemeClr>
+                </a:solidFill>
+              </a:rPr>
+              <a:t>计，有神秘色彩</a:t>
             </a:r>
             <a:endParaRPr lang="zh-HK" altLang="en-US" sz="1400" dirty="0">
               <a:solidFill>
@@ -19336,6 +23960,18 @@
           <a:p>
             <a:pPr algn="ctr"/>
             <a:r>
+              <a:rPr lang="en-US" altLang="zh-CN" sz="1600" spc="300" dirty="0" smtClean="0">
+                <a:solidFill>
+                  <a:schemeClr val="bg2">
+                    <a:lumMod val="25000"/>
+                  </a:schemeClr>
+                </a:solidFill>
+                <a:latin typeface="华文细黑" panose="02010600040101010101" pitchFamily="2" charset="-122"/>
+                <a:ea typeface="华文细黑" panose="02010600040101010101" pitchFamily="2" charset="-122"/>
+              </a:rPr>
+              <a:t>NPC</a:t>
+            </a:r>
+            <a:r>
               <a:rPr lang="zh-CN" altLang="en-US" sz="1600" spc="300" dirty="0" smtClean="0">
                 <a:solidFill>
                   <a:schemeClr val="bg2">
@@ -19345,7 +23981,19 @@
                 <a:latin typeface="华文细黑" panose="02010600040101010101" pitchFamily="2" charset="-122"/>
                 <a:ea typeface="华文细黑" panose="02010600040101010101" pitchFamily="2" charset="-122"/>
               </a:rPr>
-              <a:t>作用及关系</a:t>
+              <a:t>关</a:t>
+            </a:r>
+            <a:r>
+              <a:rPr lang="zh-CN" altLang="en-US" sz="1600" spc="300" dirty="0" smtClean="0">
+                <a:solidFill>
+                  <a:schemeClr val="bg2">
+                    <a:lumMod val="25000"/>
+                  </a:schemeClr>
+                </a:solidFill>
+                <a:latin typeface="华文细黑" panose="02010600040101010101" pitchFamily="2" charset="-122"/>
+                <a:ea typeface="华文细黑" panose="02010600040101010101" pitchFamily="2" charset="-122"/>
+              </a:rPr>
+              <a:t>系</a:t>
             </a:r>
             <a:endParaRPr lang="zh-HK" altLang="en-US" sz="1600" spc="300" dirty="0">
               <a:solidFill>
@@ -19824,7 +24472,7 @@
         </p:nvSpPr>
         <p:spPr>
           <a:xfrm>
-            <a:off x="8370561" y="3600844"/>
+            <a:off x="8336906" y="3585738"/>
             <a:ext cx="1770743" cy="369332"/>
           </a:xfrm>
           <a:prstGeom prst="rect">
@@ -20000,7 +24648,7 @@
         </p:nvSpPr>
         <p:spPr>
           <a:xfrm>
-            <a:off x="2015446" y="1127994"/>
+            <a:off x="1961464" y="1121114"/>
             <a:ext cx="1618196" cy="523220"/>
           </a:xfrm>
           <a:prstGeom prst="rect">
@@ -20191,7 +24839,7 @@
         <p:spPr>
           <a:xfrm>
             <a:off x="4295840" y="4146265"/>
-            <a:ext cx="1530351" cy="738664"/>
+            <a:ext cx="1530351" cy="523220"/>
           </a:xfrm>
           <a:prstGeom prst="rect">
             <a:avLst/>
@@ -20212,7 +24860,7 @@
                   </a:schemeClr>
                 </a:solidFill>
               </a:rPr>
-              <a:t>传销管家</a:t>
+              <a:t>大学教师</a:t>
             </a:r>
             <a:endParaRPr lang="en-US" altLang="zh-CN" sz="1400" dirty="0" smtClean="0">
               <a:solidFill>
@@ -20223,16 +24871,16 @@
             </a:endParaRPr>
           </a:p>
           <a:p>
-            <a:pPr algn="ctr"/>
-            <a:endParaRPr lang="en-US" altLang="zh-CN" sz="1400" dirty="0" smtClean="0">
-              <a:solidFill>
-                <a:schemeClr val="bg2">
-                  <a:lumMod val="25000"/>
-                </a:schemeClr>
-              </a:solidFill>
-            </a:endParaRPr>
-          </a:p>
-          <a:p>
+            <a:r>
+              <a:rPr lang="zh-CN" altLang="en-US" sz="1400" dirty="0" smtClean="0">
+                <a:solidFill>
+                  <a:schemeClr val="bg2">
+                    <a:lumMod val="25000"/>
+                  </a:schemeClr>
+                </a:solidFill>
+              </a:rPr>
+              <a:t>          酒量好</a:t>
+            </a:r>
             <a:endParaRPr lang="en-US" altLang="zh-HK" sz="1400" dirty="0">
               <a:solidFill>
                 <a:schemeClr val="bg2">
@@ -20251,8 +24899,8 @@
         </p:nvSpPr>
         <p:spPr>
           <a:xfrm>
-            <a:off x="8881259" y="4222703"/>
-            <a:ext cx="1530351" cy="307777"/>
+            <a:off x="8624146" y="4223878"/>
+            <a:ext cx="1196262" cy="307777"/>
           </a:xfrm>
           <a:prstGeom prst="rect">
             <a:avLst/>
@@ -20266,8 +24914,14 @@
           <a:p>
             <a:pPr algn="just"/>
             <a:r>
-              <a:rPr lang="zh-CN" altLang="en-US" sz="1400" dirty="0" smtClean="0"/>
-              <a:t>不详</a:t>
+              <a:rPr lang="zh-CN" altLang="en-US" sz="1400" dirty="0" smtClean="0">
+                <a:solidFill>
+                  <a:schemeClr val="bg2">
+                    <a:lumMod val="25000"/>
+                  </a:schemeClr>
+                </a:solidFill>
+              </a:rPr>
+              <a:t>娶两个老婆</a:t>
             </a:r>
             <a:endParaRPr lang="zh-HK" altLang="en-US" sz="1400" dirty="0">
               <a:solidFill>
@@ -20726,7 +25380,19 @@
                 <a:latin typeface="华文细黑" panose="02010600040101010101" pitchFamily="2" charset="-122"/>
                 <a:ea typeface="华文细黑" panose="02010600040101010101" pitchFamily="2" charset="-122"/>
               </a:rPr>
-              <a:t> 老张</a:t>
+              <a:t> </a:t>
+            </a:r>
+            <a:r>
+              <a:rPr lang="zh-CN" altLang="en-US" sz="3200" b="1" dirty="0">
+                <a:solidFill>
+                  <a:schemeClr val="bg2">
+                    <a:lumMod val="25000"/>
+                  </a:schemeClr>
+                </a:solidFill>
+                <a:latin typeface="华文细黑" panose="02010600040101010101" pitchFamily="2" charset="-122"/>
+                <a:ea typeface="华文细黑" panose="02010600040101010101" pitchFamily="2" charset="-122"/>
+              </a:rPr>
+              <a:t>王伟</a:t>
             </a:r>
             <a:endParaRPr lang="zh-HK" altLang="en-US" sz="3200" b="1" dirty="0">
               <a:solidFill>
@@ -20748,8 +25414,8 @@
         </p:nvSpPr>
         <p:spPr>
           <a:xfrm>
-            <a:off x="10331557" y="3991052"/>
-            <a:ext cx="1530351" cy="2169825"/>
+            <a:off x="10339243" y="4087836"/>
+            <a:ext cx="1530351" cy="784830"/>
           </a:xfrm>
           <a:prstGeom prst="rect">
             <a:avLst/>
@@ -20768,7 +25434,7 @@
             </a:pPr>
             <a:r>
               <a:rPr lang="zh-CN" altLang="en-US" sz="1400" dirty="0" smtClean="0"/>
-              <a:t>深邃的眼神在茶色的镜片下若影若现，让人感到深不可测。没人知道老张来自哪里，只知道他是幕后大老板的爪牙，负责维持着整个系统的运作。</a:t>
+              <a:t>小时候母亲早逝，缺乏母爱。十分渴望女人的爱。</a:t>
             </a:r>
             <a:endParaRPr lang="zh-HK" altLang="en-US" sz="1400" dirty="0"/>
           </a:p>
@@ -20782,8 +25448,8 @@
         </p:nvSpPr>
         <p:spPr>
           <a:xfrm>
-            <a:off x="6472352" y="4222703"/>
-            <a:ext cx="1530351" cy="307777"/>
+            <a:off x="6374874" y="4208805"/>
+            <a:ext cx="1530351" cy="738664"/>
           </a:xfrm>
           <a:prstGeom prst="rect">
             <a:avLst/>
@@ -20796,42 +25462,6 @@
           <a:lstStyle/>
           <a:p>
             <a:pPr algn="ctr"/>
-            <a:r>
-              <a:rPr lang="zh-CN" altLang="en-US" sz="1400" dirty="0" smtClean="0"/>
-              <a:t>不详</a:t>
-            </a:r>
-            <a:endParaRPr lang="zh-HK" altLang="en-US" sz="1400" dirty="0">
-              <a:solidFill>
-                <a:schemeClr val="bg2">
-                  <a:lumMod val="25000"/>
-                </a:schemeClr>
-              </a:solidFill>
-            </a:endParaRPr>
-          </a:p>
-        </p:txBody>
-      </p:sp>
-      <p:sp>
-        <p:nvSpPr>
-          <p:cNvPr id="47" name="矩形 46"/>
-          <p:cNvSpPr/>
-          <p:nvPr/>
-        </p:nvSpPr>
-        <p:spPr>
-          <a:xfrm>
-            <a:off x="2275181" y="4114981"/>
-            <a:ext cx="1530351" cy="523220"/>
-          </a:xfrm>
-          <a:prstGeom prst="rect">
-            <a:avLst/>
-          </a:prstGeom>
-        </p:spPr>
-        <p:txBody>
-          <a:bodyPr wrap="square">
-            <a:spAutoFit/>
-          </a:bodyPr>
-          <a:lstStyle/>
-          <a:p>
-            <a:pPr algn="just"/>
             <a:r>
               <a:rPr lang="zh-CN" altLang="en-US" sz="1400" dirty="0" smtClean="0">
                 <a:solidFill>
@@ -20840,7 +25470,149 @@
                   </a:schemeClr>
                 </a:solidFill>
               </a:rPr>
-              <a:t>分配任务，收钱，指挥打手打人</a:t>
+              <a:t>大学教师工资低，想赚外快</a:t>
+            </a:r>
+            <a:endParaRPr lang="en-US" altLang="zh-CN" sz="1400" dirty="0" smtClean="0">
+              <a:solidFill>
+                <a:schemeClr val="bg2">
+                  <a:lumMod val="25000"/>
+                </a:schemeClr>
+              </a:solidFill>
+            </a:endParaRPr>
+          </a:p>
+          <a:p>
+            <a:pPr algn="ctr"/>
+            <a:r>
+              <a:rPr lang="zh-CN" altLang="en-US" sz="1400" dirty="0">
+                <a:solidFill>
+                  <a:schemeClr val="bg2">
+                    <a:lumMod val="25000"/>
+                  </a:schemeClr>
+                </a:solidFill>
+              </a:rPr>
+              <a:t>作风不检点</a:t>
+            </a:r>
+            <a:endParaRPr lang="zh-HK" altLang="en-US" sz="1400" dirty="0">
+              <a:solidFill>
+                <a:schemeClr val="bg2">
+                  <a:lumMod val="25000"/>
+                </a:schemeClr>
+              </a:solidFill>
+            </a:endParaRPr>
+          </a:p>
+        </p:txBody>
+      </p:sp>
+      <p:sp>
+        <p:nvSpPr>
+          <p:cNvPr id="47" name="矩形 46"/>
+          <p:cNvSpPr/>
+          <p:nvPr/>
+        </p:nvSpPr>
+        <p:spPr>
+          <a:xfrm>
+            <a:off x="2412315" y="4172474"/>
+            <a:ext cx="993200" cy="307777"/>
+          </a:xfrm>
+          <a:prstGeom prst="rect">
+            <a:avLst/>
+          </a:prstGeom>
+        </p:spPr>
+        <p:txBody>
+          <a:bodyPr wrap="square">
+            <a:spAutoFit/>
+          </a:bodyPr>
+          <a:lstStyle/>
+          <a:p>
+            <a:pPr algn="just"/>
+            <a:r>
+              <a:rPr lang="en-US" altLang="zh-CN" sz="1400" dirty="0" smtClean="0">
+                <a:solidFill>
+                  <a:schemeClr val="bg2">
+                    <a:lumMod val="25000"/>
+                  </a:schemeClr>
+                </a:solidFill>
+              </a:rPr>
+              <a:t>BOSS</a:t>
+            </a:r>
+            <a:endParaRPr lang="zh-HK" altLang="en-US" sz="1400" dirty="0">
+              <a:solidFill>
+                <a:schemeClr val="bg2">
+                  <a:lumMod val="25000"/>
+                </a:schemeClr>
+              </a:solidFill>
+            </a:endParaRPr>
+          </a:p>
+        </p:txBody>
+      </p:sp>
+      <p:sp>
+        <p:nvSpPr>
+          <p:cNvPr id="5" name="TextBox 4"/>
+          <p:cNvSpPr txBox="1"/>
+          <p:nvPr/>
+        </p:nvSpPr>
+        <p:spPr>
+          <a:xfrm>
+            <a:off x="10339243" y="5181600"/>
+            <a:ext cx="1642510" cy="923330"/>
+          </a:xfrm>
+          <a:prstGeom prst="rect">
+            <a:avLst/>
+          </a:prstGeom>
+          <a:noFill/>
+        </p:spPr>
+        <p:txBody>
+          <a:bodyPr wrap="square" rtlCol="0">
+            <a:spAutoFit/>
+          </a:bodyPr>
+          <a:lstStyle/>
+          <a:p>
+            <a:r>
+              <a:rPr lang="zh-CN" altLang="en-US" dirty="0" smtClean="0"/>
+              <a:t>想取代</a:t>
+            </a:r>
+            <a:r>
+              <a:rPr lang="en-US" altLang="zh-CN" dirty="0" smtClean="0"/>
+              <a:t>boss</a:t>
+            </a:r>
+            <a:r>
+              <a:rPr lang="zh-CN" altLang="en-US" dirty="0" smtClean="0"/>
+              <a:t>位置，对里面每个人各种使坏</a:t>
+            </a:r>
+            <a:endParaRPr lang="zh-CN" altLang="en-US" dirty="0"/>
+          </a:p>
+        </p:txBody>
+      </p:sp>
+      <p:sp>
+        <p:nvSpPr>
+          <p:cNvPr id="36" name="矩形 46"/>
+          <p:cNvSpPr/>
+          <p:nvPr/>
+        </p:nvSpPr>
+        <p:spPr>
+          <a:xfrm>
+            <a:off x="2412315" y="4559438"/>
+            <a:ext cx="993200" cy="307777"/>
+          </a:xfrm>
+          <a:prstGeom prst="rect">
+            <a:avLst/>
+          </a:prstGeom>
+        </p:spPr>
+        <p:txBody>
+          <a:bodyPr wrap="square">
+            <a:spAutoFit/>
+          </a:bodyPr>
+          <a:lstStyle/>
+          <a:p>
+            <a:pPr algn="just"/>
+            <a:r>
+              <a:rPr lang="zh-CN" altLang="en-US" sz="1400" dirty="0" smtClean="0">
+                <a:solidFill>
+                  <a:schemeClr val="bg2">
+                    <a:lumMod val="25000"/>
+                  </a:schemeClr>
+                </a:solidFill>
+              </a:rPr>
+              <a:t>柯皓燃</a:t>
             </a:r>
             <a:endParaRPr lang="zh-HK" altLang="en-US" sz="1400" dirty="0">
               <a:solidFill>
@@ -21210,7 +25982,7 @@
         <p:spPr>
           <a:xfrm>
             <a:off x="438378" y="4147250"/>
-            <a:ext cx="1530351" cy="523220"/>
+            <a:ext cx="1530351" cy="738664"/>
           </a:xfrm>
           <a:prstGeom prst="rect">
             <a:avLst/>
@@ -21231,7 +26003,17 @@
                   </a:schemeClr>
                 </a:solidFill>
               </a:rPr>
-              <a:t>爱慕虚荣，贪图享受</a:t>
+              <a:t>爱慕虚荣</a:t>
+            </a:r>
+            <a:r>
+              <a:rPr lang="zh-CN" altLang="en-US" sz="1400" dirty="0" smtClean="0">
+                <a:solidFill>
+                  <a:schemeClr val="bg2">
+                    <a:lumMod val="25000"/>
+                  </a:schemeClr>
+                </a:solidFill>
+              </a:rPr>
+              <a:t>，神经质，最大爱好是学习</a:t>
             </a:r>
             <a:endParaRPr lang="zh-HK" altLang="en-US" sz="1400" dirty="0">
               <a:solidFill>
@@ -21388,6 +26170,18 @@
           <a:p>
             <a:pPr algn="ctr"/>
             <a:r>
+              <a:rPr lang="en-US" altLang="zh-CN" sz="1600" spc="300" dirty="0" smtClean="0">
+                <a:solidFill>
+                  <a:schemeClr val="bg2">
+                    <a:lumMod val="25000"/>
+                  </a:schemeClr>
+                </a:solidFill>
+                <a:latin typeface="华文细黑" panose="02010600040101010101" pitchFamily="2" charset="-122"/>
+                <a:ea typeface="华文细黑" panose="02010600040101010101" pitchFamily="2" charset="-122"/>
+              </a:rPr>
+              <a:t>NPC</a:t>
+            </a:r>
+            <a:r>
               <a:rPr lang="zh-CN" altLang="en-US" sz="1600" spc="300" dirty="0" smtClean="0">
                 <a:solidFill>
                   <a:schemeClr val="bg2">
@@ -21397,7 +26191,19 @@
                 <a:latin typeface="华文细黑" panose="02010600040101010101" pitchFamily="2" charset="-122"/>
                 <a:ea typeface="华文细黑" panose="02010600040101010101" pitchFamily="2" charset="-122"/>
               </a:rPr>
-              <a:t>作用及关系</a:t>
+              <a:t>关</a:t>
+            </a:r>
+            <a:r>
+              <a:rPr lang="zh-CN" altLang="en-US" sz="1600" spc="300" dirty="0" smtClean="0">
+                <a:solidFill>
+                  <a:schemeClr val="bg2">
+                    <a:lumMod val="25000"/>
+                  </a:schemeClr>
+                </a:solidFill>
+                <a:latin typeface="华文细黑" panose="02010600040101010101" pitchFamily="2" charset="-122"/>
+                <a:ea typeface="华文细黑" panose="02010600040101010101" pitchFamily="2" charset="-122"/>
+              </a:rPr>
+              <a:t>系</a:t>
             </a:r>
             <a:endParaRPr lang="zh-HK" altLang="en-US" sz="1600" spc="300" dirty="0">
               <a:solidFill>
@@ -22052,7 +26858,7 @@
         </p:nvSpPr>
         <p:spPr>
           <a:xfrm>
-            <a:off x="2015446" y="1127994"/>
+            <a:off x="1885905" y="1118969"/>
             <a:ext cx="1618196" cy="523220"/>
           </a:xfrm>
           <a:prstGeom prst="rect">
@@ -22243,7 +27049,7 @@
         <p:spPr>
           <a:xfrm>
             <a:off x="2325470" y="4144440"/>
-            <a:ext cx="1530351" cy="1015663"/>
+            <a:ext cx="1530351" cy="784830"/>
           </a:xfrm>
           <a:prstGeom prst="rect">
             <a:avLst/>
@@ -22262,7 +27068,7 @@
             </a:pPr>
             <a:r>
               <a:rPr lang="zh-CN" altLang="en-US" sz="1400" dirty="0" smtClean="0"/>
-              <a:t>老张女儿</a:t>
+              <a:t>王伟</a:t>
             </a:r>
             <a:endParaRPr lang="en-US" altLang="zh-CN" sz="1400" dirty="0" smtClean="0"/>
           </a:p>
@@ -22272,21 +27078,29 @@
                 <a:spcPts val="1780"/>
               </a:lnSpc>
             </a:pPr>
-            <a:endParaRPr lang="en-US" altLang="zh-HK" sz="1400" dirty="0"/>
-          </a:p>
-          <a:p>
-            <a:pPr algn="just">
+            <a:r>
+              <a:rPr lang="zh-CN" altLang="en-US" sz="1400" dirty="0"/>
+              <a:t>薇</a:t>
+            </a:r>
+            <a:r>
+              <a:rPr lang="zh-CN" altLang="en-US" sz="1400" dirty="0" smtClean="0"/>
+              <a:t>儿（嫉妒）</a:t>
+            </a:r>
+            <a:endParaRPr lang="en-US" altLang="zh-CN" sz="1400" dirty="0" smtClean="0"/>
+          </a:p>
+          <a:p>
+            <a:pPr algn="ctr">
               <a:lnSpc>
                 <a:spcPts val="1780"/>
               </a:lnSpc>
             </a:pPr>
             <a:r>
+              <a:rPr lang="zh-CN" altLang="en-US" sz="1400" dirty="0"/>
+              <a:t>柯皓</a:t>
+            </a:r>
+            <a:r>
               <a:rPr lang="zh-CN" altLang="en-US" sz="1400" dirty="0" smtClean="0"/>
-              <a:t>传销内部考试可帮助</a:t>
-            </a:r>
-            <a:r>
-              <a:rPr lang="en-US" altLang="zh-CN" sz="1400" dirty="0" smtClean="0"/>
-              <a:t>NPC</a:t>
+              <a:t>燃（爱慕）</a:t>
             </a:r>
             <a:endParaRPr lang="en-US" altLang="zh-HK" sz="1400" dirty="0" smtClean="0"/>
           </a:p>
@@ -22300,7 +27114,7 @@
         </p:nvSpPr>
         <p:spPr>
           <a:xfrm>
-            <a:off x="4295840" y="4146265"/>
+            <a:off x="4295840" y="4202825"/>
             <a:ext cx="1530351" cy="738664"/>
           </a:xfrm>
           <a:prstGeom prst="rect">
@@ -22372,8 +27186,8 @@
         </p:nvSpPr>
         <p:spPr>
           <a:xfrm>
-            <a:off x="6319952" y="4070303"/>
-            <a:ext cx="1530351" cy="307777"/>
+            <a:off x="6336883" y="4172474"/>
+            <a:ext cx="1530351" cy="523220"/>
           </a:xfrm>
           <a:prstGeom prst="rect">
             <a:avLst/>
@@ -22387,8 +27201,34 @@
           <a:p>
             <a:pPr algn="ctr"/>
             <a:r>
-              <a:rPr lang="zh-CN" altLang="en-US" sz="1400" dirty="0" smtClean="0"/>
-              <a:t>兼职还贷被骗</a:t>
+              <a:rPr lang="zh-CN" altLang="en-US" sz="1400" dirty="0" smtClean="0">
+                <a:solidFill>
+                  <a:schemeClr val="bg2">
+                    <a:lumMod val="25000"/>
+                  </a:schemeClr>
+                </a:solidFill>
+              </a:rPr>
+              <a:t>深陷校园贷</a:t>
+            </a:r>
+            <a:endParaRPr lang="en-US" altLang="zh-CN" sz="1400" dirty="0" smtClean="0">
+              <a:solidFill>
+                <a:schemeClr val="bg2">
+                  <a:lumMod val="25000"/>
+                </a:schemeClr>
+              </a:solidFill>
+            </a:endParaRPr>
+          </a:p>
+          <a:p>
+            <a:pPr algn="ctr"/>
+            <a:r>
+              <a:rPr lang="zh-CN" altLang="en-US" sz="1400" dirty="0" smtClean="0">
+                <a:solidFill>
+                  <a:schemeClr val="bg2">
+                    <a:lumMod val="25000"/>
+                  </a:schemeClr>
+                </a:solidFill>
+              </a:rPr>
+              <a:t>想赚钱还钱</a:t>
             </a:r>
             <a:endParaRPr lang="zh-HK" altLang="en-US" sz="1400" dirty="0">
               <a:solidFill>
@@ -22817,40 +27657,6 @@
       </p:sp>
       <p:sp>
         <p:nvSpPr>
-          <p:cNvPr id="39" name="矩形 38"/>
-          <p:cNvSpPr/>
-          <p:nvPr/>
-        </p:nvSpPr>
-        <p:spPr>
-          <a:xfrm>
-            <a:off x="10331557" y="3991052"/>
-            <a:ext cx="1530351" cy="2631490"/>
-          </a:xfrm>
-          <a:prstGeom prst="rect">
-            <a:avLst/>
-          </a:prstGeom>
-        </p:spPr>
-        <p:txBody>
-          <a:bodyPr wrap="square">
-            <a:spAutoFit/>
-          </a:bodyPr>
-          <a:lstStyle/>
-          <a:p>
-            <a:pPr algn="just">
-              <a:lnSpc>
-                <a:spcPts val="1780"/>
-              </a:lnSpc>
-            </a:pPr>
-            <a:r>
-              <a:rPr lang="zh-CN" altLang="en-US" sz="1400" dirty="0" smtClean="0"/>
-              <a:t>周围环境的影响让这位原本淳朴的姑娘渐渐走向了不归路，穿名牌戴名表成了她掩盖内心自卑的唯一方式。为了寻得一份体面而又高薪的兼职还贷，让她羊入虎口。</a:t>
-            </a:r>
-            <a:endParaRPr lang="zh-HK" altLang="en-US" sz="1400" dirty="0"/>
-          </a:p>
-        </p:txBody>
-      </p:sp>
-      <p:sp>
-        <p:nvSpPr>
           <p:cNvPr id="33" name="文本框 32"/>
           <p:cNvSpPr txBox="1"/>
           <p:nvPr/>
@@ -22881,7 +27687,7 @@
                 <a:latin typeface="华文细黑" panose="02010600040101010101" pitchFamily="2" charset="-122"/>
                 <a:ea typeface="华文细黑" panose="02010600040101010101" pitchFamily="2" charset="-122"/>
               </a:rPr>
-              <a:t> 琪琪</a:t>
+              <a:t>姗姗</a:t>
             </a:r>
             <a:endParaRPr lang="zh-HK" altLang="en-US" sz="3200" b="1" dirty="0">
               <a:solidFill>
@@ -22892,6 +27698,100 @@
               <a:latin typeface="华文细黑" panose="02010600040101010101" pitchFamily="2" charset="-122"/>
               <a:ea typeface="华文细黑" panose="02010600040101010101" pitchFamily="2" charset="-122"/>
             </a:endParaRPr>
+          </a:p>
+        </p:txBody>
+      </p:sp>
+      <p:sp>
+        <p:nvSpPr>
+          <p:cNvPr id="3" name="TextBox 2"/>
+          <p:cNvSpPr txBox="1"/>
+          <p:nvPr/>
+        </p:nvSpPr>
+        <p:spPr>
+          <a:xfrm>
+            <a:off x="8578887" y="4144440"/>
+            <a:ext cx="1513697" cy="646331"/>
+          </a:xfrm>
+          <a:prstGeom prst="rect">
+            <a:avLst/>
+          </a:prstGeom>
+          <a:noFill/>
+        </p:spPr>
+        <p:txBody>
+          <a:bodyPr wrap="square" rtlCol="0">
+            <a:spAutoFit/>
+          </a:bodyPr>
+          <a:lstStyle/>
+          <a:p>
+            <a:r>
+              <a:rPr lang="zh-CN" altLang="en-US" dirty="0" smtClean="0"/>
+              <a:t>拥有一家自己的公司</a:t>
+            </a:r>
+            <a:endParaRPr lang="zh-CN" altLang="en-US" dirty="0"/>
+          </a:p>
+        </p:txBody>
+      </p:sp>
+      <p:sp>
+        <p:nvSpPr>
+          <p:cNvPr id="4" name="TextBox 3"/>
+          <p:cNvSpPr txBox="1"/>
+          <p:nvPr/>
+        </p:nvSpPr>
+        <p:spPr>
+          <a:xfrm>
+            <a:off x="10505440" y="4202825"/>
+            <a:ext cx="1330960" cy="1169551"/>
+          </a:xfrm>
+          <a:prstGeom prst="rect">
+            <a:avLst/>
+          </a:prstGeom>
+          <a:noFill/>
+        </p:spPr>
+        <p:txBody>
+          <a:bodyPr wrap="square" rtlCol="0">
+            <a:spAutoFit/>
+          </a:bodyPr>
+          <a:lstStyle/>
+          <a:p>
+            <a:r>
+              <a:rPr lang="zh-CN" altLang="en-US" sz="1400" dirty="0"/>
+              <a:t>从小</a:t>
+            </a:r>
+            <a:r>
+              <a:rPr lang="zh-CN" altLang="en-US" sz="1400" dirty="0" smtClean="0"/>
+              <a:t>家庭贫困被人歧视，但成绩优异，大学后渐渐爱慕虚荣</a:t>
+            </a:r>
+            <a:endParaRPr lang="zh-CN" altLang="en-US" sz="1400" dirty="0"/>
+          </a:p>
+        </p:txBody>
+      </p:sp>
+      <p:sp>
+        <p:nvSpPr>
+          <p:cNvPr id="5" name="TextBox 4"/>
+          <p:cNvSpPr txBox="1"/>
+          <p:nvPr/>
+        </p:nvSpPr>
+        <p:spPr>
+          <a:xfrm>
+            <a:off x="10505440" y="5538173"/>
+            <a:ext cx="1415000" cy="738664"/>
+          </a:xfrm>
+          <a:prstGeom prst="rect">
+            <a:avLst/>
+          </a:prstGeom>
+          <a:noFill/>
+        </p:spPr>
+        <p:txBody>
+          <a:bodyPr wrap="square" rtlCol="0">
+            <a:spAutoFit/>
+          </a:bodyPr>
+          <a:lstStyle/>
+          <a:p>
+            <a:r>
+              <a:rPr lang="zh-CN" altLang="en-US" sz="1400" dirty="0" smtClean="0"/>
+              <a:t>对传销深信不疑 坚信自己赚大钱</a:t>
+            </a:r>
+            <a:endParaRPr lang="zh-CN" altLang="en-US" sz="1400" dirty="0"/>
           </a:p>
         </p:txBody>
       </p:sp>

--- a/escape.pptx
+++ b/escape.pptx
@@ -5,7 +5,7 @@
     <p:sldMasterId id="2147483648" r:id="rId1"/>
   </p:sldMasterIdLst>
   <p:notesMasterIdLst>
-    <p:notesMasterId r:id="rId14"/>
+    <p:notesMasterId r:id="rId15"/>
   </p:notesMasterIdLst>
   <p:sldIdLst>
     <p:sldId id="258" r:id="rId2"/>
@@ -20,6 +20,7 @@
     <p:sldId id="281" r:id="rId11"/>
     <p:sldId id="282" r:id="rId12"/>
     <p:sldId id="283" r:id="rId13"/>
+    <p:sldId id="284" r:id="rId14"/>
   </p:sldIdLst>
   <p:sldSz cx="12192000" cy="6858000"/>
   <p:notesSz cx="6858000" cy="9144000"/>
@@ -224,7 +225,7 @@
           <a:p>
             <a:fld id="{E8764360-6B9F-4CCE-85EA-4B0FA1018547}" type="datetimeFigureOut">
               <a:rPr lang="zh-HK" altLang="en-US" smtClean="0"/>
-              <a:t>23/7/2017</a:t>
+              <a:t>30/7/2017</a:t>
             </a:fld>
             <a:endParaRPr lang="zh-HK" altLang="en-US"/>
           </a:p>
@@ -905,7 +906,7 @@
           <a:p>
             <a:fld id="{DEE1AA81-8F49-42D7-92A9-FEC432C0CCCC}" type="datetimeFigureOut">
               <a:rPr lang="zh-HK" altLang="en-US" smtClean="0"/>
-              <a:t>23/7/2017</a:t>
+              <a:t>30/7/2017</a:t>
             </a:fld>
             <a:endParaRPr lang="zh-HK" altLang="en-US"/>
           </a:p>
@@ -1222,7 +1223,7 @@
           <a:p>
             <a:fld id="{DEE1AA81-8F49-42D7-92A9-FEC432C0CCCC}" type="datetimeFigureOut">
               <a:rPr lang="zh-HK" altLang="en-US" smtClean="0"/>
-              <a:t>23/7/2017</a:t>
+              <a:t>30/7/2017</a:t>
             </a:fld>
             <a:endParaRPr lang="zh-HK" altLang="en-US"/>
           </a:p>
@@ -1508,7 +1509,7 @@
           <a:p>
             <a:fld id="{DEE1AA81-8F49-42D7-92A9-FEC432C0CCCC}" type="datetimeFigureOut">
               <a:rPr lang="zh-HK" altLang="en-US" smtClean="0"/>
-              <a:t>23/7/2017</a:t>
+              <a:t>30/7/2017</a:t>
             </a:fld>
             <a:endParaRPr lang="zh-HK" altLang="en-US"/>
           </a:p>
@@ -1718,7 +1719,7 @@
           <a:p>
             <a:fld id="{DEE1AA81-8F49-42D7-92A9-FEC432C0CCCC}" type="datetimeFigureOut">
               <a:rPr lang="zh-HK" altLang="en-US" smtClean="0"/>
-              <a:t>23/7/2017</a:t>
+              <a:t>30/7/2017</a:t>
             </a:fld>
             <a:endParaRPr lang="zh-HK" altLang="en-US"/>
           </a:p>
@@ -1928,7 +1929,7 @@
           <a:p>
             <a:fld id="{DEE1AA81-8F49-42D7-92A9-FEC432C0CCCC}" type="datetimeFigureOut">
               <a:rPr lang="zh-HK" altLang="en-US" smtClean="0"/>
-              <a:t>23/7/2017</a:t>
+              <a:t>30/7/2017</a:t>
             </a:fld>
             <a:endParaRPr lang="zh-HK" altLang="en-US"/>
           </a:p>
@@ -3560,7 +3561,7 @@
         <p:spPr>
           <a:xfrm>
             <a:off x="2015446" y="1127994"/>
-            <a:ext cx="1618196" cy="523220"/>
+            <a:ext cx="2251444" cy="523220"/>
           </a:xfrm>
           <a:prstGeom prst="rect">
             <a:avLst/>
@@ -3574,8 +3575,12 @@
           <a:lstStyle/>
           <a:p>
             <a:r>
+              <a:rPr kumimoji="1" lang="zh-CN" altLang="en-US" sz="2800" b="1" dirty="0"/>
+              <a:t>被</a:t>
+            </a:r>
+            <a:r>
               <a:rPr kumimoji="1" lang="zh-CN" altLang="en-US" sz="2800" b="1" dirty="0" smtClean="0"/>
-              <a:t>传销人员</a:t>
+              <a:t>害转传销</a:t>
             </a:r>
             <a:endParaRPr kumimoji="1" lang="zh-CN" altLang="en-US" sz="2800" b="1" dirty="0"/>
           </a:p>
@@ -4705,17 +4710,7 @@
                   </a:schemeClr>
                 </a:solidFill>
               </a:rPr>
-              <a:t>憨厚老实</a:t>
-            </a:r>
-            <a:r>
-              <a:rPr lang="zh-CN" altLang="en-US" sz="1400" dirty="0" smtClean="0">
-                <a:solidFill>
-                  <a:schemeClr val="bg2">
-                    <a:lumMod val="25000"/>
-                  </a:schemeClr>
-                </a:solidFill>
-              </a:rPr>
-              <a:t>，没见过 世面</a:t>
+              <a:t>憨厚老实，没见过 世面</a:t>
             </a:r>
             <a:endParaRPr lang="zh-HK" altLang="en-US" sz="1400" dirty="0">
               <a:solidFill>
@@ -4893,19 +4888,7 @@
                 <a:latin typeface="华文细黑" panose="02010600040101010101" pitchFamily="2" charset="-122"/>
                 <a:ea typeface="华文细黑" panose="02010600040101010101" pitchFamily="2" charset="-122"/>
               </a:rPr>
-              <a:t>关</a:t>
-            </a:r>
-            <a:r>
-              <a:rPr lang="zh-CN" altLang="en-US" sz="1600" spc="300" dirty="0" smtClean="0">
-                <a:solidFill>
-                  <a:schemeClr val="bg2">
-                    <a:lumMod val="25000"/>
-                  </a:schemeClr>
-                </a:solidFill>
-                <a:latin typeface="华文细黑" panose="02010600040101010101" pitchFamily="2" charset="-122"/>
-                <a:ea typeface="华文细黑" panose="02010600040101010101" pitchFamily="2" charset="-122"/>
-              </a:rPr>
-              <a:t>系</a:t>
+              <a:t>关系</a:t>
             </a:r>
             <a:endParaRPr lang="zh-HK" altLang="en-US" sz="1600" spc="300" dirty="0">
               <a:solidFill>
@@ -5774,11 +5757,7 @@
             </a:r>
             <a:r>
               <a:rPr lang="zh-CN" altLang="en-US" sz="1400" dirty="0" smtClean="0"/>
-              <a:t>父</a:t>
-            </a:r>
-            <a:r>
-              <a:rPr lang="zh-CN" altLang="en-US" sz="1400" dirty="0" smtClean="0"/>
-              <a:t>亲</a:t>
+              <a:t>父亲</a:t>
             </a:r>
             <a:endParaRPr lang="en-US" altLang="zh-HK" sz="1400" dirty="0" smtClean="0"/>
           </a:p>
@@ -5814,17 +5793,7 @@
                   </a:schemeClr>
                 </a:solidFill>
               </a:rPr>
-              <a:t>农</a:t>
-            </a:r>
-            <a:r>
-              <a:rPr lang="zh-CN" altLang="en-US" sz="1400" dirty="0" smtClean="0">
-                <a:solidFill>
-                  <a:schemeClr val="bg2">
-                    <a:lumMod val="25000"/>
-                  </a:schemeClr>
-                </a:solidFill>
-              </a:rPr>
-              <a:t>民</a:t>
+              <a:t>农民</a:t>
             </a:r>
             <a:endParaRPr lang="en-US" altLang="zh-CN" sz="1400" dirty="0" smtClean="0">
               <a:solidFill>
@@ -6398,19 +6367,7 @@
                 <a:latin typeface="华文细黑" panose="02010600040101010101" pitchFamily="2" charset="-122"/>
                 <a:ea typeface="华文细黑" panose="02010600040101010101" pitchFamily="2" charset="-122"/>
               </a:rPr>
-              <a:t> </a:t>
-            </a:r>
-            <a:r>
-              <a:rPr lang="zh-CN" altLang="en-US" sz="3200" b="1" dirty="0" smtClean="0">
-                <a:solidFill>
-                  <a:schemeClr val="bg2">
-                    <a:lumMod val="25000"/>
-                  </a:schemeClr>
-                </a:solidFill>
-                <a:latin typeface="华文细黑" panose="02010600040101010101" pitchFamily="2" charset="-122"/>
-                <a:ea typeface="华文细黑" panose="02010600040101010101" pitchFamily="2" charset="-122"/>
-              </a:rPr>
-              <a:t>老汪</a:t>
+              <a:t> 老汪</a:t>
             </a:r>
             <a:endParaRPr lang="zh-HK" altLang="en-US" sz="3200" b="1" dirty="0">
               <a:solidFill>
@@ -7113,19 +7070,7 @@
                 <a:latin typeface="华文细黑" panose="02010600040101010101" pitchFamily="2" charset="-122"/>
                 <a:ea typeface="华文细黑" panose="02010600040101010101" pitchFamily="2" charset="-122"/>
               </a:rPr>
-              <a:t>关</a:t>
-            </a:r>
-            <a:r>
-              <a:rPr lang="zh-CN" altLang="en-US" sz="1600" spc="300" dirty="0" smtClean="0">
-                <a:solidFill>
-                  <a:schemeClr val="bg2">
-                    <a:lumMod val="25000"/>
-                  </a:schemeClr>
-                </a:solidFill>
-                <a:latin typeface="华文细黑" panose="02010600040101010101" pitchFamily="2" charset="-122"/>
-                <a:ea typeface="华文细黑" panose="02010600040101010101" pitchFamily="2" charset="-122"/>
-              </a:rPr>
-              <a:t>系</a:t>
+              <a:t>关系</a:t>
             </a:r>
             <a:endParaRPr lang="zh-HK" altLang="en-US" sz="1600" spc="300" dirty="0">
               <a:solidFill>
@@ -8624,19 +8569,7 @@
                 <a:latin typeface="华文细黑" panose="02010600040101010101" pitchFamily="2" charset="-122"/>
                 <a:ea typeface="华文细黑" panose="02010600040101010101" pitchFamily="2" charset="-122"/>
               </a:rPr>
-              <a:t> </a:t>
-            </a:r>
-            <a:r>
-              <a:rPr lang="zh-CN" altLang="en-US" sz="3200" b="1" dirty="0" smtClean="0">
-                <a:solidFill>
-                  <a:schemeClr val="bg2">
-                    <a:lumMod val="25000"/>
-                  </a:schemeClr>
-                </a:solidFill>
-                <a:latin typeface="华文细黑" panose="02010600040101010101" pitchFamily="2" charset="-122"/>
-                <a:ea typeface="华文细黑" panose="02010600040101010101" pitchFamily="2" charset="-122"/>
-              </a:rPr>
-              <a:t>陶巢</a:t>
+              <a:t> 陶巢</a:t>
             </a:r>
             <a:endParaRPr lang="zh-HK" altLang="en-US" sz="3200" b="1" dirty="0">
               <a:solidFill>
@@ -9267,19 +9200,7 @@
                 <a:latin typeface="华文细黑" panose="02010600040101010101" pitchFamily="2" charset="-122"/>
                 <a:ea typeface="华文细黑" panose="02010600040101010101" pitchFamily="2" charset="-122"/>
               </a:rPr>
-              <a:t>关</a:t>
-            </a:r>
-            <a:r>
-              <a:rPr lang="zh-CN" altLang="en-US" sz="1600" spc="300" dirty="0" smtClean="0">
-                <a:solidFill>
-                  <a:schemeClr val="bg2">
-                    <a:lumMod val="25000"/>
-                  </a:schemeClr>
-                </a:solidFill>
-                <a:latin typeface="华文细黑" panose="02010600040101010101" pitchFamily="2" charset="-122"/>
-                <a:ea typeface="华文细黑" panose="02010600040101010101" pitchFamily="2" charset="-122"/>
-              </a:rPr>
-              <a:t>系</a:t>
+              <a:t>关系</a:t>
             </a:r>
             <a:endParaRPr lang="zh-HK" altLang="en-US" sz="1600" spc="300" dirty="0">
               <a:solidFill>
@@ -10884,6 +10805,2263 @@
     <p:extLst>
       <p:ext uri="{BB962C8B-B14F-4D97-AF65-F5344CB8AC3E}">
         <p14:creationId xmlns:p14="http://schemas.microsoft.com/office/powerpoint/2010/main" val="3988751774"/>
+      </p:ext>
+    </p:extLst>
+  </p:cSld>
+  <p:clrMapOvr>
+    <a:masterClrMapping/>
+  </p:clrMapOvr>
+  <p:timing>
+    <p:tnLst>
+      <p:par>
+        <p:cTn id="1" dur="indefinite" restart="never" nodeType="tmRoot"/>
+      </p:par>
+    </p:tnLst>
+  </p:timing>
+</p:sld>
+</file>
+
+<file path=ppt/slides/slide13.xml><?xml version="1.0" encoding="utf-8"?>
+<p:sld xmlns:a="http://schemas.openxmlformats.org/drawingml/2006/main" xmlns:r="http://schemas.openxmlformats.org/officeDocument/2006/relationships" xmlns:p="http://schemas.openxmlformats.org/presentationml/2006/main">
+  <p:cSld>
+    <p:spTree>
+      <p:nvGrpSpPr>
+        <p:cNvPr id="1" name=""/>
+        <p:cNvGrpSpPr/>
+        <p:nvPr/>
+      </p:nvGrpSpPr>
+      <p:grpSpPr>
+        <a:xfrm>
+          <a:off x="0" y="0"/>
+          <a:ext cx="0" cy="0"/>
+          <a:chOff x="0" y="0"/>
+          <a:chExt cx="0" cy="0"/>
+        </a:xfrm>
+      </p:grpSpPr>
+      <p:sp>
+        <p:nvSpPr>
+          <p:cNvPr id="12" name="椭圆 11"/>
+          <p:cNvSpPr/>
+          <p:nvPr/>
+        </p:nvSpPr>
+        <p:spPr>
+          <a:xfrm>
+            <a:off x="0" y="304290"/>
+            <a:ext cx="1491916" cy="1485557"/>
+          </a:xfrm>
+          <a:prstGeom prst="ellipse">
+            <a:avLst/>
+          </a:prstGeom>
+          <a:noFill/>
+          <a:ln>
+            <a:solidFill>
+              <a:schemeClr val="bg2">
+                <a:lumMod val="25000"/>
+              </a:schemeClr>
+            </a:solidFill>
+          </a:ln>
+        </p:spPr>
+        <p:style>
+          <a:lnRef idx="2">
+            <a:schemeClr val="accent1">
+              <a:shade val="50000"/>
+            </a:schemeClr>
+          </a:lnRef>
+          <a:fillRef idx="1">
+            <a:schemeClr val="accent1"/>
+          </a:fillRef>
+          <a:effectRef idx="0">
+            <a:schemeClr val="accent1"/>
+          </a:effectRef>
+          <a:fontRef idx="minor">
+            <a:schemeClr val="lt1"/>
+          </a:fontRef>
+        </p:style>
+        <p:txBody>
+          <a:bodyPr rtlCol="0" anchor="ctr"/>
+          <a:lstStyle/>
+          <a:p>
+            <a:pPr algn="ctr"/>
+            <a:r>
+              <a:rPr lang="en-US" altLang="zh-CN" sz="6000" dirty="0" smtClean="0">
+                <a:solidFill>
+                  <a:schemeClr val="bg2">
+                    <a:lumMod val="25000"/>
+                  </a:schemeClr>
+                </a:solidFill>
+                <a:latin typeface="华文细黑" panose="02010600040101010101" pitchFamily="2" charset="-122"/>
+                <a:ea typeface="华文细黑" panose="02010600040101010101" pitchFamily="2" charset="-122"/>
+              </a:rPr>
+              <a:t>11</a:t>
+            </a:r>
+            <a:endParaRPr lang="zh-HK" altLang="en-US" sz="6000" dirty="0">
+              <a:solidFill>
+                <a:schemeClr val="bg2">
+                  <a:lumMod val="25000"/>
+                </a:schemeClr>
+              </a:solidFill>
+              <a:latin typeface="华文细黑" panose="02010600040101010101" pitchFamily="2" charset="-122"/>
+              <a:ea typeface="华文细黑" panose="02010600040101010101" pitchFamily="2" charset="-122"/>
+            </a:endParaRPr>
+          </a:p>
+        </p:txBody>
+      </p:sp>
+      <p:cxnSp>
+        <p:nvCxnSpPr>
+          <p:cNvPr id="16" name="直接连接符 15"/>
+          <p:cNvCxnSpPr>
+            <a:stCxn id="12" idx="3"/>
+          </p:cNvCxnSpPr>
+          <p:nvPr/>
+        </p:nvCxnSpPr>
+        <p:spPr>
+          <a:xfrm flipH="1">
+            <a:off x="197990" y="1572292"/>
+            <a:ext cx="20496" cy="5200364"/>
+          </a:xfrm>
+          <a:prstGeom prst="line">
+            <a:avLst/>
+          </a:prstGeom>
+          <a:ln>
+            <a:solidFill>
+              <a:schemeClr val="bg2">
+                <a:lumMod val="25000"/>
+              </a:schemeClr>
+            </a:solidFill>
+          </a:ln>
+        </p:spPr>
+        <p:style>
+          <a:lnRef idx="1">
+            <a:schemeClr val="accent1"/>
+          </a:lnRef>
+          <a:fillRef idx="0">
+            <a:schemeClr val="accent1"/>
+          </a:fillRef>
+          <a:effectRef idx="0">
+            <a:schemeClr val="accent1"/>
+          </a:effectRef>
+          <a:fontRef idx="minor">
+            <a:schemeClr val="tx1"/>
+          </a:fontRef>
+        </p:style>
+      </p:cxnSp>
+      <p:cxnSp>
+        <p:nvCxnSpPr>
+          <p:cNvPr id="18" name="直接连接符 17"/>
+          <p:cNvCxnSpPr/>
+          <p:nvPr/>
+        </p:nvCxnSpPr>
+        <p:spPr>
+          <a:xfrm flipH="1">
+            <a:off x="789934" y="33567"/>
+            <a:ext cx="387711" cy="270723"/>
+          </a:xfrm>
+          <a:prstGeom prst="line">
+            <a:avLst/>
+          </a:prstGeom>
+          <a:ln>
+            <a:solidFill>
+              <a:schemeClr val="bg2">
+                <a:lumMod val="25000"/>
+              </a:schemeClr>
+            </a:solidFill>
+          </a:ln>
+        </p:spPr>
+        <p:style>
+          <a:lnRef idx="1">
+            <a:schemeClr val="accent1"/>
+          </a:lnRef>
+          <a:fillRef idx="0">
+            <a:schemeClr val="accent1"/>
+          </a:fillRef>
+          <a:effectRef idx="0">
+            <a:schemeClr val="accent1"/>
+          </a:effectRef>
+          <a:fontRef idx="minor">
+            <a:schemeClr val="tx1"/>
+          </a:fontRef>
+        </p:style>
+      </p:cxnSp>
+      <p:sp>
+        <p:nvSpPr>
+          <p:cNvPr id="29" name="任意多边形 28"/>
+          <p:cNvSpPr/>
+          <p:nvPr/>
+        </p:nvSpPr>
+        <p:spPr>
+          <a:xfrm>
+            <a:off x="299667" y="2706626"/>
+            <a:ext cx="1668304" cy="4151374"/>
+          </a:xfrm>
+          <a:custGeom>
+            <a:avLst/>
+            <a:gdLst>
+              <a:gd name="connsiteX0" fmla="*/ 921658 w 1843316"/>
+              <a:gd name="connsiteY0" fmla="*/ 0 h 3236686"/>
+              <a:gd name="connsiteX1" fmla="*/ 1843316 w 1843316"/>
+              <a:gd name="connsiteY1" fmla="*/ 1117600 h 3236686"/>
+              <a:gd name="connsiteX2" fmla="*/ 1843315 w 1843316"/>
+              <a:gd name="connsiteY2" fmla="*/ 1117600 h 3236686"/>
+              <a:gd name="connsiteX3" fmla="*/ 1843315 w 1843316"/>
+              <a:gd name="connsiteY3" fmla="*/ 3236686 h 3236686"/>
+              <a:gd name="connsiteX4" fmla="*/ 0 w 1843316"/>
+              <a:gd name="connsiteY4" fmla="*/ 3236686 h 3236686"/>
+              <a:gd name="connsiteX5" fmla="*/ 0 w 1843316"/>
+              <a:gd name="connsiteY5" fmla="*/ 1117600 h 3236686"/>
+            </a:gdLst>
+            <a:ahLst/>
+            <a:cxnLst>
+              <a:cxn ang="0">
+                <a:pos x="connsiteX0" y="connsiteY0"/>
+              </a:cxn>
+              <a:cxn ang="0">
+                <a:pos x="connsiteX1" y="connsiteY1"/>
+              </a:cxn>
+              <a:cxn ang="0">
+                <a:pos x="connsiteX2" y="connsiteY2"/>
+              </a:cxn>
+              <a:cxn ang="0">
+                <a:pos x="connsiteX3" y="connsiteY3"/>
+              </a:cxn>
+              <a:cxn ang="0">
+                <a:pos x="connsiteX4" y="connsiteY4"/>
+              </a:cxn>
+              <a:cxn ang="0">
+                <a:pos x="connsiteX5" y="connsiteY5"/>
+              </a:cxn>
+            </a:cxnLst>
+            <a:rect l="l" t="t" r="r" b="b"/>
+            <a:pathLst>
+              <a:path w="1843316" h="3236686">
+                <a:moveTo>
+                  <a:pt x="921658" y="0"/>
+                </a:moveTo>
+                <a:lnTo>
+                  <a:pt x="1843316" y="1117600"/>
+                </a:lnTo>
+                <a:lnTo>
+                  <a:pt x="1843315" y="1117600"/>
+                </a:lnTo>
+                <a:lnTo>
+                  <a:pt x="1843315" y="3236686"/>
+                </a:lnTo>
+                <a:lnTo>
+                  <a:pt x="0" y="3236686"/>
+                </a:lnTo>
+                <a:lnTo>
+                  <a:pt x="0" y="1117600"/>
+                </a:lnTo>
+                <a:close/>
+              </a:path>
+            </a:pathLst>
+          </a:custGeom>
+          <a:noFill/>
+          <a:ln>
+            <a:solidFill>
+              <a:schemeClr val="bg2">
+                <a:lumMod val="25000"/>
+              </a:schemeClr>
+            </a:solidFill>
+            <a:prstDash val="dash"/>
+          </a:ln>
+          <a:effectLst>
+            <a:outerShdw blurRad="50800" dist="38100" dir="2700000" algn="tl" rotWithShape="0">
+              <a:prstClr val="black">
+                <a:alpha val="40000"/>
+              </a:prstClr>
+            </a:outerShdw>
+          </a:effectLst>
+        </p:spPr>
+        <p:style>
+          <a:lnRef idx="2">
+            <a:schemeClr val="accent1">
+              <a:shade val="50000"/>
+            </a:schemeClr>
+          </a:lnRef>
+          <a:fillRef idx="1">
+            <a:schemeClr val="accent1"/>
+          </a:fillRef>
+          <a:effectRef idx="0">
+            <a:schemeClr val="accent1"/>
+          </a:effectRef>
+          <a:fontRef idx="minor">
+            <a:schemeClr val="lt1"/>
+          </a:fontRef>
+        </p:style>
+        <p:txBody>
+          <a:bodyPr rtlCol="0" anchor="ctr"/>
+          <a:lstStyle/>
+          <a:p>
+            <a:pPr algn="ctr"/>
+            <a:endParaRPr lang="zh-HK" altLang="en-US">
+              <a:solidFill>
+                <a:schemeClr val="bg2">
+                  <a:lumMod val="25000"/>
+                </a:schemeClr>
+              </a:solidFill>
+            </a:endParaRPr>
+          </a:p>
+        </p:txBody>
+      </p:sp>
+      <p:sp>
+        <p:nvSpPr>
+          <p:cNvPr id="30" name="文本框 29"/>
+          <p:cNvSpPr txBox="1"/>
+          <p:nvPr/>
+        </p:nvSpPr>
+        <p:spPr>
+          <a:xfrm>
+            <a:off x="292868" y="3543389"/>
+            <a:ext cx="1770743" cy="369332"/>
+          </a:xfrm>
+          <a:prstGeom prst="rect">
+            <a:avLst/>
+          </a:prstGeom>
+          <a:noFill/>
+        </p:spPr>
+        <p:txBody>
+          <a:bodyPr wrap="square" rtlCol="0">
+            <a:spAutoFit/>
+          </a:bodyPr>
+          <a:lstStyle/>
+          <a:p>
+            <a:pPr algn="ctr"/>
+            <a:r>
+              <a:rPr lang="zh-CN" altLang="en-US" spc="300" dirty="0" smtClean="0">
+                <a:solidFill>
+                  <a:schemeClr val="bg2">
+                    <a:lumMod val="25000"/>
+                  </a:schemeClr>
+                </a:solidFill>
+                <a:latin typeface="华文细黑" panose="02010600040101010101" pitchFamily="2" charset="-122"/>
+                <a:ea typeface="华文细黑" panose="02010600040101010101" pitchFamily="2" charset="-122"/>
+              </a:rPr>
+              <a:t>性格</a:t>
+            </a:r>
+            <a:endParaRPr lang="zh-HK" altLang="en-US" spc="300" dirty="0">
+              <a:solidFill>
+                <a:schemeClr val="bg2">
+                  <a:lumMod val="25000"/>
+                </a:schemeClr>
+              </a:solidFill>
+              <a:latin typeface="华文细黑" panose="02010600040101010101" pitchFamily="2" charset="-122"/>
+              <a:ea typeface="华文细黑" panose="02010600040101010101" pitchFamily="2" charset="-122"/>
+            </a:endParaRPr>
+          </a:p>
+        </p:txBody>
+      </p:sp>
+      <p:sp>
+        <p:nvSpPr>
+          <p:cNvPr id="31" name="矩形 30"/>
+          <p:cNvSpPr/>
+          <p:nvPr/>
+        </p:nvSpPr>
+        <p:spPr>
+          <a:xfrm>
+            <a:off x="438378" y="4147250"/>
+            <a:ext cx="1530351" cy="523220"/>
+          </a:xfrm>
+          <a:prstGeom prst="rect">
+            <a:avLst/>
+          </a:prstGeom>
+        </p:spPr>
+        <p:txBody>
+          <a:bodyPr wrap="square">
+            <a:spAutoFit/>
+          </a:bodyPr>
+          <a:lstStyle/>
+          <a:p>
+            <a:pPr algn="just"/>
+            <a:r>
+              <a:rPr lang="zh-CN" altLang="en-US" sz="1400" dirty="0" smtClean="0">
+                <a:solidFill>
+                  <a:schemeClr val="bg2">
+                    <a:lumMod val="25000"/>
+                  </a:schemeClr>
+                </a:solidFill>
+              </a:rPr>
+              <a:t>较真、暴躁、抠门</a:t>
+            </a:r>
+            <a:endParaRPr lang="zh-HK" altLang="en-US" sz="1400" dirty="0">
+              <a:solidFill>
+                <a:schemeClr val="bg2">
+                  <a:lumMod val="25000"/>
+                </a:schemeClr>
+              </a:solidFill>
+            </a:endParaRPr>
+          </a:p>
+        </p:txBody>
+      </p:sp>
+      <p:sp>
+        <p:nvSpPr>
+          <p:cNvPr id="79" name="任意多边形 78"/>
+          <p:cNvSpPr/>
+          <p:nvPr/>
+        </p:nvSpPr>
+        <p:spPr>
+          <a:xfrm>
+            <a:off x="2161715" y="2706627"/>
+            <a:ext cx="1779140" cy="4151372"/>
+          </a:xfrm>
+          <a:custGeom>
+            <a:avLst/>
+            <a:gdLst>
+              <a:gd name="connsiteX0" fmla="*/ 921658 w 1843316"/>
+              <a:gd name="connsiteY0" fmla="*/ 0 h 3236686"/>
+              <a:gd name="connsiteX1" fmla="*/ 1843316 w 1843316"/>
+              <a:gd name="connsiteY1" fmla="*/ 1117600 h 3236686"/>
+              <a:gd name="connsiteX2" fmla="*/ 1843315 w 1843316"/>
+              <a:gd name="connsiteY2" fmla="*/ 1117600 h 3236686"/>
+              <a:gd name="connsiteX3" fmla="*/ 1843315 w 1843316"/>
+              <a:gd name="connsiteY3" fmla="*/ 3236686 h 3236686"/>
+              <a:gd name="connsiteX4" fmla="*/ 0 w 1843316"/>
+              <a:gd name="connsiteY4" fmla="*/ 3236686 h 3236686"/>
+              <a:gd name="connsiteX5" fmla="*/ 0 w 1843316"/>
+              <a:gd name="connsiteY5" fmla="*/ 1117600 h 3236686"/>
+            </a:gdLst>
+            <a:ahLst/>
+            <a:cxnLst>
+              <a:cxn ang="0">
+                <a:pos x="connsiteX0" y="connsiteY0"/>
+              </a:cxn>
+              <a:cxn ang="0">
+                <a:pos x="connsiteX1" y="connsiteY1"/>
+              </a:cxn>
+              <a:cxn ang="0">
+                <a:pos x="connsiteX2" y="connsiteY2"/>
+              </a:cxn>
+              <a:cxn ang="0">
+                <a:pos x="connsiteX3" y="connsiteY3"/>
+              </a:cxn>
+              <a:cxn ang="0">
+                <a:pos x="connsiteX4" y="connsiteY4"/>
+              </a:cxn>
+              <a:cxn ang="0">
+                <a:pos x="connsiteX5" y="connsiteY5"/>
+              </a:cxn>
+            </a:cxnLst>
+            <a:rect l="l" t="t" r="r" b="b"/>
+            <a:pathLst>
+              <a:path w="1843316" h="3236686">
+                <a:moveTo>
+                  <a:pt x="921658" y="0"/>
+                </a:moveTo>
+                <a:lnTo>
+                  <a:pt x="1843316" y="1117600"/>
+                </a:lnTo>
+                <a:lnTo>
+                  <a:pt x="1843315" y="1117600"/>
+                </a:lnTo>
+                <a:lnTo>
+                  <a:pt x="1843315" y="3236686"/>
+                </a:lnTo>
+                <a:lnTo>
+                  <a:pt x="0" y="3236686"/>
+                </a:lnTo>
+                <a:lnTo>
+                  <a:pt x="0" y="1117600"/>
+                </a:lnTo>
+                <a:close/>
+              </a:path>
+            </a:pathLst>
+          </a:custGeom>
+          <a:noFill/>
+          <a:ln>
+            <a:solidFill>
+              <a:schemeClr val="bg2">
+                <a:lumMod val="25000"/>
+              </a:schemeClr>
+            </a:solidFill>
+            <a:prstDash val="dash"/>
+          </a:ln>
+          <a:effectLst>
+            <a:outerShdw blurRad="50800" dist="38100" dir="2700000" algn="tl" rotWithShape="0">
+              <a:prstClr val="black">
+                <a:alpha val="40000"/>
+              </a:prstClr>
+            </a:outerShdw>
+          </a:effectLst>
+        </p:spPr>
+        <p:style>
+          <a:lnRef idx="2">
+            <a:schemeClr val="accent1">
+              <a:shade val="50000"/>
+            </a:schemeClr>
+          </a:lnRef>
+          <a:fillRef idx="1">
+            <a:schemeClr val="accent1"/>
+          </a:fillRef>
+          <a:effectRef idx="0">
+            <a:schemeClr val="accent1"/>
+          </a:effectRef>
+          <a:fontRef idx="minor">
+            <a:schemeClr val="lt1"/>
+          </a:fontRef>
+        </p:style>
+        <p:txBody>
+          <a:bodyPr rtlCol="0" anchor="ctr"/>
+          <a:lstStyle/>
+          <a:p>
+            <a:pPr algn="ctr"/>
+            <a:endParaRPr lang="zh-HK" altLang="en-US" strike="sngStrike" dirty="0">
+              <a:solidFill>
+                <a:schemeClr val="bg2">
+                  <a:lumMod val="25000"/>
+                </a:schemeClr>
+              </a:solidFill>
+            </a:endParaRPr>
+          </a:p>
+        </p:txBody>
+      </p:sp>
+      <p:sp>
+        <p:nvSpPr>
+          <p:cNvPr id="80" name="文本框 79"/>
+          <p:cNvSpPr txBox="1"/>
+          <p:nvPr/>
+        </p:nvSpPr>
+        <p:spPr>
+          <a:xfrm>
+            <a:off x="2181078" y="3600844"/>
+            <a:ext cx="1774832" cy="338554"/>
+          </a:xfrm>
+          <a:prstGeom prst="rect">
+            <a:avLst/>
+          </a:prstGeom>
+          <a:noFill/>
+        </p:spPr>
+        <p:txBody>
+          <a:bodyPr wrap="square" rtlCol="0">
+            <a:spAutoFit/>
+          </a:bodyPr>
+          <a:lstStyle/>
+          <a:p>
+            <a:pPr algn="ctr"/>
+            <a:r>
+              <a:rPr lang="en-US" altLang="zh-CN" sz="1600" spc="300" dirty="0" smtClean="0">
+                <a:solidFill>
+                  <a:schemeClr val="bg2">
+                    <a:lumMod val="25000"/>
+                  </a:schemeClr>
+                </a:solidFill>
+                <a:latin typeface="华文细黑" panose="02010600040101010101" pitchFamily="2" charset="-122"/>
+                <a:ea typeface="华文细黑" panose="02010600040101010101" pitchFamily="2" charset="-122"/>
+              </a:rPr>
+              <a:t>NPC</a:t>
+            </a:r>
+            <a:r>
+              <a:rPr lang="zh-CN" altLang="en-US" sz="1600" spc="300" dirty="0" smtClean="0">
+                <a:solidFill>
+                  <a:schemeClr val="bg2">
+                    <a:lumMod val="25000"/>
+                  </a:schemeClr>
+                </a:solidFill>
+                <a:latin typeface="华文细黑" panose="02010600040101010101" pitchFamily="2" charset="-122"/>
+                <a:ea typeface="华文细黑" panose="02010600040101010101" pitchFamily="2" charset="-122"/>
+              </a:rPr>
+              <a:t>关系</a:t>
+            </a:r>
+            <a:endParaRPr lang="zh-HK" altLang="en-US" sz="1600" spc="300" dirty="0">
+              <a:solidFill>
+                <a:schemeClr val="bg2">
+                  <a:lumMod val="25000"/>
+                </a:schemeClr>
+              </a:solidFill>
+              <a:latin typeface="华文细黑" panose="02010600040101010101" pitchFamily="2" charset="-122"/>
+              <a:ea typeface="华文细黑" panose="02010600040101010101" pitchFamily="2" charset="-122"/>
+            </a:endParaRPr>
+          </a:p>
+        </p:txBody>
+      </p:sp>
+      <p:sp>
+        <p:nvSpPr>
+          <p:cNvPr id="83" name="任意多边形 82"/>
+          <p:cNvSpPr/>
+          <p:nvPr/>
+        </p:nvSpPr>
+        <p:spPr>
+          <a:xfrm>
+            <a:off x="4129594" y="2706627"/>
+            <a:ext cx="1875583" cy="4151372"/>
+          </a:xfrm>
+          <a:custGeom>
+            <a:avLst/>
+            <a:gdLst>
+              <a:gd name="connsiteX0" fmla="*/ 921658 w 1843316"/>
+              <a:gd name="connsiteY0" fmla="*/ 0 h 3236686"/>
+              <a:gd name="connsiteX1" fmla="*/ 1843316 w 1843316"/>
+              <a:gd name="connsiteY1" fmla="*/ 1117600 h 3236686"/>
+              <a:gd name="connsiteX2" fmla="*/ 1843315 w 1843316"/>
+              <a:gd name="connsiteY2" fmla="*/ 1117600 h 3236686"/>
+              <a:gd name="connsiteX3" fmla="*/ 1843315 w 1843316"/>
+              <a:gd name="connsiteY3" fmla="*/ 3236686 h 3236686"/>
+              <a:gd name="connsiteX4" fmla="*/ 0 w 1843316"/>
+              <a:gd name="connsiteY4" fmla="*/ 3236686 h 3236686"/>
+              <a:gd name="connsiteX5" fmla="*/ 0 w 1843316"/>
+              <a:gd name="connsiteY5" fmla="*/ 1117600 h 3236686"/>
+            </a:gdLst>
+            <a:ahLst/>
+            <a:cxnLst>
+              <a:cxn ang="0">
+                <a:pos x="connsiteX0" y="connsiteY0"/>
+              </a:cxn>
+              <a:cxn ang="0">
+                <a:pos x="connsiteX1" y="connsiteY1"/>
+              </a:cxn>
+              <a:cxn ang="0">
+                <a:pos x="connsiteX2" y="connsiteY2"/>
+              </a:cxn>
+              <a:cxn ang="0">
+                <a:pos x="connsiteX3" y="connsiteY3"/>
+              </a:cxn>
+              <a:cxn ang="0">
+                <a:pos x="connsiteX4" y="connsiteY4"/>
+              </a:cxn>
+              <a:cxn ang="0">
+                <a:pos x="connsiteX5" y="connsiteY5"/>
+              </a:cxn>
+            </a:cxnLst>
+            <a:rect l="l" t="t" r="r" b="b"/>
+            <a:pathLst>
+              <a:path w="1843316" h="3236686">
+                <a:moveTo>
+                  <a:pt x="921658" y="0"/>
+                </a:moveTo>
+                <a:lnTo>
+                  <a:pt x="1843316" y="1117600"/>
+                </a:lnTo>
+                <a:lnTo>
+                  <a:pt x="1843315" y="1117600"/>
+                </a:lnTo>
+                <a:lnTo>
+                  <a:pt x="1843315" y="3236686"/>
+                </a:lnTo>
+                <a:lnTo>
+                  <a:pt x="0" y="3236686"/>
+                </a:lnTo>
+                <a:lnTo>
+                  <a:pt x="0" y="1117600"/>
+                </a:lnTo>
+                <a:close/>
+              </a:path>
+            </a:pathLst>
+          </a:custGeom>
+          <a:noFill/>
+          <a:ln>
+            <a:solidFill>
+              <a:schemeClr val="bg2">
+                <a:lumMod val="25000"/>
+              </a:schemeClr>
+            </a:solidFill>
+            <a:prstDash val="dash"/>
+          </a:ln>
+          <a:effectLst>
+            <a:outerShdw blurRad="50800" dist="38100" dir="2700000" algn="tl" rotWithShape="0">
+              <a:prstClr val="black">
+                <a:alpha val="40000"/>
+              </a:prstClr>
+            </a:outerShdw>
+          </a:effectLst>
+        </p:spPr>
+        <p:style>
+          <a:lnRef idx="2">
+            <a:schemeClr val="accent1">
+              <a:shade val="50000"/>
+            </a:schemeClr>
+          </a:lnRef>
+          <a:fillRef idx="1">
+            <a:schemeClr val="accent1"/>
+          </a:fillRef>
+          <a:effectRef idx="0">
+            <a:schemeClr val="accent1"/>
+          </a:effectRef>
+          <a:fontRef idx="minor">
+            <a:schemeClr val="lt1"/>
+          </a:fontRef>
+        </p:style>
+        <p:txBody>
+          <a:bodyPr rtlCol="0" anchor="ctr"/>
+          <a:lstStyle/>
+          <a:p>
+            <a:pPr algn="ctr"/>
+            <a:endParaRPr lang="zh-HK" altLang="en-US">
+              <a:solidFill>
+                <a:schemeClr val="bg2">
+                  <a:lumMod val="25000"/>
+                </a:schemeClr>
+              </a:solidFill>
+            </a:endParaRPr>
+          </a:p>
+        </p:txBody>
+      </p:sp>
+      <p:sp>
+        <p:nvSpPr>
+          <p:cNvPr id="84" name="文本框 83"/>
+          <p:cNvSpPr txBox="1"/>
+          <p:nvPr/>
+        </p:nvSpPr>
+        <p:spPr>
+          <a:xfrm>
+            <a:off x="4180539" y="3614659"/>
+            <a:ext cx="1770743" cy="338554"/>
+          </a:xfrm>
+          <a:prstGeom prst="rect">
+            <a:avLst/>
+          </a:prstGeom>
+          <a:noFill/>
+        </p:spPr>
+        <p:txBody>
+          <a:bodyPr wrap="square" rtlCol="0">
+            <a:spAutoFit/>
+          </a:bodyPr>
+          <a:lstStyle/>
+          <a:p>
+            <a:pPr algn="ctr"/>
+            <a:r>
+              <a:rPr lang="zh-CN" altLang="en-US" sz="1600" spc="300" dirty="0" smtClean="0">
+                <a:solidFill>
+                  <a:schemeClr val="bg2">
+                    <a:lumMod val="25000"/>
+                  </a:schemeClr>
+                </a:solidFill>
+                <a:latin typeface="华文细黑" panose="02010600040101010101" pitchFamily="2" charset="-122"/>
+                <a:ea typeface="华文细黑" panose="02010600040101010101" pitchFamily="2" charset="-122"/>
+              </a:rPr>
+              <a:t>职业及技能</a:t>
+            </a:r>
+            <a:endParaRPr lang="zh-HK" altLang="en-US" sz="1600" spc="300" dirty="0">
+              <a:solidFill>
+                <a:schemeClr val="bg2">
+                  <a:lumMod val="25000"/>
+                </a:schemeClr>
+              </a:solidFill>
+              <a:latin typeface="华文细黑" panose="02010600040101010101" pitchFamily="2" charset="-122"/>
+              <a:ea typeface="华文细黑" panose="02010600040101010101" pitchFamily="2" charset="-122"/>
+            </a:endParaRPr>
+          </a:p>
+        </p:txBody>
+      </p:sp>
+      <p:sp>
+        <p:nvSpPr>
+          <p:cNvPr id="87" name="任意多边形 86"/>
+          <p:cNvSpPr/>
+          <p:nvPr/>
+        </p:nvSpPr>
+        <p:spPr>
+          <a:xfrm>
+            <a:off x="6238772" y="2706627"/>
+            <a:ext cx="1823041" cy="4151372"/>
+          </a:xfrm>
+          <a:custGeom>
+            <a:avLst/>
+            <a:gdLst>
+              <a:gd name="connsiteX0" fmla="*/ 921658 w 1843316"/>
+              <a:gd name="connsiteY0" fmla="*/ 0 h 3236686"/>
+              <a:gd name="connsiteX1" fmla="*/ 1843316 w 1843316"/>
+              <a:gd name="connsiteY1" fmla="*/ 1117600 h 3236686"/>
+              <a:gd name="connsiteX2" fmla="*/ 1843315 w 1843316"/>
+              <a:gd name="connsiteY2" fmla="*/ 1117600 h 3236686"/>
+              <a:gd name="connsiteX3" fmla="*/ 1843315 w 1843316"/>
+              <a:gd name="connsiteY3" fmla="*/ 3236686 h 3236686"/>
+              <a:gd name="connsiteX4" fmla="*/ 0 w 1843316"/>
+              <a:gd name="connsiteY4" fmla="*/ 3236686 h 3236686"/>
+              <a:gd name="connsiteX5" fmla="*/ 0 w 1843316"/>
+              <a:gd name="connsiteY5" fmla="*/ 1117600 h 3236686"/>
+            </a:gdLst>
+            <a:ahLst/>
+            <a:cxnLst>
+              <a:cxn ang="0">
+                <a:pos x="connsiteX0" y="connsiteY0"/>
+              </a:cxn>
+              <a:cxn ang="0">
+                <a:pos x="connsiteX1" y="connsiteY1"/>
+              </a:cxn>
+              <a:cxn ang="0">
+                <a:pos x="connsiteX2" y="connsiteY2"/>
+              </a:cxn>
+              <a:cxn ang="0">
+                <a:pos x="connsiteX3" y="connsiteY3"/>
+              </a:cxn>
+              <a:cxn ang="0">
+                <a:pos x="connsiteX4" y="connsiteY4"/>
+              </a:cxn>
+              <a:cxn ang="0">
+                <a:pos x="connsiteX5" y="connsiteY5"/>
+              </a:cxn>
+            </a:cxnLst>
+            <a:rect l="l" t="t" r="r" b="b"/>
+            <a:pathLst>
+              <a:path w="1843316" h="3236686">
+                <a:moveTo>
+                  <a:pt x="921658" y="0"/>
+                </a:moveTo>
+                <a:lnTo>
+                  <a:pt x="1843316" y="1117600"/>
+                </a:lnTo>
+                <a:lnTo>
+                  <a:pt x="1843315" y="1117600"/>
+                </a:lnTo>
+                <a:lnTo>
+                  <a:pt x="1843315" y="3236686"/>
+                </a:lnTo>
+                <a:lnTo>
+                  <a:pt x="0" y="3236686"/>
+                </a:lnTo>
+                <a:lnTo>
+                  <a:pt x="0" y="1117600"/>
+                </a:lnTo>
+                <a:close/>
+              </a:path>
+            </a:pathLst>
+          </a:custGeom>
+          <a:noFill/>
+          <a:ln>
+            <a:solidFill>
+              <a:schemeClr val="bg2">
+                <a:lumMod val="25000"/>
+              </a:schemeClr>
+            </a:solidFill>
+            <a:prstDash val="dash"/>
+          </a:ln>
+          <a:effectLst>
+            <a:outerShdw blurRad="50800" dist="38100" dir="2700000" algn="tl" rotWithShape="0">
+              <a:prstClr val="black">
+                <a:alpha val="40000"/>
+              </a:prstClr>
+            </a:outerShdw>
+          </a:effectLst>
+        </p:spPr>
+        <p:style>
+          <a:lnRef idx="2">
+            <a:schemeClr val="accent1">
+              <a:shade val="50000"/>
+            </a:schemeClr>
+          </a:lnRef>
+          <a:fillRef idx="1">
+            <a:schemeClr val="accent1"/>
+          </a:fillRef>
+          <a:effectRef idx="0">
+            <a:schemeClr val="accent1"/>
+          </a:effectRef>
+          <a:fontRef idx="minor">
+            <a:schemeClr val="lt1"/>
+          </a:fontRef>
+        </p:style>
+        <p:txBody>
+          <a:bodyPr rtlCol="0" anchor="ctr"/>
+          <a:lstStyle/>
+          <a:p>
+            <a:pPr algn="ctr"/>
+            <a:endParaRPr lang="zh-HK" altLang="en-US">
+              <a:solidFill>
+                <a:schemeClr val="bg2">
+                  <a:lumMod val="25000"/>
+                </a:schemeClr>
+              </a:solidFill>
+            </a:endParaRPr>
+          </a:p>
+        </p:txBody>
+      </p:sp>
+      <p:sp>
+        <p:nvSpPr>
+          <p:cNvPr id="88" name="文本框 87"/>
+          <p:cNvSpPr txBox="1"/>
+          <p:nvPr/>
+        </p:nvSpPr>
+        <p:spPr>
+          <a:xfrm>
+            <a:off x="6216688" y="3619919"/>
+            <a:ext cx="1770743" cy="369332"/>
+          </a:xfrm>
+          <a:prstGeom prst="rect">
+            <a:avLst/>
+          </a:prstGeom>
+          <a:noFill/>
+        </p:spPr>
+        <p:txBody>
+          <a:bodyPr wrap="square" rtlCol="0">
+            <a:spAutoFit/>
+          </a:bodyPr>
+          <a:lstStyle/>
+          <a:p>
+            <a:pPr algn="ctr"/>
+            <a:r>
+              <a:rPr lang="zh-CN" altLang="en-US" spc="300" dirty="0" smtClean="0">
+                <a:solidFill>
+                  <a:schemeClr val="bg2">
+                    <a:lumMod val="25000"/>
+                  </a:schemeClr>
+                </a:solidFill>
+                <a:latin typeface="华文细黑" panose="02010600040101010101" pitchFamily="2" charset="-122"/>
+                <a:ea typeface="华文细黑" panose="02010600040101010101" pitchFamily="2" charset="-122"/>
+              </a:rPr>
+              <a:t>入坑原因</a:t>
+            </a:r>
+            <a:endParaRPr lang="zh-HK" altLang="en-US" spc="300" dirty="0">
+              <a:solidFill>
+                <a:schemeClr val="bg2">
+                  <a:lumMod val="25000"/>
+                </a:schemeClr>
+              </a:solidFill>
+              <a:latin typeface="华文细黑" panose="02010600040101010101" pitchFamily="2" charset="-122"/>
+              <a:ea typeface="华文细黑" panose="02010600040101010101" pitchFamily="2" charset="-122"/>
+            </a:endParaRPr>
+          </a:p>
+        </p:txBody>
+      </p:sp>
+      <p:sp>
+        <p:nvSpPr>
+          <p:cNvPr id="91" name="任意多边形 90"/>
+          <p:cNvSpPr/>
+          <p:nvPr/>
+        </p:nvSpPr>
+        <p:spPr>
+          <a:xfrm>
+            <a:off x="8274921" y="2706626"/>
+            <a:ext cx="1802600" cy="4151374"/>
+          </a:xfrm>
+          <a:custGeom>
+            <a:avLst/>
+            <a:gdLst>
+              <a:gd name="connsiteX0" fmla="*/ 921658 w 1843316"/>
+              <a:gd name="connsiteY0" fmla="*/ 0 h 3236686"/>
+              <a:gd name="connsiteX1" fmla="*/ 1843316 w 1843316"/>
+              <a:gd name="connsiteY1" fmla="*/ 1117600 h 3236686"/>
+              <a:gd name="connsiteX2" fmla="*/ 1843315 w 1843316"/>
+              <a:gd name="connsiteY2" fmla="*/ 1117600 h 3236686"/>
+              <a:gd name="connsiteX3" fmla="*/ 1843315 w 1843316"/>
+              <a:gd name="connsiteY3" fmla="*/ 3236686 h 3236686"/>
+              <a:gd name="connsiteX4" fmla="*/ 0 w 1843316"/>
+              <a:gd name="connsiteY4" fmla="*/ 3236686 h 3236686"/>
+              <a:gd name="connsiteX5" fmla="*/ 0 w 1843316"/>
+              <a:gd name="connsiteY5" fmla="*/ 1117600 h 3236686"/>
+            </a:gdLst>
+            <a:ahLst/>
+            <a:cxnLst>
+              <a:cxn ang="0">
+                <a:pos x="connsiteX0" y="connsiteY0"/>
+              </a:cxn>
+              <a:cxn ang="0">
+                <a:pos x="connsiteX1" y="connsiteY1"/>
+              </a:cxn>
+              <a:cxn ang="0">
+                <a:pos x="connsiteX2" y="connsiteY2"/>
+              </a:cxn>
+              <a:cxn ang="0">
+                <a:pos x="connsiteX3" y="connsiteY3"/>
+              </a:cxn>
+              <a:cxn ang="0">
+                <a:pos x="connsiteX4" y="connsiteY4"/>
+              </a:cxn>
+              <a:cxn ang="0">
+                <a:pos x="connsiteX5" y="connsiteY5"/>
+              </a:cxn>
+            </a:cxnLst>
+            <a:rect l="l" t="t" r="r" b="b"/>
+            <a:pathLst>
+              <a:path w="1843316" h="3236686">
+                <a:moveTo>
+                  <a:pt x="921658" y="0"/>
+                </a:moveTo>
+                <a:lnTo>
+                  <a:pt x="1843316" y="1117600"/>
+                </a:lnTo>
+                <a:lnTo>
+                  <a:pt x="1843315" y="1117600"/>
+                </a:lnTo>
+                <a:lnTo>
+                  <a:pt x="1843315" y="3236686"/>
+                </a:lnTo>
+                <a:lnTo>
+                  <a:pt x="0" y="3236686"/>
+                </a:lnTo>
+                <a:lnTo>
+                  <a:pt x="0" y="1117600"/>
+                </a:lnTo>
+                <a:close/>
+              </a:path>
+            </a:pathLst>
+          </a:custGeom>
+          <a:noFill/>
+          <a:ln>
+            <a:solidFill>
+              <a:schemeClr val="bg2">
+                <a:lumMod val="25000"/>
+              </a:schemeClr>
+            </a:solidFill>
+            <a:prstDash val="dash"/>
+          </a:ln>
+          <a:effectLst>
+            <a:outerShdw blurRad="50800" dist="38100" dir="2700000" algn="tl" rotWithShape="0">
+              <a:prstClr val="black">
+                <a:alpha val="40000"/>
+              </a:prstClr>
+            </a:outerShdw>
+          </a:effectLst>
+        </p:spPr>
+        <p:style>
+          <a:lnRef idx="2">
+            <a:schemeClr val="accent1">
+              <a:shade val="50000"/>
+            </a:schemeClr>
+          </a:lnRef>
+          <a:fillRef idx="1">
+            <a:schemeClr val="accent1"/>
+          </a:fillRef>
+          <a:effectRef idx="0">
+            <a:schemeClr val="accent1"/>
+          </a:effectRef>
+          <a:fontRef idx="minor">
+            <a:schemeClr val="lt1"/>
+          </a:fontRef>
+        </p:style>
+        <p:txBody>
+          <a:bodyPr rtlCol="0" anchor="ctr"/>
+          <a:lstStyle/>
+          <a:p>
+            <a:pPr algn="ctr"/>
+            <a:endParaRPr lang="zh-HK" altLang="en-US">
+              <a:solidFill>
+                <a:schemeClr val="bg2">
+                  <a:lumMod val="25000"/>
+                </a:schemeClr>
+              </a:solidFill>
+            </a:endParaRPr>
+          </a:p>
+        </p:txBody>
+      </p:sp>
+      <p:sp>
+        <p:nvSpPr>
+          <p:cNvPr id="92" name="文本框 91"/>
+          <p:cNvSpPr txBox="1"/>
+          <p:nvPr/>
+        </p:nvSpPr>
+        <p:spPr>
+          <a:xfrm>
+            <a:off x="8370561" y="3600844"/>
+            <a:ext cx="1770743" cy="369332"/>
+          </a:xfrm>
+          <a:prstGeom prst="rect">
+            <a:avLst/>
+          </a:prstGeom>
+          <a:noFill/>
+        </p:spPr>
+        <p:txBody>
+          <a:bodyPr wrap="square" rtlCol="0">
+            <a:spAutoFit/>
+          </a:bodyPr>
+          <a:lstStyle/>
+          <a:p>
+            <a:pPr algn="ctr"/>
+            <a:r>
+              <a:rPr lang="zh-CN" altLang="en-US" spc="300" dirty="0" smtClean="0">
+                <a:solidFill>
+                  <a:schemeClr val="bg2">
+                    <a:lumMod val="25000"/>
+                  </a:schemeClr>
+                </a:solidFill>
+                <a:latin typeface="华文细黑" panose="02010600040101010101" pitchFamily="2" charset="-122"/>
+                <a:ea typeface="华文细黑" panose="02010600040101010101" pitchFamily="2" charset="-122"/>
+              </a:rPr>
+              <a:t>理想</a:t>
+            </a:r>
+            <a:endParaRPr lang="zh-HK" altLang="en-US" spc="300" dirty="0">
+              <a:solidFill>
+                <a:schemeClr val="bg2">
+                  <a:lumMod val="25000"/>
+                </a:schemeClr>
+              </a:solidFill>
+              <a:latin typeface="华文细黑" panose="02010600040101010101" pitchFamily="2" charset="-122"/>
+              <a:ea typeface="华文细黑" panose="02010600040101010101" pitchFamily="2" charset="-122"/>
+            </a:endParaRPr>
+          </a:p>
+        </p:txBody>
+      </p:sp>
+      <p:sp>
+        <p:nvSpPr>
+          <p:cNvPr id="96" name="文本框 95"/>
+          <p:cNvSpPr txBox="1"/>
+          <p:nvPr/>
+        </p:nvSpPr>
+        <p:spPr>
+          <a:xfrm>
+            <a:off x="1698415" y="298708"/>
+            <a:ext cx="1527932" cy="584775"/>
+          </a:xfrm>
+          <a:prstGeom prst="rect">
+            <a:avLst/>
+          </a:prstGeom>
+          <a:noFill/>
+        </p:spPr>
+        <p:txBody>
+          <a:bodyPr wrap="square" rtlCol="0">
+            <a:spAutoFit/>
+          </a:bodyPr>
+          <a:lstStyle/>
+          <a:p>
+            <a:r>
+              <a:rPr lang="zh-CN" altLang="en-US" sz="3200" b="1" dirty="0" smtClean="0">
+                <a:solidFill>
+                  <a:schemeClr val="bg2">
+                    <a:lumMod val="25000"/>
+                  </a:schemeClr>
+                </a:solidFill>
+                <a:latin typeface="华文细黑" panose="02010600040101010101" pitchFamily="2" charset="-122"/>
+                <a:ea typeface="华文细黑" panose="02010600040101010101" pitchFamily="2" charset="-122"/>
+              </a:rPr>
+              <a:t> </a:t>
+            </a:r>
+            <a:endParaRPr lang="zh-HK" altLang="en-US" sz="3200" b="1" dirty="0">
+              <a:solidFill>
+                <a:schemeClr val="bg2">
+                  <a:lumMod val="25000"/>
+                </a:schemeClr>
+              </a:solidFill>
+              <a:latin typeface="华文细黑" panose="02010600040101010101" pitchFamily="2" charset="-122"/>
+              <a:ea typeface="华文细黑" panose="02010600040101010101" pitchFamily="2" charset="-122"/>
+            </a:endParaRPr>
+          </a:p>
+        </p:txBody>
+      </p:sp>
+      <p:sp>
+        <p:nvSpPr>
+          <p:cNvPr id="28" name="椭圆 27"/>
+          <p:cNvSpPr/>
+          <p:nvPr/>
+        </p:nvSpPr>
+        <p:spPr>
+          <a:xfrm>
+            <a:off x="4746148" y="2028891"/>
+            <a:ext cx="629737" cy="627462"/>
+          </a:xfrm>
+          <a:prstGeom prst="ellipse">
+            <a:avLst/>
+          </a:prstGeom>
+          <a:solidFill>
+            <a:schemeClr val="bg2">
+              <a:lumMod val="25000"/>
+              <a:alpha val="61000"/>
+            </a:schemeClr>
+          </a:solidFill>
+          <a:ln>
+            <a:noFill/>
+          </a:ln>
+        </p:spPr>
+        <p:style>
+          <a:lnRef idx="2">
+            <a:schemeClr val="accent1">
+              <a:shade val="50000"/>
+            </a:schemeClr>
+          </a:lnRef>
+          <a:fillRef idx="1">
+            <a:schemeClr val="accent1"/>
+          </a:fillRef>
+          <a:effectRef idx="0">
+            <a:schemeClr val="accent1"/>
+          </a:effectRef>
+          <a:fontRef idx="minor">
+            <a:schemeClr val="lt1"/>
+          </a:fontRef>
+        </p:style>
+        <p:txBody>
+          <a:bodyPr rtlCol="0" anchor="ctr"/>
+          <a:lstStyle/>
+          <a:p>
+            <a:pPr algn="ctr"/>
+            <a:r>
+              <a:rPr lang="en-US" altLang="zh-CN" sz="4400" b="1" dirty="0">
+                <a:solidFill>
+                  <a:schemeClr val="bg2">
+                    <a:lumMod val="25000"/>
+                  </a:schemeClr>
+                </a:solidFill>
+                <a:effectLst>
+                  <a:outerShdw blurRad="38100" dist="38100" dir="2700000" algn="tl">
+                    <a:srgbClr val="000000">
+                      <a:alpha val="43137"/>
+                    </a:srgbClr>
+                  </a:outerShdw>
+                </a:effectLst>
+                <a:latin typeface="华文细黑" panose="02010600040101010101" pitchFamily="2" charset="-122"/>
+                <a:ea typeface="华文细黑" panose="02010600040101010101" pitchFamily="2" charset="-122"/>
+              </a:rPr>
+              <a:t>C</a:t>
+            </a:r>
+            <a:endParaRPr lang="zh-HK" altLang="en-US" sz="4400" b="1" dirty="0">
+              <a:solidFill>
+                <a:schemeClr val="bg2">
+                  <a:lumMod val="25000"/>
+                </a:schemeClr>
+              </a:solidFill>
+              <a:effectLst>
+                <a:outerShdw blurRad="38100" dist="38100" dir="2700000" algn="tl">
+                  <a:srgbClr val="000000">
+                    <a:alpha val="43137"/>
+                  </a:srgbClr>
+                </a:outerShdw>
+              </a:effectLst>
+              <a:latin typeface="华文细黑" panose="02010600040101010101" pitchFamily="2" charset="-122"/>
+              <a:ea typeface="华文细黑" panose="02010600040101010101" pitchFamily="2" charset="-122"/>
+            </a:endParaRPr>
+          </a:p>
+        </p:txBody>
+      </p:sp>
+      <p:sp>
+        <p:nvSpPr>
+          <p:cNvPr id="2" name="文本框 1"/>
+          <p:cNvSpPr txBox="1"/>
+          <p:nvPr/>
+        </p:nvSpPr>
+        <p:spPr>
+          <a:xfrm>
+            <a:off x="1877583" y="1027954"/>
+            <a:ext cx="1618196" cy="523220"/>
+          </a:xfrm>
+          <a:prstGeom prst="rect">
+            <a:avLst/>
+          </a:prstGeom>
+          <a:noFill/>
+        </p:spPr>
+        <p:txBody>
+          <a:bodyPr wrap="square" rtlCol="0">
+            <a:spAutoFit/>
+          </a:bodyPr>
+          <a:lstStyle/>
+          <a:p>
+            <a:r>
+              <a:rPr kumimoji="1" lang="en-US" altLang="zh-CN" sz="2800" b="1" dirty="0" smtClean="0"/>
+              <a:t>BOSS</a:t>
+            </a:r>
+            <a:endParaRPr kumimoji="1" lang="zh-CN" altLang="en-US" sz="2800" b="1" dirty="0"/>
+          </a:p>
+        </p:txBody>
+      </p:sp>
+      <p:sp>
+        <p:nvSpPr>
+          <p:cNvPr id="37" name="任意多边形 90"/>
+          <p:cNvSpPr/>
+          <p:nvPr/>
+        </p:nvSpPr>
+        <p:spPr>
+          <a:xfrm>
+            <a:off x="10271265" y="2706626"/>
+            <a:ext cx="1710488" cy="4151373"/>
+          </a:xfrm>
+          <a:custGeom>
+            <a:avLst/>
+            <a:gdLst>
+              <a:gd name="connsiteX0" fmla="*/ 921658 w 1843316"/>
+              <a:gd name="connsiteY0" fmla="*/ 0 h 3236686"/>
+              <a:gd name="connsiteX1" fmla="*/ 1843316 w 1843316"/>
+              <a:gd name="connsiteY1" fmla="*/ 1117600 h 3236686"/>
+              <a:gd name="connsiteX2" fmla="*/ 1843315 w 1843316"/>
+              <a:gd name="connsiteY2" fmla="*/ 1117600 h 3236686"/>
+              <a:gd name="connsiteX3" fmla="*/ 1843315 w 1843316"/>
+              <a:gd name="connsiteY3" fmla="*/ 3236686 h 3236686"/>
+              <a:gd name="connsiteX4" fmla="*/ 0 w 1843316"/>
+              <a:gd name="connsiteY4" fmla="*/ 3236686 h 3236686"/>
+              <a:gd name="connsiteX5" fmla="*/ 0 w 1843316"/>
+              <a:gd name="connsiteY5" fmla="*/ 1117600 h 3236686"/>
+            </a:gdLst>
+            <a:ahLst/>
+            <a:cxnLst>
+              <a:cxn ang="0">
+                <a:pos x="connsiteX0" y="connsiteY0"/>
+              </a:cxn>
+              <a:cxn ang="0">
+                <a:pos x="connsiteX1" y="connsiteY1"/>
+              </a:cxn>
+              <a:cxn ang="0">
+                <a:pos x="connsiteX2" y="connsiteY2"/>
+              </a:cxn>
+              <a:cxn ang="0">
+                <a:pos x="connsiteX3" y="connsiteY3"/>
+              </a:cxn>
+              <a:cxn ang="0">
+                <a:pos x="connsiteX4" y="connsiteY4"/>
+              </a:cxn>
+              <a:cxn ang="0">
+                <a:pos x="connsiteX5" y="connsiteY5"/>
+              </a:cxn>
+            </a:cxnLst>
+            <a:rect l="l" t="t" r="r" b="b"/>
+            <a:pathLst>
+              <a:path w="1843316" h="3236686">
+                <a:moveTo>
+                  <a:pt x="921658" y="0"/>
+                </a:moveTo>
+                <a:lnTo>
+                  <a:pt x="1843316" y="1117600"/>
+                </a:lnTo>
+                <a:lnTo>
+                  <a:pt x="1843315" y="1117600"/>
+                </a:lnTo>
+                <a:lnTo>
+                  <a:pt x="1843315" y="3236686"/>
+                </a:lnTo>
+                <a:lnTo>
+                  <a:pt x="0" y="3236686"/>
+                </a:lnTo>
+                <a:lnTo>
+                  <a:pt x="0" y="1117600"/>
+                </a:lnTo>
+                <a:close/>
+              </a:path>
+            </a:pathLst>
+          </a:custGeom>
+          <a:noFill/>
+          <a:ln>
+            <a:solidFill>
+              <a:schemeClr val="bg2">
+                <a:lumMod val="25000"/>
+              </a:schemeClr>
+            </a:solidFill>
+            <a:prstDash val="dash"/>
+          </a:ln>
+          <a:effectLst>
+            <a:outerShdw blurRad="50800" dist="38100" dir="2700000" algn="tl" rotWithShape="0">
+              <a:prstClr val="black">
+                <a:alpha val="40000"/>
+              </a:prstClr>
+            </a:outerShdw>
+          </a:effectLst>
+        </p:spPr>
+        <p:style>
+          <a:lnRef idx="2">
+            <a:schemeClr val="accent1">
+              <a:shade val="50000"/>
+            </a:schemeClr>
+          </a:lnRef>
+          <a:fillRef idx="1">
+            <a:schemeClr val="accent1"/>
+          </a:fillRef>
+          <a:effectRef idx="0">
+            <a:schemeClr val="accent1"/>
+          </a:effectRef>
+          <a:fontRef idx="minor">
+            <a:schemeClr val="lt1"/>
+          </a:fontRef>
+        </p:style>
+        <p:txBody>
+          <a:bodyPr rtlCol="0" anchor="ctr"/>
+          <a:lstStyle/>
+          <a:p>
+            <a:pPr algn="ctr"/>
+            <a:endParaRPr lang="zh-HK" altLang="en-US">
+              <a:solidFill>
+                <a:schemeClr val="bg2">
+                  <a:lumMod val="25000"/>
+                </a:schemeClr>
+              </a:solidFill>
+            </a:endParaRPr>
+          </a:p>
+        </p:txBody>
+      </p:sp>
+      <p:sp>
+        <p:nvSpPr>
+          <p:cNvPr id="38" name="文本框 37"/>
+          <p:cNvSpPr txBox="1"/>
+          <p:nvPr/>
+        </p:nvSpPr>
+        <p:spPr>
+          <a:xfrm>
+            <a:off x="10241137" y="3614659"/>
+            <a:ext cx="1770743" cy="369332"/>
+          </a:xfrm>
+          <a:prstGeom prst="rect">
+            <a:avLst/>
+          </a:prstGeom>
+          <a:noFill/>
+        </p:spPr>
+        <p:txBody>
+          <a:bodyPr wrap="square" rtlCol="0">
+            <a:spAutoFit/>
+          </a:bodyPr>
+          <a:lstStyle/>
+          <a:p>
+            <a:pPr algn="ctr"/>
+            <a:r>
+              <a:rPr lang="zh-CN" altLang="en-US" dirty="0"/>
+              <a:t>背景故事</a:t>
+            </a:r>
+            <a:endParaRPr lang="zh-HK" altLang="en-US" b="1" spc="300" dirty="0">
+              <a:solidFill>
+                <a:schemeClr val="bg2">
+                  <a:lumMod val="25000"/>
+                </a:schemeClr>
+              </a:solidFill>
+              <a:latin typeface="华文细黑" panose="02010600040101010101" pitchFamily="2" charset="-122"/>
+              <a:ea typeface="华文细黑" panose="02010600040101010101" pitchFamily="2" charset="-122"/>
+            </a:endParaRPr>
+          </a:p>
+        </p:txBody>
+      </p:sp>
+      <p:sp>
+        <p:nvSpPr>
+          <p:cNvPr id="34" name="矩形 33"/>
+          <p:cNvSpPr/>
+          <p:nvPr/>
+        </p:nvSpPr>
+        <p:spPr>
+          <a:xfrm>
+            <a:off x="4295840" y="4146265"/>
+            <a:ext cx="1530351" cy="523220"/>
+          </a:xfrm>
+          <a:prstGeom prst="rect">
+            <a:avLst/>
+          </a:prstGeom>
+        </p:spPr>
+        <p:txBody>
+          <a:bodyPr wrap="square">
+            <a:spAutoFit/>
+          </a:bodyPr>
+          <a:lstStyle/>
+          <a:p>
+            <a:pPr algn="ctr"/>
+            <a:r>
+              <a:rPr lang="zh-CN" altLang="en-US" sz="1400" dirty="0" smtClean="0">
+                <a:solidFill>
+                  <a:schemeClr val="bg2">
+                    <a:lumMod val="25000"/>
+                  </a:schemeClr>
+                </a:solidFill>
+              </a:rPr>
+              <a:t>食堂大妈</a:t>
+            </a:r>
+            <a:endParaRPr lang="en-US" altLang="zh-CN" sz="1400" dirty="0" smtClean="0">
+              <a:solidFill>
+                <a:schemeClr val="bg2">
+                  <a:lumMod val="25000"/>
+                </a:schemeClr>
+              </a:solidFill>
+            </a:endParaRPr>
+          </a:p>
+          <a:p>
+            <a:pPr algn="ctr"/>
+            <a:r>
+              <a:rPr lang="en-US" altLang="zh-CN" sz="1400" dirty="0">
+                <a:solidFill>
+                  <a:schemeClr val="bg2">
+                    <a:lumMod val="25000"/>
+                  </a:schemeClr>
+                </a:solidFill>
+              </a:rPr>
+              <a:t>BOSS</a:t>
+            </a:r>
+            <a:endParaRPr lang="en-US" altLang="zh-HK" sz="1400" dirty="0">
+              <a:solidFill>
+                <a:schemeClr val="bg2">
+                  <a:lumMod val="25000"/>
+                </a:schemeClr>
+              </a:solidFill>
+            </a:endParaRPr>
+          </a:p>
+        </p:txBody>
+      </p:sp>
+      <p:sp>
+        <p:nvSpPr>
+          <p:cNvPr id="35" name="矩形 34"/>
+          <p:cNvSpPr/>
+          <p:nvPr/>
+        </p:nvSpPr>
+        <p:spPr>
+          <a:xfrm>
+            <a:off x="6336883" y="4160575"/>
+            <a:ext cx="1530351" cy="307777"/>
+          </a:xfrm>
+          <a:prstGeom prst="rect">
+            <a:avLst/>
+          </a:prstGeom>
+        </p:spPr>
+        <p:txBody>
+          <a:bodyPr wrap="square">
+            <a:spAutoFit/>
+          </a:bodyPr>
+          <a:lstStyle/>
+          <a:p>
+            <a:pPr algn="ctr"/>
+            <a:r>
+              <a:rPr lang="zh-CN" altLang="en-US" sz="1400" dirty="0" smtClean="0">
+                <a:solidFill>
+                  <a:schemeClr val="bg2">
+                    <a:lumMod val="25000"/>
+                  </a:schemeClr>
+                </a:solidFill>
+              </a:rPr>
+              <a:t>赚钱做变性手术</a:t>
+            </a:r>
+            <a:endParaRPr lang="zh-HK" altLang="en-US" sz="1400" dirty="0">
+              <a:solidFill>
+                <a:schemeClr val="bg2">
+                  <a:lumMod val="25000"/>
+                </a:schemeClr>
+              </a:solidFill>
+            </a:endParaRPr>
+          </a:p>
+        </p:txBody>
+      </p:sp>
+      <p:sp>
+        <p:nvSpPr>
+          <p:cNvPr id="41" name="椭圆 40"/>
+          <p:cNvSpPr/>
+          <p:nvPr/>
+        </p:nvSpPr>
+        <p:spPr>
+          <a:xfrm>
+            <a:off x="862179" y="2060570"/>
+            <a:ext cx="629737" cy="627462"/>
+          </a:xfrm>
+          <a:prstGeom prst="ellipse">
+            <a:avLst/>
+          </a:prstGeom>
+          <a:solidFill>
+            <a:schemeClr val="bg2">
+              <a:lumMod val="25000"/>
+              <a:alpha val="61000"/>
+            </a:schemeClr>
+          </a:solidFill>
+          <a:ln>
+            <a:noFill/>
+          </a:ln>
+        </p:spPr>
+        <p:style>
+          <a:lnRef idx="2">
+            <a:schemeClr val="accent1">
+              <a:shade val="50000"/>
+            </a:schemeClr>
+          </a:lnRef>
+          <a:fillRef idx="1">
+            <a:schemeClr val="accent1"/>
+          </a:fillRef>
+          <a:effectRef idx="0">
+            <a:schemeClr val="accent1"/>
+          </a:effectRef>
+          <a:fontRef idx="minor">
+            <a:schemeClr val="lt1"/>
+          </a:fontRef>
+        </p:style>
+        <p:txBody>
+          <a:bodyPr rtlCol="0" anchor="ctr"/>
+          <a:lstStyle/>
+          <a:p>
+            <a:pPr algn="ctr"/>
+            <a:r>
+              <a:rPr lang="en-US" altLang="zh-HK" sz="4400" b="1" dirty="0">
+                <a:solidFill>
+                  <a:schemeClr val="bg2">
+                    <a:lumMod val="25000"/>
+                  </a:schemeClr>
+                </a:solidFill>
+                <a:effectLst>
+                  <a:outerShdw blurRad="38100" dist="38100" dir="2700000" algn="tl">
+                    <a:srgbClr val="000000">
+                      <a:alpha val="43137"/>
+                    </a:srgbClr>
+                  </a:outerShdw>
+                </a:effectLst>
+                <a:latin typeface="华文细黑" panose="02010600040101010101" pitchFamily="2" charset="-122"/>
+                <a:ea typeface="华文细黑" panose="02010600040101010101" pitchFamily="2" charset="-122"/>
+              </a:rPr>
+              <a:t>E</a:t>
+            </a:r>
+            <a:endParaRPr lang="zh-HK" altLang="en-US" sz="4400" b="1" dirty="0">
+              <a:solidFill>
+                <a:schemeClr val="bg2">
+                  <a:lumMod val="25000"/>
+                </a:schemeClr>
+              </a:solidFill>
+              <a:effectLst>
+                <a:outerShdw blurRad="38100" dist="38100" dir="2700000" algn="tl">
+                  <a:srgbClr val="000000">
+                    <a:alpha val="43137"/>
+                  </a:srgbClr>
+                </a:outerShdw>
+              </a:effectLst>
+              <a:latin typeface="华文细黑" panose="02010600040101010101" pitchFamily="2" charset="-122"/>
+              <a:ea typeface="华文细黑" panose="02010600040101010101" pitchFamily="2" charset="-122"/>
+            </a:endParaRPr>
+          </a:p>
+        </p:txBody>
+      </p:sp>
+      <p:sp>
+        <p:nvSpPr>
+          <p:cNvPr id="42" name="椭圆 41"/>
+          <p:cNvSpPr/>
+          <p:nvPr/>
+        </p:nvSpPr>
+        <p:spPr>
+          <a:xfrm>
+            <a:off x="8881259" y="2028891"/>
+            <a:ext cx="629737" cy="627462"/>
+          </a:xfrm>
+          <a:prstGeom prst="ellipse">
+            <a:avLst/>
+          </a:prstGeom>
+          <a:solidFill>
+            <a:schemeClr val="bg2">
+              <a:lumMod val="25000"/>
+              <a:alpha val="61000"/>
+            </a:schemeClr>
+          </a:solidFill>
+          <a:ln>
+            <a:noFill/>
+          </a:ln>
+        </p:spPr>
+        <p:style>
+          <a:lnRef idx="2">
+            <a:schemeClr val="accent1">
+              <a:shade val="50000"/>
+            </a:schemeClr>
+          </a:lnRef>
+          <a:fillRef idx="1">
+            <a:schemeClr val="accent1"/>
+          </a:fillRef>
+          <a:effectRef idx="0">
+            <a:schemeClr val="accent1"/>
+          </a:effectRef>
+          <a:fontRef idx="minor">
+            <a:schemeClr val="lt1"/>
+          </a:fontRef>
+        </p:style>
+        <p:txBody>
+          <a:bodyPr rtlCol="0" anchor="ctr"/>
+          <a:lstStyle/>
+          <a:p>
+            <a:pPr algn="ctr"/>
+            <a:r>
+              <a:rPr lang="en-US" altLang="zh-CN" sz="4400" b="1" dirty="0">
+                <a:solidFill>
+                  <a:schemeClr val="bg2">
+                    <a:lumMod val="25000"/>
+                  </a:schemeClr>
+                </a:solidFill>
+                <a:effectLst>
+                  <a:outerShdw blurRad="38100" dist="38100" dir="2700000" algn="tl">
+                    <a:srgbClr val="000000">
+                      <a:alpha val="43137"/>
+                    </a:srgbClr>
+                  </a:outerShdw>
+                </a:effectLst>
+                <a:latin typeface="华文细黑" panose="02010600040101010101" pitchFamily="2" charset="-122"/>
+                <a:ea typeface="华文细黑" panose="02010600040101010101" pitchFamily="2" charset="-122"/>
+              </a:rPr>
+              <a:t>P</a:t>
+            </a:r>
+            <a:endParaRPr lang="zh-HK" altLang="en-US" sz="4400" b="1" dirty="0">
+              <a:solidFill>
+                <a:schemeClr val="bg2">
+                  <a:lumMod val="25000"/>
+                </a:schemeClr>
+              </a:solidFill>
+              <a:effectLst>
+                <a:outerShdw blurRad="38100" dist="38100" dir="2700000" algn="tl">
+                  <a:srgbClr val="000000">
+                    <a:alpha val="43137"/>
+                  </a:srgbClr>
+                </a:outerShdw>
+              </a:effectLst>
+              <a:latin typeface="华文细黑" panose="02010600040101010101" pitchFamily="2" charset="-122"/>
+              <a:ea typeface="华文细黑" panose="02010600040101010101" pitchFamily="2" charset="-122"/>
+            </a:endParaRPr>
+          </a:p>
+        </p:txBody>
+      </p:sp>
+      <p:sp>
+        <p:nvSpPr>
+          <p:cNvPr id="43" name="椭圆 42"/>
+          <p:cNvSpPr/>
+          <p:nvPr/>
+        </p:nvSpPr>
+        <p:spPr>
+          <a:xfrm>
+            <a:off x="2775778" y="2060570"/>
+            <a:ext cx="629737" cy="627462"/>
+          </a:xfrm>
+          <a:prstGeom prst="ellipse">
+            <a:avLst/>
+          </a:prstGeom>
+          <a:solidFill>
+            <a:schemeClr val="bg2">
+              <a:lumMod val="25000"/>
+              <a:alpha val="61000"/>
+            </a:schemeClr>
+          </a:solidFill>
+          <a:ln>
+            <a:noFill/>
+          </a:ln>
+        </p:spPr>
+        <p:style>
+          <a:lnRef idx="2">
+            <a:schemeClr val="accent1">
+              <a:shade val="50000"/>
+            </a:schemeClr>
+          </a:lnRef>
+          <a:fillRef idx="1">
+            <a:schemeClr val="accent1"/>
+          </a:fillRef>
+          <a:effectRef idx="0">
+            <a:schemeClr val="accent1"/>
+          </a:effectRef>
+          <a:fontRef idx="minor">
+            <a:schemeClr val="lt1"/>
+          </a:fontRef>
+        </p:style>
+        <p:txBody>
+          <a:bodyPr rtlCol="0" anchor="ctr"/>
+          <a:lstStyle/>
+          <a:p>
+            <a:pPr algn="ctr"/>
+            <a:r>
+              <a:rPr lang="en-US" altLang="zh-CN" sz="4400" b="1" dirty="0">
+                <a:solidFill>
+                  <a:schemeClr val="bg2">
+                    <a:lumMod val="25000"/>
+                  </a:schemeClr>
+                </a:solidFill>
+                <a:effectLst>
+                  <a:outerShdw blurRad="38100" dist="38100" dir="2700000" algn="tl">
+                    <a:srgbClr val="000000">
+                      <a:alpha val="43137"/>
+                    </a:srgbClr>
+                  </a:outerShdw>
+                </a:effectLst>
+                <a:latin typeface="华文细黑" panose="02010600040101010101" pitchFamily="2" charset="-122"/>
+                <a:ea typeface="华文细黑" panose="02010600040101010101" pitchFamily="2" charset="-122"/>
+              </a:rPr>
+              <a:t>S</a:t>
+            </a:r>
+            <a:endParaRPr lang="zh-HK" altLang="en-US" sz="4400" b="1" dirty="0">
+              <a:solidFill>
+                <a:schemeClr val="bg2">
+                  <a:lumMod val="25000"/>
+                </a:schemeClr>
+              </a:solidFill>
+              <a:effectLst>
+                <a:outerShdw blurRad="38100" dist="38100" dir="2700000" algn="tl">
+                  <a:srgbClr val="000000">
+                    <a:alpha val="43137"/>
+                  </a:srgbClr>
+                </a:outerShdw>
+              </a:effectLst>
+              <a:latin typeface="华文细黑" panose="02010600040101010101" pitchFamily="2" charset="-122"/>
+              <a:ea typeface="华文细黑" panose="02010600040101010101" pitchFamily="2" charset="-122"/>
+            </a:endParaRPr>
+          </a:p>
+        </p:txBody>
+      </p:sp>
+      <p:sp>
+        <p:nvSpPr>
+          <p:cNvPr id="44" name="椭圆 43"/>
+          <p:cNvSpPr/>
+          <p:nvPr/>
+        </p:nvSpPr>
+        <p:spPr>
+          <a:xfrm>
+            <a:off x="6789717" y="2028891"/>
+            <a:ext cx="629737" cy="627462"/>
+          </a:xfrm>
+          <a:prstGeom prst="ellipse">
+            <a:avLst/>
+          </a:prstGeom>
+          <a:solidFill>
+            <a:schemeClr val="bg2">
+              <a:lumMod val="25000"/>
+              <a:alpha val="61000"/>
+            </a:schemeClr>
+          </a:solidFill>
+          <a:ln>
+            <a:noFill/>
+          </a:ln>
+        </p:spPr>
+        <p:style>
+          <a:lnRef idx="2">
+            <a:schemeClr val="accent1">
+              <a:shade val="50000"/>
+            </a:schemeClr>
+          </a:lnRef>
+          <a:fillRef idx="1">
+            <a:schemeClr val="accent1"/>
+          </a:fillRef>
+          <a:effectRef idx="0">
+            <a:schemeClr val="accent1"/>
+          </a:effectRef>
+          <a:fontRef idx="minor">
+            <a:schemeClr val="lt1"/>
+          </a:fontRef>
+        </p:style>
+        <p:txBody>
+          <a:bodyPr rtlCol="0" anchor="ctr"/>
+          <a:lstStyle/>
+          <a:p>
+            <a:pPr algn="ctr"/>
+            <a:r>
+              <a:rPr lang="en-US" altLang="zh-CN" sz="4400" b="1" dirty="0">
+                <a:solidFill>
+                  <a:schemeClr val="bg2">
+                    <a:lumMod val="25000"/>
+                  </a:schemeClr>
+                </a:solidFill>
+                <a:effectLst>
+                  <a:outerShdw blurRad="38100" dist="38100" dir="2700000" algn="tl">
+                    <a:srgbClr val="000000">
+                      <a:alpha val="43137"/>
+                    </a:srgbClr>
+                  </a:outerShdw>
+                </a:effectLst>
+                <a:latin typeface="华文细黑" panose="02010600040101010101" pitchFamily="2" charset="-122"/>
+                <a:ea typeface="华文细黑" panose="02010600040101010101" pitchFamily="2" charset="-122"/>
+              </a:rPr>
+              <a:t>A</a:t>
+            </a:r>
+            <a:endParaRPr lang="zh-HK" altLang="en-US" sz="4400" b="1" dirty="0">
+              <a:solidFill>
+                <a:schemeClr val="bg2">
+                  <a:lumMod val="25000"/>
+                </a:schemeClr>
+              </a:solidFill>
+              <a:effectLst>
+                <a:outerShdw blurRad="38100" dist="38100" dir="2700000" algn="tl">
+                  <a:srgbClr val="000000">
+                    <a:alpha val="43137"/>
+                  </a:srgbClr>
+                </a:outerShdw>
+              </a:effectLst>
+              <a:latin typeface="华文细黑" panose="02010600040101010101" pitchFamily="2" charset="-122"/>
+              <a:ea typeface="华文细黑" panose="02010600040101010101" pitchFamily="2" charset="-122"/>
+            </a:endParaRPr>
+          </a:p>
+        </p:txBody>
+      </p:sp>
+      <p:sp>
+        <p:nvSpPr>
+          <p:cNvPr id="45" name="椭圆 44"/>
+          <p:cNvSpPr/>
+          <p:nvPr/>
+        </p:nvSpPr>
+        <p:spPr>
+          <a:xfrm>
+            <a:off x="10811639" y="2079164"/>
+            <a:ext cx="629737" cy="627462"/>
+          </a:xfrm>
+          <a:prstGeom prst="ellipse">
+            <a:avLst/>
+          </a:prstGeom>
+          <a:solidFill>
+            <a:schemeClr val="bg2">
+              <a:lumMod val="25000"/>
+              <a:alpha val="61000"/>
+            </a:schemeClr>
+          </a:solidFill>
+          <a:ln>
+            <a:noFill/>
+          </a:ln>
+        </p:spPr>
+        <p:style>
+          <a:lnRef idx="2">
+            <a:schemeClr val="accent1">
+              <a:shade val="50000"/>
+            </a:schemeClr>
+          </a:lnRef>
+          <a:fillRef idx="1">
+            <a:schemeClr val="accent1"/>
+          </a:fillRef>
+          <a:effectRef idx="0">
+            <a:schemeClr val="accent1"/>
+          </a:effectRef>
+          <a:fontRef idx="minor">
+            <a:schemeClr val="lt1"/>
+          </a:fontRef>
+        </p:style>
+        <p:txBody>
+          <a:bodyPr rtlCol="0" anchor="ctr"/>
+          <a:lstStyle/>
+          <a:p>
+            <a:pPr algn="ctr"/>
+            <a:r>
+              <a:rPr lang="en-US" altLang="zh-HK" sz="4400" b="1" dirty="0">
+                <a:solidFill>
+                  <a:schemeClr val="bg2">
+                    <a:lumMod val="25000"/>
+                  </a:schemeClr>
+                </a:solidFill>
+                <a:effectLst>
+                  <a:outerShdw blurRad="38100" dist="38100" dir="2700000" algn="tl">
+                    <a:srgbClr val="000000">
+                      <a:alpha val="43137"/>
+                    </a:srgbClr>
+                  </a:outerShdw>
+                </a:effectLst>
+                <a:latin typeface="华文细黑" panose="02010600040101010101" pitchFamily="2" charset="-122"/>
+                <a:ea typeface="华文细黑" panose="02010600040101010101" pitchFamily="2" charset="-122"/>
+              </a:rPr>
+              <a:t>E</a:t>
+            </a:r>
+            <a:endParaRPr lang="zh-HK" altLang="en-US" sz="4400" b="1" dirty="0">
+              <a:solidFill>
+                <a:schemeClr val="bg2">
+                  <a:lumMod val="25000"/>
+                </a:schemeClr>
+              </a:solidFill>
+              <a:effectLst>
+                <a:outerShdw blurRad="38100" dist="38100" dir="2700000" algn="tl">
+                  <a:srgbClr val="000000">
+                    <a:alpha val="43137"/>
+                  </a:srgbClr>
+                </a:outerShdw>
+              </a:effectLst>
+              <a:latin typeface="华文细黑" panose="02010600040101010101" pitchFamily="2" charset="-122"/>
+              <a:ea typeface="华文细黑" panose="02010600040101010101" pitchFamily="2" charset="-122"/>
+            </a:endParaRPr>
+          </a:p>
+        </p:txBody>
+      </p:sp>
+      <p:sp>
+        <p:nvSpPr>
+          <p:cNvPr id="39" name="矩形 38"/>
+          <p:cNvSpPr/>
+          <p:nvPr/>
+        </p:nvSpPr>
+        <p:spPr>
+          <a:xfrm>
+            <a:off x="10339243" y="4129797"/>
+            <a:ext cx="1530351" cy="1015663"/>
+          </a:xfrm>
+          <a:prstGeom prst="rect">
+            <a:avLst/>
+          </a:prstGeom>
+        </p:spPr>
+        <p:txBody>
+          <a:bodyPr wrap="square">
+            <a:spAutoFit/>
+          </a:bodyPr>
+          <a:lstStyle/>
+          <a:p>
+            <a:pPr algn="just">
+              <a:lnSpc>
+                <a:spcPts val="1780"/>
+              </a:lnSpc>
+            </a:pPr>
+            <a:r>
+              <a:rPr lang="en-US" altLang="zh-CN" sz="1400" dirty="0" smtClean="0"/>
+              <a:t>B</a:t>
+            </a:r>
+            <a:r>
+              <a:rPr lang="zh-CN" altLang="en-US" sz="1400" dirty="0" smtClean="0"/>
+              <a:t>哥很爱一个</a:t>
+            </a:r>
+            <a:r>
+              <a:rPr lang="zh-CN" altLang="en-US" sz="1400" dirty="0"/>
+              <a:t>男</a:t>
+            </a:r>
+            <a:r>
+              <a:rPr lang="zh-CN" altLang="en-US" sz="1400" dirty="0" smtClean="0"/>
+              <a:t>人，但是对方是直男，</a:t>
+            </a:r>
+            <a:r>
+              <a:rPr lang="en-US" altLang="zh-CN" sz="1400" dirty="0" smtClean="0"/>
+              <a:t>b</a:t>
+            </a:r>
+            <a:r>
+              <a:rPr lang="zh-CN" altLang="en-US" sz="1400" dirty="0" smtClean="0"/>
+              <a:t>哥要为了爱情变性</a:t>
+            </a:r>
+            <a:endParaRPr lang="zh-HK" altLang="en-US" sz="1400" dirty="0"/>
+          </a:p>
+        </p:txBody>
+      </p:sp>
+      <p:sp>
+        <p:nvSpPr>
+          <p:cNvPr id="33" name="文本框 32"/>
+          <p:cNvSpPr txBox="1"/>
+          <p:nvPr/>
+        </p:nvSpPr>
+        <p:spPr>
+          <a:xfrm>
+            <a:off x="1877583" y="360756"/>
+            <a:ext cx="1142265" cy="584775"/>
+          </a:xfrm>
+          <a:prstGeom prst="rect">
+            <a:avLst/>
+          </a:prstGeom>
+          <a:noFill/>
+        </p:spPr>
+        <p:txBody>
+          <a:bodyPr wrap="square" rtlCol="0">
+            <a:spAutoFit/>
+          </a:bodyPr>
+          <a:lstStyle/>
+          <a:p>
+            <a:r>
+              <a:rPr lang="en-US" altLang="zh-CN" sz="3200" b="1" dirty="0" smtClean="0">
+                <a:solidFill>
+                  <a:schemeClr val="bg2">
+                    <a:lumMod val="25000"/>
+                  </a:schemeClr>
+                </a:solidFill>
+                <a:latin typeface="华文细黑" panose="02010600040101010101" pitchFamily="2" charset="-122"/>
+                <a:ea typeface="华文细黑" panose="02010600040101010101" pitchFamily="2" charset="-122"/>
+              </a:rPr>
+              <a:t>B</a:t>
+            </a:r>
+            <a:r>
+              <a:rPr lang="zh-CN" altLang="en-US" sz="3200" b="1" dirty="0" smtClean="0">
+                <a:solidFill>
+                  <a:schemeClr val="bg2">
+                    <a:lumMod val="25000"/>
+                  </a:schemeClr>
+                </a:solidFill>
+                <a:latin typeface="华文细黑" panose="02010600040101010101" pitchFamily="2" charset="-122"/>
+                <a:ea typeface="华文细黑" panose="02010600040101010101" pitchFamily="2" charset="-122"/>
+              </a:rPr>
+              <a:t>哥</a:t>
+            </a:r>
+            <a:endParaRPr lang="zh-HK" altLang="en-US" sz="3200" b="1" dirty="0">
+              <a:solidFill>
+                <a:schemeClr val="bg2">
+                  <a:lumMod val="25000"/>
+                </a:schemeClr>
+              </a:solidFill>
+              <a:latin typeface="华文细黑" panose="02010600040101010101" pitchFamily="2" charset="-122"/>
+              <a:ea typeface="华文细黑" panose="02010600040101010101" pitchFamily="2" charset="-122"/>
+            </a:endParaRPr>
+          </a:p>
+        </p:txBody>
+      </p:sp>
+      <p:sp>
+        <p:nvSpPr>
+          <p:cNvPr id="3" name="TextBox 2"/>
+          <p:cNvSpPr txBox="1"/>
+          <p:nvPr/>
+        </p:nvSpPr>
+        <p:spPr>
+          <a:xfrm>
+            <a:off x="8658403" y="4160575"/>
+            <a:ext cx="1195057" cy="307777"/>
+          </a:xfrm>
+          <a:prstGeom prst="rect">
+            <a:avLst/>
+          </a:prstGeom>
+          <a:noFill/>
+        </p:spPr>
+        <p:txBody>
+          <a:bodyPr wrap="square" rtlCol="0">
+            <a:spAutoFit/>
+          </a:bodyPr>
+          <a:lstStyle/>
+          <a:p>
+            <a:r>
+              <a:rPr lang="zh-CN" altLang="en-US" sz="1400" dirty="0" smtClean="0"/>
+              <a:t>做女人</a:t>
+            </a:r>
+            <a:endParaRPr lang="zh-CN" altLang="en-US" sz="1400" dirty="0"/>
+          </a:p>
+        </p:txBody>
+      </p:sp>
+      <p:sp>
+        <p:nvSpPr>
+          <p:cNvPr id="4" name="TextBox 3"/>
+          <p:cNvSpPr txBox="1"/>
+          <p:nvPr/>
+        </p:nvSpPr>
+        <p:spPr>
+          <a:xfrm>
+            <a:off x="10331557" y="5303358"/>
+            <a:ext cx="1530351" cy="523220"/>
+          </a:xfrm>
+          <a:prstGeom prst="rect">
+            <a:avLst/>
+          </a:prstGeom>
+          <a:noFill/>
+        </p:spPr>
+        <p:txBody>
+          <a:bodyPr wrap="square" rtlCol="0">
+            <a:spAutoFit/>
+          </a:bodyPr>
+          <a:lstStyle/>
+          <a:p>
+            <a:r>
+              <a:rPr lang="en-US" altLang="zh-CN" sz="1400" dirty="0" smtClean="0"/>
+              <a:t>B</a:t>
+            </a:r>
+            <a:r>
+              <a:rPr lang="zh-CN" altLang="en-US" sz="1400" dirty="0" smtClean="0"/>
+              <a:t>哥为了隐藏自己，伪装成食堂大妈</a:t>
+            </a:r>
+            <a:endParaRPr lang="zh-CN" altLang="en-US" sz="1400" dirty="0"/>
+          </a:p>
+        </p:txBody>
+      </p:sp>
+      <p:sp>
+        <p:nvSpPr>
+          <p:cNvPr id="36" name="矩形 30"/>
+          <p:cNvSpPr/>
+          <p:nvPr/>
+        </p:nvSpPr>
+        <p:spPr>
+          <a:xfrm>
+            <a:off x="2351453" y="4147250"/>
+            <a:ext cx="1530351" cy="307777"/>
+          </a:xfrm>
+          <a:prstGeom prst="rect">
+            <a:avLst/>
+          </a:prstGeom>
+        </p:spPr>
+        <p:txBody>
+          <a:bodyPr wrap="square">
+            <a:spAutoFit/>
+          </a:bodyPr>
+          <a:lstStyle/>
+          <a:p>
+            <a:pPr algn="just"/>
+            <a:r>
+              <a:rPr lang="zh-CN" altLang="en-US" sz="1400" dirty="0" smtClean="0">
+                <a:solidFill>
+                  <a:schemeClr val="bg2">
+                    <a:lumMod val="25000"/>
+                  </a:schemeClr>
+                </a:solidFill>
+              </a:rPr>
+              <a:t>王伟</a:t>
+            </a:r>
+            <a:endParaRPr lang="zh-HK" altLang="en-US" sz="1400" dirty="0">
+              <a:solidFill>
+                <a:schemeClr val="bg2">
+                  <a:lumMod val="25000"/>
+                </a:schemeClr>
+              </a:solidFill>
+            </a:endParaRPr>
+          </a:p>
+        </p:txBody>
+      </p:sp>
+      <p:sp>
+        <p:nvSpPr>
+          <p:cNvPr id="46" name="矩形 30"/>
+          <p:cNvSpPr/>
+          <p:nvPr/>
+        </p:nvSpPr>
+        <p:spPr>
+          <a:xfrm>
+            <a:off x="2351453" y="4515596"/>
+            <a:ext cx="1530351" cy="307777"/>
+          </a:xfrm>
+          <a:prstGeom prst="rect">
+            <a:avLst/>
+          </a:prstGeom>
+        </p:spPr>
+        <p:txBody>
+          <a:bodyPr wrap="square">
+            <a:spAutoFit/>
+          </a:bodyPr>
+          <a:lstStyle/>
+          <a:p>
+            <a:pPr algn="just"/>
+            <a:r>
+              <a:rPr lang="zh-CN" altLang="en-US" sz="1400" dirty="0" smtClean="0">
+                <a:solidFill>
+                  <a:schemeClr val="bg2">
+                    <a:lumMod val="25000"/>
+                  </a:schemeClr>
+                </a:solidFill>
+              </a:rPr>
+              <a:t>王燕</a:t>
+            </a:r>
+            <a:endParaRPr lang="zh-HK" altLang="en-US" sz="1400" dirty="0">
+              <a:solidFill>
+                <a:schemeClr val="bg2">
+                  <a:lumMod val="25000"/>
+                </a:schemeClr>
+              </a:solidFill>
+            </a:endParaRPr>
+          </a:p>
+        </p:txBody>
+      </p:sp>
+      <p:sp>
+        <p:nvSpPr>
+          <p:cNvPr id="47" name="矩形 30"/>
+          <p:cNvSpPr/>
+          <p:nvPr/>
+        </p:nvSpPr>
+        <p:spPr>
+          <a:xfrm>
+            <a:off x="2366516" y="4914627"/>
+            <a:ext cx="1530351" cy="307777"/>
+          </a:xfrm>
+          <a:prstGeom prst="rect">
+            <a:avLst/>
+          </a:prstGeom>
+        </p:spPr>
+        <p:txBody>
+          <a:bodyPr wrap="square">
+            <a:spAutoFit/>
+          </a:bodyPr>
+          <a:lstStyle/>
+          <a:p>
+            <a:pPr algn="just"/>
+            <a:r>
+              <a:rPr lang="zh-CN" altLang="en-US" sz="1400" dirty="0" smtClean="0">
+                <a:solidFill>
+                  <a:schemeClr val="bg2">
+                    <a:lumMod val="25000"/>
+                  </a:schemeClr>
+                </a:solidFill>
+              </a:rPr>
+              <a:t>薇儿</a:t>
+            </a:r>
+            <a:endParaRPr lang="zh-HK" altLang="en-US" sz="1400" dirty="0">
+              <a:solidFill>
+                <a:schemeClr val="bg2">
+                  <a:lumMod val="25000"/>
+                </a:schemeClr>
+              </a:solidFill>
+            </a:endParaRPr>
+          </a:p>
+        </p:txBody>
+      </p:sp>
+      <p:sp>
+        <p:nvSpPr>
+          <p:cNvPr id="48" name="矩形 30"/>
+          <p:cNvSpPr/>
+          <p:nvPr/>
+        </p:nvSpPr>
+        <p:spPr>
+          <a:xfrm>
+            <a:off x="2366516" y="5294880"/>
+            <a:ext cx="1530351" cy="307777"/>
+          </a:xfrm>
+          <a:prstGeom prst="rect">
+            <a:avLst/>
+          </a:prstGeom>
+        </p:spPr>
+        <p:txBody>
+          <a:bodyPr wrap="square">
+            <a:spAutoFit/>
+          </a:bodyPr>
+          <a:lstStyle/>
+          <a:p>
+            <a:pPr algn="just"/>
+            <a:r>
+              <a:rPr lang="zh-CN" altLang="en-US" sz="1400" dirty="0" smtClean="0">
+                <a:solidFill>
+                  <a:schemeClr val="bg2">
+                    <a:lumMod val="25000"/>
+                  </a:schemeClr>
+                </a:solidFill>
+              </a:rPr>
+              <a:t>姗姗</a:t>
+            </a:r>
+            <a:endParaRPr lang="zh-HK" altLang="en-US" sz="1400" dirty="0">
+              <a:solidFill>
+                <a:schemeClr val="bg2">
+                  <a:lumMod val="25000"/>
+                </a:schemeClr>
+              </a:solidFill>
+            </a:endParaRPr>
+          </a:p>
+        </p:txBody>
+      </p:sp>
+    </p:spTree>
+    <p:extLst>
+      <p:ext uri="{BB962C8B-B14F-4D97-AF65-F5344CB8AC3E}">
+        <p14:creationId xmlns:p14="http://schemas.microsoft.com/office/powerpoint/2010/main" val="3053665471"/>
       </p:ext>
     </p:extLst>
   </p:cSld>
@@ -12778,11 +14956,7 @@
             </a:pPr>
             <a:r>
               <a:rPr lang="zh-CN" altLang="en-US" sz="1400" dirty="0" smtClean="0"/>
-              <a:t>被主播薇儿骗入坑，一心追求薇儿，不惜挥金如土</a:t>
-            </a:r>
-            <a:r>
-              <a:rPr lang="zh-CN" altLang="en-US" sz="1400" dirty="0" smtClean="0"/>
-              <a:t>。</a:t>
+              <a:t>被主播薇儿骗入坑，一心追求薇儿，不惜挥金如土。</a:t>
             </a:r>
             <a:endParaRPr lang="en-US" altLang="zh-CN" sz="1400" dirty="0" smtClean="0"/>
           </a:p>
@@ -19779,19 +21953,7 @@
                 <a:latin typeface="华文细黑" panose="02010600040101010101" pitchFamily="2" charset="-122"/>
                 <a:ea typeface="华文细黑" panose="02010600040101010101" pitchFamily="2" charset="-122"/>
               </a:rPr>
-              <a:t>关</a:t>
-            </a:r>
-            <a:r>
-              <a:rPr lang="zh-CN" altLang="en-US" sz="1600" spc="300" dirty="0" smtClean="0">
-                <a:solidFill>
-                  <a:schemeClr val="bg2">
-                    <a:lumMod val="25000"/>
-                  </a:schemeClr>
-                </a:solidFill>
-                <a:latin typeface="华文细黑" panose="02010600040101010101" pitchFamily="2" charset="-122"/>
-                <a:ea typeface="华文细黑" panose="02010600040101010101" pitchFamily="2" charset="-122"/>
-              </a:rPr>
-              <a:t>系</a:t>
+              <a:t>关系</a:t>
             </a:r>
             <a:endParaRPr lang="zh-HK" altLang="en-US" sz="1600" spc="300" dirty="0">
               <a:solidFill>
@@ -21875,19 +24037,7 @@
                 <a:latin typeface="华文细黑" panose="02010600040101010101" pitchFamily="2" charset="-122"/>
                 <a:ea typeface="华文细黑" panose="02010600040101010101" pitchFamily="2" charset="-122"/>
               </a:rPr>
-              <a:t>关</a:t>
-            </a:r>
-            <a:r>
-              <a:rPr lang="zh-CN" altLang="en-US" sz="1600" spc="300" dirty="0" smtClean="0">
-                <a:solidFill>
-                  <a:schemeClr val="bg2">
-                    <a:lumMod val="25000"/>
-                  </a:schemeClr>
-                </a:solidFill>
-                <a:latin typeface="华文细黑" panose="02010600040101010101" pitchFamily="2" charset="-122"/>
-                <a:ea typeface="华文细黑" panose="02010600040101010101" pitchFamily="2" charset="-122"/>
-              </a:rPr>
-              <a:t>系</a:t>
+              <a:t>关系</a:t>
             </a:r>
             <a:endParaRPr lang="zh-HK" altLang="en-US" sz="1600" spc="300" dirty="0">
               <a:solidFill>
@@ -23793,17 +25943,7 @@
                   </a:schemeClr>
                 </a:solidFill>
               </a:rPr>
-              <a:t>不苟言笑，善于算</a:t>
-            </a:r>
-            <a:r>
-              <a:rPr lang="zh-CN" altLang="en-US" sz="1400" dirty="0" smtClean="0">
-                <a:solidFill>
-                  <a:schemeClr val="bg2">
-                    <a:lumMod val="25000"/>
-                  </a:schemeClr>
-                </a:solidFill>
-              </a:rPr>
-              <a:t>计，有神秘色彩</a:t>
+              <a:t>不苟言笑，善于算计，有神秘色彩</a:t>
             </a:r>
             <a:endParaRPr lang="zh-HK" altLang="en-US" sz="1400" dirty="0">
               <a:solidFill>
@@ -23981,19 +26121,7 @@
                 <a:latin typeface="华文细黑" panose="02010600040101010101" pitchFamily="2" charset="-122"/>
                 <a:ea typeface="华文细黑" panose="02010600040101010101" pitchFamily="2" charset="-122"/>
               </a:rPr>
-              <a:t>关</a:t>
-            </a:r>
-            <a:r>
-              <a:rPr lang="zh-CN" altLang="en-US" sz="1600" spc="300" dirty="0" smtClean="0">
-                <a:solidFill>
-                  <a:schemeClr val="bg2">
-                    <a:lumMod val="25000"/>
-                  </a:schemeClr>
-                </a:solidFill>
-                <a:latin typeface="华文细黑" panose="02010600040101010101" pitchFamily="2" charset="-122"/>
-                <a:ea typeface="华文细黑" panose="02010600040101010101" pitchFamily="2" charset="-122"/>
-              </a:rPr>
-              <a:t>系</a:t>
+              <a:t>关系</a:t>
             </a:r>
             <a:endParaRPr lang="zh-HK" altLang="en-US" sz="1600" spc="300" dirty="0">
               <a:solidFill>
@@ -26003,17 +28131,7 @@
                   </a:schemeClr>
                 </a:solidFill>
               </a:rPr>
-              <a:t>爱慕虚荣</a:t>
-            </a:r>
-            <a:r>
-              <a:rPr lang="zh-CN" altLang="en-US" sz="1400" dirty="0" smtClean="0">
-                <a:solidFill>
-                  <a:schemeClr val="bg2">
-                    <a:lumMod val="25000"/>
-                  </a:schemeClr>
-                </a:solidFill>
-              </a:rPr>
-              <a:t>，神经质，最大爱好是学习</a:t>
+              <a:t>爱慕虚荣，神经质，最大爱好是学习</a:t>
             </a:r>
             <a:endParaRPr lang="zh-HK" altLang="en-US" sz="1400" dirty="0">
               <a:solidFill>
@@ -26191,19 +28309,7 @@
                 <a:latin typeface="华文细黑" panose="02010600040101010101" pitchFamily="2" charset="-122"/>
                 <a:ea typeface="华文细黑" panose="02010600040101010101" pitchFamily="2" charset="-122"/>
               </a:rPr>
-              <a:t>关</a:t>
-            </a:r>
-            <a:r>
-              <a:rPr lang="zh-CN" altLang="en-US" sz="1600" spc="300" dirty="0" smtClean="0">
-                <a:solidFill>
-                  <a:schemeClr val="bg2">
-                    <a:lumMod val="25000"/>
-                  </a:schemeClr>
-                </a:solidFill>
-                <a:latin typeface="华文细黑" panose="02010600040101010101" pitchFamily="2" charset="-122"/>
-                <a:ea typeface="华文细黑" panose="02010600040101010101" pitchFamily="2" charset="-122"/>
-              </a:rPr>
-              <a:t>系</a:t>
+              <a:t>关系</a:t>
             </a:r>
             <a:endParaRPr lang="zh-HK" altLang="en-US" sz="1600" spc="300" dirty="0">
               <a:solidFill>
